--- a/rw.pptx
+++ b/rw.pptx
@@ -7275,7 +7275,7 @@
           <a:graphicData uri="http://schemas.openxmlformats.org/presentationml/2006/ole">
             <mc:AlternateContent xmlns:mc="http://schemas.openxmlformats.org/markup-compatibility/2006">
               <mc:Choice xmlns:v="urn:schemas-microsoft-com:vml" Requires="v">
-                <p:oleObj spid="_x0000_s28792" name="Visio" r:id="rId6" imgW="5289194" imgH="2914802" progId="Visio.Drawing.11">
+                <p:oleObj spid="_x0000_s28803" name="Visio" r:id="rId6" imgW="5289194" imgH="2914802" progId="Visio.Drawing.11">
                   <p:embed/>
                 </p:oleObj>
               </mc:Choice>
@@ -7479,7 +7479,7 @@
           <a:graphicData uri="http://schemas.openxmlformats.org/presentationml/2006/ole">
             <mc:AlternateContent xmlns:mc="http://schemas.openxmlformats.org/markup-compatibility/2006">
               <mc:Choice xmlns:v="urn:schemas-microsoft-com:vml" Requires="v">
-                <p:oleObj spid="_x0000_s30106" name="Visio" r:id="rId9" imgW="5289194" imgH="1988515" progId="Visio.Drawing.11">
+                <p:oleObj spid="_x0000_s30150" name="Visio" r:id="rId9" imgW="5289194" imgH="1988515" progId="Visio.Drawing.11">
                   <p:embed/>
                 </p:oleObj>
               </mc:Choice>
@@ -7581,7 +7581,7 @@
           <a:graphicData uri="http://schemas.openxmlformats.org/presentationml/2006/ole">
             <mc:AlternateContent xmlns:mc="http://schemas.openxmlformats.org/markup-compatibility/2006">
               <mc:Choice xmlns:v="urn:schemas-microsoft-com:vml" Requires="v">
-                <p:oleObj spid="_x0000_s30107" name="Visio" r:id="rId11" imgW="5289194" imgH="2888590" progId="Visio.Drawing.11">
+                <p:oleObj spid="_x0000_s30151" name="Visio" r:id="rId11" imgW="5289194" imgH="2888590" progId="Visio.Drawing.11">
                   <p:embed/>
                 </p:oleObj>
               </mc:Choice>
@@ -7682,7 +7682,7 @@
           <a:graphicData uri="http://schemas.openxmlformats.org/presentationml/2006/ole">
             <mc:AlternateContent xmlns:mc="http://schemas.openxmlformats.org/markup-compatibility/2006">
               <mc:Choice xmlns:v="urn:schemas-microsoft-com:vml" Requires="v">
-                <p:oleObj spid="_x0000_s30108" name="Visio" r:id="rId13" imgW="5186172" imgH="754685" progId="Visio.Drawing.11">
+                <p:oleObj spid="_x0000_s30152" name="Visio" r:id="rId13" imgW="5186172" imgH="754685" progId="Visio.Drawing.11">
                   <p:embed/>
                 </p:oleObj>
               </mc:Choice>
@@ -7783,7 +7783,7 @@
           <a:graphicData uri="http://schemas.openxmlformats.org/presentationml/2006/ole">
             <mc:AlternateContent xmlns:mc="http://schemas.openxmlformats.org/markup-compatibility/2006">
               <mc:Choice xmlns:v="urn:schemas-microsoft-com:vml" Requires="v">
-                <p:oleObj spid="_x0000_s30109" name="Visio" r:id="rId15" imgW="5186172" imgH="1870558" progId="Visio.Drawing.11">
+                <p:oleObj spid="_x0000_s30153" name="Visio" r:id="rId15" imgW="5186172" imgH="1870558" progId="Visio.Drawing.11">
                   <p:embed/>
                 </p:oleObj>
               </mc:Choice>
@@ -8352,7 +8352,7 @@
       </p:pic>
       <p:pic>
         <p:nvPicPr>
-          <p:cNvPr id="4" name="Picture 3"/>
+          <p:cNvPr id="6" name="图片 5"/>
           <p:cNvPicPr>
             <a:picLocks noChangeAspect="1"/>
           </p:cNvPicPr>
@@ -8376,7 +8376,7 @@
         </p:blipFill>
         <p:spPr>
           <a:xfrm>
-            <a:off x="6077963" y="3209195"/>
+            <a:off x="6077964" y="3209195"/>
             <a:ext cx="1999237" cy="251429"/>
           </a:xfrm>
           <a:prstGeom prst="rect">
@@ -8780,7 +8780,7 @@
           <a:graphicData uri="http://schemas.openxmlformats.org/presentationml/2006/ole">
             <mc:AlternateContent xmlns:mc="http://schemas.openxmlformats.org/markup-compatibility/2006">
               <mc:Choice xmlns:v="urn:schemas-microsoft-com:vml" Requires="v">
-                <p:oleObj spid="_x0000_s30808" name="Visio" r:id="rId7" imgW="5038954" imgH="751637" progId="Visio.Drawing.11">
+                <p:oleObj spid="_x0000_s30830" name="Visio" r:id="rId7" imgW="5038954" imgH="751637" progId="Visio.Drawing.11">
                   <p:embed/>
                 </p:oleObj>
               </mc:Choice>
@@ -8935,7 +8935,7 @@
           <a:graphicData uri="http://schemas.openxmlformats.org/presentationml/2006/ole">
             <mc:AlternateContent xmlns:mc="http://schemas.openxmlformats.org/markup-compatibility/2006">
               <mc:Choice xmlns:v="urn:schemas-microsoft-com:vml" Requires="v">
-                <p:oleObj spid="_x0000_s30809" name="Visio" r:id="rId9" imgW="5038954" imgH="1130503" progId="Visio.Drawing.11">
+                <p:oleObj spid="_x0000_s30831" name="Visio" r:id="rId9" imgW="5038954" imgH="1130503" progId="Visio.Drawing.11">
                   <p:embed/>
                 </p:oleObj>
               </mc:Choice>
@@ -11623,7 +11623,7 @@
           </p:nvPr>
         </p:nvPicPr>
         <p:blipFill>
-          <a:blip r:embed="rId8" cstate="print">
+          <a:blip r:embed="rId9" cstate="print">
             <a:extLst>
               <a:ext uri="{28A0092B-C50C-407E-A947-70E740481C1C}">
                 <a14:useLocalDpi xmlns:a14="http://schemas.microsoft.com/office/drawing/2010/main" val="0"/>
@@ -11657,7 +11657,7 @@
           </p:nvPr>
         </p:nvPicPr>
         <p:blipFill>
-          <a:blip r:embed="rId9" cstate="print">
+          <a:blip r:embed="rId10" cstate="print">
             <a:extLst>
               <a:ext uri="{28A0092B-C50C-407E-A947-70E740481C1C}">
                 <a14:useLocalDpi xmlns:a14="http://schemas.microsoft.com/office/drawing/2010/main" val="0"/>
@@ -11691,7 +11691,7 @@
           </p:nvPr>
         </p:nvPicPr>
         <p:blipFill>
-          <a:blip r:embed="rId10" cstate="print">
+          <a:blip r:embed="rId11" cstate="print">
             <a:extLst>
               <a:ext uri="{28A0092B-C50C-407E-A947-70E740481C1C}">
                 <a14:useLocalDpi xmlns:a14="http://schemas.microsoft.com/office/drawing/2010/main" val="0"/>
@@ -12405,7 +12405,7 @@
           </p:nvPr>
         </p:nvPicPr>
         <p:blipFill>
-          <a:blip r:embed="rId11" cstate="print">
+          <a:blip r:embed="rId12" cstate="print">
             <a:extLst>
               <a:ext uri="{28A0092B-C50C-407E-A947-70E740481C1C}">
                 <a14:useLocalDpi xmlns:a14="http://schemas.microsoft.com/office/drawing/2010/main" val="0"/>
@@ -12420,6 +12420,40 @@
           <a:xfrm>
             <a:off x="7149086" y="3659914"/>
             <a:ext cx="1232914" cy="226286"/>
+          </a:xfrm>
+          <a:prstGeom prst="rect">
+            <a:avLst/>
+          </a:prstGeom>
+        </p:spPr>
+      </p:pic>
+      <p:pic>
+        <p:nvPicPr>
+          <p:cNvPr id="3" name="图片 2"/>
+          <p:cNvPicPr>
+            <a:picLocks noChangeAspect="1"/>
+          </p:cNvPicPr>
+          <p:nvPr>
+            <p:custDataLst>
+              <p:tags r:id="rId6"/>
+            </p:custDataLst>
+          </p:nvPr>
+        </p:nvPicPr>
+        <p:blipFill>
+          <a:blip r:embed="rId13" cstate="print">
+            <a:extLst>
+              <a:ext uri="{28A0092B-C50C-407E-A947-70E740481C1C}">
+                <a14:useLocalDpi xmlns:a14="http://schemas.microsoft.com/office/drawing/2010/main" val="0"/>
+              </a:ext>
+            </a:extLst>
+          </a:blip>
+          <a:stretch>
+            <a:fillRect/>
+          </a:stretch>
+        </p:blipFill>
+        <p:spPr>
+          <a:xfrm>
+            <a:off x="3276600" y="4091971"/>
+            <a:ext cx="2243048" cy="251429"/>
           </a:xfrm>
           <a:prstGeom prst="rect">
             <a:avLst/>
@@ -30120,31 +30154,20 @@
           <a:p>
             <a:pPr eaLnBrk="1" hangingPunct="1"/>
             <a:r>
+              <a:rPr lang="en-US" altLang="en-US" sz="2200" dirty="0" smtClean="0">
+                <a:latin typeface="Open Sans" charset="0"/>
+                <a:ea typeface="Open Sans" charset="0"/>
+                <a:cs typeface="Open Sans" charset="0"/>
+              </a:rPr>
+              <a:t>Starts </a:t>
+            </a:r>
+            <a:r>
               <a:rPr lang="en-US" altLang="en-US" sz="2200" dirty="0">
                 <a:latin typeface="Open Sans" charset="0"/>
                 <a:ea typeface="Open Sans" charset="0"/>
                 <a:cs typeface="Open Sans" charset="0"/>
               </a:rPr>
-              <a:t>Start at </a:t>
-            </a:r>
-            <a:r>
-              <a:rPr lang="en-US" altLang="en-US" sz="2200" dirty="0" smtClean="0">
-                <a:latin typeface="Open Sans" charset="0"/>
-                <a:ea typeface="Open Sans" charset="0"/>
-                <a:cs typeface="Open Sans" charset="0"/>
-              </a:rPr>
-              <a:t>1</a:t>
-            </a:r>
-          </a:p>
-          <a:p>
-            <a:pPr eaLnBrk="1" hangingPunct="1"/>
-            <a:r>
-              <a:rPr lang="en-US" altLang="en-US" sz="2200" dirty="0" smtClean="0">
-                <a:latin typeface="Open Sans" charset="0"/>
-                <a:ea typeface="Open Sans" charset="0"/>
-                <a:cs typeface="Open Sans" charset="0"/>
-              </a:rPr>
-              <a:t>Move to a neighbor </a:t>
+              <a:t>at </a:t>
             </a:r>
             <a:r>
               <a:rPr lang="en-US" altLang="en-US" sz="2200" dirty="0" smtClean="0">
@@ -30160,6 +30183,46 @@
                 <a:ea typeface="Open Sans" charset="0"/>
                 <a:cs typeface="Open Sans" charset="0"/>
               </a:rPr>
+              <a:t>i</a:t>
+            </a:r>
+            <a:endParaRPr lang="en-US" altLang="en-US" sz="2200" i="1" dirty="0" smtClean="0">
+              <a:latin typeface="Open Sans" charset="0"/>
+              <a:ea typeface="Open Sans" charset="0"/>
+              <a:cs typeface="Open Sans" charset="0"/>
+            </a:endParaRPr>
+          </a:p>
+          <a:p>
+            <a:pPr eaLnBrk="1" hangingPunct="1"/>
+            <a:r>
+              <a:rPr lang="en-US" altLang="en-US" sz="2200" dirty="0" smtClean="0">
+                <a:latin typeface="Open Sans" charset="0"/>
+                <a:ea typeface="Open Sans" charset="0"/>
+                <a:cs typeface="Open Sans" charset="0"/>
+              </a:rPr>
+              <a:t>Moves </a:t>
+            </a:r>
+            <a:r>
+              <a:rPr lang="en-US" altLang="en-US" sz="2200" dirty="0" smtClean="0">
+                <a:latin typeface="Open Sans" charset="0"/>
+                <a:ea typeface="Open Sans" charset="0"/>
+                <a:cs typeface="Open Sans" charset="0"/>
+              </a:rPr>
+              <a:t>to a neighbor </a:t>
+            </a:r>
+            <a:r>
+              <a:rPr lang="en-US" altLang="en-US" sz="2200" dirty="0" smtClean="0">
+                <a:latin typeface="Open Sans" charset="0"/>
+                <a:ea typeface="Open Sans" charset="0"/>
+                <a:cs typeface="Open Sans" charset="0"/>
+              </a:rPr>
+              <a:t> </a:t>
+            </a:r>
+            <a:r>
+              <a:rPr lang="en-US" altLang="en-US" sz="2200" i="1" dirty="0" smtClean="0">
+                <a:latin typeface="Open Sans" charset="0"/>
+                <a:ea typeface="Open Sans" charset="0"/>
+                <a:cs typeface="Open Sans" charset="0"/>
+              </a:rPr>
               <a:t>j</a:t>
             </a:r>
             <a:r>
@@ -30192,8 +30255,13 @@
                 <a:ea typeface="Open Sans" charset="0"/>
                 <a:cs typeface="Open Sans" charset="0"/>
               </a:rPr>
-              <a:t>Continue</a:t>
-            </a:r>
+              <a:t>Continues</a:t>
+            </a:r>
+            <a:endParaRPr lang="en-US" altLang="en-US" sz="2200" dirty="0" smtClean="0">
+              <a:latin typeface="Open Sans" charset="0"/>
+              <a:ea typeface="Open Sans" charset="0"/>
+              <a:cs typeface="Open Sans" charset="0"/>
+            </a:endParaRPr>
           </a:p>
           <a:p>
             <a:pPr eaLnBrk="1" hangingPunct="1"/>
@@ -30322,9 +30390,326 @@
           </a:p>
         </p:txBody>
       </p:sp>
+      <p:sp>
+        <p:nvSpPr>
+          <p:cNvPr id="55" name="Rectangle 2"/>
+          <p:cNvSpPr>
+            <a:spLocks noGrp="1" noChangeArrowheads="1"/>
+          </p:cNvSpPr>
+          <p:nvPr>
+            <p:ph type="title"/>
+          </p:nvPr>
+        </p:nvSpPr>
+        <p:spPr>
+          <a:xfrm>
+            <a:off x="457200" y="304800"/>
+            <a:ext cx="9144000" cy="623888"/>
+          </a:xfrm>
+        </p:spPr>
+        <p:txBody>
+          <a:bodyPr/>
+          <a:lstStyle/>
+          <a:p>
+            <a:r>
+              <a:rPr lang="en-US" altLang="en-US" sz="3200" b="1" dirty="0" smtClean="0">
+                <a:latin typeface="Open Sans" panose="020B0606030504020204" pitchFamily="34" charset="0"/>
+                <a:ea typeface="Open Sans" panose="020B0606030504020204" pitchFamily="34" charset="0"/>
+                <a:cs typeface="Open Sans" panose="020B0606030504020204" pitchFamily="34" charset="0"/>
+              </a:rPr>
+              <a:t>Random walks</a:t>
+            </a:r>
+            <a:endParaRPr lang="en-US" altLang="en-US" sz="3200" b="1" dirty="0">
+              <a:latin typeface="Open Sans" panose="020B0606030504020204" pitchFamily="34" charset="0"/>
+              <a:ea typeface="Open Sans" panose="020B0606030504020204" pitchFamily="34" charset="0"/>
+              <a:cs typeface="Open Sans" panose="020B0606030504020204" pitchFamily="34" charset="0"/>
+            </a:endParaRPr>
+          </a:p>
+        </p:txBody>
+      </p:sp>
+      <p:sp>
+        <p:nvSpPr>
+          <p:cNvPr id="56" name="Rectangle 6"/>
+          <p:cNvSpPr>
+            <a:spLocks noChangeArrowheads="1"/>
+          </p:cNvSpPr>
+          <p:nvPr/>
+        </p:nvSpPr>
+        <p:spPr bwMode="auto">
+          <a:xfrm>
+            <a:off x="0" y="6188075"/>
+            <a:ext cx="8829675" cy="276999"/>
+          </a:xfrm>
+          <a:prstGeom prst="rect">
+            <a:avLst/>
+          </a:prstGeom>
+          <a:noFill/>
+          <a:ln>
+            <a:noFill/>
+          </a:ln>
+          <a:effectLst/>
+          <a:extLst>
+            <a:ext uri="{909E8E84-426E-40DD-AFC4-6F175D3DCCD1}">
+              <a14:hiddenFill xmlns:a14="http://schemas.microsoft.com/office/drawing/2010/main">
+                <a:solidFill>
+                  <a:schemeClr val="accent1"/>
+                </a:solidFill>
+              </a14:hiddenFill>
+            </a:ext>
+            <a:ext uri="{91240B29-F687-4F45-9708-019B960494DF}">
+              <a14:hiddenLine xmlns:a14="http://schemas.microsoft.com/office/drawing/2010/main" w="9525">
+                <a:solidFill>
+                  <a:schemeClr val="tx1"/>
+                </a:solidFill>
+                <a:miter lim="800000"/>
+                <a:headEnd/>
+                <a:tailEnd/>
+              </a14:hiddenLine>
+            </a:ext>
+            <a:ext uri="{AF507438-7753-43E0-B8FC-AC1667EBCBE1}">
+              <a14:hiddenEffects xmlns:a14="http://schemas.microsoft.com/office/drawing/2010/main">
+                <a:effectLst>
+                  <a:outerShdw dist="35921" dir="2700000" algn="ctr" rotWithShape="0">
+                    <a:schemeClr val="bg2"/>
+                  </a:outerShdw>
+                </a:effectLst>
+              </a14:hiddenEffects>
+            </a:ext>
+          </a:extLst>
+        </p:spPr>
+        <p:txBody>
+          <a:bodyPr>
+            <a:spAutoFit/>
+          </a:bodyPr>
+          <a:lstStyle/>
+          <a:p>
+            <a:pPr>
+              <a:spcBef>
+                <a:spcPct val="20000"/>
+              </a:spcBef>
+              <a:buClr>
+                <a:schemeClr val="accent1"/>
+              </a:buClr>
+              <a:buSzPct val="65000"/>
+              <a:buFont typeface="Wingdings" pitchFamily="2" charset="2"/>
+              <a:buNone/>
+            </a:pPr>
+            <a:r>
+              <a:rPr lang="en-US" altLang="en-US" sz="1200" b="1" smtClean="0">
+                <a:solidFill>
+                  <a:srgbClr val="3333CC"/>
+                </a:solidFill>
+                <a:latin typeface="Open Sans" panose="020B0606030504020204" pitchFamily="34" charset="0"/>
+                <a:ea typeface="Open Sans" panose="020B0606030504020204" pitchFamily="34" charset="0"/>
+                <a:cs typeface="Open Sans" panose="020B0606030504020204" pitchFamily="34" charset="0"/>
+              </a:rPr>
+              <a:t>1. </a:t>
+            </a:r>
+            <a:r>
+              <a:rPr lang="en-US" altLang="zh-CN" sz="1200" b="1" smtClean="0">
+                <a:solidFill>
+                  <a:srgbClr val="3333CC"/>
+                </a:solidFill>
+                <a:latin typeface="Open Sans" panose="020B0606030504020204" pitchFamily="34" charset="0"/>
+                <a:ea typeface="Open Sans" panose="020B0606030504020204" pitchFamily="34" charset="0"/>
+                <a:cs typeface="Open Sans" panose="020B0606030504020204" pitchFamily="34" charset="0"/>
+              </a:rPr>
+              <a:t>A. Blum, J. Hopcroft, &amp; R. Kannan. Foundations of Data Science. </a:t>
+            </a:r>
+            <a:r>
+              <a:rPr lang="en-US" altLang="zh-CN" sz="1200" b="1" i="1" smtClean="0">
+                <a:solidFill>
+                  <a:srgbClr val="3333CC"/>
+                </a:solidFill>
+                <a:latin typeface="Open Sans" panose="020B0606030504020204" pitchFamily="34" charset="0"/>
+                <a:ea typeface="Open Sans" panose="020B0606030504020204" pitchFamily="34" charset="0"/>
+                <a:cs typeface="Open Sans" panose="020B0606030504020204" pitchFamily="34" charset="0"/>
+              </a:rPr>
+              <a:t>2016.</a:t>
+            </a:r>
+            <a:endParaRPr lang="en-US" altLang="en-US" sz="1200" b="1" i="1" dirty="0">
+              <a:solidFill>
+                <a:srgbClr val="3333CC"/>
+              </a:solidFill>
+              <a:latin typeface="Open Sans" panose="020B0606030504020204" pitchFamily="34" charset="0"/>
+              <a:ea typeface="Open Sans" panose="020B0606030504020204" pitchFamily="34" charset="0"/>
+              <a:cs typeface="Open Sans" panose="020B0606030504020204" pitchFamily="34" charset="0"/>
+            </a:endParaRPr>
+          </a:p>
+        </p:txBody>
+      </p:sp>
+      <p:pic>
+        <p:nvPicPr>
+          <p:cNvPr id="2" name="Picture 1"/>
+          <p:cNvPicPr>
+            <a:picLocks noChangeAspect="1"/>
+          </p:cNvPicPr>
+          <p:nvPr>
+            <p:custDataLst>
+              <p:tags r:id="rId1"/>
+            </p:custDataLst>
+          </p:nvPr>
+        </p:nvPicPr>
+        <p:blipFill>
+          <a:blip r:embed="rId7" cstate="print">
+            <a:extLst>
+              <a:ext uri="{28A0092B-C50C-407E-A947-70E740481C1C}">
+                <a14:useLocalDpi xmlns:a14="http://schemas.microsoft.com/office/drawing/2010/main" val="0"/>
+              </a:ext>
+            </a:extLst>
+          </a:blip>
+          <a:stretch>
+            <a:fillRect/>
+          </a:stretch>
+        </p:blipFill>
+        <p:spPr>
+          <a:xfrm>
+            <a:off x="1228457" y="4724400"/>
+            <a:ext cx="2724572" cy="280381"/>
+          </a:xfrm>
+          <a:prstGeom prst="rect">
+            <a:avLst/>
+          </a:prstGeom>
+        </p:spPr>
+      </p:pic>
+      <p:pic>
+        <p:nvPicPr>
+          <p:cNvPr id="3" name="Picture 2"/>
+          <p:cNvPicPr>
+            <a:picLocks noChangeAspect="1"/>
+          </p:cNvPicPr>
+          <p:nvPr>
+            <p:custDataLst>
+              <p:tags r:id="rId2"/>
+            </p:custDataLst>
+          </p:nvPr>
+        </p:nvPicPr>
+        <p:blipFill>
+          <a:blip r:embed="rId8" cstate="print">
+            <a:extLst>
+              <a:ext uri="{28A0092B-C50C-407E-A947-70E740481C1C}">
+                <a14:useLocalDpi xmlns:a14="http://schemas.microsoft.com/office/drawing/2010/main" val="0"/>
+              </a:ext>
+            </a:extLst>
+          </a:blip>
+          <a:stretch>
+            <a:fillRect/>
+          </a:stretch>
+        </p:blipFill>
+        <p:spPr>
+          <a:xfrm>
+            <a:off x="1219200" y="5105400"/>
+            <a:ext cx="3608382" cy="269715"/>
+          </a:xfrm>
+          <a:prstGeom prst="rect">
+            <a:avLst/>
+          </a:prstGeom>
+        </p:spPr>
+      </p:pic>
+      <p:pic>
+        <p:nvPicPr>
+          <p:cNvPr id="5" name="图片 4"/>
+          <p:cNvPicPr>
+            <a:picLocks noChangeAspect="1"/>
+          </p:cNvPicPr>
+          <p:nvPr>
+            <p:custDataLst>
+              <p:tags r:id="rId3"/>
+            </p:custDataLst>
+          </p:nvPr>
+        </p:nvPicPr>
+        <p:blipFill>
+          <a:blip r:embed="rId9" cstate="print">
+            <a:extLst>
+              <a:ext uri="{28A0092B-C50C-407E-A947-70E740481C1C}">
+                <a14:useLocalDpi xmlns:a14="http://schemas.microsoft.com/office/drawing/2010/main" val="0"/>
+              </a:ext>
+            </a:extLst>
+          </a:blip>
+          <a:stretch>
+            <a:fillRect/>
+          </a:stretch>
+        </p:blipFill>
+        <p:spPr>
+          <a:xfrm>
+            <a:off x="5715000" y="4122648"/>
+            <a:ext cx="2325333" cy="1820952"/>
+          </a:xfrm>
+          <a:prstGeom prst="rect">
+            <a:avLst/>
+          </a:prstGeom>
+        </p:spPr>
+      </p:pic>
+      <p:pic>
+        <p:nvPicPr>
+          <p:cNvPr id="6" name="图片 5"/>
+          <p:cNvPicPr>
+            <a:picLocks noChangeAspect="1"/>
+          </p:cNvPicPr>
+          <p:nvPr>
+            <p:custDataLst>
+              <p:tags r:id="rId4"/>
+            </p:custDataLst>
+          </p:nvPr>
+        </p:nvPicPr>
+        <p:blipFill>
+          <a:blip r:embed="rId10" cstate="print">
+            <a:extLst>
+              <a:ext uri="{28A0092B-C50C-407E-A947-70E740481C1C}">
+                <a14:useLocalDpi xmlns:a14="http://schemas.microsoft.com/office/drawing/2010/main" val="0"/>
+              </a:ext>
+            </a:extLst>
+          </a:blip>
+          <a:stretch>
+            <a:fillRect/>
+          </a:stretch>
+        </p:blipFill>
+        <p:spPr>
+          <a:xfrm>
+            <a:off x="1219200" y="5562600"/>
+            <a:ext cx="1295238" cy="233143"/>
+          </a:xfrm>
+          <a:prstGeom prst="rect">
+            <a:avLst/>
+          </a:prstGeom>
+        </p:spPr>
+      </p:pic>
+      <p:pic>
+        <p:nvPicPr>
+          <p:cNvPr id="7" name="图片 6"/>
+          <p:cNvPicPr>
+            <a:picLocks noChangeAspect="1"/>
+          </p:cNvPicPr>
+          <p:nvPr>
+            <p:custDataLst>
+              <p:tags r:id="rId5"/>
+            </p:custDataLst>
+          </p:nvPr>
+        </p:nvPicPr>
+        <p:blipFill>
+          <a:blip r:embed="rId11" cstate="print">
+            <a:extLst>
+              <a:ext uri="{28A0092B-C50C-407E-A947-70E740481C1C}">
+                <a14:useLocalDpi xmlns:a14="http://schemas.microsoft.com/office/drawing/2010/main" val="0"/>
+              </a:ext>
+            </a:extLst>
+          </a:blip>
+          <a:stretch>
+            <a:fillRect/>
+          </a:stretch>
+        </p:blipFill>
+        <p:spPr>
+          <a:xfrm>
+            <a:off x="3200400" y="4343400"/>
+            <a:ext cx="1434819" cy="276572"/>
+          </a:xfrm>
+          <a:prstGeom prst="rect">
+            <a:avLst/>
+          </a:prstGeom>
+        </p:spPr>
+      </p:pic>
       <p:grpSp>
         <p:nvGrpSpPr>
-          <p:cNvPr id="8196" name="Group 4"/>
+          <p:cNvPr id="32" name="Group 4"/>
           <p:cNvGrpSpPr>
             <a:grpSpLocks/>
           </p:cNvGrpSpPr>
@@ -30340,7 +30725,7 @@
         </p:grpSpPr>
         <p:sp>
           <p:nvSpPr>
-            <p:cNvPr id="8204" name="Oval 6 1"/>
+            <p:cNvPr id="33" name="Oval 6 1"/>
             <p:cNvSpPr>
               <a:spLocks noChangeArrowheads="1"/>
             </p:cNvSpPr>
@@ -30491,7 +30876,7 @@
         </p:sp>
         <p:sp>
           <p:nvSpPr>
-            <p:cNvPr id="8205" name="Oval 7"/>
+            <p:cNvPr id="34" name="Oval 7"/>
             <p:cNvSpPr>
               <a:spLocks noChangeArrowheads="1"/>
             </p:cNvSpPr>
@@ -30642,7 +31027,7 @@
         </p:sp>
         <p:sp>
           <p:nvSpPr>
-            <p:cNvPr id="8206" name="Oval 8 1"/>
+            <p:cNvPr id="35" name="Oval 8 1"/>
             <p:cNvSpPr>
               <a:spLocks noChangeArrowheads="1"/>
             </p:cNvSpPr>
@@ -30793,7 +31178,7 @@
         </p:sp>
         <p:sp>
           <p:nvSpPr>
-            <p:cNvPr id="8207" name="Oval 9"/>
+            <p:cNvPr id="36" name="Oval 9"/>
             <p:cNvSpPr>
               <a:spLocks noChangeArrowheads="1"/>
             </p:cNvSpPr>
@@ -30944,7 +31329,7 @@
         </p:sp>
         <p:sp>
           <p:nvSpPr>
-            <p:cNvPr id="8209" name="Line 11"/>
+            <p:cNvPr id="38" name="Line 11"/>
             <p:cNvSpPr>
               <a:spLocks noChangeShapeType="1"/>
             </p:cNvSpPr>
@@ -30997,7 +31382,7 @@
         </p:sp>
         <p:sp>
           <p:nvSpPr>
-            <p:cNvPr id="8210" name="Line 12"/>
+            <p:cNvPr id="40" name="Line 12"/>
             <p:cNvSpPr>
               <a:spLocks noChangeShapeType="1"/>
             </p:cNvSpPr>
@@ -31050,7 +31435,7 @@
         </p:sp>
         <p:sp>
           <p:nvSpPr>
-            <p:cNvPr id="8211" name="Line 13"/>
+            <p:cNvPr id="41" name="Line 13"/>
             <p:cNvSpPr>
               <a:spLocks noChangeShapeType="1"/>
             </p:cNvSpPr>
@@ -31103,7 +31488,7 @@
         </p:sp>
         <p:sp>
           <p:nvSpPr>
-            <p:cNvPr id="8225" name="Line 27"/>
+            <p:cNvPr id="42" name="Line 27"/>
             <p:cNvSpPr>
               <a:spLocks noChangeShapeType="1"/>
             </p:cNvSpPr>
@@ -31156,7 +31541,7 @@
         </p:sp>
         <p:sp>
           <p:nvSpPr>
-            <p:cNvPr id="8226" name="Line 28"/>
+            <p:cNvPr id="43" name="Line 28"/>
             <p:cNvSpPr>
               <a:spLocks noChangeShapeType="1"/>
             </p:cNvSpPr>
@@ -31209,7 +31594,7 @@
         </p:sp>
         <p:sp>
           <p:nvSpPr>
-            <p:cNvPr id="8228" name="Line 30"/>
+            <p:cNvPr id="44" name="Line 30"/>
             <p:cNvSpPr>
               <a:spLocks noChangeShapeType="1"/>
             </p:cNvSpPr>
@@ -31263,7 +31648,7 @@
       </p:grpSp>
       <p:sp>
         <p:nvSpPr>
-          <p:cNvPr id="37" name="Oval 6 2"/>
+          <p:cNvPr id="45" name="Oval 6 2"/>
           <p:cNvSpPr>
             <a:spLocks noChangeArrowheads="1"/>
           </p:cNvSpPr>
@@ -31414,7 +31799,7 @@
       </p:sp>
       <p:sp>
         <p:nvSpPr>
-          <p:cNvPr id="39" name="Text Box 37"/>
+          <p:cNvPr id="57" name="Text Box 37"/>
           <p:cNvSpPr txBox="1">
             <a:spLocks noChangeArrowheads="1"/>
           </p:cNvSpPr>
@@ -31422,7 +31807,7 @@
         </p:nvSpPr>
         <p:spPr bwMode="auto">
           <a:xfrm>
-            <a:off x="6477000" y="866776"/>
+            <a:off x="6477000" y="914400"/>
             <a:ext cx="1016000" cy="366712"/>
           </a:xfrm>
           <a:prstGeom prst="rect">
@@ -31581,7 +31966,7 @@
       </p:sp>
       <p:sp>
         <p:nvSpPr>
-          <p:cNvPr id="46" name="Oval 8 2"/>
+          <p:cNvPr id="58" name="Oval 8 2"/>
           <p:cNvSpPr>
             <a:spLocks noChangeArrowheads="1"/>
           </p:cNvSpPr>
@@ -31730,391 +32115,9 @@
           </a:p>
         </p:txBody>
       </p:sp>
-      <p:grpSp>
-        <p:nvGrpSpPr>
-          <p:cNvPr id="47" name="Group 31"/>
-          <p:cNvGrpSpPr>
-            <a:grpSpLocks/>
-          </p:cNvGrpSpPr>
-          <p:nvPr/>
-        </p:nvGrpSpPr>
-        <p:grpSpPr bwMode="auto">
-          <a:xfrm>
-            <a:off x="7334250" y="2786063"/>
-            <a:ext cx="361950" cy="776288"/>
-            <a:chOff x="2844" y="2976"/>
-            <a:chExt cx="228" cy="489"/>
-          </a:xfrm>
-        </p:grpSpPr>
-        <p:sp>
-          <p:nvSpPr>
-            <p:cNvPr id="48" name="Oval 32 3"/>
-            <p:cNvSpPr>
-              <a:spLocks noChangeArrowheads="1"/>
-            </p:cNvSpPr>
-            <p:nvPr/>
-          </p:nvSpPr>
-          <p:spPr bwMode="auto">
-            <a:xfrm>
-              <a:off x="2880" y="2976"/>
-              <a:ext cx="144" cy="144"/>
-            </a:xfrm>
-            <a:prstGeom prst="ellipse">
-              <a:avLst/>
-            </a:prstGeom>
-            <a:noFill/>
-            <a:ln w="9525">
-              <a:solidFill>
-                <a:schemeClr val="tx1"/>
-              </a:solidFill>
-              <a:round/>
-              <a:headEnd/>
-              <a:tailEnd/>
-            </a:ln>
-            <a:effectLst/>
-            <a:extLst>
-              <a:ext uri="{909E8E84-426E-40DD-AFC4-6F175D3DCCD1}">
-                <a14:hiddenFill xmlns:a14="http://schemas.microsoft.com/office/drawing/2010/main">
-                  <a:solidFill>
-                    <a:schemeClr val="accent1"/>
-                  </a:solidFill>
-                </a14:hiddenFill>
-              </a:ext>
-              <a:ext uri="{AF507438-7753-43E0-B8FC-AC1667EBCBE1}">
-                <a14:hiddenEffects xmlns:a14="http://schemas.microsoft.com/office/drawing/2010/main">
-                  <a:effectLst>
-                    <a:outerShdw blurRad="63500" dist="38099" dir="2700000" algn="ctr" rotWithShape="0">
-                      <a:schemeClr val="bg2">
-                        <a:alpha val="74998"/>
-                      </a:schemeClr>
-                    </a:outerShdw>
-                  </a:effectLst>
-                </a14:hiddenEffects>
-              </a:ext>
-            </a:extLst>
-          </p:spPr>
-          <p:txBody>
-            <a:bodyPr wrap="none" anchor="ctr"/>
-            <a:lstStyle>
-              <a:lvl1pPr eaLnBrk="0" hangingPunct="0">
-                <a:defRPr>
-                  <a:solidFill>
-                    <a:schemeClr val="tx1"/>
-                  </a:solidFill>
-                  <a:latin typeface="Arial" charset="0"/>
-                </a:defRPr>
-              </a:lvl1pPr>
-              <a:lvl2pPr marL="742950" indent="-285750" eaLnBrk="0" hangingPunct="0">
-                <a:defRPr>
-                  <a:solidFill>
-                    <a:schemeClr val="tx1"/>
-                  </a:solidFill>
-                  <a:latin typeface="Arial" charset="0"/>
-                </a:defRPr>
-              </a:lvl2pPr>
-              <a:lvl3pPr marL="1143000" indent="-228600" eaLnBrk="0" hangingPunct="0">
-                <a:defRPr>
-                  <a:solidFill>
-                    <a:schemeClr val="tx1"/>
-                  </a:solidFill>
-                  <a:latin typeface="Arial" charset="0"/>
-                </a:defRPr>
-              </a:lvl3pPr>
-              <a:lvl4pPr marL="1600200" indent="-228600" eaLnBrk="0" hangingPunct="0">
-                <a:defRPr>
-                  <a:solidFill>
-                    <a:schemeClr val="tx1"/>
-                  </a:solidFill>
-                  <a:latin typeface="Arial" charset="0"/>
-                </a:defRPr>
-              </a:lvl4pPr>
-              <a:lvl5pPr marL="2057400" indent="-228600" eaLnBrk="0" hangingPunct="0">
-                <a:defRPr>
-                  <a:solidFill>
-                    <a:schemeClr val="tx1"/>
-                  </a:solidFill>
-                  <a:latin typeface="Arial" charset="0"/>
-                </a:defRPr>
-              </a:lvl5pPr>
-              <a:lvl6pPr marL="2514600" indent="-228600" eaLnBrk="0" fontAlgn="base" hangingPunct="0">
-                <a:spcBef>
-                  <a:spcPct val="0"/>
-                </a:spcBef>
-                <a:spcAft>
-                  <a:spcPct val="0"/>
-                </a:spcAft>
-                <a:defRPr>
-                  <a:solidFill>
-                    <a:schemeClr val="tx1"/>
-                  </a:solidFill>
-                  <a:latin typeface="Arial" charset="0"/>
-                </a:defRPr>
-              </a:lvl6pPr>
-              <a:lvl7pPr marL="2971800" indent="-228600" eaLnBrk="0" fontAlgn="base" hangingPunct="0">
-                <a:spcBef>
-                  <a:spcPct val="0"/>
-                </a:spcBef>
-                <a:spcAft>
-                  <a:spcPct val="0"/>
-                </a:spcAft>
-                <a:defRPr>
-                  <a:solidFill>
-                    <a:schemeClr val="tx1"/>
-                  </a:solidFill>
-                  <a:latin typeface="Arial" charset="0"/>
-                </a:defRPr>
-              </a:lvl7pPr>
-              <a:lvl8pPr marL="3429000" indent="-228600" eaLnBrk="0" fontAlgn="base" hangingPunct="0">
-                <a:spcBef>
-                  <a:spcPct val="0"/>
-                </a:spcBef>
-                <a:spcAft>
-                  <a:spcPct val="0"/>
-                </a:spcAft>
-                <a:defRPr>
-                  <a:solidFill>
-                    <a:schemeClr val="tx1"/>
-                  </a:solidFill>
-                  <a:latin typeface="Arial" charset="0"/>
-                </a:defRPr>
-              </a:lvl8pPr>
-              <a:lvl9pPr marL="3886200" indent="-228600" eaLnBrk="0" fontAlgn="base" hangingPunct="0">
-                <a:spcBef>
-                  <a:spcPct val="0"/>
-                </a:spcBef>
-                <a:spcAft>
-                  <a:spcPct val="0"/>
-                </a:spcAft>
-                <a:defRPr>
-                  <a:solidFill>
-                    <a:schemeClr val="tx1"/>
-                  </a:solidFill>
-                  <a:latin typeface="Arial" charset="0"/>
-                </a:defRPr>
-              </a:lvl9pPr>
-            </a:lstStyle>
-            <a:p>
-              <a:pPr eaLnBrk="1" hangingPunct="1"/>
-              <a:endParaRPr lang="en-US" altLang="en-US"/>
-            </a:p>
-          </p:txBody>
-        </p:sp>
-        <p:sp>
-          <p:nvSpPr>
-            <p:cNvPr id="49" name="Line 33 3"/>
-            <p:cNvSpPr>
-              <a:spLocks noChangeShapeType="1"/>
-            </p:cNvSpPr>
-            <p:nvPr/>
-          </p:nvSpPr>
-          <p:spPr bwMode="auto">
-            <a:xfrm flipV="1">
-              <a:off x="2844" y="3136"/>
-              <a:ext cx="228" cy="91"/>
-            </a:xfrm>
-            <a:prstGeom prst="line">
-              <a:avLst/>
-            </a:prstGeom>
-            <a:noFill/>
-            <a:ln w="9525">
-              <a:solidFill>
-                <a:schemeClr val="tx1"/>
-              </a:solidFill>
-              <a:round/>
-              <a:headEnd/>
-              <a:tailEnd/>
-            </a:ln>
-            <a:effectLst/>
-            <a:extLst>
-              <a:ext uri="{909E8E84-426E-40DD-AFC4-6F175D3DCCD1}">
-                <a14:hiddenFill xmlns:a14="http://schemas.microsoft.com/office/drawing/2010/main">
-                  <a:noFill/>
-                </a14:hiddenFill>
-              </a:ext>
-              <a:ext uri="{AF507438-7753-43E0-B8FC-AC1667EBCBE1}">
-                <a14:hiddenEffects xmlns:a14="http://schemas.microsoft.com/office/drawing/2010/main">
-                  <a:effectLst>
-                    <a:outerShdw blurRad="63500" dist="38099" dir="2700000" algn="ctr" rotWithShape="0">
-                      <a:schemeClr val="bg2">
-                        <a:alpha val="74998"/>
-                      </a:schemeClr>
-                    </a:outerShdw>
-                  </a:effectLst>
-                </a14:hiddenEffects>
-              </a:ext>
-            </a:extLst>
-          </p:spPr>
-          <p:txBody>
-            <a:bodyPr/>
-            <a:lstStyle/>
-            <a:p>
-              <a:endParaRPr lang="en-US"/>
-            </a:p>
-          </p:txBody>
-        </p:sp>
-        <p:sp>
-          <p:nvSpPr>
-            <p:cNvPr id="50" name="Line 34 3"/>
-            <p:cNvSpPr>
-              <a:spLocks noChangeShapeType="1"/>
-            </p:cNvSpPr>
-            <p:nvPr/>
-          </p:nvSpPr>
-          <p:spPr bwMode="auto">
-            <a:xfrm flipH="1">
-              <a:off x="2862" y="3337"/>
-              <a:ext cx="82" cy="101"/>
-            </a:xfrm>
-            <a:prstGeom prst="line">
-              <a:avLst/>
-            </a:prstGeom>
-            <a:noFill/>
-            <a:ln w="9525">
-              <a:solidFill>
-                <a:schemeClr val="tx1"/>
-              </a:solidFill>
-              <a:round/>
-              <a:headEnd/>
-              <a:tailEnd/>
-            </a:ln>
-            <a:effectLst/>
-            <a:extLst>
-              <a:ext uri="{909E8E84-426E-40DD-AFC4-6F175D3DCCD1}">
-                <a14:hiddenFill xmlns:a14="http://schemas.microsoft.com/office/drawing/2010/main">
-                  <a:noFill/>
-                </a14:hiddenFill>
-              </a:ext>
-              <a:ext uri="{AF507438-7753-43E0-B8FC-AC1667EBCBE1}">
-                <a14:hiddenEffects xmlns:a14="http://schemas.microsoft.com/office/drawing/2010/main">
-                  <a:effectLst>
-                    <a:outerShdw blurRad="63500" dist="38099" dir="2700000" algn="ctr" rotWithShape="0">
-                      <a:schemeClr val="bg2">
-                        <a:alpha val="74998"/>
-                      </a:schemeClr>
-                    </a:outerShdw>
-                  </a:effectLst>
-                </a14:hiddenEffects>
-              </a:ext>
-            </a:extLst>
-          </p:spPr>
-          <p:txBody>
-            <a:bodyPr/>
-            <a:lstStyle/>
-            <a:p>
-              <a:endParaRPr lang="en-US"/>
-            </a:p>
-          </p:txBody>
-        </p:sp>
-        <p:sp>
-          <p:nvSpPr>
-            <p:cNvPr id="51" name="Line 35 3"/>
-            <p:cNvSpPr>
-              <a:spLocks noChangeShapeType="1"/>
-            </p:cNvSpPr>
-            <p:nvPr/>
-          </p:nvSpPr>
-          <p:spPr bwMode="auto">
-            <a:xfrm>
-              <a:off x="2944" y="3118"/>
-              <a:ext cx="0" cy="237"/>
-            </a:xfrm>
-            <a:prstGeom prst="line">
-              <a:avLst/>
-            </a:prstGeom>
-            <a:noFill/>
-            <a:ln w="9525">
-              <a:solidFill>
-                <a:schemeClr val="tx1"/>
-              </a:solidFill>
-              <a:round/>
-              <a:headEnd/>
-              <a:tailEnd/>
-            </a:ln>
-            <a:effectLst/>
-            <a:extLst>
-              <a:ext uri="{909E8E84-426E-40DD-AFC4-6F175D3DCCD1}">
-                <a14:hiddenFill xmlns:a14="http://schemas.microsoft.com/office/drawing/2010/main">
-                  <a:noFill/>
-                </a14:hiddenFill>
-              </a:ext>
-              <a:ext uri="{AF507438-7753-43E0-B8FC-AC1667EBCBE1}">
-                <a14:hiddenEffects xmlns:a14="http://schemas.microsoft.com/office/drawing/2010/main">
-                  <a:effectLst>
-                    <a:outerShdw blurRad="63500" dist="38099" dir="2700000" algn="ctr" rotWithShape="0">
-                      <a:schemeClr val="bg2">
-                        <a:alpha val="74998"/>
-                      </a:schemeClr>
-                    </a:outerShdw>
-                  </a:effectLst>
-                </a14:hiddenEffects>
-              </a:ext>
-            </a:extLst>
-          </p:spPr>
-          <p:txBody>
-            <a:bodyPr/>
-            <a:lstStyle/>
-            <a:p>
-              <a:endParaRPr lang="en-US"/>
-            </a:p>
-          </p:txBody>
-        </p:sp>
-        <p:sp>
-          <p:nvSpPr>
-            <p:cNvPr id="52" name="Line 36 3"/>
-            <p:cNvSpPr>
-              <a:spLocks noChangeShapeType="1"/>
-            </p:cNvSpPr>
-            <p:nvPr/>
-          </p:nvSpPr>
-          <p:spPr bwMode="auto">
-            <a:xfrm>
-              <a:off x="2953" y="3337"/>
-              <a:ext cx="73" cy="128"/>
-            </a:xfrm>
-            <a:prstGeom prst="line">
-              <a:avLst/>
-            </a:prstGeom>
-            <a:noFill/>
-            <a:ln w="9525">
-              <a:solidFill>
-                <a:schemeClr val="tx1"/>
-              </a:solidFill>
-              <a:round/>
-              <a:headEnd/>
-              <a:tailEnd/>
-            </a:ln>
-            <a:effectLst/>
-            <a:extLst>
-              <a:ext uri="{909E8E84-426E-40DD-AFC4-6F175D3DCCD1}">
-                <a14:hiddenFill xmlns:a14="http://schemas.microsoft.com/office/drawing/2010/main">
-                  <a:noFill/>
-                </a14:hiddenFill>
-              </a:ext>
-              <a:ext uri="{AF507438-7753-43E0-B8FC-AC1667EBCBE1}">
-                <a14:hiddenEffects xmlns:a14="http://schemas.microsoft.com/office/drawing/2010/main">
-                  <a:effectLst>
-                    <a:outerShdw blurRad="63500" dist="38099" dir="2700000" algn="ctr" rotWithShape="0">
-                      <a:schemeClr val="bg2">
-                        <a:alpha val="74998"/>
-                      </a:schemeClr>
-                    </a:outerShdw>
-                  </a:effectLst>
-                </a14:hiddenEffects>
-              </a:ext>
-            </a:extLst>
-          </p:spPr>
-          <p:txBody>
-            <a:bodyPr/>
-            <a:lstStyle/>
-            <a:p>
-              <a:endParaRPr lang="en-US"/>
-            </a:p>
-          </p:txBody>
-        </p:sp>
-      </p:grpSp>
       <p:sp>
         <p:nvSpPr>
-          <p:cNvPr id="53" name="Text Box 38 1"/>
+          <p:cNvPr id="59" name="Text Box 38 1"/>
           <p:cNvSpPr txBox="1">
             <a:spLocks noChangeArrowheads="1"/>
           </p:cNvSpPr>
@@ -32122,7 +32125,7 @@
         </p:nvSpPr>
         <p:spPr bwMode="auto">
           <a:xfrm>
-            <a:off x="6615112" y="3290888"/>
+            <a:off x="6858000" y="3276600"/>
             <a:ext cx="1016000" cy="366712"/>
           </a:xfrm>
           <a:prstGeom prst="rect">
@@ -32281,222 +32284,7 @@
       </p:sp>
       <p:sp>
         <p:nvSpPr>
-          <p:cNvPr id="55" name="Rectangle 2"/>
-          <p:cNvSpPr>
-            <a:spLocks noGrp="1" noChangeArrowheads="1"/>
-          </p:cNvSpPr>
-          <p:nvPr>
-            <p:ph type="title"/>
-          </p:nvPr>
-        </p:nvSpPr>
-        <p:spPr>
-          <a:xfrm>
-            <a:off x="457200" y="304800"/>
-            <a:ext cx="9144000" cy="623888"/>
-          </a:xfrm>
-        </p:spPr>
-        <p:txBody>
-          <a:bodyPr/>
-          <a:lstStyle/>
-          <a:p>
-            <a:r>
-              <a:rPr lang="en-US" altLang="en-US" sz="3200" b="1" dirty="0" smtClean="0">
-                <a:latin typeface="Open Sans" panose="020B0606030504020204" pitchFamily="34" charset="0"/>
-                <a:ea typeface="Open Sans" panose="020B0606030504020204" pitchFamily="34" charset="0"/>
-                <a:cs typeface="Open Sans" panose="020B0606030504020204" pitchFamily="34" charset="0"/>
-              </a:rPr>
-              <a:t>Random walks</a:t>
-            </a:r>
-            <a:endParaRPr lang="en-US" altLang="en-US" sz="3200" b="1" dirty="0">
-              <a:latin typeface="Open Sans" panose="020B0606030504020204" pitchFamily="34" charset="0"/>
-              <a:ea typeface="Open Sans" panose="020B0606030504020204" pitchFamily="34" charset="0"/>
-              <a:cs typeface="Open Sans" panose="020B0606030504020204" pitchFamily="34" charset="0"/>
-            </a:endParaRPr>
-          </a:p>
-        </p:txBody>
-      </p:sp>
-      <p:sp>
-        <p:nvSpPr>
-          <p:cNvPr id="56" name="Rectangle 6"/>
-          <p:cNvSpPr>
-            <a:spLocks noChangeArrowheads="1"/>
-          </p:cNvSpPr>
-          <p:nvPr/>
-        </p:nvSpPr>
-        <p:spPr bwMode="auto">
-          <a:xfrm>
-            <a:off x="0" y="6188075"/>
-            <a:ext cx="8829675" cy="276999"/>
-          </a:xfrm>
-          <a:prstGeom prst="rect">
-            <a:avLst/>
-          </a:prstGeom>
-          <a:noFill/>
-          <a:ln>
-            <a:noFill/>
-          </a:ln>
-          <a:effectLst/>
-          <a:extLst>
-            <a:ext uri="{909E8E84-426E-40DD-AFC4-6F175D3DCCD1}">
-              <a14:hiddenFill xmlns:a14="http://schemas.microsoft.com/office/drawing/2010/main">
-                <a:solidFill>
-                  <a:schemeClr val="accent1"/>
-                </a:solidFill>
-              </a14:hiddenFill>
-            </a:ext>
-            <a:ext uri="{91240B29-F687-4F45-9708-019B960494DF}">
-              <a14:hiddenLine xmlns:a14="http://schemas.microsoft.com/office/drawing/2010/main" w="9525">
-                <a:solidFill>
-                  <a:schemeClr val="tx1"/>
-                </a:solidFill>
-                <a:miter lim="800000"/>
-                <a:headEnd/>
-                <a:tailEnd/>
-              </a14:hiddenLine>
-            </a:ext>
-            <a:ext uri="{AF507438-7753-43E0-B8FC-AC1667EBCBE1}">
-              <a14:hiddenEffects xmlns:a14="http://schemas.microsoft.com/office/drawing/2010/main">
-                <a:effectLst>
-                  <a:outerShdw dist="35921" dir="2700000" algn="ctr" rotWithShape="0">
-                    <a:schemeClr val="bg2"/>
-                  </a:outerShdw>
-                </a:effectLst>
-              </a14:hiddenEffects>
-            </a:ext>
-          </a:extLst>
-        </p:spPr>
-        <p:txBody>
-          <a:bodyPr>
-            <a:spAutoFit/>
-          </a:bodyPr>
-          <a:lstStyle/>
-          <a:p>
-            <a:pPr>
-              <a:spcBef>
-                <a:spcPct val="20000"/>
-              </a:spcBef>
-              <a:buClr>
-                <a:schemeClr val="accent1"/>
-              </a:buClr>
-              <a:buSzPct val="65000"/>
-              <a:buFont typeface="Wingdings" pitchFamily="2" charset="2"/>
-              <a:buNone/>
-            </a:pPr>
-            <a:r>
-              <a:rPr lang="en-US" altLang="en-US" sz="1200" b="1" smtClean="0">
-                <a:solidFill>
-                  <a:srgbClr val="3333CC"/>
-                </a:solidFill>
-                <a:latin typeface="Open Sans" panose="020B0606030504020204" pitchFamily="34" charset="0"/>
-                <a:ea typeface="Open Sans" panose="020B0606030504020204" pitchFamily="34" charset="0"/>
-                <a:cs typeface="Open Sans" panose="020B0606030504020204" pitchFamily="34" charset="0"/>
-              </a:rPr>
-              <a:t>1. </a:t>
-            </a:r>
-            <a:r>
-              <a:rPr lang="en-US" altLang="zh-CN" sz="1200" b="1" smtClean="0">
-                <a:solidFill>
-                  <a:srgbClr val="3333CC"/>
-                </a:solidFill>
-                <a:latin typeface="Open Sans" panose="020B0606030504020204" pitchFamily="34" charset="0"/>
-                <a:ea typeface="Open Sans" panose="020B0606030504020204" pitchFamily="34" charset="0"/>
-                <a:cs typeface="Open Sans" panose="020B0606030504020204" pitchFamily="34" charset="0"/>
-              </a:rPr>
-              <a:t>A. Blum, J. Hopcroft, &amp; R. Kannan. Foundations of Data Science. </a:t>
-            </a:r>
-            <a:r>
-              <a:rPr lang="en-US" altLang="zh-CN" sz="1200" b="1" i="1" smtClean="0">
-                <a:solidFill>
-                  <a:srgbClr val="3333CC"/>
-                </a:solidFill>
-                <a:latin typeface="Open Sans" panose="020B0606030504020204" pitchFamily="34" charset="0"/>
-                <a:ea typeface="Open Sans" panose="020B0606030504020204" pitchFamily="34" charset="0"/>
-                <a:cs typeface="Open Sans" panose="020B0606030504020204" pitchFamily="34" charset="0"/>
-              </a:rPr>
-              <a:t>2016.</a:t>
-            </a:r>
-            <a:endParaRPr lang="en-US" altLang="en-US" sz="1200" b="1" i="1" dirty="0">
-              <a:solidFill>
-                <a:srgbClr val="3333CC"/>
-              </a:solidFill>
-              <a:latin typeface="Open Sans" panose="020B0606030504020204" pitchFamily="34" charset="0"/>
-              <a:ea typeface="Open Sans" panose="020B0606030504020204" pitchFamily="34" charset="0"/>
-              <a:cs typeface="Open Sans" panose="020B0606030504020204" pitchFamily="34" charset="0"/>
-            </a:endParaRPr>
-          </a:p>
-        </p:txBody>
-      </p:sp>
-      <p:pic>
-        <p:nvPicPr>
-          <p:cNvPr id="2" name="Picture 1"/>
-          <p:cNvPicPr>
-            <a:picLocks noChangeAspect="1"/>
-          </p:cNvPicPr>
-          <p:nvPr>
-            <p:custDataLst>
-              <p:tags r:id="rId1"/>
-            </p:custDataLst>
-          </p:nvPr>
-        </p:nvPicPr>
-        <p:blipFill>
-          <a:blip r:embed="rId7" cstate="print">
-            <a:extLst>
-              <a:ext uri="{28A0092B-C50C-407E-A947-70E740481C1C}">
-                <a14:useLocalDpi xmlns:a14="http://schemas.microsoft.com/office/drawing/2010/main" val="0"/>
-              </a:ext>
-            </a:extLst>
-          </a:blip>
-          <a:stretch>
-            <a:fillRect/>
-          </a:stretch>
-        </p:blipFill>
-        <p:spPr>
-          <a:xfrm>
-            <a:off x="1228457" y="4724400"/>
-            <a:ext cx="2724572" cy="280381"/>
-          </a:xfrm>
-          <a:prstGeom prst="rect">
-            <a:avLst/>
-          </a:prstGeom>
-        </p:spPr>
-      </p:pic>
-      <p:pic>
-        <p:nvPicPr>
-          <p:cNvPr id="3" name="Picture 2"/>
-          <p:cNvPicPr>
-            <a:picLocks noChangeAspect="1"/>
-          </p:cNvPicPr>
-          <p:nvPr>
-            <p:custDataLst>
-              <p:tags r:id="rId2"/>
-            </p:custDataLst>
-          </p:nvPr>
-        </p:nvPicPr>
-        <p:blipFill>
-          <a:blip r:embed="rId8" cstate="print">
-            <a:extLst>
-              <a:ext uri="{28A0092B-C50C-407E-A947-70E740481C1C}">
-                <a14:useLocalDpi xmlns:a14="http://schemas.microsoft.com/office/drawing/2010/main" val="0"/>
-              </a:ext>
-            </a:extLst>
-          </a:blip>
-          <a:stretch>
-            <a:fillRect/>
-          </a:stretch>
-        </p:blipFill>
-        <p:spPr>
-          <a:xfrm>
-            <a:off x="1219200" y="5105400"/>
-            <a:ext cx="3608382" cy="269715"/>
-          </a:xfrm>
-          <a:prstGeom prst="rect">
-            <a:avLst/>
-          </a:prstGeom>
-        </p:spPr>
-      </p:pic>
-      <p:sp>
-        <p:nvSpPr>
-          <p:cNvPr id="54" name="Text Box 38 2"/>
+          <p:cNvPr id="60" name="Text Box 38 2"/>
           <p:cNvSpPr txBox="1">
             <a:spLocks noChangeArrowheads="1"/>
           </p:cNvSpPr>
@@ -32504,7 +32292,7 @@
         </p:nvSpPr>
         <p:spPr bwMode="auto">
           <a:xfrm>
-            <a:off x="7772400" y="1309688"/>
+            <a:off x="7772400" y="1385888"/>
             <a:ext cx="1016000" cy="366712"/>
           </a:xfrm>
           <a:prstGeom prst="rect">
@@ -32662,108 +32450,100 @@
           </a:p>
         </p:txBody>
       </p:sp>
-      <p:pic>
-        <p:nvPicPr>
-          <p:cNvPr id="5" name="图片 4"/>
-          <p:cNvPicPr>
-            <a:picLocks noChangeAspect="1"/>
-          </p:cNvPicPr>
-          <p:nvPr>
-            <p:custDataLst>
-              <p:tags r:id="rId3"/>
-            </p:custDataLst>
-          </p:nvPr>
-        </p:nvPicPr>
-        <p:blipFill>
-          <a:blip r:embed="rId9" cstate="print">
-            <a:extLst>
-              <a:ext uri="{28A0092B-C50C-407E-A947-70E740481C1C}">
-                <a14:useLocalDpi xmlns:a14="http://schemas.microsoft.com/office/drawing/2010/main" val="0"/>
-              </a:ext>
-            </a:extLst>
-          </a:blip>
-          <a:stretch>
-            <a:fillRect/>
-          </a:stretch>
-        </p:blipFill>
+      <p:sp>
+        <p:nvSpPr>
+          <p:cNvPr id="61" name="右箭头 60"/>
+          <p:cNvSpPr/>
+          <p:nvPr/>
+        </p:nvSpPr>
         <p:spPr>
-          <a:xfrm>
-            <a:off x="5715000" y="4122648"/>
-            <a:ext cx="2325333" cy="1820952"/>
+          <a:xfrm rot="12539993">
+            <a:off x="7004242" y="1448012"/>
+            <a:ext cx="613965" cy="166178"/>
           </a:xfrm>
-          <a:prstGeom prst="rect">
+          <a:prstGeom prst="rightArrow">
             <a:avLst/>
           </a:prstGeom>
+          <a:ln>
+            <a:solidFill>
+              <a:schemeClr val="bg1">
+                <a:lumMod val="65000"/>
+              </a:schemeClr>
+            </a:solidFill>
+          </a:ln>
         </p:spPr>
-      </p:pic>
-      <p:pic>
-        <p:nvPicPr>
-          <p:cNvPr id="6" name="图片 5"/>
-          <p:cNvPicPr>
-            <a:picLocks noChangeAspect="1"/>
-          </p:cNvPicPr>
-          <p:nvPr>
-            <p:custDataLst>
-              <p:tags r:id="rId4"/>
-            </p:custDataLst>
-          </p:nvPr>
-        </p:nvPicPr>
-        <p:blipFill>
-          <a:blip r:embed="rId10" cstate="print">
-            <a:extLst>
-              <a:ext uri="{28A0092B-C50C-407E-A947-70E740481C1C}">
-                <a14:useLocalDpi xmlns:a14="http://schemas.microsoft.com/office/drawing/2010/main" val="0"/>
-              </a:ext>
-            </a:extLst>
-          </a:blip>
-          <a:stretch>
-            <a:fillRect/>
-          </a:stretch>
-        </p:blipFill>
+        <p:style>
+          <a:lnRef idx="2">
+            <a:schemeClr val="accent3">
+              <a:shade val="50000"/>
+            </a:schemeClr>
+          </a:lnRef>
+          <a:fillRef idx="1">
+            <a:schemeClr val="accent3"/>
+          </a:fillRef>
+          <a:effectRef idx="0">
+            <a:schemeClr val="accent3"/>
+          </a:effectRef>
+          <a:fontRef idx="minor">
+            <a:schemeClr val="lt1"/>
+          </a:fontRef>
+        </p:style>
+        <p:txBody>
+          <a:bodyPr rtlCol="0" anchor="ctr"/>
+          <a:lstStyle/>
+          <a:p>
+            <a:pPr algn="ctr"/>
+            <a:endParaRPr lang="zh-CN" altLang="en-US"/>
+          </a:p>
+        </p:txBody>
+      </p:sp>
+      <p:sp>
+        <p:nvSpPr>
+          <p:cNvPr id="62" name="右箭头 61"/>
+          <p:cNvSpPr/>
+          <p:nvPr/>
+        </p:nvSpPr>
         <p:spPr>
-          <a:xfrm>
-            <a:off x="1219200" y="5562600"/>
-            <a:ext cx="1295238" cy="233143"/>
+          <a:xfrm rot="4512805">
+            <a:off x="6563725" y="2074398"/>
+            <a:ext cx="1005967" cy="166178"/>
           </a:xfrm>
-          <a:prstGeom prst="rect">
+          <a:prstGeom prst="rightArrow">
             <a:avLst/>
           </a:prstGeom>
+          <a:ln>
+            <a:solidFill>
+              <a:schemeClr val="bg1">
+                <a:lumMod val="65000"/>
+              </a:schemeClr>
+            </a:solidFill>
+          </a:ln>
         </p:spPr>
-      </p:pic>
-      <p:pic>
-        <p:nvPicPr>
-          <p:cNvPr id="7" name="图片 6"/>
-          <p:cNvPicPr>
-            <a:picLocks noChangeAspect="1"/>
-          </p:cNvPicPr>
-          <p:nvPr>
-            <p:custDataLst>
-              <p:tags r:id="rId5"/>
-            </p:custDataLst>
-          </p:nvPr>
-        </p:nvPicPr>
-        <p:blipFill>
-          <a:blip r:embed="rId11" cstate="print">
-            <a:extLst>
-              <a:ext uri="{28A0092B-C50C-407E-A947-70E740481C1C}">
-                <a14:useLocalDpi xmlns:a14="http://schemas.microsoft.com/office/drawing/2010/main" val="0"/>
-              </a:ext>
-            </a:extLst>
-          </a:blip>
-          <a:stretch>
-            <a:fillRect/>
-          </a:stretch>
-        </p:blipFill>
-        <p:spPr>
-          <a:xfrm>
-            <a:off x="3200400" y="4343400"/>
-            <a:ext cx="1434819" cy="276572"/>
-          </a:xfrm>
-          <a:prstGeom prst="rect">
-            <a:avLst/>
-          </a:prstGeom>
-        </p:spPr>
-      </p:pic>
+        <p:style>
+          <a:lnRef idx="2">
+            <a:schemeClr val="accent3">
+              <a:shade val="50000"/>
+            </a:schemeClr>
+          </a:lnRef>
+          <a:fillRef idx="1">
+            <a:schemeClr val="accent3"/>
+          </a:fillRef>
+          <a:effectRef idx="0">
+            <a:schemeClr val="accent3"/>
+          </a:effectRef>
+          <a:fontRef idx="minor">
+            <a:schemeClr val="lt1"/>
+          </a:fontRef>
+        </p:style>
+        <p:txBody>
+          <a:bodyPr rtlCol="0" anchor="ctr"/>
+          <a:lstStyle/>
+          <a:p>
+            <a:pPr algn="ctr"/>
+            <a:endParaRPr lang="zh-CN" altLang="en-US"/>
+          </a:p>
+        </p:txBody>
+      </p:sp>
     </p:spTree>
     <p:extLst>
       <p:ext uri="{BB962C8B-B14F-4D97-AF65-F5344CB8AC3E}">
@@ -35042,7 +34822,23 @@
                 <a:ea typeface="Open Sans" panose="020B0606030504020204" pitchFamily="34" charset="0"/>
                 <a:cs typeface="Open Sans" panose="020B0606030504020204" pitchFamily="34" charset="0"/>
               </a:rPr>
-              <a:t>Truncated version of hitting time and commute times</a:t>
+              <a:t>Truncated version of hitting </a:t>
+            </a:r>
+            <a:r>
+              <a:rPr lang="en-US" altLang="en-US" sz="2400" dirty="0" smtClean="0">
+                <a:latin typeface="Open Sans" panose="020B0606030504020204" pitchFamily="34" charset="0"/>
+                <a:ea typeface="Open Sans" panose="020B0606030504020204" pitchFamily="34" charset="0"/>
+                <a:cs typeface="Open Sans" panose="020B0606030504020204" pitchFamily="34" charset="0"/>
+              </a:rPr>
+              <a:t>times </a:t>
+            </a:r>
+            <a:r>
+              <a:rPr lang="en-US" altLang="en-US" sz="2400" dirty="0" smtClean="0">
+                <a:latin typeface="Open Sans" panose="020B0606030504020204" pitchFamily="34" charset="0"/>
+                <a:ea typeface="Open Sans" panose="020B0606030504020204" pitchFamily="34" charset="0"/>
+                <a:cs typeface="Open Sans" panose="020B0606030504020204" pitchFamily="34" charset="0"/>
+              </a:rPr>
+              <a:t>and commute times</a:t>
             </a:r>
           </a:p>
           <a:p>
@@ -37871,9 +37667,9 @@
   <p:tag name="OUTPUTDPI" val="1200"/>
   <p:tag name="ORIGINALHEIGHT" val="123.7346"/>
   <p:tag name="ORIGINALWIDTH" val="983.877"/>
-  <p:tag name="LATEXADDIN" val="\documentclass{article}&#10;\usepackage{amsmath}&#10;\pagestyle{empty}&#10;\begin{document}&#10;&#10;$\mathrm{ep}(A \rightarrow B) = 0.91$&#10;&#10;&#10;\end{document}"/>
+  <p:tag name="LATEXADDIN" val="\documentclass{article}&#10;\usepackage{amsmath}&#10;\pagestyle{empty}&#10;\begin{document}&#10;&#10;$\mathrm{ep}(A \rightarrow B) = 0.81$&#10;&#10;&#10;\end{document}"/>
   <p:tag name="IGUANATEXSIZE" val="20"/>
-  <p:tag name="IGUANATEXCURSOR" val="117"/>
+  <p:tag name="IGUANATEXCURSOR" val="116"/>
   <p:tag name="TRANSPARENCY" val="True"/>
   <p:tag name="FILENAME" val=""/>
   <p:tag name="LATEXENGINEID" val="0"/>
@@ -38348,26 +38144,26 @@
 
 <file path=ppt/tags/tag56.xml><?xml version="1.0" encoding="utf-8"?>
 <p:tagLst xmlns:a="http://schemas.openxmlformats.org/drawingml/2006/main" xmlns:r="http://schemas.openxmlformats.org/officeDocument/2006/relationships" xmlns:p="http://schemas.openxmlformats.org/presentationml/2006/main">
-  <p:tag name="TIMING" val="|34.9"/>
+  <p:tag name="OUTPUTDPI" val="1200"/>
+  <p:tag name="ORIGINALHEIGHT" val="123.7346"/>
+  <p:tag name="ORIGINALWIDTH" val="1103.862"/>
+  <p:tag name="LATEXADDIN" val="\documentclass{article}&#10;\usepackage{amsmath}&#10;\pagestyle{empty}&#10;\usepackage{bm}&#10;\begin{document}&#10;&#10;(as $ \rho(c\bm{P}) &lt; 1 $ holds)&#10;&#10;\end{document}"/>
+  <p:tag name="IGUANATEXSIZE" val="20"/>
+  <p:tag name="IGUANATEXCURSOR" val="128"/>
+  <p:tag name="TRANSPARENCY" val="True"/>
+  <p:tag name="FILENAME" val=""/>
+  <p:tag name="LATEXENGINEID" val="0"/>
+  <p:tag name="TEMPFOLDER" val="c:\temp\"/>
+  <p:tag name="LATEXFORMHEIGHT" val="312"/>
+  <p:tag name="LATEXFORMWIDTH" val="380"/>
+  <p:tag name="LATEXFORMWRAP" val="True"/>
+  <p:tag name="BITMAPVECTOR" val="0"/>
 </p:tagLst>
 </file>
 
 <file path=ppt/tags/tag57.xml><?xml version="1.0" encoding="utf-8"?>
 <p:tagLst xmlns:a="http://schemas.openxmlformats.org/drawingml/2006/main" xmlns:r="http://schemas.openxmlformats.org/officeDocument/2006/relationships" xmlns:p="http://schemas.openxmlformats.org/presentationml/2006/main">
-  <p:tag name="OUTPUTDPI" val="1200"/>
-  <p:tag name="ORIGINALHEIGHT" val="123.7346"/>
-  <p:tag name="ORIGINALWIDTH" val="1169.104"/>
-  <p:tag name="LATEXADDIN" val="\documentclass{article}&#10;\usepackage{amsmath}&#10;\pagestyle{empty}&#10;\begin{document}&#10;&#10;$\mathrm{ep}(i \rightarrow j) + \mathrm{ep}(j \rightarrow i)$&#10;&#10;&#10;\end{document}"/>
-  <p:tag name="IGUANATEXSIZE" val="24"/>
-  <p:tag name="IGUANATEXCURSOR" val="140"/>
-  <p:tag name="TRANSPARENCY" val="True"/>
-  <p:tag name="FILENAME" val=""/>
-  <p:tag name="LATEXENGINEID" val="0"/>
-  <p:tag name="TEMPFOLDER" val="c:\temp\"/>
-  <p:tag name="LATEXFORMHEIGHT" val="312"/>
-  <p:tag name="LATEXFORMWIDTH" val="384"/>
-  <p:tag name="LATEXFORMWRAP" val="True"/>
-  <p:tag name="BITMAPVECTOR" val="0"/>
+  <p:tag name="TIMING" val="|34.9"/>
 </p:tagLst>
 </file>
 
@@ -38396,7 +38192,7 @@
   <p:tag name="ORIGINALHEIGHT" val="123.7346"/>
   <p:tag name="ORIGINALWIDTH" val="1169.104"/>
   <p:tag name="LATEXADDIN" val="\documentclass{article}&#10;\usepackage{amsmath}&#10;\pagestyle{empty}&#10;\begin{document}&#10;&#10;$\mathrm{ep}(i \rightarrow j) + \mathrm{ep}(j \rightarrow i)$&#10;&#10;&#10;\end{document}"/>
-  <p:tag name="IGUANATEXSIZE" val="22"/>
+  <p:tag name="IGUANATEXSIZE" val="24"/>
   <p:tag name="IGUANATEXCURSOR" val="140"/>
   <p:tag name="TRANSPARENCY" val="True"/>
   <p:tag name="FILENAME" val=""/>
@@ -38430,11 +38226,30 @@
 
 <file path=ppt/tags/tag60.xml><?xml version="1.0" encoding="utf-8"?>
 <p:tagLst xmlns:a="http://schemas.openxmlformats.org/drawingml/2006/main" xmlns:r="http://schemas.openxmlformats.org/officeDocument/2006/relationships" xmlns:p="http://schemas.openxmlformats.org/presentationml/2006/main">
+  <p:tag name="OUTPUTDPI" val="1200"/>
+  <p:tag name="ORIGINALHEIGHT" val="123.7346"/>
+  <p:tag name="ORIGINALWIDTH" val="1169.104"/>
+  <p:tag name="LATEXADDIN" val="\documentclass{article}&#10;\usepackage{amsmath}&#10;\pagestyle{empty}&#10;\begin{document}&#10;&#10;$\mathrm{ep}(i \rightarrow j) + \mathrm{ep}(j \rightarrow i)$&#10;&#10;&#10;\end{document}"/>
+  <p:tag name="IGUANATEXSIZE" val="22"/>
+  <p:tag name="IGUANATEXCURSOR" val="140"/>
+  <p:tag name="TRANSPARENCY" val="True"/>
+  <p:tag name="FILENAME" val=""/>
+  <p:tag name="LATEXENGINEID" val="0"/>
+  <p:tag name="TEMPFOLDER" val="c:\temp\"/>
+  <p:tag name="LATEXFORMHEIGHT" val="312"/>
+  <p:tag name="LATEXFORMWIDTH" val="384"/>
+  <p:tag name="LATEXFORMWRAP" val="True"/>
+  <p:tag name="BITMAPVECTOR" val="0"/>
+</p:tagLst>
+</file>
+
+<file path=ppt/tags/tag61.xml><?xml version="1.0" encoding="utf-8"?>
+<p:tagLst xmlns:a="http://schemas.openxmlformats.org/drawingml/2006/main" xmlns:r="http://schemas.openxmlformats.org/officeDocument/2006/relationships" xmlns:p="http://schemas.openxmlformats.org/presentationml/2006/main">
   <p:tag name="TIMING" val="|36.8|20.5"/>
 </p:tagLst>
 </file>
 
-<file path=ppt/tags/tag61.xml><?xml version="1.0" encoding="utf-8"?>
+<file path=ppt/tags/tag62.xml><?xml version="1.0" encoding="utf-8"?>
 <p:tagLst xmlns:a="http://schemas.openxmlformats.org/drawingml/2006/main" xmlns:r="http://schemas.openxmlformats.org/officeDocument/2006/relationships" xmlns:p="http://schemas.openxmlformats.org/presentationml/2006/main">
   <p:tag name="OUTPUTDPI" val="1200"/>
   <p:tag name="ORIGINALHEIGHT" val="123.7346"/>
@@ -38453,7 +38268,7 @@
 </p:tagLst>
 </file>
 
-<file path=ppt/tags/tag62.xml><?xml version="1.0" encoding="utf-8"?>
+<file path=ppt/tags/tag63.xml><?xml version="1.0" encoding="utf-8"?>
 <p:tagLst xmlns:a="http://schemas.openxmlformats.org/drawingml/2006/main" xmlns:r="http://schemas.openxmlformats.org/officeDocument/2006/relationships" xmlns:p="http://schemas.openxmlformats.org/presentationml/2006/main">
   <p:tag name="OUTPUTDPI" val="1200"/>
   <p:tag name="ORIGINALHEIGHT" val="123.7346"/>
@@ -38472,7 +38287,7 @@
 </p:tagLst>
 </file>
 
-<file path=ppt/tags/tag63.xml><?xml version="1.0" encoding="utf-8"?>
+<file path=ppt/tags/tag64.xml><?xml version="1.0" encoding="utf-8"?>
 <p:tagLst xmlns:a="http://schemas.openxmlformats.org/drawingml/2006/main" xmlns:r="http://schemas.openxmlformats.org/officeDocument/2006/relationships" xmlns:p="http://schemas.openxmlformats.org/presentationml/2006/main">
   <p:tag name="OUTPUTDPI" val="1200"/>
   <p:tag name="ORIGINALHEIGHT" val="123.7346"/>
@@ -38491,13 +38306,13 @@
 </p:tagLst>
 </file>
 
-<file path=ppt/tags/tag64.xml><?xml version="1.0" encoding="utf-8"?>
+<file path=ppt/tags/tag65.xml><?xml version="1.0" encoding="utf-8"?>
 <p:tagLst xmlns:a="http://schemas.openxmlformats.org/drawingml/2006/main" xmlns:r="http://schemas.openxmlformats.org/officeDocument/2006/relationships" xmlns:p="http://schemas.openxmlformats.org/presentationml/2006/main">
   <p:tag name="TIMING" val="|14.6"/>
 </p:tagLst>
 </file>
 
-<file path=ppt/tags/tag65.xml><?xml version="1.0" encoding="utf-8"?>
+<file path=ppt/tags/tag66.xml><?xml version="1.0" encoding="utf-8"?>
 <p:tagLst xmlns:a="http://schemas.openxmlformats.org/drawingml/2006/main" xmlns:r="http://schemas.openxmlformats.org/officeDocument/2006/relationships" xmlns:p="http://schemas.openxmlformats.org/presentationml/2006/main">
   <p:tag name="OUTPUTDPI" val="1200"/>
   <p:tag name="ORIGINALHEIGHT" val="111.9327"/>
@@ -38516,7 +38331,7 @@
 </p:tagLst>
 </file>
 
-<file path=ppt/tags/tag66.xml><?xml version="1.0" encoding="utf-8"?>
+<file path=ppt/tags/tag67.xml><?xml version="1.0" encoding="utf-8"?>
 <p:tagLst xmlns:a="http://schemas.openxmlformats.org/drawingml/2006/main" xmlns:r="http://schemas.openxmlformats.org/officeDocument/2006/relationships" xmlns:p="http://schemas.openxmlformats.org/presentationml/2006/main">
   <p:tag name="OUTPUTDPI" val="1200"/>
   <p:tag name="ORIGINALHEIGHT" val="56.24299"/>
@@ -38535,7 +38350,7 @@
 </p:tagLst>
 </file>
 
-<file path=ppt/tags/tag67.xml><?xml version="1.0" encoding="utf-8"?>
+<file path=ppt/tags/tag68.xml><?xml version="1.0" encoding="utf-8"?>
 <p:tagLst xmlns:a="http://schemas.openxmlformats.org/drawingml/2006/main" xmlns:r="http://schemas.openxmlformats.org/officeDocument/2006/relationships" xmlns:p="http://schemas.openxmlformats.org/presentationml/2006/main">
   <p:tag name="OUTPUTDPI" val="1200"/>
   <p:tag name="ORIGINALHEIGHT" val="103.4871"/>
@@ -38554,7 +38369,7 @@
 </p:tagLst>
 </file>
 
-<file path=ppt/tags/tag68.xml><?xml version="1.0" encoding="utf-8"?>
+<file path=ppt/tags/tag69.xml><?xml version="1.0" encoding="utf-8"?>
 <p:tagLst xmlns:a="http://schemas.openxmlformats.org/drawingml/2006/main" xmlns:r="http://schemas.openxmlformats.org/officeDocument/2006/relationships" xmlns:p="http://schemas.openxmlformats.org/presentationml/2006/main">
   <p:tag name="OUTPUTDPI" val="1200"/>
   <p:tag name="ORIGINALHEIGHT" val="164.2294"/>
@@ -38570,12 +38385,6 @@
   <p:tag name="LATEXFORMWIDTH" val="384"/>
   <p:tag name="LATEXFORMWRAP" val="True"/>
   <p:tag name="BITMAPVECTOR" val="0"/>
-</p:tagLst>
-</file>
-
-<file path=ppt/tags/tag69.xml><?xml version="1.0" encoding="utf-8"?>
-<p:tagLst xmlns:a="http://schemas.openxmlformats.org/drawingml/2006/main" xmlns:r="http://schemas.openxmlformats.org/officeDocument/2006/relationships" xmlns:p="http://schemas.openxmlformats.org/presentationml/2006/main">
-  <p:tag name="TIMING" val="|14.6"/>
 </p:tagLst>
 </file>
 
@@ -38600,6 +38409,12 @@
 
 <file path=ppt/tags/tag70.xml><?xml version="1.0" encoding="utf-8"?>
 <p:tagLst xmlns:a="http://schemas.openxmlformats.org/drawingml/2006/main" xmlns:r="http://schemas.openxmlformats.org/officeDocument/2006/relationships" xmlns:p="http://schemas.openxmlformats.org/presentationml/2006/main">
+  <p:tag name="TIMING" val="|14.6"/>
+</p:tagLst>
+</file>
+
+<file path=ppt/tags/tag71.xml><?xml version="1.0" encoding="utf-8"?>
+<p:tagLst xmlns:a="http://schemas.openxmlformats.org/drawingml/2006/main" xmlns:r="http://schemas.openxmlformats.org/officeDocument/2006/relationships" xmlns:p="http://schemas.openxmlformats.org/presentationml/2006/main">
   <p:tag name="OUTPUTDPI" val="1200"/>
   <p:tag name="ORIGINALHEIGHT" val="156.7712"/>
   <p:tag name="ORIGINALWIDTH" val="720.3619"/>
@@ -38617,7 +38432,7 @@
 </p:tagLst>
 </file>
 
-<file path=ppt/tags/tag71.xml><?xml version="1.0" encoding="utf-8"?>
+<file path=ppt/tags/tag72.xml><?xml version="1.0" encoding="utf-8"?>
 <p:tagLst xmlns:a="http://schemas.openxmlformats.org/drawingml/2006/main" xmlns:r="http://schemas.openxmlformats.org/officeDocument/2006/relationships" xmlns:p="http://schemas.openxmlformats.org/presentationml/2006/main">
   <p:tag name="OUTPUTDPI" val="1200"/>
   <p:tag name="ORIGINALHEIGHT" val="163.4795"/>
@@ -38636,7 +38451,7 @@
 </p:tagLst>
 </file>
 
-<file path=ppt/tags/tag72.xml><?xml version="1.0" encoding="utf-8"?>
+<file path=ppt/tags/tag73.xml><?xml version="1.0" encoding="utf-8"?>
 <p:tagLst xmlns:a="http://schemas.openxmlformats.org/drawingml/2006/main" xmlns:r="http://schemas.openxmlformats.org/officeDocument/2006/relationships" xmlns:p="http://schemas.openxmlformats.org/presentationml/2006/main">
   <p:tag name="OUTPUTDPI" val="1200"/>
   <p:tag name="ORIGINALHEIGHT" val="123.7346"/>
@@ -38655,7 +38470,7 @@
 </p:tagLst>
 </file>
 
-<file path=ppt/tags/tag73.xml><?xml version="1.0" encoding="utf-8"?>
+<file path=ppt/tags/tag74.xml><?xml version="1.0" encoding="utf-8"?>
 <p:tagLst xmlns:a="http://schemas.openxmlformats.org/drawingml/2006/main" xmlns:r="http://schemas.openxmlformats.org/officeDocument/2006/relationships" xmlns:p="http://schemas.openxmlformats.org/presentationml/2006/main">
   <p:tag name="OUTPUTDPI" val="1200"/>
   <p:tag name="ORIGINALHEIGHT" val="137.9828"/>
@@ -38674,7 +38489,7 @@
 </p:tagLst>
 </file>
 
-<file path=ppt/tags/tag74.xml><?xml version="1.0" encoding="utf-8"?>
+<file path=ppt/tags/tag75.xml><?xml version="1.0" encoding="utf-8"?>
 <p:tagLst xmlns:a="http://schemas.openxmlformats.org/drawingml/2006/main" xmlns:r="http://schemas.openxmlformats.org/officeDocument/2006/relationships" xmlns:p="http://schemas.openxmlformats.org/presentationml/2006/main">
   <p:tag name="OUTPUTDPI" val="1200"/>
   <p:tag name="ORIGINALHEIGHT" val="123.7346"/>
@@ -38693,7 +38508,7 @@
 </p:tagLst>
 </file>
 
-<file path=ppt/tags/tag75.xml><?xml version="1.0" encoding="utf-8"?>
+<file path=ppt/tags/tag76.xml><?xml version="1.0" encoding="utf-8"?>
 <p:tagLst xmlns:a="http://schemas.openxmlformats.org/drawingml/2006/main" xmlns:r="http://schemas.openxmlformats.org/officeDocument/2006/relationships" xmlns:p="http://schemas.openxmlformats.org/presentationml/2006/main">
   <p:tag name="OUTPUTDPI" val="1200"/>
   <p:tag name="ORIGINALHEIGHT" val="163.4795"/>
@@ -38712,13 +38527,13 @@
 </p:tagLst>
 </file>
 
-<file path=ppt/tags/tag76.xml><?xml version="1.0" encoding="utf-8"?>
+<file path=ppt/tags/tag77.xml><?xml version="1.0" encoding="utf-8"?>
 <p:tagLst xmlns:a="http://schemas.openxmlformats.org/drawingml/2006/main" xmlns:r="http://schemas.openxmlformats.org/officeDocument/2006/relationships" xmlns:p="http://schemas.openxmlformats.org/presentationml/2006/main">
   <p:tag name="TIMING" val="|14.6"/>
 </p:tagLst>
 </file>
 
-<file path=ppt/tags/tag77.xml><?xml version="1.0" encoding="utf-8"?>
+<file path=ppt/tags/tag78.xml><?xml version="1.0" encoding="utf-8"?>
 <p:tagLst xmlns:a="http://schemas.openxmlformats.org/drawingml/2006/main" xmlns:r="http://schemas.openxmlformats.org/officeDocument/2006/relationships" xmlns:p="http://schemas.openxmlformats.org/presentationml/2006/main">
   <p:tag name="OUTPUTDPI" val="1200"/>
   <p:tag name="ORIGINALHEIGHT" val="156.7712"/>
@@ -38737,7 +38552,7 @@
 </p:tagLst>
 </file>
 
-<file path=ppt/tags/tag78.xml><?xml version="1.0" encoding="utf-8"?>
+<file path=ppt/tags/tag79.xml><?xml version="1.0" encoding="utf-8"?>
 <p:tagLst xmlns:a="http://schemas.openxmlformats.org/drawingml/2006/main" xmlns:r="http://schemas.openxmlformats.org/officeDocument/2006/relationships" xmlns:p="http://schemas.openxmlformats.org/presentationml/2006/main">
   <p:tag name="OUTPUTDPI" val="1200"/>
   <p:tag name="ORIGINALHEIGHT" val="224.222"/>
@@ -38745,25 +38560,6 @@
   <p:tag name="LATEXADDIN" val="\documentclass{article}&#10;\usepackage{amsmath}&#10;\pagestyle{empty}&#10;\begin{document}&#10;&#10;$\mathrm{ep}(i\rightarrow j) + \mathrm{ep}(j\rightarrow i) = \frac{1}{c(i,j)}\left(\frac{1}{\pi_i} + \frac{1}{\pi_j}\right)$&#10;&#10;&#10;\end{document}"/>
   <p:tag name="IGUANATEXSIZE" val="22"/>
   <p:tag name="IGUANATEXCURSOR" val="205"/>
-  <p:tag name="TRANSPARENCY" val="True"/>
-  <p:tag name="FILENAME" val=""/>
-  <p:tag name="LATEXENGINEID" val="0"/>
-  <p:tag name="TEMPFOLDER" val="c:\temp\"/>
-  <p:tag name="LATEXFORMHEIGHT" val="312"/>
-  <p:tag name="LATEXFORMWIDTH" val="384"/>
-  <p:tag name="LATEXFORMWRAP" val="True"/>
-  <p:tag name="BITMAPVECTOR" val="0"/>
-</p:tagLst>
-</file>
-
-<file path=ppt/tags/tag79.xml><?xml version="1.0" encoding="utf-8"?>
-<p:tagLst xmlns:a="http://schemas.openxmlformats.org/drawingml/2006/main" xmlns:r="http://schemas.openxmlformats.org/officeDocument/2006/relationships" xmlns:p="http://schemas.openxmlformats.org/presentationml/2006/main">
-  <p:tag name="OUTPUTDPI" val="1200"/>
-  <p:tag name="ORIGINALHEIGHT" val="123.7346"/>
-  <p:tag name="ORIGINALWIDTH" val="305.9617"/>
-  <p:tag name="LATEXADDIN" val="\documentclass{article}&#10;\usepackage{amsmath}&#10;\pagestyle{empty}&#10;\begin{document}&#10;&#10;$h(i,j)$&#10;&#10;&#10;\end{document}"/>
-  <p:tag name="IGUANATEXSIZE" val="22"/>
-  <p:tag name="IGUANATEXCURSOR" val="89"/>
   <p:tag name="TRANSPARENCY" val="True"/>
   <p:tag name="FILENAME" val=""/>
   <p:tag name="LATEXENGINEID" val="0"/>
@@ -38795,6 +38591,25 @@
 </file>
 
 <file path=ppt/tags/tag80.xml><?xml version="1.0" encoding="utf-8"?>
+<p:tagLst xmlns:a="http://schemas.openxmlformats.org/drawingml/2006/main" xmlns:r="http://schemas.openxmlformats.org/officeDocument/2006/relationships" xmlns:p="http://schemas.openxmlformats.org/presentationml/2006/main">
+  <p:tag name="OUTPUTDPI" val="1200"/>
+  <p:tag name="ORIGINALHEIGHT" val="123.7346"/>
+  <p:tag name="ORIGINALWIDTH" val="305.9617"/>
+  <p:tag name="LATEXADDIN" val="\documentclass{article}&#10;\usepackage{amsmath}&#10;\pagestyle{empty}&#10;\begin{document}&#10;&#10;$h(i,j)$&#10;&#10;&#10;\end{document}"/>
+  <p:tag name="IGUANATEXSIZE" val="22"/>
+  <p:tag name="IGUANATEXCURSOR" val="89"/>
+  <p:tag name="TRANSPARENCY" val="True"/>
+  <p:tag name="FILENAME" val=""/>
+  <p:tag name="LATEXENGINEID" val="0"/>
+  <p:tag name="TEMPFOLDER" val="c:\temp\"/>
+  <p:tag name="LATEXFORMHEIGHT" val="312"/>
+  <p:tag name="LATEXFORMWIDTH" val="384"/>
+  <p:tag name="LATEXFORMWRAP" val="True"/>
+  <p:tag name="BITMAPVECTOR" val="0"/>
+</p:tagLst>
+</file>
+
+<file path=ppt/tags/tag81.xml><?xml version="1.0" encoding="utf-8"?>
 <p:tagLst xmlns:a="http://schemas.openxmlformats.org/drawingml/2006/main" xmlns:r="http://schemas.openxmlformats.org/officeDocument/2006/relationships" xmlns:p="http://schemas.openxmlformats.org/presentationml/2006/main">
   <p:tag name="OUTPUTDPI" val="1200"/>
   <p:tag name="ORIGINALHEIGHT" val="89.98874"/>

--- a/rw.pptx
+++ b/rw.pptx
@@ -7275,7 +7275,7 @@
           <a:graphicData uri="http://schemas.openxmlformats.org/presentationml/2006/ole">
             <mc:AlternateContent xmlns:mc="http://schemas.openxmlformats.org/markup-compatibility/2006">
               <mc:Choice xmlns:v="urn:schemas-microsoft-com:vml" Requires="v">
-                <p:oleObj spid="_x0000_s28803" name="Visio" r:id="rId6" imgW="5289194" imgH="2914802" progId="Visio.Drawing.11">
+                <p:oleObj spid="_x0000_s28844" name="Visio" r:id="rId6" imgW="5289194" imgH="2914802" progId="Visio.Drawing.11">
                   <p:embed/>
                 </p:oleObj>
               </mc:Choice>
@@ -7479,7 +7479,7 @@
           <a:graphicData uri="http://schemas.openxmlformats.org/presentationml/2006/ole">
             <mc:AlternateContent xmlns:mc="http://schemas.openxmlformats.org/markup-compatibility/2006">
               <mc:Choice xmlns:v="urn:schemas-microsoft-com:vml" Requires="v">
-                <p:oleObj spid="_x0000_s30150" name="Visio" r:id="rId9" imgW="5289194" imgH="1988515" progId="Visio.Drawing.11">
+                <p:oleObj spid="_x0000_s30314" name="Visio" r:id="rId9" imgW="5289194" imgH="1988515" progId="Visio.Drawing.11">
                   <p:embed/>
                 </p:oleObj>
               </mc:Choice>
@@ -7581,7 +7581,7 @@
           <a:graphicData uri="http://schemas.openxmlformats.org/presentationml/2006/ole">
             <mc:AlternateContent xmlns:mc="http://schemas.openxmlformats.org/markup-compatibility/2006">
               <mc:Choice xmlns:v="urn:schemas-microsoft-com:vml" Requires="v">
-                <p:oleObj spid="_x0000_s30151" name="Visio" r:id="rId11" imgW="5289194" imgH="2888590" progId="Visio.Drawing.11">
+                <p:oleObj spid="_x0000_s30315" name="Visio" r:id="rId11" imgW="5289194" imgH="2888590" progId="Visio.Drawing.11">
                   <p:embed/>
                 </p:oleObj>
               </mc:Choice>
@@ -7682,7 +7682,7 @@
           <a:graphicData uri="http://schemas.openxmlformats.org/presentationml/2006/ole">
             <mc:AlternateContent xmlns:mc="http://schemas.openxmlformats.org/markup-compatibility/2006">
               <mc:Choice xmlns:v="urn:schemas-microsoft-com:vml" Requires="v">
-                <p:oleObj spid="_x0000_s30152" name="Visio" r:id="rId13" imgW="5186172" imgH="754685" progId="Visio.Drawing.11">
+                <p:oleObj spid="_x0000_s30316" name="Visio" r:id="rId13" imgW="5186172" imgH="754685" progId="Visio.Drawing.11">
                   <p:embed/>
                 </p:oleObj>
               </mc:Choice>
@@ -7783,7 +7783,7 @@
           <a:graphicData uri="http://schemas.openxmlformats.org/presentationml/2006/ole">
             <mc:AlternateContent xmlns:mc="http://schemas.openxmlformats.org/markup-compatibility/2006">
               <mc:Choice xmlns:v="urn:schemas-microsoft-com:vml" Requires="v">
-                <p:oleObj spid="_x0000_s30153" name="Visio" r:id="rId15" imgW="5186172" imgH="1870558" progId="Visio.Drawing.11">
+                <p:oleObj spid="_x0000_s30317" name="Visio" r:id="rId15" imgW="5186172" imgH="1870558" progId="Visio.Drawing.11">
                   <p:embed/>
                 </p:oleObj>
               </mc:Choice>
@@ -8780,7 +8780,7 @@
           <a:graphicData uri="http://schemas.openxmlformats.org/presentationml/2006/ole">
             <mc:AlternateContent xmlns:mc="http://schemas.openxmlformats.org/markup-compatibility/2006">
               <mc:Choice xmlns:v="urn:schemas-microsoft-com:vml" Requires="v">
-                <p:oleObj spid="_x0000_s30830" name="Visio" r:id="rId7" imgW="5038954" imgH="751637" progId="Visio.Drawing.11">
+                <p:oleObj spid="_x0000_s30912" name="Visio" r:id="rId7" imgW="5038954" imgH="751637" progId="Visio.Drawing.11">
                   <p:embed/>
                 </p:oleObj>
               </mc:Choice>
@@ -8935,7 +8935,7 @@
           <a:graphicData uri="http://schemas.openxmlformats.org/presentationml/2006/ole">
             <mc:AlternateContent xmlns:mc="http://schemas.openxmlformats.org/markup-compatibility/2006">
               <mc:Choice xmlns:v="urn:schemas-microsoft-com:vml" Requires="v">
-                <p:oleObj spid="_x0000_s30831" name="Visio" r:id="rId9" imgW="5038954" imgH="1130503" progId="Visio.Drawing.11">
+                <p:oleObj spid="_x0000_s30913" name="Visio" r:id="rId9" imgW="5038954" imgH="1130503" progId="Visio.Drawing.11">
                   <p:embed/>
                 </p:oleObj>
               </mc:Choice>
@@ -9776,7 +9776,7 @@
                 <a:ea typeface="Open Sans" panose="020B0606030504020204" pitchFamily="34" charset="0"/>
                 <a:cs typeface="Open Sans" panose="020B0606030504020204" pitchFamily="34" charset="0"/>
               </a:rPr>
-              <a:t>          ,             ,</a:t>
+              <a:t>            ,               ,</a:t>
             </a:r>
           </a:p>
           <a:p>
@@ -9803,8 +9803,21 @@
                 <a:ea typeface="Open Sans" panose="020B0606030504020204" pitchFamily="34" charset="0"/>
                 <a:cs typeface="Open Sans" panose="020B0606030504020204" pitchFamily="34" charset="0"/>
               </a:rPr>
-              <a:t>Split                                                and  </a:t>
-            </a:r>
+              <a:t>Split                  </a:t>
+            </a:r>
+            <a:r>
+              <a:rPr lang="en-US" altLang="zh-CN" sz="2000" dirty="0" smtClean="0">
+                <a:latin typeface="Open Sans" panose="020B0606030504020204" pitchFamily="34" charset="0"/>
+                <a:ea typeface="Open Sans" panose="020B0606030504020204" pitchFamily="34" charset="0"/>
+                <a:cs typeface="Open Sans" panose="020B0606030504020204" pitchFamily="34" charset="0"/>
+              </a:rPr>
+              <a:t> </a:t>
+            </a:r>
+            <a:endParaRPr lang="en-US" altLang="zh-CN" sz="2000" dirty="0" smtClean="0">
+              <a:latin typeface="Open Sans" panose="020B0606030504020204" pitchFamily="34" charset="0"/>
+              <a:ea typeface="Open Sans" panose="020B0606030504020204" pitchFamily="34" charset="0"/>
+              <a:cs typeface="Open Sans" panose="020B0606030504020204" pitchFamily="34" charset="0"/>
+            </a:endParaRPr>
           </a:p>
           <a:p>
             <a:pPr lvl="1"/>
@@ -9878,13 +9891,47 @@
       </p:sp>
       <p:pic>
         <p:nvPicPr>
-          <p:cNvPr id="17" name="Picture 16"/>
+          <p:cNvPr id="13" name="图片 12"/>
           <p:cNvPicPr>
             <a:picLocks noChangeAspect="1"/>
           </p:cNvPicPr>
           <p:nvPr>
             <p:custDataLst>
               <p:tags r:id="rId2"/>
+            </p:custDataLst>
+          </p:nvPr>
+        </p:nvPicPr>
+        <p:blipFill>
+          <a:blip r:embed="rId13" cstate="print">
+            <a:extLst>
+              <a:ext uri="{28A0092B-C50C-407E-A947-70E740481C1C}">
+                <a14:useLocalDpi xmlns:a14="http://schemas.microsoft.com/office/drawing/2010/main" val="0"/>
+              </a:ext>
+            </a:extLst>
+          </a:blip>
+          <a:stretch>
+            <a:fillRect/>
+          </a:stretch>
+        </p:blipFill>
+        <p:spPr>
+          <a:xfrm>
+            <a:off x="1888657" y="3428997"/>
+            <a:ext cx="5459810" cy="926476"/>
+          </a:xfrm>
+          <a:prstGeom prst="rect">
+            <a:avLst/>
+          </a:prstGeom>
+        </p:spPr>
+      </p:pic>
+      <p:pic>
+        <p:nvPicPr>
+          <p:cNvPr id="28" name="图片 27"/>
+          <p:cNvPicPr>
+            <a:picLocks noChangeAspect="1"/>
+          </p:cNvPicPr>
+          <p:nvPr>
+            <p:custDataLst>
+              <p:tags r:id="rId3"/>
             </p:custDataLst>
           </p:nvPr>
         </p:nvPicPr>
@@ -9902,280 +9949,8 @@
         </p:blipFill>
         <p:spPr>
           <a:xfrm>
-            <a:off x="2438400" y="2254343"/>
-            <a:ext cx="2408686" cy="308419"/>
-          </a:xfrm>
-          <a:prstGeom prst="rect">
-            <a:avLst/>
-          </a:prstGeom>
-        </p:spPr>
-      </p:pic>
-      <p:pic>
-        <p:nvPicPr>
-          <p:cNvPr id="6" name="Picture 5"/>
-          <p:cNvPicPr>
-            <a:picLocks noChangeAspect="1"/>
-          </p:cNvPicPr>
-          <p:nvPr>
-            <p:custDataLst>
-              <p:tags r:id="rId3"/>
-            </p:custDataLst>
-          </p:nvPr>
-        </p:nvPicPr>
-        <p:blipFill>
-          <a:blip r:embed="rId15" cstate="print">
-            <a:extLst>
-              <a:ext uri="{28A0092B-C50C-407E-A947-70E740481C1C}">
-                <a14:useLocalDpi xmlns:a14="http://schemas.microsoft.com/office/drawing/2010/main" val="0"/>
-              </a:ext>
-            </a:extLst>
-          </a:blip>
-          <a:stretch>
-            <a:fillRect/>
-          </a:stretch>
-        </p:blipFill>
-        <p:spPr>
-          <a:xfrm>
-            <a:off x="1143000" y="2743200"/>
-            <a:ext cx="655238" cy="207238"/>
-          </a:xfrm>
-          <a:prstGeom prst="rect">
-            <a:avLst/>
-          </a:prstGeom>
-        </p:spPr>
-      </p:pic>
-      <p:pic>
-        <p:nvPicPr>
-          <p:cNvPr id="7" name="Picture 6"/>
-          <p:cNvPicPr>
-            <a:picLocks noChangeAspect="1"/>
-          </p:cNvPicPr>
-          <p:nvPr>
-            <p:custDataLst>
-              <p:tags r:id="rId4"/>
-            </p:custDataLst>
-          </p:nvPr>
-        </p:nvPicPr>
-        <p:blipFill>
-          <a:blip r:embed="rId16" cstate="print">
-            <a:extLst>
-              <a:ext uri="{28A0092B-C50C-407E-A947-70E740481C1C}">
-                <a14:useLocalDpi xmlns:a14="http://schemas.microsoft.com/office/drawing/2010/main" val="0"/>
-              </a:ext>
-            </a:extLst>
-          </a:blip>
-          <a:stretch>
-            <a:fillRect/>
-          </a:stretch>
-        </p:blipFill>
-        <p:spPr>
-          <a:xfrm>
-            <a:off x="2057400" y="2727990"/>
-            <a:ext cx="667429" cy="243810"/>
-          </a:xfrm>
-          <a:prstGeom prst="rect">
-            <a:avLst/>
-          </a:prstGeom>
-        </p:spPr>
-      </p:pic>
-      <p:pic>
-        <p:nvPicPr>
-          <p:cNvPr id="8" name="Picture 7"/>
-          <p:cNvPicPr>
-            <a:picLocks noChangeAspect="1"/>
-          </p:cNvPicPr>
-          <p:nvPr>
-            <p:custDataLst>
-              <p:tags r:id="rId5"/>
-            </p:custDataLst>
-          </p:nvPr>
-        </p:nvPicPr>
-        <p:blipFill>
-          <a:blip r:embed="rId17" cstate="print">
-            <a:extLst>
-              <a:ext uri="{28A0092B-C50C-407E-A947-70E740481C1C}">
-                <a14:useLocalDpi xmlns:a14="http://schemas.microsoft.com/office/drawing/2010/main" val="0"/>
-              </a:ext>
-            </a:extLst>
-          </a:blip>
-          <a:stretch>
-            <a:fillRect/>
-          </a:stretch>
-        </p:blipFill>
-        <p:spPr>
-          <a:xfrm>
-            <a:off x="2981276" y="2702105"/>
-            <a:ext cx="2657524" cy="422095"/>
-          </a:xfrm>
-          <a:prstGeom prst="rect">
-            <a:avLst/>
-          </a:prstGeom>
-        </p:spPr>
-      </p:pic>
-      <p:pic>
-        <p:nvPicPr>
-          <p:cNvPr id="10" name="Picture 9"/>
-          <p:cNvPicPr>
-            <a:picLocks noChangeAspect="1"/>
-          </p:cNvPicPr>
-          <p:nvPr>
-            <p:custDataLst>
-              <p:tags r:id="rId6"/>
-            </p:custDataLst>
-          </p:nvPr>
-        </p:nvPicPr>
-        <p:blipFill>
-          <a:blip r:embed="rId18" cstate="print">
-            <a:extLst>
-              <a:ext uri="{28A0092B-C50C-407E-A947-70E740481C1C}">
-                <a14:useLocalDpi xmlns:a14="http://schemas.microsoft.com/office/drawing/2010/main" val="0"/>
-              </a:ext>
-            </a:extLst>
-          </a:blip>
-          <a:stretch>
-            <a:fillRect/>
-          </a:stretch>
-        </p:blipFill>
-        <p:spPr>
-          <a:xfrm>
-            <a:off x="1868800" y="3429000"/>
-            <a:ext cx="3008000" cy="953905"/>
-          </a:xfrm>
-          <a:prstGeom prst="rect">
-            <a:avLst/>
-          </a:prstGeom>
-        </p:spPr>
-      </p:pic>
-      <p:pic>
-        <p:nvPicPr>
-          <p:cNvPr id="11" name="Picture 10"/>
-          <p:cNvPicPr>
-            <a:picLocks noChangeAspect="1"/>
-          </p:cNvPicPr>
-          <p:nvPr>
-            <p:custDataLst>
-              <p:tags r:id="rId7"/>
-            </p:custDataLst>
-          </p:nvPr>
-        </p:nvPicPr>
-        <p:blipFill>
-          <a:blip r:embed="rId19" cstate="print">
-            <a:extLst>
-              <a:ext uri="{28A0092B-C50C-407E-A947-70E740481C1C}">
-                <a14:useLocalDpi xmlns:a14="http://schemas.microsoft.com/office/drawing/2010/main" val="0"/>
-              </a:ext>
-            </a:extLst>
-          </a:blip>
-          <a:stretch>
-            <a:fillRect/>
-          </a:stretch>
-        </p:blipFill>
-        <p:spPr>
-          <a:xfrm>
-            <a:off x="5696933" y="3672886"/>
-            <a:ext cx="1770667" cy="365714"/>
-          </a:xfrm>
-          <a:prstGeom prst="rect">
-            <a:avLst/>
-          </a:prstGeom>
-        </p:spPr>
-      </p:pic>
-      <p:pic>
-        <p:nvPicPr>
-          <p:cNvPr id="3" name="Picture 2"/>
-          <p:cNvPicPr>
-            <a:picLocks noChangeAspect="1"/>
-          </p:cNvPicPr>
-          <p:nvPr>
-            <p:custDataLst>
-              <p:tags r:id="rId8"/>
-            </p:custDataLst>
-          </p:nvPr>
-        </p:nvPicPr>
-        <p:blipFill>
-          <a:blip r:embed="rId20" cstate="print">
-            <a:extLst>
-              <a:ext uri="{28A0092B-C50C-407E-A947-70E740481C1C}">
-                <a14:useLocalDpi xmlns:a14="http://schemas.microsoft.com/office/drawing/2010/main" val="0"/>
-              </a:ext>
-            </a:extLst>
-          </a:blip>
-          <a:stretch>
-            <a:fillRect/>
-          </a:stretch>
-        </p:blipFill>
-        <p:spPr>
-          <a:xfrm>
-            <a:off x="1981200" y="4800600"/>
-            <a:ext cx="3812571" cy="315429"/>
-          </a:xfrm>
-          <a:prstGeom prst="rect">
-            <a:avLst/>
-          </a:prstGeom>
-        </p:spPr>
-      </p:pic>
-      <p:pic>
-        <p:nvPicPr>
-          <p:cNvPr id="14" name="Picture 13"/>
-          <p:cNvPicPr>
-            <a:picLocks noChangeAspect="1"/>
-          </p:cNvPicPr>
-          <p:nvPr>
-            <p:custDataLst>
-              <p:tags r:id="rId9"/>
-            </p:custDataLst>
-          </p:nvPr>
-        </p:nvPicPr>
-        <p:blipFill>
-          <a:blip r:embed="rId21" cstate="print">
-            <a:extLst>
-              <a:ext uri="{28A0092B-C50C-407E-A947-70E740481C1C}">
-                <a14:useLocalDpi xmlns:a14="http://schemas.microsoft.com/office/drawing/2010/main" val="0"/>
-              </a:ext>
-            </a:extLst>
-          </a:blip>
-          <a:stretch>
-            <a:fillRect/>
-          </a:stretch>
-        </p:blipFill>
-        <p:spPr>
-          <a:xfrm>
-            <a:off x="919648" y="5625143"/>
-            <a:ext cx="5404952" cy="470857"/>
-          </a:xfrm>
-          <a:prstGeom prst="rect">
-            <a:avLst/>
-          </a:prstGeom>
-        </p:spPr>
-      </p:pic>
-      <p:pic>
-        <p:nvPicPr>
-          <p:cNvPr id="16" name="Picture 15"/>
-          <p:cNvPicPr>
-            <a:picLocks noChangeAspect="1"/>
-          </p:cNvPicPr>
-          <p:nvPr>
-            <p:custDataLst>
-              <p:tags r:id="rId10"/>
-            </p:custDataLst>
-          </p:nvPr>
-        </p:nvPicPr>
-        <p:blipFill>
-          <a:blip r:embed="rId22" cstate="print">
-            <a:extLst>
-              <a:ext uri="{28A0092B-C50C-407E-A947-70E740481C1C}">
-                <a14:useLocalDpi xmlns:a14="http://schemas.microsoft.com/office/drawing/2010/main" val="0"/>
-              </a:ext>
-            </a:extLst>
-          </a:blip>
-          <a:stretch>
-            <a:fillRect/>
-          </a:stretch>
-        </p:blipFill>
-        <p:spPr>
-          <a:xfrm>
-            <a:off x="1143000" y="1548419"/>
-            <a:ext cx="5950476" cy="280381"/>
+            <a:off x="1981200" y="4800599"/>
+            <a:ext cx="4324572" cy="303238"/>
           </a:xfrm>
           <a:prstGeom prst="rect">
             <a:avLst/>
@@ -10190,12 +9965,12 @@
         </p:nvSpPr>
         <p:spPr>
           <a:xfrm>
-            <a:off x="5105400" y="4191000"/>
-            <a:ext cx="3733800" cy="843514"/>
+            <a:off x="5562600" y="4191000"/>
+            <a:ext cx="3429000" cy="843514"/>
           </a:xfrm>
           <a:prstGeom prst="wedgeRectCallout">
             <a:avLst>
-              <a:gd name="adj1" fmla="val -62080"/>
+              <a:gd name="adj1" fmla="val -50544"/>
               <a:gd name="adj2" fmla="val 105918"/>
             </a:avLst>
           </a:prstGeom>
@@ -10301,7 +10076,7 @@
         </p:nvSpPr>
         <p:spPr>
           <a:xfrm>
-            <a:off x="3962400" y="5562600"/>
+            <a:off x="4876800" y="5562600"/>
             <a:ext cx="1219200" cy="457199"/>
           </a:xfrm>
           <a:prstGeom prst="rect">
@@ -10347,12 +10122,12 @@
           </p:cNvPicPr>
           <p:nvPr>
             <p:custDataLst>
-              <p:tags r:id="rId11"/>
+              <p:tags r:id="rId4"/>
             </p:custDataLst>
           </p:nvPr>
         </p:nvPicPr>
         <p:blipFill>
-          <a:blip r:embed="rId23" cstate="print">
+          <a:blip r:embed="rId15" cstate="print">
             <a:extLst>
               <a:ext uri="{28A0092B-C50C-407E-A947-70E740481C1C}">
                 <a14:useLocalDpi xmlns:a14="http://schemas.microsoft.com/office/drawing/2010/main" val="0"/>
@@ -10365,8 +10140,212 @@
         </p:blipFill>
         <p:spPr>
           <a:xfrm>
-            <a:off x="5233029" y="4648200"/>
+            <a:off x="5690229" y="4648200"/>
             <a:ext cx="558171" cy="245486"/>
+          </a:xfrm>
+          <a:prstGeom prst="rect">
+            <a:avLst/>
+          </a:prstGeom>
+        </p:spPr>
+      </p:pic>
+      <p:pic>
+        <p:nvPicPr>
+          <p:cNvPr id="19" name="图片 18"/>
+          <p:cNvPicPr>
+            <a:picLocks noChangeAspect="1"/>
+          </p:cNvPicPr>
+          <p:nvPr>
+            <p:custDataLst>
+              <p:tags r:id="rId5"/>
+            </p:custDataLst>
+          </p:nvPr>
+        </p:nvPicPr>
+        <p:blipFill>
+          <a:blip r:embed="rId16" cstate="print">
+            <a:extLst>
+              <a:ext uri="{28A0092B-C50C-407E-A947-70E740481C1C}">
+                <a14:useLocalDpi xmlns:a14="http://schemas.microsoft.com/office/drawing/2010/main" val="0"/>
+              </a:ext>
+            </a:extLst>
+          </a:blip>
+          <a:stretch>
+            <a:fillRect/>
+          </a:stretch>
+        </p:blipFill>
+        <p:spPr>
+          <a:xfrm>
+            <a:off x="2438402" y="2188515"/>
+            <a:ext cx="3679238" cy="402285"/>
+          </a:xfrm>
+          <a:prstGeom prst="rect">
+            <a:avLst/>
+          </a:prstGeom>
+        </p:spPr>
+      </p:pic>
+      <p:pic>
+        <p:nvPicPr>
+          <p:cNvPr id="21" name="图片 20"/>
+          <p:cNvPicPr>
+            <a:picLocks noChangeAspect="1"/>
+          </p:cNvPicPr>
+          <p:nvPr>
+            <p:custDataLst>
+              <p:tags r:id="rId6"/>
+            </p:custDataLst>
+          </p:nvPr>
+        </p:nvPicPr>
+        <p:blipFill>
+          <a:blip r:embed="rId17" cstate="print">
+            <a:extLst>
+              <a:ext uri="{28A0092B-C50C-407E-A947-70E740481C1C}">
+                <a14:useLocalDpi xmlns:a14="http://schemas.microsoft.com/office/drawing/2010/main" val="0"/>
+              </a:ext>
+            </a:extLst>
+          </a:blip>
+          <a:stretch>
+            <a:fillRect/>
+          </a:stretch>
+        </p:blipFill>
+        <p:spPr>
+          <a:xfrm>
+            <a:off x="1143000" y="2720371"/>
+            <a:ext cx="864000" cy="251429"/>
+          </a:xfrm>
+          <a:prstGeom prst="rect">
+            <a:avLst/>
+          </a:prstGeom>
+        </p:spPr>
+      </p:pic>
+      <p:pic>
+        <p:nvPicPr>
+          <p:cNvPr id="23" name="图片 22"/>
+          <p:cNvPicPr>
+            <a:picLocks noChangeAspect="1"/>
+          </p:cNvPicPr>
+          <p:nvPr>
+            <p:custDataLst>
+              <p:tags r:id="rId7"/>
+            </p:custDataLst>
+          </p:nvPr>
+        </p:nvPicPr>
+        <p:blipFill>
+          <a:blip r:embed="rId18" cstate="print">
+            <a:extLst>
+              <a:ext uri="{28A0092B-C50C-407E-A947-70E740481C1C}">
+                <a14:useLocalDpi xmlns:a14="http://schemas.microsoft.com/office/drawing/2010/main" val="0"/>
+              </a:ext>
+            </a:extLst>
+          </a:blip>
+          <a:stretch>
+            <a:fillRect/>
+          </a:stretch>
+        </p:blipFill>
+        <p:spPr>
+          <a:xfrm>
+            <a:off x="2209800" y="2720371"/>
+            <a:ext cx="885334" cy="251429"/>
+          </a:xfrm>
+          <a:prstGeom prst="rect">
+            <a:avLst/>
+          </a:prstGeom>
+        </p:spPr>
+      </p:pic>
+      <p:pic>
+        <p:nvPicPr>
+          <p:cNvPr id="24" name="图片 23"/>
+          <p:cNvPicPr>
+            <a:picLocks noChangeAspect="1"/>
+          </p:cNvPicPr>
+          <p:nvPr>
+            <p:custDataLst>
+              <p:tags r:id="rId8"/>
+            </p:custDataLst>
+          </p:nvPr>
+        </p:nvPicPr>
+        <p:blipFill>
+          <a:blip r:embed="rId19" cstate="print">
+            <a:extLst>
+              <a:ext uri="{28A0092B-C50C-407E-A947-70E740481C1C}">
+                <a14:useLocalDpi xmlns:a14="http://schemas.microsoft.com/office/drawing/2010/main" val="0"/>
+              </a:ext>
+            </a:extLst>
+          </a:blip>
+          <a:stretch>
+            <a:fillRect/>
+          </a:stretch>
+        </p:blipFill>
+        <p:spPr>
+          <a:xfrm>
+            <a:off x="3353231" y="2702105"/>
+            <a:ext cx="3428569" cy="422095"/>
+          </a:xfrm>
+          <a:prstGeom prst="rect">
+            <a:avLst/>
+          </a:prstGeom>
+        </p:spPr>
+      </p:pic>
+      <p:pic>
+        <p:nvPicPr>
+          <p:cNvPr id="4" name="图片 3"/>
+          <p:cNvPicPr>
+            <a:picLocks noChangeAspect="1"/>
+          </p:cNvPicPr>
+          <p:nvPr>
+            <p:custDataLst>
+              <p:tags r:id="rId9"/>
+            </p:custDataLst>
+          </p:nvPr>
+        </p:nvPicPr>
+        <p:blipFill>
+          <a:blip r:embed="rId20" cstate="print">
+            <a:extLst>
+              <a:ext uri="{28A0092B-C50C-407E-A947-70E740481C1C}">
+                <a14:useLocalDpi xmlns:a14="http://schemas.microsoft.com/office/drawing/2010/main" val="0"/>
+              </a:ext>
+            </a:extLst>
+          </a:blip>
+          <a:stretch>
+            <a:fillRect/>
+          </a:stretch>
+        </p:blipFill>
+        <p:spPr>
+          <a:xfrm>
+            <a:off x="919649" y="5625143"/>
+            <a:ext cx="6549334" cy="470857"/>
+          </a:xfrm>
+          <a:prstGeom prst="rect">
+            <a:avLst/>
+          </a:prstGeom>
+        </p:spPr>
+      </p:pic>
+      <p:pic>
+        <p:nvPicPr>
+          <p:cNvPr id="26" name="图片 25"/>
+          <p:cNvPicPr>
+            <a:picLocks noChangeAspect="1"/>
+          </p:cNvPicPr>
+          <p:nvPr>
+            <p:custDataLst>
+              <p:tags r:id="rId10"/>
+            </p:custDataLst>
+          </p:nvPr>
+        </p:nvPicPr>
+        <p:blipFill>
+          <a:blip r:embed="rId21" cstate="print">
+            <a:extLst>
+              <a:ext uri="{28A0092B-C50C-407E-A947-70E740481C1C}">
+                <a14:useLocalDpi xmlns:a14="http://schemas.microsoft.com/office/drawing/2010/main" val="0"/>
+              </a:ext>
+            </a:extLst>
+          </a:blip>
+          <a:stretch>
+            <a:fillRect/>
+          </a:stretch>
+        </p:blipFill>
+        <p:spPr>
+          <a:xfrm>
+            <a:off x="1143000" y="1548419"/>
+            <a:ext cx="6171428" cy="280381"/>
           </a:xfrm>
           <a:prstGeom prst="rect">
             <a:avLst/>
@@ -11571,6 +11550,14 @@
               <a:t>Computing </a:t>
             </a:r>
             <a:r>
+              <a:rPr lang="en-US" sz="2000" dirty="0" smtClean="0">
+                <a:latin typeface="Open Sans" panose="020B0606030504020204" pitchFamily="34" charset="0"/>
+                <a:ea typeface="Open Sans" panose="020B0606030504020204" pitchFamily="34" charset="0"/>
+                <a:cs typeface="Open Sans" panose="020B0606030504020204" pitchFamily="34" charset="0"/>
+              </a:rPr>
+              <a:t>the </a:t>
+            </a:r>
+            <a:r>
               <a:rPr lang="en-US" sz="2000" dirty="0" err="1" smtClean="0">
                 <a:latin typeface="Open Sans" panose="020B0606030504020204" pitchFamily="34" charset="0"/>
                 <a:ea typeface="Open Sans" panose="020B0606030504020204" pitchFamily="34" charset="0"/>
@@ -11592,7 +11579,15 @@
                 <a:ea typeface="Open Sans" panose="020B0606030504020204" pitchFamily="34" charset="0"/>
                 <a:cs typeface="Open Sans" panose="020B0606030504020204" pitchFamily="34" charset="0"/>
               </a:rPr>
-              <a:t> column of </a:t>
+              <a:t> </a:t>
+            </a:r>
+            <a:r>
+              <a:rPr lang="en-US" sz="2000" dirty="0" smtClean="0">
+                <a:latin typeface="Open Sans" panose="020B0606030504020204" pitchFamily="34" charset="0"/>
+                <a:ea typeface="Open Sans" panose="020B0606030504020204" pitchFamily="34" charset="0"/>
+                <a:cs typeface="Open Sans" panose="020B0606030504020204" pitchFamily="34" charset="0"/>
+              </a:rPr>
+              <a:t>column of </a:t>
             </a:r>
             <a:r>
               <a:rPr lang="en-US" sz="2000" b="1" dirty="0">
@@ -11680,7 +11675,7 @@
       </p:pic>
       <p:pic>
         <p:nvPicPr>
-          <p:cNvPr id="7" name="Picture 6"/>
+          <p:cNvPr id="21" name="图片 20"/>
           <p:cNvPicPr>
             <a:picLocks noChangeAspect="1"/>
           </p:cNvPicPr>
@@ -11704,8 +11699,8 @@
         </p:blipFill>
         <p:spPr>
           <a:xfrm>
-            <a:off x="1648124" y="5657124"/>
-            <a:ext cx="5438476" cy="286476"/>
+            <a:off x="1648124" y="5657123"/>
+            <a:ext cx="5496380" cy="286476"/>
           </a:xfrm>
           <a:prstGeom prst="rect">
             <a:avLst/>
@@ -23472,7 +23467,7 @@
           <a:lstStyle/>
           <a:p>
             <a:r>
-              <a:rPr lang="en-US" altLang="zh-CN" sz="2800">
+              <a:rPr lang="en-US" altLang="zh-CN" sz="2800" dirty="0">
                 <a:solidFill>
                   <a:srgbClr val="FF3300"/>
                 </a:solidFill>
@@ -23483,15 +23478,15 @@
           </a:p>
           <a:p>
             <a:r>
-              <a:rPr lang="en-US" altLang="zh-CN" sz="2800">
+              <a:rPr lang="en-US" altLang="zh-CN" sz="2800" dirty="0" smtClean="0">
                 <a:solidFill>
                   <a:srgbClr val="FF3300"/>
                 </a:solidFill>
                 <a:ea typeface="宋体" charset="0"/>
               </a:rPr>
-              <a:t>faster!</a:t>
-            </a:r>
-            <a:endParaRPr lang="en-US" altLang="en-US" sz="2800">
+              <a:t>faster</a:t>
+            </a:r>
+            <a:endParaRPr lang="en-US" altLang="en-US" sz="2800" dirty="0">
               <a:solidFill>
                 <a:srgbClr val="FF3300"/>
               </a:solidFill>
@@ -24231,7 +24226,7 @@
           <a:lstStyle/>
           <a:p>
             <a:r>
-              <a:rPr lang="en-US" altLang="zh-CN" sz="3200">
+              <a:rPr lang="en-US" altLang="zh-CN" sz="3200" dirty="0">
                 <a:solidFill>
                   <a:srgbClr val="FF3300"/>
                 </a:solidFill>
@@ -24242,15 +24237,15 @@
           </a:p>
           <a:p>
             <a:r>
-              <a:rPr lang="en-US" altLang="zh-CN" sz="3200">
+              <a:rPr lang="en-US" altLang="zh-CN" sz="3200" dirty="0" smtClean="0">
                 <a:solidFill>
                   <a:srgbClr val="FF3300"/>
                 </a:solidFill>
                 <a:ea typeface="宋体" charset="0"/>
               </a:rPr>
-              <a:t>faster!</a:t>
-            </a:r>
-            <a:endParaRPr lang="en-US" altLang="en-US" sz="3200">
+              <a:t>faster</a:t>
+            </a:r>
+            <a:endParaRPr lang="en-US" altLang="en-US" sz="3200" dirty="0">
               <a:solidFill>
                 <a:srgbClr val="FF3300"/>
               </a:solidFill>
@@ -25907,40 +25902,6 @@
           </a:p>
         </p:txBody>
       </p:sp>
-      <p:pic>
-        <p:nvPicPr>
-          <p:cNvPr id="7" name="Picture 6"/>
-          <p:cNvPicPr>
-            <a:picLocks noChangeAspect="1"/>
-          </p:cNvPicPr>
-          <p:nvPr>
-            <p:custDataLst>
-              <p:tags r:id="rId2"/>
-            </p:custDataLst>
-          </p:nvPr>
-        </p:nvPicPr>
-        <p:blipFill>
-          <a:blip r:embed="rId10" cstate="print">
-            <a:extLst>
-              <a:ext uri="{28A0092B-C50C-407E-A947-70E740481C1C}">
-                <a14:useLocalDpi xmlns:a14="http://schemas.microsoft.com/office/drawing/2010/main" val="0"/>
-              </a:ext>
-            </a:extLst>
-          </a:blip>
-          <a:stretch>
-            <a:fillRect/>
-          </a:stretch>
-        </p:blipFill>
-        <p:spPr>
-          <a:xfrm>
-            <a:off x="602641" y="1219200"/>
-            <a:ext cx="7822429" cy="1702383"/>
-          </a:xfrm>
-          <a:prstGeom prst="rect">
-            <a:avLst/>
-          </a:prstGeom>
-        </p:spPr>
-      </p:pic>
       <p:sp>
         <p:nvSpPr>
           <p:cNvPr id="9" name="Content Placeholder 1"/>
@@ -26163,12 +26124,12 @@
           </p:cNvPicPr>
           <p:nvPr>
             <p:custDataLst>
-              <p:tags r:id="rId3"/>
+              <p:tags r:id="rId2"/>
             </p:custDataLst>
           </p:nvPr>
         </p:nvPicPr>
         <p:blipFill>
-          <a:blip r:embed="rId11" cstate="print">
+          <a:blip r:embed="rId10" cstate="print">
             <a:extLst>
               <a:ext uri="{28A0092B-C50C-407E-A947-70E740481C1C}">
                 <a14:useLocalDpi xmlns:a14="http://schemas.microsoft.com/office/drawing/2010/main" val="0"/>
@@ -26197,12 +26158,12 @@
           </p:cNvPicPr>
           <p:nvPr>
             <p:custDataLst>
-              <p:tags r:id="rId4"/>
+              <p:tags r:id="rId3"/>
             </p:custDataLst>
           </p:nvPr>
         </p:nvPicPr>
         <p:blipFill>
-          <a:blip r:embed="rId12" cstate="print">
+          <a:blip r:embed="rId11" cstate="print">
             <a:extLst>
               <a:ext uri="{28A0092B-C50C-407E-A947-70E740481C1C}">
                 <a14:useLocalDpi xmlns:a14="http://schemas.microsoft.com/office/drawing/2010/main" val="0"/>
@@ -26231,12 +26192,12 @@
           </p:cNvPicPr>
           <p:nvPr>
             <p:custDataLst>
-              <p:tags r:id="rId5"/>
+              <p:tags r:id="rId4"/>
             </p:custDataLst>
           </p:nvPr>
         </p:nvPicPr>
         <p:blipFill>
-          <a:blip r:embed="rId13" cstate="print">
+          <a:blip r:embed="rId12" cstate="print">
             <a:extLst>
               <a:ext uri="{28A0092B-C50C-407E-A947-70E740481C1C}">
                 <a14:useLocalDpi xmlns:a14="http://schemas.microsoft.com/office/drawing/2010/main" val="0"/>
@@ -26265,12 +26226,12 @@
           </p:cNvPicPr>
           <p:nvPr>
             <p:custDataLst>
-              <p:tags r:id="rId6"/>
+              <p:tags r:id="rId5"/>
             </p:custDataLst>
           </p:nvPr>
         </p:nvPicPr>
         <p:blipFill>
-          <a:blip r:embed="rId14" cstate="print">
+          <a:blip r:embed="rId13" cstate="print">
             <a:extLst>
               <a:ext uri="{28A0092B-C50C-407E-A947-70E740481C1C}">
                 <a14:useLocalDpi xmlns:a14="http://schemas.microsoft.com/office/drawing/2010/main" val="0"/>
@@ -26299,6 +26260,40 @@
           </p:cNvPicPr>
           <p:nvPr>
             <p:custDataLst>
+              <p:tags r:id="rId6"/>
+            </p:custDataLst>
+          </p:nvPr>
+        </p:nvPicPr>
+        <p:blipFill>
+          <a:blip r:embed="rId14" cstate="print">
+            <a:extLst>
+              <a:ext uri="{28A0092B-C50C-407E-A947-70E740481C1C}">
+                <a14:useLocalDpi xmlns:a14="http://schemas.microsoft.com/office/drawing/2010/main" val="0"/>
+              </a:ext>
+            </a:extLst>
+          </a:blip>
+          <a:stretch>
+            <a:fillRect/>
+          </a:stretch>
+        </p:blipFill>
+        <p:spPr>
+          <a:xfrm>
+            <a:off x="1818695" y="5486400"/>
+            <a:ext cx="4505905" cy="332190"/>
+          </a:xfrm>
+          <a:prstGeom prst="rect">
+            <a:avLst/>
+          </a:prstGeom>
+        </p:spPr>
+      </p:pic>
+      <p:pic>
+        <p:nvPicPr>
+          <p:cNvPr id="15" name="图片 14"/>
+          <p:cNvPicPr>
+            <a:picLocks noChangeAspect="1"/>
+          </p:cNvPicPr>
+          <p:nvPr>
+            <p:custDataLst>
               <p:tags r:id="rId7"/>
             </p:custDataLst>
           </p:nvPr>
@@ -26317,8 +26312,8 @@
         </p:blipFill>
         <p:spPr>
           <a:xfrm>
-            <a:off x="1818695" y="5486400"/>
-            <a:ext cx="4505905" cy="332190"/>
+            <a:off x="609600" y="1219200"/>
+            <a:ext cx="7822430" cy="1702383"/>
           </a:xfrm>
           <a:prstGeom prst="rect">
             <a:avLst/>
@@ -26910,40 +26905,6 @@
           </a:p>
         </p:txBody>
       </p:sp>
-      <p:pic>
-        <p:nvPicPr>
-          <p:cNvPr id="5" name="Picture 4"/>
-          <p:cNvPicPr>
-            <a:picLocks noChangeAspect="1"/>
-          </p:cNvPicPr>
-          <p:nvPr>
-            <p:custDataLst>
-              <p:tags r:id="rId2"/>
-            </p:custDataLst>
-          </p:nvPr>
-        </p:nvPicPr>
-        <p:blipFill>
-          <a:blip r:embed="rId8" cstate="print">
-            <a:extLst>
-              <a:ext uri="{28A0092B-C50C-407E-A947-70E740481C1C}">
-                <a14:useLocalDpi xmlns:a14="http://schemas.microsoft.com/office/drawing/2010/main" val="0"/>
-              </a:ext>
-            </a:extLst>
-          </a:blip>
-          <a:stretch>
-            <a:fillRect/>
-          </a:stretch>
-        </p:blipFill>
-        <p:spPr>
-          <a:xfrm>
-            <a:off x="602641" y="1219200"/>
-            <a:ext cx="7822429" cy="1702383"/>
-          </a:xfrm>
-          <a:prstGeom prst="rect">
-            <a:avLst/>
-          </a:prstGeom>
-        </p:spPr>
-      </p:pic>
       <p:sp>
         <p:nvSpPr>
           <p:cNvPr id="6" name="Content Placeholder 1"/>
@@ -27399,12 +27360,12 @@
           </p:cNvPicPr>
           <p:nvPr>
             <p:custDataLst>
-              <p:tags r:id="rId3"/>
+              <p:tags r:id="rId2"/>
             </p:custDataLst>
           </p:nvPr>
         </p:nvPicPr>
         <p:blipFill>
-          <a:blip r:embed="rId9" cstate="print">
+          <a:blip r:embed="rId8" cstate="print">
             <a:extLst>
               <a:ext uri="{28A0092B-C50C-407E-A947-70E740481C1C}">
                 <a14:useLocalDpi xmlns:a14="http://schemas.microsoft.com/office/drawing/2010/main" val="0"/>
@@ -27433,12 +27394,12 @@
           </p:cNvPicPr>
           <p:nvPr>
             <p:custDataLst>
-              <p:tags r:id="rId4"/>
+              <p:tags r:id="rId3"/>
             </p:custDataLst>
           </p:nvPr>
         </p:nvPicPr>
         <p:blipFill>
-          <a:blip r:embed="rId10" cstate="print">
+          <a:blip r:embed="rId9" cstate="print">
             <a:extLst>
               <a:ext uri="{28A0092B-C50C-407E-A947-70E740481C1C}">
                 <a14:useLocalDpi xmlns:a14="http://schemas.microsoft.com/office/drawing/2010/main" val="0"/>
@@ -27467,12 +27428,12 @@
           </p:cNvPicPr>
           <p:nvPr>
             <p:custDataLst>
-              <p:tags r:id="rId5"/>
+              <p:tags r:id="rId4"/>
             </p:custDataLst>
           </p:nvPr>
         </p:nvPicPr>
         <p:blipFill>
-          <a:blip r:embed="rId11" cstate="print">
+          <a:blip r:embed="rId10" cstate="print">
             <a:extLst>
               <a:ext uri="{28A0092B-C50C-407E-A947-70E740481C1C}">
                 <a14:useLocalDpi xmlns:a14="http://schemas.microsoft.com/office/drawing/2010/main" val="0"/>
@@ -27723,6 +27684,40 @@
           </a:p>
         </p:txBody>
       </p:sp>
+      <p:pic>
+        <p:nvPicPr>
+          <p:cNvPr id="10" name="图片 9"/>
+          <p:cNvPicPr>
+            <a:picLocks noChangeAspect="1"/>
+          </p:cNvPicPr>
+          <p:nvPr>
+            <p:custDataLst>
+              <p:tags r:id="rId5"/>
+            </p:custDataLst>
+          </p:nvPr>
+        </p:nvPicPr>
+        <p:blipFill>
+          <a:blip r:embed="rId11" cstate="print">
+            <a:extLst>
+              <a:ext uri="{28A0092B-C50C-407E-A947-70E740481C1C}">
+                <a14:useLocalDpi xmlns:a14="http://schemas.microsoft.com/office/drawing/2010/main" val="0"/>
+              </a:ext>
+            </a:extLst>
+          </a:blip>
+          <a:stretch>
+            <a:fillRect/>
+          </a:stretch>
+        </p:blipFill>
+        <p:spPr>
+          <a:xfrm>
+            <a:off x="609600" y="1219200"/>
+            <a:ext cx="7822430" cy="1702383"/>
+          </a:xfrm>
+          <a:prstGeom prst="rect">
+            <a:avLst/>
+          </a:prstGeom>
+        </p:spPr>
+      </p:pic>
     </p:spTree>
     <p:custDataLst>
       <p:tags r:id="rId1"/>
@@ -30573,7 +30568,7 @@
       </p:pic>
       <p:pic>
         <p:nvPicPr>
-          <p:cNvPr id="3" name="Picture 2"/>
+          <p:cNvPr id="5" name="图片 4"/>
           <p:cNvPicPr>
             <a:picLocks noChangeAspect="1"/>
           </p:cNvPicPr>
@@ -30597,76 +30592,8 @@
         </p:blipFill>
         <p:spPr>
           <a:xfrm>
-            <a:off x="1219200" y="5105400"/>
-            <a:ext cx="3608382" cy="269715"/>
-          </a:xfrm>
-          <a:prstGeom prst="rect">
-            <a:avLst/>
-          </a:prstGeom>
-        </p:spPr>
-      </p:pic>
-      <p:pic>
-        <p:nvPicPr>
-          <p:cNvPr id="5" name="图片 4"/>
-          <p:cNvPicPr>
-            <a:picLocks noChangeAspect="1"/>
-          </p:cNvPicPr>
-          <p:nvPr>
-            <p:custDataLst>
-              <p:tags r:id="rId3"/>
-            </p:custDataLst>
-          </p:nvPr>
-        </p:nvPicPr>
-        <p:blipFill>
-          <a:blip r:embed="rId9" cstate="print">
-            <a:extLst>
-              <a:ext uri="{28A0092B-C50C-407E-A947-70E740481C1C}">
-                <a14:useLocalDpi xmlns:a14="http://schemas.microsoft.com/office/drawing/2010/main" val="0"/>
-              </a:ext>
-            </a:extLst>
-          </a:blip>
-          <a:stretch>
-            <a:fillRect/>
-          </a:stretch>
-        </p:blipFill>
-        <p:spPr>
-          <a:xfrm>
             <a:off x="5715000" y="4122648"/>
             <a:ext cx="2325333" cy="1820952"/>
-          </a:xfrm>
-          <a:prstGeom prst="rect">
-            <a:avLst/>
-          </a:prstGeom>
-        </p:spPr>
-      </p:pic>
-      <p:pic>
-        <p:nvPicPr>
-          <p:cNvPr id="6" name="图片 5"/>
-          <p:cNvPicPr>
-            <a:picLocks noChangeAspect="1"/>
-          </p:cNvPicPr>
-          <p:nvPr>
-            <p:custDataLst>
-              <p:tags r:id="rId4"/>
-            </p:custDataLst>
-          </p:nvPr>
-        </p:nvPicPr>
-        <p:blipFill>
-          <a:blip r:embed="rId10" cstate="print">
-            <a:extLst>
-              <a:ext uri="{28A0092B-C50C-407E-A947-70E740481C1C}">
-                <a14:useLocalDpi xmlns:a14="http://schemas.microsoft.com/office/drawing/2010/main" val="0"/>
-              </a:ext>
-            </a:extLst>
-          </a:blip>
-          <a:stretch>
-            <a:fillRect/>
-          </a:stretch>
-        </p:blipFill>
-        <p:spPr>
-          <a:xfrm>
-            <a:off x="1219200" y="5562600"/>
-            <a:ext cx="1295238" cy="233143"/>
           </a:xfrm>
           <a:prstGeom prst="rect">
             <a:avLst/>
@@ -30681,12 +30608,12 @@
           </p:cNvPicPr>
           <p:nvPr>
             <p:custDataLst>
-              <p:tags r:id="rId5"/>
+              <p:tags r:id="rId3"/>
             </p:custDataLst>
           </p:nvPr>
         </p:nvPicPr>
         <p:blipFill>
-          <a:blip r:embed="rId11" cstate="print">
+          <a:blip r:embed="rId9" cstate="print">
             <a:extLst>
               <a:ext uri="{28A0092B-C50C-407E-A947-70E740481C1C}">
                 <a14:useLocalDpi xmlns:a14="http://schemas.microsoft.com/office/drawing/2010/main" val="0"/>
@@ -32544,6 +32471,118 @@
           </a:p>
         </p:txBody>
       </p:sp>
+      <p:pic>
+        <p:nvPicPr>
+          <p:cNvPr id="63" name="图片 62"/>
+          <p:cNvPicPr>
+            <a:picLocks noChangeAspect="1"/>
+          </p:cNvPicPr>
+          <p:nvPr>
+            <p:custDataLst>
+              <p:tags r:id="rId4"/>
+            </p:custDataLst>
+          </p:nvPr>
+        </p:nvPicPr>
+        <p:blipFill>
+          <a:blip r:embed="rId10" cstate="print">
+            <a:extLst>
+              <a:ext uri="{28A0092B-C50C-407E-A947-70E740481C1C}">
+                <a14:useLocalDpi xmlns:a14="http://schemas.microsoft.com/office/drawing/2010/main" val="0"/>
+              </a:ext>
+            </a:extLst>
+          </a:blip>
+          <a:stretch>
+            <a:fillRect/>
+          </a:stretch>
+        </p:blipFill>
+        <p:spPr>
+          <a:xfrm>
+            <a:off x="1219200" y="5105400"/>
+            <a:ext cx="3850668" cy="280382"/>
+          </a:xfrm>
+          <a:prstGeom prst="rect">
+            <a:avLst/>
+          </a:prstGeom>
+        </p:spPr>
+      </p:pic>
+      <p:pic>
+        <p:nvPicPr>
+          <p:cNvPr id="64" name="图片 63"/>
+          <p:cNvPicPr>
+            <a:picLocks noChangeAspect="1"/>
+          </p:cNvPicPr>
+          <p:nvPr>
+            <p:custDataLst>
+              <p:tags r:id="rId5"/>
+            </p:custDataLst>
+          </p:nvPr>
+        </p:nvPicPr>
+        <p:blipFill>
+          <a:blip r:embed="rId11" cstate="print">
+            <a:extLst>
+              <a:ext uri="{28A0092B-C50C-407E-A947-70E740481C1C}">
+                <a14:useLocalDpi xmlns:a14="http://schemas.microsoft.com/office/drawing/2010/main" val="0"/>
+              </a:ext>
+            </a:extLst>
+          </a:blip>
+          <a:stretch>
+            <a:fillRect/>
+          </a:stretch>
+        </p:blipFill>
+        <p:spPr>
+          <a:xfrm>
+            <a:off x="1219200" y="5562599"/>
+            <a:ext cx="2006857" cy="252952"/>
+          </a:xfrm>
+          <a:prstGeom prst="rect">
+            <a:avLst/>
+          </a:prstGeom>
+        </p:spPr>
+      </p:pic>
+      <p:sp>
+        <p:nvSpPr>
+          <p:cNvPr id="10" name="TextBox 9"/>
+          <p:cNvSpPr txBox="1"/>
+          <p:nvPr/>
+        </p:nvSpPr>
+        <p:spPr>
+          <a:xfrm>
+            <a:off x="7599363" y="2643983"/>
+            <a:ext cx="1392237" cy="707886"/>
+          </a:xfrm>
+          <a:prstGeom prst="rect">
+            <a:avLst/>
+          </a:prstGeom>
+          <a:noFill/>
+        </p:spPr>
+        <p:txBody>
+          <a:bodyPr wrap="square" rtlCol="0">
+            <a:spAutoFit/>
+          </a:bodyPr>
+          <a:lstStyle/>
+          <a:p>
+            <a:pPr algn="ctr"/>
+            <a:r>
+              <a:rPr lang="en-US" altLang="zh-CN" sz="2000" dirty="0" smtClean="0">
+                <a:latin typeface="Open Sans"/>
+              </a:rPr>
+              <a:t>Walk</a:t>
+            </a:r>
+          </a:p>
+          <a:p>
+            <a:pPr algn="ctr"/>
+            <a:r>
+              <a:rPr lang="en-US" altLang="zh-CN" sz="2000" dirty="0" smtClean="0">
+                <a:latin typeface="Open Sans"/>
+              </a:rPr>
+              <a:t>1 -&gt; 2 -&gt; 4</a:t>
+            </a:r>
+            <a:endParaRPr lang="zh-CN" altLang="en-US" sz="2000" dirty="0">
+              <a:latin typeface="Open Sans"/>
+            </a:endParaRPr>
+          </a:p>
+        </p:txBody>
+      </p:sp>
     </p:spTree>
     <p:extLst>
       <p:ext uri="{BB962C8B-B14F-4D97-AF65-F5344CB8AC3E}">
@@ -33415,7 +33454,7 @@
       </p:pic>
       <p:pic>
         <p:nvPicPr>
-          <p:cNvPr id="11" name="Picture 10"/>
+          <p:cNvPr id="5" name="图片 4"/>
           <p:cNvPicPr>
             <a:picLocks noChangeAspect="1"/>
           </p:cNvPicPr>
@@ -33439,8 +33478,8 @@
         </p:blipFill>
         <p:spPr>
           <a:xfrm>
-            <a:off x="1782571" y="5835114"/>
-            <a:ext cx="808229" cy="184686"/>
+            <a:off x="1782572" y="5835114"/>
+            <a:ext cx="826515" cy="184686"/>
           </a:xfrm>
           <a:prstGeom prst="rect">
             <a:avLst/>
@@ -37377,10 +37416,10 @@
 <p:tagLst xmlns:a="http://schemas.openxmlformats.org/drawingml/2006/main" xmlns:r="http://schemas.openxmlformats.org/officeDocument/2006/relationships" xmlns:p="http://schemas.openxmlformats.org/presentationml/2006/main">
   <p:tag name="OUTPUTDPI" val="1200"/>
   <p:tag name="ORIGINALHEIGHT" val="75.74055"/>
-  <p:tag name="ORIGINALWIDTH" val="331.4586"/>
-  <p:tag name="LATEXADDIN" val="\documentclass{article}&#10;\usepackage{amsmath}&#10;\usepackage{bm}&#10;\pagestyle{empty}&#10;\begin{document}&#10;&#10;\[&#10;\bm{r} = \bm{e}_i&#10;\]&#10;&#10;&#10;\end{document}"/>
+  <p:tag name="ORIGINALWIDTH" val="338.9576"/>
+  <p:tag name="LATEXADDIN" val="\documentclass{article}&#10;\usepackage{amsmath}&#10;\usepackage{bm}&#10;\pagestyle{empty}&#10;\begin{document}&#10;&#10;\[&#10;\bm{r} = \bm{e_i}&#10;\]&#10;&#10;&#10;\end{document}"/>
   <p:tag name="IGUANATEXSIZE" val="24"/>
-  <p:tag name="IGUANATEXCURSOR" val="117"/>
+  <p:tag name="IGUANATEXCURSOR" val="116"/>
   <p:tag name="TRANSPARENCY" val="True"/>
   <p:tag name="FILENAME" val=""/>
   <p:tag name="LATEXENGINEID" val="0"/>
@@ -37753,11 +37792,11 @@
 <file path=ppt/tags/tag36.xml><?xml version="1.0" encoding="utf-8"?>
 <p:tagLst xmlns:a="http://schemas.openxmlformats.org/drawingml/2006/main" xmlns:r="http://schemas.openxmlformats.org/officeDocument/2006/relationships" xmlns:p="http://schemas.openxmlformats.org/presentationml/2006/main">
   <p:tag name="OUTPUTDPI" val="1200"/>
-  <p:tag name="ORIGINALHEIGHT" val="137.9828"/>
-  <p:tag name="ORIGINALWIDTH" val="1077.615"/>
-  <p:tag name="LATEXADDIN" val="\documentclass{article}&#10;\usepackage{amsmath}&#10;\usepackage{amssymb}&#10;\usepackage{bm}&#10;\pagestyle{empty}&#10;\begin{document}&#10;&#10;$\bm{v} \triangleq (v_1\ v_2\ \cdots\ v_n)^\top$&#10;&#10;&#10;\end{document}"/>
-  <p:tag name="IGUANATEXSIZE" val="22"/>
-  <p:tag name="IGUANATEXCURSOR" val="65"/>
+  <p:tag name="ORIGINALHEIGHT" val="455.943"/>
+  <p:tag name="ORIGINALWIDTH" val="2686.914"/>
+  <p:tag name="LATEXADDIN" val="\documentclass{article}&#10;\usepackage{amsmath}&#10;\usepackage{bm}&#10;\pagestyle{empty}&#10;\begin{document}&#10;&#10;$\bm{P} = \begin{pmatrix}&#10;\hat{\bm{P}} &amp; \bm{c(i)} &amp; \bm{c(j)} \\&#10;\bm{r(i)}^\top &amp; 0 &amp; p(i,j) \\&#10;\bm{r(j)}^\top &amp; p(j,i) &amp; 0&#10;\end{pmatrix},\ &#10;\bm{v} = \begin{pmatrix} \hat{\bm{v}} &amp; 0 &amp; 1 \end{pmatrix}^\top&#10;$&#10;&#10;&#10;\end{document}"/>
+  <p:tag name="IGUANATEXSIZE" val="20"/>
+  <p:tag name="IGUANATEXCURSOR" val="238"/>
   <p:tag name="TRANSPARENCY" val="True"/>
   <p:tag name="FILENAME" val=""/>
   <p:tag name="LATEXENGINEID" val="0"/>
@@ -37772,11 +37811,11 @@
 <file path=ppt/tags/tag37.xml><?xml version="1.0" encoding="utf-8"?>
 <p:tagLst xmlns:a="http://schemas.openxmlformats.org/drawingml/2006/main" xmlns:r="http://schemas.openxmlformats.org/officeDocument/2006/relationships" xmlns:p="http://schemas.openxmlformats.org/presentationml/2006/main">
   <p:tag name="OUTPUTDPI" val="1200"/>
-  <p:tag name="ORIGINALHEIGHT" val="101.9872"/>
-  <p:tag name="ORIGINALWIDTH" val="322.4597"/>
-  <p:tag name="LATEXADDIN" val="\documentclass{article}&#10;\usepackage{amsmath}&#10;\pagestyle{empty}&#10;\begin{document}&#10;$v_i = 0$&#10;&#10;&#10;&#10;\end{document}"/>
+  <p:tag name="ORIGINALHEIGHT" val="149.2313"/>
+  <p:tag name="ORIGINALWIDTH" val="2128.234"/>
+  <p:tag name="LATEXADDIN" val="\documentclass{article}&#10;\usepackage{amsmath}&#10;\usepackage{bm}&#10;\pagestyle{empty}&#10;\begin{document}&#10;&#10;&#10;$\hat{\bm{v}} = \hat{\bm{P}} \hat{\bm{v}} + \bm{c(j)} \ \Rightarrow\ \hat{\bm{v}} = (\bm{I} - \hat{\bm{P}})^{-1} \bm{c(j)}$&#10;&#10;\end{document}"/>
   <p:tag name="IGUANATEXSIZE" val="20"/>
-  <p:tag name="IGUANATEXCURSOR" val="89"/>
+  <p:tag name="IGUANATEXCURSOR" val="219"/>
   <p:tag name="TRANSPARENCY" val="True"/>
   <p:tag name="FILENAME" val=""/>
   <p:tag name="LATEXENGINEID" val="0"/>
@@ -37791,11 +37830,11 @@
 <file path=ppt/tags/tag38.xml><?xml version="1.0" encoding="utf-8"?>
 <p:tagLst xmlns:a="http://schemas.openxmlformats.org/drawingml/2006/main" xmlns:r="http://schemas.openxmlformats.org/officeDocument/2006/relationships" xmlns:p="http://schemas.openxmlformats.org/presentationml/2006/main">
   <p:tag name="OUTPUTDPI" val="1200"/>
-  <p:tag name="ORIGINALHEIGHT" val="119.985"/>
-  <p:tag name="ORIGINALWIDTH" val="328.459"/>
-  <p:tag name="LATEXADDIN" val="\documentclass{article}&#10;\usepackage{amsmath}&#10;\pagestyle{empty}&#10;\begin{document}&#10;$v_j = 1$&#10;&#10;&#10;&#10;\end{document}"/>
-  <p:tag name="IGUANATEXSIZE" val="20"/>
-  <p:tag name="IGUANATEXCURSOR" val="88"/>
+  <p:tag name="ORIGINALHEIGHT" val="134.2332"/>
+  <p:tag name="ORIGINALWIDTH" val="305.2118"/>
+  <p:tag name="LATEXADDIN" val="\documentclass{article}&#10;\usepackage{amsmath}&#10;\pagestyle{empty}&#10;\begin{document}&#10;&#10;$\Theta(n^2)$&#10;&#10;&#10;\end{document}"/>
+  <p:tag name="IGUANATEXSIZE" val="18"/>
+  <p:tag name="IGUANATEXCURSOR" val="94"/>
   <p:tag name="TRANSPARENCY" val="True"/>
   <p:tag name="FILENAME" val=""/>
   <p:tag name="LATEXENGINEID" val="0"/>
@@ -37810,11 +37849,11 @@
 <file path=ppt/tags/tag39.xml><?xml version="1.0" encoding="utf-8"?>
 <p:tagLst xmlns:a="http://schemas.openxmlformats.org/drawingml/2006/main" xmlns:r="http://schemas.openxmlformats.org/officeDocument/2006/relationships" xmlns:p="http://schemas.openxmlformats.org/presentationml/2006/main">
   <p:tag name="OUTPUTDPI" val="1200"/>
-  <p:tag name="ORIGINALHEIGHT" val="207.724"/>
-  <p:tag name="ORIGINALWIDTH" val="1307.837"/>
-  <p:tag name="LATEXADDIN" val="\documentclass{article}&#10;\usepackage{amsmath}&#10;\pagestyle{empty}&#10;\begin{document}&#10;&#10;$\forall k\neq i, j$, $v_k = \sum\limits_l p_{kl} \cdot v_l$&#10;&#10;&#10;\end{document}"/>
-  <p:tag name="IGUANATEXSIZE" val="20"/>
-  <p:tag name="IGUANATEXCURSOR" val="141"/>
+  <p:tag name="ORIGINALHEIGHT" val="179.9775"/>
+  <p:tag name="ORIGINALWIDTH" val="1646.044"/>
+  <p:tag name="LATEXADDIN" val="\documentclass{article}&#10;\usepackage{amsmath}&#10;\usepackage{amssymb}&#10;\usepackage{bm}&#10;\pagestyle{empty}&#10;\begin{document}&#10;&#10;$\bm{v} \triangleq \begin{pmatrix} v(1)&amp; v(2)&amp; \cdots&amp; v(n)\end{pmatrix}^\top$&#10;&#10;&#10;\end{document}"/>
+  <p:tag name="IGUANATEXSIZE" val="22"/>
+  <p:tag name="IGUANATEXCURSOR" val="190"/>
   <p:tag name="TRANSPARENCY" val="True"/>
   <p:tag name="FILENAME" val=""/>
   <p:tag name="LATEXENGINEID" val="0"/>
@@ -37848,11 +37887,11 @@
 <file path=ppt/tags/tag40.xml><?xml version="1.0" encoding="utf-8"?>
 <p:tagLst xmlns:a="http://schemas.openxmlformats.org/drawingml/2006/main" xmlns:r="http://schemas.openxmlformats.org/officeDocument/2006/relationships" xmlns:p="http://schemas.openxmlformats.org/presentationml/2006/main">
   <p:tag name="OUTPUTDPI" val="1200"/>
-  <p:tag name="ORIGINALHEIGHT" val="469.4413"/>
-  <p:tag name="ORIGINALWIDTH" val="1480.315"/>
-  <p:tag name="LATEXADDIN" val="\documentclass{article}&#10;\usepackage{amsmath}&#10;\usepackage{bm}&#10;\pagestyle{empty}&#10;\begin{document}&#10;&#10;$\bm{P} = \begin{pmatrix}&#10;\hat{\bm{P}} &amp; \bm{c}_i &amp; \bm{c}_j \\&#10;\bm{r}_i^\top &amp; 0 &amp; p(i,j) \\&#10;\bm{r}_j^\top &amp; p(j,i) &amp; 0&#10;\end{pmatrix}$&#10;&#10;&#10;\end{document}"/>
+  <p:tag name="ORIGINALHEIGHT" val="123.7346"/>
+  <p:tag name="ORIGINALWIDTH" val="425.1968"/>
+  <p:tag name="LATEXADDIN" val="\documentclass{article}&#10;\usepackage{amsmath}&#10;\pagestyle{empty}&#10;\begin{document}&#10;$v(i) = 0$&#10;&#10;&#10;&#10;\end{document}"/>
   <p:tag name="IGUANATEXSIZE" val="20"/>
-  <p:tag name="IGUANATEXCURSOR" val="60"/>
+  <p:tag name="IGUANATEXCURSOR" val="85"/>
   <p:tag name="TRANSPARENCY" val="True"/>
   <p:tag name="FILENAME" val=""/>
   <p:tag name="LATEXENGINEID" val="0"/>
@@ -37867,11 +37906,11 @@
 <file path=ppt/tags/tag41.xml><?xml version="1.0" encoding="utf-8"?>
 <p:tagLst xmlns:a="http://schemas.openxmlformats.org/drawingml/2006/main" xmlns:r="http://schemas.openxmlformats.org/officeDocument/2006/relationships" xmlns:p="http://schemas.openxmlformats.org/presentationml/2006/main">
   <p:tag name="OUTPUTDPI" val="1200"/>
-  <p:tag name="ORIGINALHEIGHT" val="179.9775"/>
-  <p:tag name="ORIGINALWIDTH" val="871.3911"/>
-  <p:tag name="LATEXADDIN" val="\documentclass{article}&#10;\usepackage{amsmath}&#10;\usepackage{bm}&#10;\pagestyle{empty}&#10;\begin{document}&#10;&#10;$\bm{v} = \begin{pmatrix} \hat{\bm{v}} &amp; 0 &amp; 1 \end{pmatrix}^\top$&#10;&#10;&#10;\end{document}"/>
+  <p:tag name="ORIGINALHEIGHT" val="123.7346"/>
+  <p:tag name="ORIGINALWIDTH" val="435.6955"/>
+  <p:tag name="LATEXADDIN" val="\documentclass{article}&#10;\usepackage{amsmath}&#10;\pagestyle{empty}&#10;\begin{document}&#10;$v(j) = 1$&#10;&#10;&#10;&#10;\end{document}"/>
   <p:tag name="IGUANATEXSIZE" val="20"/>
-  <p:tag name="IGUANATEXCURSOR" val="60"/>
+  <p:tag name="IGUANATEXCURSOR" val="85"/>
   <p:tag name="TRANSPARENCY" val="True"/>
   <p:tag name="FILENAME" val=""/>
   <p:tag name="LATEXENGINEID" val="0"/>
@@ -37886,11 +37925,11 @@
 <file path=ppt/tags/tag42.xml><?xml version="1.0" encoding="utf-8"?>
 <p:tagLst xmlns:a="http://schemas.openxmlformats.org/drawingml/2006/main" xmlns:r="http://schemas.openxmlformats.org/officeDocument/2006/relationships" xmlns:p="http://schemas.openxmlformats.org/presentationml/2006/main">
   <p:tag name="OUTPUTDPI" val="1200"/>
-  <p:tag name="ORIGINALHEIGHT" val="155.2306"/>
-  <p:tag name="ORIGINALWIDTH" val="1876.265"/>
-  <p:tag name="LATEXADDIN" val="\documentclass{article}&#10;\usepackage{amsmath}&#10;\usepackage{bm}&#10;\pagestyle{empty}&#10;\begin{document}&#10;&#10;&#10;$\hat{\bm{v}} = \hat{\bm{P}} \hat{\bm{v}} + \bm{c}_j \ \Rightarrow\ \hat{\bm{v}} = (\bm{I} - \hat{\bm{P}})^{-1} \bm{c}_j$&#10;&#10;\end{document}"/>
+  <p:tag name="ORIGINALHEIGHT" val="207.724"/>
+  <p:tag name="ORIGINALWIDTH" val="1687.289"/>
+  <p:tag name="LATEXADDIN" val="\documentclass{article}&#10;\usepackage{amsmath}&#10;\pagestyle{empty}&#10;\begin{document}&#10;&#10;$\forall k\neq i, j$, $v(k) = \sum\limits_l p(k,l) \cdot v(l)$&#10;&#10;&#10;\end{document}"/>
   <p:tag name="IGUANATEXSIZE" val="20"/>
-  <p:tag name="IGUANATEXCURSOR" val="201"/>
+  <p:tag name="IGUANATEXCURSOR" val="108"/>
   <p:tag name="TRANSPARENCY" val="True"/>
   <p:tag name="FILENAME" val=""/>
   <p:tag name="LATEXENGINEID" val="0"/>
@@ -37906,10 +37945,10 @@
 <p:tagLst xmlns:a="http://schemas.openxmlformats.org/drawingml/2006/main" xmlns:r="http://schemas.openxmlformats.org/officeDocument/2006/relationships" xmlns:p="http://schemas.openxmlformats.org/presentationml/2006/main">
   <p:tag name="OUTPUTDPI" val="1200"/>
   <p:tag name="ORIGINALHEIGHT" val="231.721"/>
-  <p:tag name="ORIGINALWIDTH" val="2659.917"/>
-  <p:tag name="LATEXADDIN" val="\documentclass{article}&#10;\usepackage{amsmath}&#10;\usepackage{bm}&#10;\pagestyle{empty}&#10;\begin{document}&#10;&#10;$\mathrm{ep}(i\rightarrow j) = \sum\limits_k p_{ik} \cdot v_k = \bm{r}_i^\top (\bm{I} - \hat{\bm{P}})^{-1} \bm{c}_j + p(i,j)$&#10;&#10;&#10;\end{document}"/>
+  <p:tag name="ORIGINALWIDTH" val="3223.097"/>
+  <p:tag name="LATEXADDIN" val="\documentclass{article}&#10;\usepackage{amsmath}&#10;\usepackage{bm}&#10;\pagestyle{empty}&#10;\begin{document}&#10;&#10;$\mathrm{ep}(i\rightarrow j) = \sum\limits_k p(i,k) \cdot v(k) = \bm{r(i)}^\top (\bm{I} - \hat{\bm{P}})^{-1} \bm{c(j)} + p(i,j)$&#10;&#10;&#10;\end{document}"/>
   <p:tag name="IGUANATEXSIZE" val="20"/>
-  <p:tag name="IGUANATEXCURSOR" val="60"/>
+  <p:tag name="IGUANATEXCURSOR" val="215"/>
   <p:tag name="TRANSPARENCY" val="True"/>
   <p:tag name="FILENAME" val=""/>
   <p:tag name="LATEXENGINEID" val="0"/>
@@ -37925,10 +37964,10 @@
 <p:tagLst xmlns:a="http://schemas.openxmlformats.org/drawingml/2006/main" xmlns:r="http://schemas.openxmlformats.org/officeDocument/2006/relationships" xmlns:p="http://schemas.openxmlformats.org/presentationml/2006/main">
   <p:tag name="OUTPUTDPI" val="1200"/>
   <p:tag name="ORIGINALHEIGHT" val="137.9828"/>
-  <p:tag name="ORIGINALWIDTH" val="2928.384"/>
-  <p:tag name="LATEXADDIN" val="\documentclass{article}&#10;\usepackage{amsmath}&#10;\usepackage{amssymb}&#10;\pagestyle{empty}&#10;\begin{document}&#10;&#10;$v_k \triangleq $ Pr[A random walk starting at $k$ visits $j$ before $i$]&#10;&#10;&#10;\end{document}"/>
+  <p:tag name="ORIGINALWIDTH" val="3037.12"/>
+  <p:tag name="LATEXADDIN" val="\documentclass{article}&#10;\usepackage{amsmath}&#10;\usepackage{amssymb}&#10;\pagestyle{empty}&#10;\begin{document}&#10;&#10;$v(k) \triangleq $ Pr[A random walk starting at $k$ visits $j$ before $i$]&#10;&#10;&#10;\end{document}"/>
   <p:tag name="IGUANATEXSIZE" val="20"/>
-  <p:tag name="IGUANATEXCURSOR" val="65"/>
+  <p:tag name="IGUANATEXCURSOR" val="107"/>
   <p:tag name="TRANSPARENCY" val="True"/>
   <p:tag name="FILENAME" val=""/>
   <p:tag name="LATEXENGINEID" val="0"/>
@@ -37942,30 +37981,11 @@
 
 <file path=ppt/tags/tag45.xml><?xml version="1.0" encoding="utf-8"?>
 <p:tagLst xmlns:a="http://schemas.openxmlformats.org/drawingml/2006/main" xmlns:r="http://schemas.openxmlformats.org/officeDocument/2006/relationships" xmlns:p="http://schemas.openxmlformats.org/presentationml/2006/main">
-  <p:tag name="OUTPUTDPI" val="1200"/>
-  <p:tag name="ORIGINALHEIGHT" val="134.2332"/>
-  <p:tag name="ORIGINALWIDTH" val="305.2118"/>
-  <p:tag name="LATEXADDIN" val="\documentclass{article}&#10;\usepackage{amsmath}&#10;\pagestyle{empty}&#10;\begin{document}&#10;&#10;$\Theta(n^2)$&#10;&#10;&#10;\end{document}"/>
-  <p:tag name="IGUANATEXSIZE" val="18"/>
-  <p:tag name="IGUANATEXCURSOR" val="94"/>
-  <p:tag name="TRANSPARENCY" val="True"/>
-  <p:tag name="FILENAME" val=""/>
-  <p:tag name="LATEXENGINEID" val="0"/>
-  <p:tag name="TEMPFOLDER" val="c:\temp\"/>
-  <p:tag name="LATEXFORMHEIGHT" val="312"/>
-  <p:tag name="LATEXFORMWIDTH" val="384"/>
-  <p:tag name="LATEXFORMWRAP" val="True"/>
-  <p:tag name="BITMAPVECTOR" val="0"/>
+  <p:tag name="TIMING" val="|14.6"/>
 </p:tagLst>
 </file>
 
 <file path=ppt/tags/tag46.xml><?xml version="1.0" encoding="utf-8"?>
-<p:tagLst xmlns:a="http://schemas.openxmlformats.org/drawingml/2006/main" xmlns:r="http://schemas.openxmlformats.org/officeDocument/2006/relationships" xmlns:p="http://schemas.openxmlformats.org/presentationml/2006/main">
-  <p:tag name="TIMING" val="|14.6"/>
-</p:tagLst>
-</file>
-
-<file path=ppt/tags/tag47.xml><?xml version="1.0" encoding="utf-8"?>
 <p:tagLst xmlns:a="http://schemas.openxmlformats.org/drawingml/2006/main" xmlns:r="http://schemas.openxmlformats.org/officeDocument/2006/relationships" xmlns:p="http://schemas.openxmlformats.org/presentationml/2006/main">
   <p:tag name="OUTPUTDPI" val="1200"/>
   <p:tag name="ORIGINALHEIGHT" val="127.3152"/>
@@ -37984,7 +38004,7 @@
 </p:tagLst>
 </file>
 
-<file path=ppt/tags/tag48.xml><?xml version="1.0" encoding="utf-8"?>
+<file path=ppt/tags/tag47.xml><?xml version="1.0" encoding="utf-8"?>
 <p:tagLst xmlns:a="http://schemas.openxmlformats.org/drawingml/2006/main" xmlns:r="http://schemas.openxmlformats.org/officeDocument/2006/relationships" xmlns:p="http://schemas.openxmlformats.org/presentationml/2006/main">
   <p:tag name="OUTPUTDPI" val="1200"/>
   <p:tag name="ORIGINALHEIGHT" val="133.4833"/>
@@ -38003,7 +38023,7 @@
 </p:tagLst>
 </file>
 
-<file path=ppt/tags/tag49.xml><?xml version="1.0" encoding="utf-8"?>
+<file path=ppt/tags/tag48.xml><?xml version="1.0" encoding="utf-8"?>
 <p:tagLst xmlns:a="http://schemas.openxmlformats.org/drawingml/2006/main" xmlns:r="http://schemas.openxmlformats.org/officeDocument/2006/relationships" xmlns:p="http://schemas.openxmlformats.org/presentationml/2006/main">
   <p:tag name="OUTPUTDPI" val="1200"/>
   <p:tag name="ORIGINALHEIGHT" val="191.2261"/>
@@ -38022,26 +38042,7 @@
 </p:tagLst>
 </file>
 
-<file path=ppt/tags/tag5.xml><?xml version="1.0" encoding="utf-8"?>
-<p:tagLst xmlns:a="http://schemas.openxmlformats.org/drawingml/2006/main" xmlns:r="http://schemas.openxmlformats.org/officeDocument/2006/relationships" xmlns:p="http://schemas.openxmlformats.org/presentationml/2006/main">
-  <p:tag name="OUTPUTDPI" val="1200"/>
-  <p:tag name="ORIGINALHEIGHT" val="132.7334"/>
-  <p:tag name="ORIGINALWIDTH" val="1775.778"/>
-  <p:tag name="LATEXADDIN" val="\documentclass{article}&#10;\usepackage{amsmath}&#10;\usepackage{bm}&#10;\usepackage{amssymb}&#10;\pagestyle{empty}&#10;\begin{document}&#10;&#10;$\bm{p}_t \triangleq \mathrm{probability\ vector\ at\ time}\ t$&#10;&#10;&#10;\end{document}"/>
-  <p:tag name="IGUANATEXSIZE" val="20"/>
-  <p:tag name="IGUANATEXCURSOR" val="178"/>
-  <p:tag name="TRANSPARENCY" val="True"/>
-  <p:tag name="FILENAME" val=""/>
-  <p:tag name="LATEXENGINEID" val="0"/>
-  <p:tag name="TEMPFOLDER" val="c:\temp\"/>
-  <p:tag name="LATEXFORMHEIGHT" val="312"/>
-  <p:tag name="LATEXFORMWIDTH" val="384"/>
-  <p:tag name="LATEXFORMWRAP" val="True"/>
-  <p:tag name="BITMAPVECTOR" val="0"/>
-</p:tagLst>
-</file>
-
-<file path=ppt/tags/tag50.xml><?xml version="1.0" encoding="utf-8"?>
+<file path=ppt/tags/tag49.xml><?xml version="1.0" encoding="utf-8"?>
 <p:tagLst xmlns:a="http://schemas.openxmlformats.org/drawingml/2006/main" xmlns:r="http://schemas.openxmlformats.org/officeDocument/2006/relationships" xmlns:p="http://schemas.openxmlformats.org/presentationml/2006/main">
   <p:tag name="OUTPUTDPI" val="1200"/>
   <p:tag name="ORIGINALHEIGHT" val="134.2332"/>
@@ -38060,13 +38061,32 @@
 </p:tagLst>
 </file>
 
-<file path=ppt/tags/tag51.xml><?xml version="1.0" encoding="utf-8"?>
+<file path=ppt/tags/tag5.xml><?xml version="1.0" encoding="utf-8"?>
+<p:tagLst xmlns:a="http://schemas.openxmlformats.org/drawingml/2006/main" xmlns:r="http://schemas.openxmlformats.org/officeDocument/2006/relationships" xmlns:p="http://schemas.openxmlformats.org/presentationml/2006/main">
+  <p:tag name="OUTPUTDPI" val="1200"/>
+  <p:tag name="ORIGINALHEIGHT" val="896.1379"/>
+  <p:tag name="ORIGINALWIDTH" val="1144.357"/>
+  <p:tag name="LATEXADDIN" val="\documentclass{article}&#10;\usepackage{amsmath}&#10;\usepackage{bm}&#10;\pagestyle{empty}&#10;\usepackage{setspace}&#10;\begin{document}&#10;\begin{spacing}{1.5}&#10;&#10;\[&#10;\bm{P} = \begin{pmatrix}&#10;0 &amp; \frac{1}{3} &amp; \frac{1}{3} &amp; \frac{1}{3} \\&#10;\frac{1}{3} &amp; 0 &amp; \frac{1}{3} &amp; \frac{1}{3} \\&#10;\frac{1}{3} &amp; \frac{1}{3} &amp; 0 &amp; \frac{1}{3} \\&#10;\frac{1}{3} &amp; \frac{1}{3} &amp; \frac{1}{3} &amp; 0&#10;\end{pmatrix}&#10;\]&#10;&#10;\end{spacing}&#10;\end{document}"/>
+  <p:tag name="IGUANATEXSIZE" val="20"/>
+  <p:tag name="IGUANATEXCURSOR" val="399"/>
+  <p:tag name="TRANSPARENCY" val="True"/>
+  <p:tag name="FILENAME" val=""/>
+  <p:tag name="LATEXENGINEID" val="0"/>
+  <p:tag name="TEMPFOLDER" val="c:\temp\"/>
+  <p:tag name="LATEXFORMHEIGHT" val="312"/>
+  <p:tag name="LATEXFORMWIDTH" val="380"/>
+  <p:tag name="LATEXFORMWRAP" val="True"/>
+  <p:tag name="BITMAPVECTOR" val="0"/>
+</p:tagLst>
+</file>
+
+<file path=ppt/tags/tag50.xml><?xml version="1.0" encoding="utf-8"?>
 <p:tagLst xmlns:a="http://schemas.openxmlformats.org/drawingml/2006/main" xmlns:r="http://schemas.openxmlformats.org/officeDocument/2006/relationships" xmlns:p="http://schemas.openxmlformats.org/presentationml/2006/main">
   <p:tag name="TIMING" val="|14.6"/>
 </p:tagLst>
 </file>
 
-<file path=ppt/tags/tag52.xml><?xml version="1.0" encoding="utf-8"?>
+<file path=ppt/tags/tag51.xml><?xml version="1.0" encoding="utf-8"?>
 <p:tagLst xmlns:a="http://schemas.openxmlformats.org/drawingml/2006/main" xmlns:r="http://schemas.openxmlformats.org/officeDocument/2006/relationships" xmlns:p="http://schemas.openxmlformats.org/presentationml/2006/main">
   <p:tag name="OUTPUTDPI" val="1200"/>
   <p:tag name="ORIGINALHEIGHT" val="127.3152"/>
@@ -38085,7 +38105,7 @@
 </p:tagLst>
 </file>
 
-<file path=ppt/tags/tag53.xml><?xml version="1.0" encoding="utf-8"?>
+<file path=ppt/tags/tag52.xml><?xml version="1.0" encoding="utf-8"?>
 <p:tagLst xmlns:a="http://schemas.openxmlformats.org/drawingml/2006/main" xmlns:r="http://schemas.openxmlformats.org/officeDocument/2006/relationships" xmlns:p="http://schemas.openxmlformats.org/presentationml/2006/main">
   <p:tag name="OUTPUTDPI" val="1200"/>
   <p:tag name="ORIGINALHEIGHT" val="140.9824"/>
@@ -38104,14 +38124,14 @@
 </p:tagLst>
 </file>
 
-<file path=ppt/tags/tag54.xml><?xml version="1.0" encoding="utf-8"?>
+<file path=ppt/tags/tag53.xml><?xml version="1.0" encoding="utf-8"?>
 <p:tagLst xmlns:a="http://schemas.openxmlformats.org/drawingml/2006/main" xmlns:r="http://schemas.openxmlformats.org/officeDocument/2006/relationships" xmlns:p="http://schemas.openxmlformats.org/presentationml/2006/main">
   <p:tag name="OUTPUTDPI" val="1200"/>
   <p:tag name="ORIGINALHEIGHT" val="140.9824"/>
-  <p:tag name="ORIGINALWIDTH" val="2676.416"/>
-  <p:tag name="LATEXADDIN" val="\documentclass{article}&#10;\usepackage{amsmath}&#10;\pagestyle{empty}&#10;\usepackage{bm}&#10;\begin{document}&#10;&#10;\begin{align*}&#10;\bm{Q}\bm{e}_i &amp;= (\bm{I} - c\bm{P})^{-1} \bm{e}_i = \bm{e}_i + c\bm{P} \bm{e}_i + (c\bm{P})^2 \bm{e}_i + \cdots&#10;\end{align*}&#10;&#10;&#10;\end{document}"/>
+  <p:tag name="ORIGINALWIDTH" val="2704.912"/>
+  <p:tag name="LATEXADDIN" val="\documentclass{article}&#10;\usepackage{amsmath}&#10;\pagestyle{empty}&#10;\usepackage{bm}&#10;\begin{document}&#10;&#10;\begin{align*}&#10;\bm{Q}\bm{e_i} &amp;= (\bm{I} - c\bm{P})^{-1} \bm{e_i} = \bm{e_i} + c\bm{P} \bm{e_i} + (c\bm{P})^2 \bm{e_i} + \cdots&#10;\end{align*}&#10;&#10;&#10;\end{document}"/>
   <p:tag name="IGUANATEXSIZE" val="20"/>
-  <p:tag name="IGUANATEXCURSOR" val="78"/>
+  <p:tag name="IGUANATEXCURSOR" val="216"/>
   <p:tag name="TRANSPARENCY" val="True"/>
   <p:tag name="FILENAME" val=""/>
   <p:tag name="LATEXENGINEID" val="0"/>
@@ -38123,7 +38143,7 @@
 </p:tagLst>
 </file>
 
-<file path=ppt/tags/tag55.xml><?xml version="1.0" encoding="utf-8"?>
+<file path=ppt/tags/tag54.xml><?xml version="1.0" encoding="utf-8"?>
 <p:tagLst xmlns:a="http://schemas.openxmlformats.org/drawingml/2006/main" xmlns:r="http://schemas.openxmlformats.org/officeDocument/2006/relationships" xmlns:p="http://schemas.openxmlformats.org/presentationml/2006/main">
   <p:tag name="OUTPUTDPI" val="1200"/>
   <p:tag name="ORIGINALHEIGHT" val="123.7346"/>
@@ -38142,7 +38162,7 @@
 </p:tagLst>
 </file>
 
-<file path=ppt/tags/tag56.xml><?xml version="1.0" encoding="utf-8"?>
+<file path=ppt/tags/tag55.xml><?xml version="1.0" encoding="utf-8"?>
 <p:tagLst xmlns:a="http://schemas.openxmlformats.org/drawingml/2006/main" xmlns:r="http://schemas.openxmlformats.org/officeDocument/2006/relationships" xmlns:p="http://schemas.openxmlformats.org/presentationml/2006/main">
   <p:tag name="OUTPUTDPI" val="1200"/>
   <p:tag name="ORIGINALHEIGHT" val="123.7346"/>
@@ -38161,9 +38181,28 @@
 </p:tagLst>
 </file>
 
+<file path=ppt/tags/tag56.xml><?xml version="1.0" encoding="utf-8"?>
+<p:tagLst xmlns:a="http://schemas.openxmlformats.org/drawingml/2006/main" xmlns:r="http://schemas.openxmlformats.org/officeDocument/2006/relationships" xmlns:p="http://schemas.openxmlformats.org/presentationml/2006/main">
+  <p:tag name="TIMING" val="|34.9"/>
+</p:tagLst>
+</file>
+
 <file path=ppt/tags/tag57.xml><?xml version="1.0" encoding="utf-8"?>
 <p:tagLst xmlns:a="http://schemas.openxmlformats.org/drawingml/2006/main" xmlns:r="http://schemas.openxmlformats.org/officeDocument/2006/relationships" xmlns:p="http://schemas.openxmlformats.org/presentationml/2006/main">
-  <p:tag name="TIMING" val="|34.9"/>
+  <p:tag name="OUTPUTDPI" val="1200"/>
+  <p:tag name="ORIGINALHEIGHT" val="123.7346"/>
+  <p:tag name="ORIGINALWIDTH" val="1169.104"/>
+  <p:tag name="LATEXADDIN" val="\documentclass{article}&#10;\usepackage{amsmath}&#10;\pagestyle{empty}&#10;\begin{document}&#10;&#10;$\mathrm{ep}(i \rightarrow j) + \mathrm{ep}(j \rightarrow i)$&#10;&#10;&#10;\end{document}"/>
+  <p:tag name="IGUANATEXSIZE" val="24"/>
+  <p:tag name="IGUANATEXCURSOR" val="140"/>
+  <p:tag name="TRANSPARENCY" val="True"/>
+  <p:tag name="FILENAME" val=""/>
+  <p:tag name="LATEXENGINEID" val="0"/>
+  <p:tag name="TEMPFOLDER" val="c:\temp\"/>
+  <p:tag name="LATEXFORMHEIGHT" val="312"/>
+  <p:tag name="LATEXFORMWIDTH" val="384"/>
+  <p:tag name="LATEXFORMWRAP" val="True"/>
+  <p:tag name="BITMAPVECTOR" val="0"/>
 </p:tagLst>
 </file>
 
@@ -38192,7 +38231,7 @@
   <p:tag name="ORIGINALHEIGHT" val="123.7346"/>
   <p:tag name="ORIGINALWIDTH" val="1169.104"/>
   <p:tag name="LATEXADDIN" val="\documentclass{article}&#10;\usepackage{amsmath}&#10;\pagestyle{empty}&#10;\begin{document}&#10;&#10;$\mathrm{ep}(i \rightarrow j) + \mathrm{ep}(j \rightarrow i)$&#10;&#10;&#10;\end{document}"/>
-  <p:tag name="IGUANATEXSIZE" val="24"/>
+  <p:tag name="IGUANATEXSIZE" val="22"/>
   <p:tag name="IGUANATEXCURSOR" val="140"/>
   <p:tag name="TRANSPARENCY" val="True"/>
   <p:tag name="FILENAME" val=""/>
@@ -38208,11 +38247,11 @@
 <file path=ppt/tags/tag6.xml><?xml version="1.0" encoding="utf-8"?>
 <p:tagLst xmlns:a="http://schemas.openxmlformats.org/drawingml/2006/main" xmlns:r="http://schemas.openxmlformats.org/officeDocument/2006/relationships" xmlns:p="http://schemas.openxmlformats.org/presentationml/2006/main">
   <p:tag name="OUTPUTDPI" val="1200"/>
-  <p:tag name="ORIGINALHEIGHT" val="896.1379"/>
-  <p:tag name="ORIGINALWIDTH" val="1144.357"/>
-  <p:tag name="LATEXADDIN" val="\documentclass{article}&#10;\usepackage{amsmath}&#10;\usepackage{bm}&#10;\pagestyle{empty}&#10;\usepackage{setspace}&#10;\begin{document}&#10;\begin{spacing}{1.5}&#10;&#10;\[&#10;\bm{P} = \begin{pmatrix}&#10;0 &amp; \frac{1}{3} &amp; \frac{1}{3} &amp; \frac{1}{3} \\&#10;\frac{1}{3} &amp; 0 &amp; \frac{1}{3} &amp; \frac{1}{3} \\&#10;\frac{1}{3} &amp; \frac{1}{3} &amp; 0 &amp; \frac{1}{3} \\&#10;\frac{1}{3} &amp; \frac{1}{3} &amp; \frac{1}{3} &amp; 0&#10;\end{pmatrix}&#10;\]&#10;&#10;\end{spacing}&#10;\end{document}"/>
-  <p:tag name="IGUANATEXSIZE" val="20"/>
-  <p:tag name="IGUANATEXCURSOR" val="399"/>
+  <p:tag name="ORIGINALHEIGHT" val="123.7346"/>
+  <p:tag name="ORIGINALWIDTH" val="641.9197"/>
+  <p:tag name="LATEXADDIN" val="\documentclass{article}&#10;\usepackage{amsmath}&#10;\usepackage{bm}&#10;\pagestyle{empty}&#10;\begin{document}&#10;&#10;&#10;$\bm{P} = \left[p(i,j)\right]$&#10;&#10;\end{document}"/>
+  <p:tag name="IGUANATEXSIZE" val="22"/>
+  <p:tag name="IGUANATEXCURSOR" val="144"/>
   <p:tag name="TRANSPARENCY" val="True"/>
   <p:tag name="FILENAME" val=""/>
   <p:tag name="LATEXENGINEID" val="0"/>
@@ -38226,30 +38265,11 @@
 
 <file path=ppt/tags/tag60.xml><?xml version="1.0" encoding="utf-8"?>
 <p:tagLst xmlns:a="http://schemas.openxmlformats.org/drawingml/2006/main" xmlns:r="http://schemas.openxmlformats.org/officeDocument/2006/relationships" xmlns:p="http://schemas.openxmlformats.org/presentationml/2006/main">
-  <p:tag name="OUTPUTDPI" val="1200"/>
-  <p:tag name="ORIGINALHEIGHT" val="123.7346"/>
-  <p:tag name="ORIGINALWIDTH" val="1169.104"/>
-  <p:tag name="LATEXADDIN" val="\documentclass{article}&#10;\usepackage{amsmath}&#10;\pagestyle{empty}&#10;\begin{document}&#10;&#10;$\mathrm{ep}(i \rightarrow j) + \mathrm{ep}(j \rightarrow i)$&#10;&#10;&#10;\end{document}"/>
-  <p:tag name="IGUANATEXSIZE" val="22"/>
-  <p:tag name="IGUANATEXCURSOR" val="140"/>
-  <p:tag name="TRANSPARENCY" val="True"/>
-  <p:tag name="FILENAME" val=""/>
-  <p:tag name="LATEXENGINEID" val="0"/>
-  <p:tag name="TEMPFOLDER" val="c:\temp\"/>
-  <p:tag name="LATEXFORMHEIGHT" val="312"/>
-  <p:tag name="LATEXFORMWIDTH" val="384"/>
-  <p:tag name="LATEXFORMWRAP" val="True"/>
-  <p:tag name="BITMAPVECTOR" val="0"/>
+  <p:tag name="TIMING" val="|36.8|20.5"/>
 </p:tagLst>
 </file>
 
 <file path=ppt/tags/tag61.xml><?xml version="1.0" encoding="utf-8"?>
-<p:tagLst xmlns:a="http://schemas.openxmlformats.org/drawingml/2006/main" xmlns:r="http://schemas.openxmlformats.org/officeDocument/2006/relationships" xmlns:p="http://schemas.openxmlformats.org/presentationml/2006/main">
-  <p:tag name="TIMING" val="|36.8|20.5"/>
-</p:tagLst>
-</file>
-
-<file path=ppt/tags/tag62.xml><?xml version="1.0" encoding="utf-8"?>
 <p:tagLst xmlns:a="http://schemas.openxmlformats.org/drawingml/2006/main" xmlns:r="http://schemas.openxmlformats.org/officeDocument/2006/relationships" xmlns:p="http://schemas.openxmlformats.org/presentationml/2006/main">
   <p:tag name="OUTPUTDPI" val="1200"/>
   <p:tag name="ORIGINALHEIGHT" val="123.7346"/>
@@ -38268,7 +38288,7 @@
 </p:tagLst>
 </file>
 
-<file path=ppt/tags/tag63.xml><?xml version="1.0" encoding="utf-8"?>
+<file path=ppt/tags/tag62.xml><?xml version="1.0" encoding="utf-8"?>
 <p:tagLst xmlns:a="http://schemas.openxmlformats.org/drawingml/2006/main" xmlns:r="http://schemas.openxmlformats.org/officeDocument/2006/relationships" xmlns:p="http://schemas.openxmlformats.org/presentationml/2006/main">
   <p:tag name="OUTPUTDPI" val="1200"/>
   <p:tag name="ORIGINALHEIGHT" val="123.7346"/>
@@ -38287,7 +38307,7 @@
 </p:tagLst>
 </file>
 
-<file path=ppt/tags/tag64.xml><?xml version="1.0" encoding="utf-8"?>
+<file path=ppt/tags/tag63.xml><?xml version="1.0" encoding="utf-8"?>
 <p:tagLst xmlns:a="http://schemas.openxmlformats.org/drawingml/2006/main" xmlns:r="http://schemas.openxmlformats.org/officeDocument/2006/relationships" xmlns:p="http://schemas.openxmlformats.org/presentationml/2006/main">
   <p:tag name="OUTPUTDPI" val="1200"/>
   <p:tag name="ORIGINALHEIGHT" val="123.7346"/>
@@ -38306,13 +38326,13 @@
 </p:tagLst>
 </file>
 
-<file path=ppt/tags/tag65.xml><?xml version="1.0" encoding="utf-8"?>
+<file path=ppt/tags/tag64.xml><?xml version="1.0" encoding="utf-8"?>
 <p:tagLst xmlns:a="http://schemas.openxmlformats.org/drawingml/2006/main" xmlns:r="http://schemas.openxmlformats.org/officeDocument/2006/relationships" xmlns:p="http://schemas.openxmlformats.org/presentationml/2006/main">
   <p:tag name="TIMING" val="|14.6"/>
 </p:tagLst>
 </file>
 
-<file path=ppt/tags/tag66.xml><?xml version="1.0" encoding="utf-8"?>
+<file path=ppt/tags/tag65.xml><?xml version="1.0" encoding="utf-8"?>
 <p:tagLst xmlns:a="http://schemas.openxmlformats.org/drawingml/2006/main" xmlns:r="http://schemas.openxmlformats.org/officeDocument/2006/relationships" xmlns:p="http://schemas.openxmlformats.org/presentationml/2006/main">
   <p:tag name="OUTPUTDPI" val="1200"/>
   <p:tag name="ORIGINALHEIGHT" val="111.9327"/>
@@ -38331,7 +38351,7 @@
 </p:tagLst>
 </file>
 
-<file path=ppt/tags/tag67.xml><?xml version="1.0" encoding="utf-8"?>
+<file path=ppt/tags/tag66.xml><?xml version="1.0" encoding="utf-8"?>
 <p:tagLst xmlns:a="http://schemas.openxmlformats.org/drawingml/2006/main" xmlns:r="http://schemas.openxmlformats.org/officeDocument/2006/relationships" xmlns:p="http://schemas.openxmlformats.org/presentationml/2006/main">
   <p:tag name="OUTPUTDPI" val="1200"/>
   <p:tag name="ORIGINALHEIGHT" val="56.24299"/>
@@ -38350,7 +38370,7 @@
 </p:tagLst>
 </file>
 
-<file path=ppt/tags/tag68.xml><?xml version="1.0" encoding="utf-8"?>
+<file path=ppt/tags/tag67.xml><?xml version="1.0" encoding="utf-8"?>
 <p:tagLst xmlns:a="http://schemas.openxmlformats.org/drawingml/2006/main" xmlns:r="http://schemas.openxmlformats.org/officeDocument/2006/relationships" xmlns:p="http://schemas.openxmlformats.org/presentationml/2006/main">
   <p:tag name="OUTPUTDPI" val="1200"/>
   <p:tag name="ORIGINALHEIGHT" val="103.4871"/>
@@ -38369,7 +38389,7 @@
 </p:tagLst>
 </file>
 
-<file path=ppt/tags/tag69.xml><?xml version="1.0" encoding="utf-8"?>
+<file path=ppt/tags/tag68.xml><?xml version="1.0" encoding="utf-8"?>
 <p:tagLst xmlns:a="http://schemas.openxmlformats.org/drawingml/2006/main" xmlns:r="http://schemas.openxmlformats.org/officeDocument/2006/relationships" xmlns:p="http://schemas.openxmlformats.org/presentationml/2006/main">
   <p:tag name="OUTPUTDPI" val="1200"/>
   <p:tag name="ORIGINALHEIGHT" val="164.2294"/>
@@ -38388,39 +38408,20 @@
 </p:tagLst>
 </file>
 
-<file path=ppt/tags/tag7.xml><?xml version="1.0" encoding="utf-8"?>
-<p:tagLst xmlns:a="http://schemas.openxmlformats.org/drawingml/2006/main" xmlns:r="http://schemas.openxmlformats.org/officeDocument/2006/relationships" xmlns:p="http://schemas.openxmlformats.org/presentationml/2006/main">
-  <p:tag name="OUTPUTDPI" val="1200"/>
-  <p:tag name="ORIGINALHEIGHT" val="114.7357"/>
-  <p:tag name="ORIGINALWIDTH" val="637.4203"/>
-  <p:tag name="LATEXADDIN" val="\documentclass{article}&#10;\usepackage{amsmath}&#10;\pagestyle{empty}&#10;\usepackage{bm}&#10;\begin{document}&#10;&#10;&#10;$\bm{p}_{t+1} = \bm{p}_t \bm{P}$&#10;&#10;\end{document}"/>
-  <p:tag name="IGUANATEXSIZE" val="20"/>
-  <p:tag name="IGUANATEXCURSOR" val="130"/>
-  <p:tag name="TRANSPARENCY" val="True"/>
-  <p:tag name="FILENAME" val=""/>
-  <p:tag name="LATEXENGINEID" val="0"/>
-  <p:tag name="TEMPFOLDER" val="c:\temp\"/>
-  <p:tag name="LATEXFORMHEIGHT" val="312"/>
-  <p:tag name="LATEXFORMWIDTH" val="380"/>
-  <p:tag name="LATEXFORMWRAP" val="True"/>
-  <p:tag name="BITMAPVECTOR" val="0"/>
-</p:tagLst>
-</file>
-
-<file path=ppt/tags/tag70.xml><?xml version="1.0" encoding="utf-8"?>
+<file path=ppt/tags/tag69.xml><?xml version="1.0" encoding="utf-8"?>
 <p:tagLst xmlns:a="http://schemas.openxmlformats.org/drawingml/2006/main" xmlns:r="http://schemas.openxmlformats.org/officeDocument/2006/relationships" xmlns:p="http://schemas.openxmlformats.org/presentationml/2006/main">
   <p:tag name="TIMING" val="|14.6"/>
 </p:tagLst>
 </file>
 
-<file path=ppt/tags/tag71.xml><?xml version="1.0" encoding="utf-8"?>
+<file path=ppt/tags/tag7.xml><?xml version="1.0" encoding="utf-8"?>
 <p:tagLst xmlns:a="http://schemas.openxmlformats.org/drawingml/2006/main" xmlns:r="http://schemas.openxmlformats.org/officeDocument/2006/relationships" xmlns:p="http://schemas.openxmlformats.org/presentationml/2006/main">
   <p:tag name="OUTPUTDPI" val="1200"/>
-  <p:tag name="ORIGINALHEIGHT" val="156.7712"/>
-  <p:tag name="ORIGINALWIDTH" val="720.3619"/>
-  <p:tag name="LATEXADDIN" val="\documentclass{article}&#10;\usepackage{amsmath}&#10;\pagestyle{empty}&#10;\usepackage{amssymb}&#10;\usepackage{amsthm}&#10;\usepackage{bm}&#10;\usepackage{dsfont}&#10;\newtheorem*{mythm*}{Theorem}&#10;\newtheorem*{mylem*}{Lemma}&#10;\newtheorem*{mycor*}{Corollary}&#10;\begin{document}&#10;&#10;\begin{mythm*}&#10;The probability that a random walk starting at node $i$ visits $j$ before returning to $i$, which equals $\mathrm{ep}(i\rightarrow j)$, satisfies&#10;\[&#10;\mathrm{ep}(i\rightarrow j)c(i,j) = \frac{1}{\pi_i},&#10;\]&#10;where $c(i,j)$ is the commute time between $i$ and $j$.&#10;\end{mythm*}&#10;&#10;&#10;\end{document}"/>
+  <p:tag name="ORIGINALHEIGHT" val="137.9828"/>
+  <p:tag name="ORIGINALWIDTH" val="1895.013"/>
+  <p:tag name="LATEXADDIN" val="\documentclass{article}&#10;\usepackage{amsmath}&#10;\usepackage{bm}&#10;\usepackage{amssymb}&#10;\pagestyle{empty}&#10;\begin{document}&#10;&#10;$\bm{p(t)} \triangleq \mathrm{probability\ vector\ at\ time}\ t$&#10;&#10;&#10;\end{document}"/>
   <p:tag name="IGUANATEXSIZE" val="20"/>
-  <p:tag name="IGUANATEXCURSOR" val="62"/>
+  <p:tag name="IGUANATEXCURSOR" val="127"/>
   <p:tag name="TRANSPARENCY" val="True"/>
   <p:tag name="FILENAME" val=""/>
   <p:tag name="LATEXENGINEID" val="0"/>
@@ -38432,7 +38433,7 @@
 </p:tagLst>
 </file>
 
-<file path=ppt/tags/tag72.xml><?xml version="1.0" encoding="utf-8"?>
+<file path=ppt/tags/tag70.xml><?xml version="1.0" encoding="utf-8"?>
 <p:tagLst xmlns:a="http://schemas.openxmlformats.org/drawingml/2006/main" xmlns:r="http://schemas.openxmlformats.org/officeDocument/2006/relationships" xmlns:p="http://schemas.openxmlformats.org/presentationml/2006/main">
   <p:tag name="OUTPUTDPI" val="1200"/>
   <p:tag name="ORIGINALHEIGHT" val="163.4795"/>
@@ -38451,7 +38452,7 @@
 </p:tagLst>
 </file>
 
-<file path=ppt/tags/tag73.xml><?xml version="1.0" encoding="utf-8"?>
+<file path=ppt/tags/tag71.xml><?xml version="1.0" encoding="utf-8"?>
 <p:tagLst xmlns:a="http://schemas.openxmlformats.org/drawingml/2006/main" xmlns:r="http://schemas.openxmlformats.org/officeDocument/2006/relationships" xmlns:p="http://schemas.openxmlformats.org/presentationml/2006/main">
   <p:tag name="OUTPUTDPI" val="1200"/>
   <p:tag name="ORIGINALHEIGHT" val="123.7346"/>
@@ -38470,7 +38471,7 @@
 </p:tagLst>
 </file>
 
-<file path=ppt/tags/tag74.xml><?xml version="1.0" encoding="utf-8"?>
+<file path=ppt/tags/tag72.xml><?xml version="1.0" encoding="utf-8"?>
 <p:tagLst xmlns:a="http://schemas.openxmlformats.org/drawingml/2006/main" xmlns:r="http://schemas.openxmlformats.org/officeDocument/2006/relationships" xmlns:p="http://schemas.openxmlformats.org/presentationml/2006/main">
   <p:tag name="OUTPUTDPI" val="1200"/>
   <p:tag name="ORIGINALHEIGHT" val="137.9828"/>
@@ -38489,7 +38490,7 @@
 </p:tagLst>
 </file>
 
-<file path=ppt/tags/tag75.xml><?xml version="1.0" encoding="utf-8"?>
+<file path=ppt/tags/tag73.xml><?xml version="1.0" encoding="utf-8"?>
 <p:tagLst xmlns:a="http://schemas.openxmlformats.org/drawingml/2006/main" xmlns:r="http://schemas.openxmlformats.org/officeDocument/2006/relationships" xmlns:p="http://schemas.openxmlformats.org/presentationml/2006/main">
   <p:tag name="OUTPUTDPI" val="1200"/>
   <p:tag name="ORIGINALHEIGHT" val="123.7346"/>
@@ -38508,7 +38509,7 @@
 </p:tagLst>
 </file>
 
-<file path=ppt/tags/tag76.xml><?xml version="1.0" encoding="utf-8"?>
+<file path=ppt/tags/tag74.xml><?xml version="1.0" encoding="utf-8"?>
 <p:tagLst xmlns:a="http://schemas.openxmlformats.org/drawingml/2006/main" xmlns:r="http://schemas.openxmlformats.org/officeDocument/2006/relationships" xmlns:p="http://schemas.openxmlformats.org/presentationml/2006/main">
   <p:tag name="OUTPUTDPI" val="1200"/>
   <p:tag name="ORIGINALHEIGHT" val="163.4795"/>
@@ -38527,20 +38528,14 @@
 </p:tagLst>
 </file>
 
-<file path=ppt/tags/tag77.xml><?xml version="1.0" encoding="utf-8"?>
-<p:tagLst xmlns:a="http://schemas.openxmlformats.org/drawingml/2006/main" xmlns:r="http://schemas.openxmlformats.org/officeDocument/2006/relationships" xmlns:p="http://schemas.openxmlformats.org/presentationml/2006/main">
-  <p:tag name="TIMING" val="|14.6"/>
-</p:tagLst>
-</file>
-
-<file path=ppt/tags/tag78.xml><?xml version="1.0" encoding="utf-8"?>
+<file path=ppt/tags/tag75.xml><?xml version="1.0" encoding="utf-8"?>
 <p:tagLst xmlns:a="http://schemas.openxmlformats.org/drawingml/2006/main" xmlns:r="http://schemas.openxmlformats.org/officeDocument/2006/relationships" xmlns:p="http://schemas.openxmlformats.org/presentationml/2006/main">
   <p:tag name="OUTPUTDPI" val="1200"/>
   <p:tag name="ORIGINALHEIGHT" val="156.7712"/>
   <p:tag name="ORIGINALWIDTH" val="720.3619"/>
-  <p:tag name="LATEXADDIN" val="\documentclass{article}&#10;\usepackage{amsmath}&#10;\pagestyle{empty}&#10;\usepackage{amssymb}&#10;\usepackage{amsthm}&#10;\usepackage{bm}&#10;\usepackage{dsfont}&#10;\newtheorem*{mythm*}{Theorem}&#10;\newtheorem*{mylem*}{Lemma}&#10;\newtheorem*{mycor*}{Corollary}&#10;\begin{document}&#10;&#10;\begin{mythm*}&#10;The probability that a random walk starting at node $i$ visits $j$ before returning to $i$, which equals $\mathrm{ep}(i\rightarrow j)$, satisfies&#10;\[&#10;\mathrm{ep}(i\rightarrow j)c(i,j) = \frac{1}{\pi_i},&#10;\]&#10;where $c(i,j)$ is the commute time between $i$ and $j$.&#10;\end{mythm*}&#10;&#10;&#10;\end{document}"/>
+  <p:tag name="LATEXADDIN" val="\documentclass{article}&#10;\usepackage{amsmath}&#10;\pagestyle{empty}&#10;\usepackage{amssymb}&#10;\usepackage{amsthm}&#10;\usepackage{bm}&#10;\usepackage{dsfont}&#10;\newtheorem*{mythm*}{Theorem}&#10;\newtheorem*{mylem*}{Lemma}&#10;\newtheorem*{mycor*}{Corollary}&#10;\begin{document}&#10;&#10;\begin{mythm*}&#10;The probability that a random walk starting at node $i$ visits $j$ before returning to $i$, which is precisely $\mathrm{ep}(i\rightarrow j)$, satisfies&#10;\[&#10;\mathrm{ep}(i\rightarrow j)c(i,j) = \frac{1}{\pi_i},&#10;\]&#10;where $c(i,j)$ is the commute time between $i$ and $j$.&#10;\end{mythm*}&#10;&#10;&#10;\end{document}"/>
   <p:tag name="IGUANATEXSIZE" val="20"/>
-  <p:tag name="IGUANATEXCURSOR" val="62"/>
+  <p:tag name="IGUANATEXCURSOR" val="373"/>
   <p:tag name="TRANSPARENCY" val="True"/>
   <p:tag name="FILENAME" val=""/>
   <p:tag name="LATEXENGINEID" val="0"/>
@@ -38552,7 +38547,13 @@
 </p:tagLst>
 </file>
 
-<file path=ppt/tags/tag79.xml><?xml version="1.0" encoding="utf-8"?>
+<file path=ppt/tags/tag76.xml><?xml version="1.0" encoding="utf-8"?>
+<p:tagLst xmlns:a="http://schemas.openxmlformats.org/drawingml/2006/main" xmlns:r="http://schemas.openxmlformats.org/officeDocument/2006/relationships" xmlns:p="http://schemas.openxmlformats.org/presentationml/2006/main">
+  <p:tag name="TIMING" val="|14.6"/>
+</p:tagLst>
+</file>
+
+<file path=ppt/tags/tag77.xml><?xml version="1.0" encoding="utf-8"?>
 <p:tagLst xmlns:a="http://schemas.openxmlformats.org/drawingml/2006/main" xmlns:r="http://schemas.openxmlformats.org/officeDocument/2006/relationships" xmlns:p="http://schemas.openxmlformats.org/presentationml/2006/main">
   <p:tag name="OUTPUTDPI" val="1200"/>
   <p:tag name="ORIGINALHEIGHT" val="224.222"/>
@@ -38571,26 +38572,7 @@
 </p:tagLst>
 </file>
 
-<file path=ppt/tags/tag8.xml><?xml version="1.0" encoding="utf-8"?>
-<p:tagLst xmlns:a="http://schemas.openxmlformats.org/drawingml/2006/main" xmlns:r="http://schemas.openxmlformats.org/officeDocument/2006/relationships" xmlns:p="http://schemas.openxmlformats.org/presentationml/2006/main">
-  <p:tag name="OUTPUTDPI" val="1200"/>
-  <p:tag name="ORIGINALHEIGHT" val="123.7346"/>
-  <p:tag name="ORIGINALWIDTH" val="641.9197"/>
-  <p:tag name="LATEXADDIN" val="\documentclass{article}&#10;\usepackage{amsmath}&#10;\usepackage{bm}&#10;\pagestyle{empty}&#10;\begin{document}&#10;&#10;&#10;$\bm{P} = \left[p(i,j)\right]$&#10;&#10;\end{document}"/>
-  <p:tag name="IGUANATEXSIZE" val="22"/>
-  <p:tag name="IGUANATEXCURSOR" val="144"/>
-  <p:tag name="TRANSPARENCY" val="True"/>
-  <p:tag name="FILENAME" val=""/>
-  <p:tag name="LATEXENGINEID" val="0"/>
-  <p:tag name="TEMPFOLDER" val="c:\temp\"/>
-  <p:tag name="LATEXFORMHEIGHT" val="312"/>
-  <p:tag name="LATEXFORMWIDTH" val="380"/>
-  <p:tag name="LATEXFORMWRAP" val="True"/>
-  <p:tag name="BITMAPVECTOR" val="0"/>
-</p:tagLst>
-</file>
-
-<file path=ppt/tags/tag80.xml><?xml version="1.0" encoding="utf-8"?>
+<file path=ppt/tags/tag78.xml><?xml version="1.0" encoding="utf-8"?>
 <p:tagLst xmlns:a="http://schemas.openxmlformats.org/drawingml/2006/main" xmlns:r="http://schemas.openxmlformats.org/officeDocument/2006/relationships" xmlns:p="http://schemas.openxmlformats.org/presentationml/2006/main">
   <p:tag name="OUTPUTDPI" val="1200"/>
   <p:tag name="ORIGINALHEIGHT" val="123.7346"/>
@@ -38609,7 +38591,7 @@
 </p:tagLst>
 </file>
 
-<file path=ppt/tags/tag81.xml><?xml version="1.0" encoding="utf-8"?>
+<file path=ppt/tags/tag79.xml><?xml version="1.0" encoding="utf-8"?>
 <p:tagLst xmlns:a="http://schemas.openxmlformats.org/drawingml/2006/main" xmlns:r="http://schemas.openxmlformats.org/officeDocument/2006/relationships" xmlns:p="http://schemas.openxmlformats.org/presentationml/2006/main">
   <p:tag name="OUTPUTDPI" val="1200"/>
   <p:tag name="ORIGINALHEIGHT" val="89.98874"/>
@@ -38617,6 +38599,44 @@
   <p:tag name="LATEXADDIN" val="\documentclass{article}&#10;\usepackage{amsmath}&#10;\pagestyle{empty}&#10;\begin{document}&#10;&#10;$\pi_j$&#10;&#10;&#10;\end{document}"/>
   <p:tag name="IGUANATEXSIZE" val="22"/>
   <p:tag name="IGUANATEXCURSOR" val="88"/>
+  <p:tag name="TRANSPARENCY" val="True"/>
+  <p:tag name="FILENAME" val=""/>
+  <p:tag name="LATEXENGINEID" val="0"/>
+  <p:tag name="TEMPFOLDER" val="c:\temp\"/>
+  <p:tag name="LATEXFORMHEIGHT" val="312"/>
+  <p:tag name="LATEXFORMWIDTH" val="384"/>
+  <p:tag name="LATEXFORMWRAP" val="True"/>
+  <p:tag name="BITMAPVECTOR" val="0"/>
+</p:tagLst>
+</file>
+
+<file path=ppt/tags/tag8.xml><?xml version="1.0" encoding="utf-8"?>
+<p:tagLst xmlns:a="http://schemas.openxmlformats.org/drawingml/2006/main" xmlns:r="http://schemas.openxmlformats.org/officeDocument/2006/relationships" xmlns:p="http://schemas.openxmlformats.org/presentationml/2006/main">
+  <p:tag name="OUTPUTDPI" val="1200"/>
+  <p:tag name="ORIGINALHEIGHT" val="124.4844"/>
+  <p:tag name="ORIGINALWIDTH" val="987.6265"/>
+  <p:tag name="LATEXADDIN" val="\documentclass{article}&#10;\usepackage{amsmath}&#10;\pagestyle{empty}&#10;\usepackage{bm}&#10;\begin{document}&#10;&#10;&#10;$\bm{p(t+1)} = \bm{p(t)} \bm{P}$&#10;&#10;\end{document}"/>
+  <p:tag name="IGUANATEXSIZE" val="20"/>
+  <p:tag name="IGUANATEXCURSOR" val="109"/>
+  <p:tag name="TRANSPARENCY" val="True"/>
+  <p:tag name="FILENAME" val=""/>
+  <p:tag name="LATEXENGINEID" val="0"/>
+  <p:tag name="TEMPFOLDER" val="c:\temp\"/>
+  <p:tag name="LATEXFORMHEIGHT" val="312"/>
+  <p:tag name="LATEXFORMWIDTH" val="380"/>
+  <p:tag name="LATEXFORMWRAP" val="True"/>
+  <p:tag name="BITMAPVECTOR" val="0"/>
+</p:tagLst>
+</file>
+
+<file path=ppt/tags/tag80.xml><?xml version="1.0" encoding="utf-8"?>
+<p:tagLst xmlns:a="http://schemas.openxmlformats.org/drawingml/2006/main" xmlns:r="http://schemas.openxmlformats.org/officeDocument/2006/relationships" xmlns:p="http://schemas.openxmlformats.org/presentationml/2006/main">
+  <p:tag name="OUTPUTDPI" val="1200"/>
+  <p:tag name="ORIGINALHEIGHT" val="156.7712"/>
+  <p:tag name="ORIGINALWIDTH" val="720.3619"/>
+  <p:tag name="LATEXADDIN" val="\documentclass{article}&#10;\usepackage{amsmath}&#10;\pagestyle{empty}&#10;\usepackage{amssymb}&#10;\usepackage{amsthm}&#10;\usepackage{bm}&#10;\usepackage{dsfont}&#10;\newtheorem*{mythm*}{Theorem}&#10;\newtheorem*{mylem*}{Lemma}&#10;\newtheorem*{mycor*}{Corollary}&#10;\begin{document}&#10;&#10;\begin{mythm*}&#10;The probability that a random walk starting at node $i$ visits $j$ before returning to $i$, which is precisely $\mathrm{ep}(i\rightarrow j)$, satisfies&#10;\[&#10;\mathrm{ep}(i\rightarrow j)c(i,j) = \frac{1}{\pi_i},&#10;\]&#10;where $c(i,j)$ is the commute time between $i$ and $j$.&#10;\end{mythm*}&#10;&#10;&#10;\end{document}"/>
+  <p:tag name="IGUANATEXSIZE" val="20"/>
+  <p:tag name="IGUANATEXCURSOR" val="373"/>
   <p:tag name="TRANSPARENCY" val="True"/>
   <p:tag name="FILENAME" val=""/>
   <p:tag name="LATEXENGINEID" val="0"/>

--- a/rw.pptx
+++ b/rw.pptx
@@ -7275,7 +7275,7 @@
           <a:graphicData uri="http://schemas.openxmlformats.org/presentationml/2006/ole">
             <mc:AlternateContent xmlns:mc="http://schemas.openxmlformats.org/markup-compatibility/2006">
               <mc:Choice xmlns:v="urn:schemas-microsoft-com:vml" Requires="v">
-                <p:oleObj spid="_x0000_s28844" name="Visio" r:id="rId6" imgW="5289194" imgH="2914802" progId="Visio.Drawing.11">
+                <p:oleObj spid="_x0000_s28870" name="Visio" r:id="rId6" imgW="5289194" imgH="2914802" progId="Visio.Drawing.11">
                   <p:embed/>
                 </p:oleObj>
               </mc:Choice>
@@ -7479,7 +7479,7 @@
           <a:graphicData uri="http://schemas.openxmlformats.org/presentationml/2006/ole">
             <mc:AlternateContent xmlns:mc="http://schemas.openxmlformats.org/markup-compatibility/2006">
               <mc:Choice xmlns:v="urn:schemas-microsoft-com:vml" Requires="v">
-                <p:oleObj spid="_x0000_s30314" name="Visio" r:id="rId9" imgW="5289194" imgH="1988515" progId="Visio.Drawing.11">
+                <p:oleObj spid="_x0000_s30418" name="Visio" r:id="rId9" imgW="5289194" imgH="1988515" progId="Visio.Drawing.11">
                   <p:embed/>
                 </p:oleObj>
               </mc:Choice>
@@ -7581,7 +7581,7 @@
           <a:graphicData uri="http://schemas.openxmlformats.org/presentationml/2006/ole">
             <mc:AlternateContent xmlns:mc="http://schemas.openxmlformats.org/markup-compatibility/2006">
               <mc:Choice xmlns:v="urn:schemas-microsoft-com:vml" Requires="v">
-                <p:oleObj spid="_x0000_s30315" name="Visio" r:id="rId11" imgW="5289194" imgH="2888590" progId="Visio.Drawing.11">
+                <p:oleObj spid="_x0000_s30419" name="Visio" r:id="rId11" imgW="5289194" imgH="2888590" progId="Visio.Drawing.11">
                   <p:embed/>
                 </p:oleObj>
               </mc:Choice>
@@ -7682,7 +7682,7 @@
           <a:graphicData uri="http://schemas.openxmlformats.org/presentationml/2006/ole">
             <mc:AlternateContent xmlns:mc="http://schemas.openxmlformats.org/markup-compatibility/2006">
               <mc:Choice xmlns:v="urn:schemas-microsoft-com:vml" Requires="v">
-                <p:oleObj spid="_x0000_s30316" name="Visio" r:id="rId13" imgW="5186172" imgH="754685" progId="Visio.Drawing.11">
+                <p:oleObj spid="_x0000_s30420" name="Visio" r:id="rId13" imgW="5186172" imgH="754685" progId="Visio.Drawing.11">
                   <p:embed/>
                 </p:oleObj>
               </mc:Choice>
@@ -7783,7 +7783,7 @@
           <a:graphicData uri="http://schemas.openxmlformats.org/presentationml/2006/ole">
             <mc:AlternateContent xmlns:mc="http://schemas.openxmlformats.org/markup-compatibility/2006">
               <mc:Choice xmlns:v="urn:schemas-microsoft-com:vml" Requires="v">
-                <p:oleObj spid="_x0000_s30317" name="Visio" r:id="rId15" imgW="5186172" imgH="1870558" progId="Visio.Drawing.11">
+                <p:oleObj spid="_x0000_s30421" name="Visio" r:id="rId15" imgW="5186172" imgH="1870558" progId="Visio.Drawing.11">
                   <p:embed/>
                 </p:oleObj>
               </mc:Choice>
@@ -7978,7 +7978,12 @@
             <p:ph type="title"/>
           </p:nvPr>
         </p:nvSpPr>
-        <p:spPr/>
+        <p:spPr>
+          <a:xfrm>
+            <a:off x="457200" y="307975"/>
+            <a:ext cx="8229600" cy="1139825"/>
+          </a:xfrm>
+        </p:spPr>
         <p:txBody>
           <a:bodyPr/>
           <a:lstStyle/>
@@ -8780,7 +8785,7 @@
           <a:graphicData uri="http://schemas.openxmlformats.org/presentationml/2006/ole">
             <mc:AlternateContent xmlns:mc="http://schemas.openxmlformats.org/markup-compatibility/2006">
               <mc:Choice xmlns:v="urn:schemas-microsoft-com:vml" Requires="v">
-                <p:oleObj spid="_x0000_s30912" name="Visio" r:id="rId7" imgW="5038954" imgH="751637" progId="Visio.Drawing.11">
+                <p:oleObj spid="_x0000_s30964" name="Visio" r:id="rId7" imgW="5038954" imgH="751637" progId="Visio.Drawing.11">
                   <p:embed/>
                 </p:oleObj>
               </mc:Choice>
@@ -8935,7 +8940,7 @@
           <a:graphicData uri="http://schemas.openxmlformats.org/presentationml/2006/ole">
             <mc:AlternateContent xmlns:mc="http://schemas.openxmlformats.org/markup-compatibility/2006">
               <mc:Choice xmlns:v="urn:schemas-microsoft-com:vml" Requires="v">
-                <p:oleObj spid="_x0000_s30913" name="Visio" r:id="rId9" imgW="5038954" imgH="1130503" progId="Visio.Drawing.11">
+                <p:oleObj spid="_x0000_s30965" name="Visio" r:id="rId9" imgW="5038954" imgH="1130503" progId="Visio.Drawing.11">
                   <p:embed/>
                 </p:oleObj>
               </mc:Choice>
@@ -9925,7 +9930,7 @@
       </p:pic>
       <p:pic>
         <p:nvPicPr>
-          <p:cNvPr id="28" name="图片 27"/>
+          <p:cNvPr id="28" name="Picture 27 1"/>
           <p:cNvPicPr>
             <a:picLocks noChangeAspect="1"/>
           </p:cNvPicPr>
@@ -10116,7 +10121,7 @@
       </p:sp>
       <p:pic>
         <p:nvPicPr>
-          <p:cNvPr id="20" name="Picture 27"/>
+          <p:cNvPr id="20" name="Picture 27 2"/>
           <p:cNvPicPr>
             <a:picLocks noChangeAspect="1"/>
           </p:cNvPicPr>
@@ -10320,7 +10325,7 @@
       </p:pic>
       <p:pic>
         <p:nvPicPr>
-          <p:cNvPr id="26" name="图片 25"/>
+          <p:cNvPr id="30" name="图片 29"/>
           <p:cNvPicPr>
             <a:picLocks noChangeAspect="1"/>
           </p:cNvPicPr>
@@ -10345,7 +10350,7 @@
         <p:spPr>
           <a:xfrm>
             <a:off x="1143000" y="1548419"/>
-            <a:ext cx="6171428" cy="280381"/>
+            <a:ext cx="4449524" cy="280381"/>
           </a:xfrm>
           <a:prstGeom prst="rect">
             <a:avLst/>
@@ -10545,15 +10550,7 @@
                 <a:ea typeface="Open Sans" panose="020B0606030504020204" pitchFamily="34" charset="0"/>
                 <a:cs typeface="Open Sans" panose="020B0606030504020204" pitchFamily="34" charset="0"/>
               </a:rPr>
-              <a:t>Fast solution for </a:t>
-            </a:r>
-            <a:r>
-              <a:rPr lang="en-US" altLang="en-US" sz="3200" b="1" dirty="0">
-                <a:latin typeface="Open Sans" panose="020B0606030504020204" pitchFamily="34" charset="0"/>
-                <a:ea typeface="Open Sans" panose="020B0606030504020204" pitchFamily="34" charset="0"/>
-                <a:cs typeface="Open Sans" panose="020B0606030504020204" pitchFamily="34" charset="0"/>
-              </a:rPr>
-              <a:t>all</a:t>
+              <a:t>Fast </a:t>
             </a:r>
             <a:r>
               <a:rPr lang="en-US" altLang="en-US" sz="3200" b="1" dirty="0" smtClean="0">
@@ -10561,7 +10558,7 @@
                 <a:ea typeface="Open Sans" panose="020B0606030504020204" pitchFamily="34" charset="0"/>
                 <a:cs typeface="Open Sans" panose="020B0606030504020204" pitchFamily="34" charset="0"/>
               </a:rPr>
-              <a:t>-pair proximities</a:t>
+              <a:t>all-pair proximities</a:t>
             </a:r>
             <a:endParaRPr lang="en-US" altLang="en-US" sz="3200" b="1" dirty="0">
               <a:latin typeface="Open Sans" panose="020B0606030504020204" pitchFamily="34" charset="0"/>
@@ -10880,14 +10877,6 @@
               <a:t>Fast </a:t>
             </a:r>
             <a:r>
-              <a:rPr lang="en-US" sz="2400" dirty="0">
-                <a:latin typeface="Open Sans" panose="020B0606030504020204" pitchFamily="34" charset="0"/>
-                <a:ea typeface="Open Sans" panose="020B0606030504020204" pitchFamily="34" charset="0"/>
-                <a:cs typeface="Open Sans" panose="020B0606030504020204" pitchFamily="34" charset="0"/>
-              </a:rPr>
-              <a:t>solution to </a:t>
-            </a:r>
-            <a:r>
               <a:rPr lang="en-US" sz="2400" dirty="0" smtClean="0">
                 <a:latin typeface="Open Sans" panose="020B0606030504020204" pitchFamily="34" charset="0"/>
                 <a:ea typeface="Open Sans" panose="020B0606030504020204" pitchFamily="34" charset="0"/>
@@ -10896,12 +10885,12 @@
               <a:t>all-pair </a:t>
             </a:r>
             <a:r>
-              <a:rPr lang="en-US" altLang="zh-CN" sz="2400" dirty="0" err="1" smtClean="0">
+              <a:rPr lang="en-US" altLang="zh-CN" sz="2400" dirty="0" smtClean="0">
                 <a:latin typeface="Open Sans" panose="020B0606030504020204" pitchFamily="34" charset="0"/>
                 <a:ea typeface="Open Sans" panose="020B0606030504020204" pitchFamily="34" charset="0"/>
                 <a:cs typeface="Open Sans" panose="020B0606030504020204" pitchFamily="34" charset="0"/>
               </a:rPr>
-              <a:t>proximilities</a:t>
+              <a:t>proximities</a:t>
             </a:r>
             <a:endParaRPr lang="en-US" altLang="zh-CN" sz="2400" dirty="0" smtClean="0">
               <a:latin typeface="Open Sans" panose="020B0606030504020204" pitchFamily="34" charset="0"/>
@@ -10928,7 +10917,23 @@
                 <a:ea typeface="Open Sans" panose="020B0606030504020204" pitchFamily="34" charset="0"/>
                 <a:cs typeface="Open Sans" panose="020B0606030504020204" pitchFamily="34" charset="0"/>
               </a:rPr>
-              <a:t>For all pair of nodes, compute  </a:t>
+              <a:t>For </a:t>
+            </a:r>
+            <a:r>
+              <a:rPr lang="en-US" sz="2000" dirty="0" smtClean="0">
+                <a:latin typeface="Open Sans" panose="020B0606030504020204" pitchFamily="34" charset="0"/>
+                <a:ea typeface="Open Sans" panose="020B0606030504020204" pitchFamily="34" charset="0"/>
+                <a:cs typeface="Open Sans" panose="020B0606030504020204" pitchFamily="34" charset="0"/>
+              </a:rPr>
+              <a:t>all pairs </a:t>
+            </a:r>
+            <a:r>
+              <a:rPr lang="en-US" sz="2000" dirty="0" smtClean="0">
+                <a:latin typeface="Open Sans" panose="020B0606030504020204" pitchFamily="34" charset="0"/>
+                <a:ea typeface="Open Sans" panose="020B0606030504020204" pitchFamily="34" charset="0"/>
+                <a:cs typeface="Open Sans" panose="020B0606030504020204" pitchFamily="34" charset="0"/>
+              </a:rPr>
+              <a:t>of nodes, compute  </a:t>
             </a:r>
           </a:p>
           <a:p>
@@ -11050,7 +11055,7 @@
         </p:blipFill>
         <p:spPr>
           <a:xfrm>
-            <a:off x="4724400" y="4876800"/>
+            <a:off x="4839134" y="4876800"/>
             <a:ext cx="3466666" cy="388571"/>
           </a:xfrm>
           <a:prstGeom prst="rect">
@@ -11159,7 +11164,23 @@
                 <a:ea typeface="Open Sans" panose="020B0606030504020204" pitchFamily="34" charset="0"/>
                 <a:cs typeface="Open Sans" panose="020B0606030504020204" pitchFamily="34" charset="0"/>
               </a:rPr>
-              <a:t>Fast solution for one-pair proximity</a:t>
+              <a:t>Fast </a:t>
+            </a:r>
+            <a:r>
+              <a:rPr lang="en-US" altLang="en-US" sz="3200" b="1" dirty="0" smtClean="0">
+                <a:latin typeface="Open Sans" panose="020B0606030504020204" pitchFamily="34" charset="0"/>
+                <a:ea typeface="Open Sans" panose="020B0606030504020204" pitchFamily="34" charset="0"/>
+                <a:cs typeface="Open Sans" panose="020B0606030504020204" pitchFamily="34" charset="0"/>
+              </a:rPr>
+              <a:t>one-pair </a:t>
+            </a:r>
+            <a:r>
+              <a:rPr lang="en-US" altLang="en-US" sz="3200" b="1" dirty="0" smtClean="0">
+                <a:latin typeface="Open Sans" panose="020B0606030504020204" pitchFamily="34" charset="0"/>
+                <a:ea typeface="Open Sans" panose="020B0606030504020204" pitchFamily="34" charset="0"/>
+                <a:cs typeface="Open Sans" panose="020B0606030504020204" pitchFamily="34" charset="0"/>
+              </a:rPr>
+              <a:t>proximity</a:t>
             </a:r>
             <a:endParaRPr lang="en-US" altLang="en-US" sz="3200" b="1" dirty="0">
               <a:latin typeface="Open Sans" panose="020B0606030504020204" pitchFamily="34" charset="0"/>
@@ -11461,15 +11482,7 @@
               <a:t>Fast </a:t>
             </a:r>
             <a:r>
-              <a:rPr lang="en-US" sz="2400" dirty="0">
-                <a:latin typeface="Open Sans" panose="020B0606030504020204" pitchFamily="34" charset="0"/>
-                <a:ea typeface="Open Sans" panose="020B0606030504020204" pitchFamily="34" charset="0"/>
-                <a:cs typeface="Open Sans" panose="020B0606030504020204" pitchFamily="34" charset="0"/>
-              </a:rPr>
-              <a:t>solution to </a:t>
-            </a:r>
-            <a:r>
-              <a:rPr lang="en-US" altLang="zh-CN" sz="2400" dirty="0">
+              <a:rPr lang="en-US" altLang="zh-CN" sz="2400" dirty="0" smtClean="0">
                 <a:latin typeface="Open Sans" panose="020B0606030504020204" pitchFamily="34" charset="0"/>
                 <a:ea typeface="Open Sans" panose="020B0606030504020204" pitchFamily="34" charset="0"/>
                 <a:cs typeface="Open Sans" panose="020B0606030504020204" pitchFamily="34" charset="0"/>
@@ -21117,7 +21130,7 @@
               <a:t>Q: Given a pair of nodes </a:t>
             </a:r>
             <a:r>
-              <a:rPr lang="en-US" altLang="en-US" sz="2200" i="1" kern="0" dirty="0" err="1" smtClean="0">
+              <a:rPr lang="en-US" altLang="en-US" sz="2200" i="1" kern="0" dirty="0" smtClean="0">
                 <a:latin typeface="Open Sans" charset="0"/>
                 <a:ea typeface="Open Sans" charset="0"/>
                 <a:cs typeface="Open Sans" charset="0"/>
@@ -21146,7 +21159,15 @@
                 <a:ea typeface="Open Sans" charset="0"/>
                 <a:cs typeface="Open Sans" charset="0"/>
               </a:rPr>
-              <a:t>, is there a link between them?</a:t>
+              <a:t>, </a:t>
+            </a:r>
+            <a:r>
+              <a:rPr lang="en-US" altLang="en-US" sz="2200" kern="0" dirty="0" smtClean="0">
+                <a:latin typeface="Open Sans" charset="0"/>
+                <a:ea typeface="Open Sans" charset="0"/>
+                <a:cs typeface="Open Sans" charset="0"/>
+              </a:rPr>
+              <a:t>is there a link between them?</a:t>
             </a:r>
           </a:p>
           <a:p>
@@ -23343,8 +23364,8 @@
         </p:nvSpPr>
         <p:spPr bwMode="auto">
           <a:xfrm>
-            <a:off x="1219200" y="3962400"/>
-            <a:ext cx="1743075" cy="457200"/>
+            <a:off x="990600" y="3962400"/>
+            <a:ext cx="1912703" cy="461665"/>
           </a:xfrm>
           <a:prstGeom prst="rect">
             <a:avLst/>
@@ -23392,15 +23413,15 @@
           <a:lstStyle/>
           <a:p>
             <a:r>
-              <a:rPr lang="en-US" altLang="zh-CN" sz="2400">
+              <a:rPr lang="en-US" altLang="zh-CN" sz="2400" dirty="0" err="1" smtClean="0">
                 <a:solidFill>
                   <a:srgbClr val="FF3300"/>
                 </a:solidFill>
                 <a:ea typeface="宋体" charset="0"/>
               </a:rPr>
-              <a:t>FastAllDAP</a:t>
-            </a:r>
-            <a:endParaRPr lang="en-US" altLang="en-US" sz="2400">
+              <a:t>FastAllProxs</a:t>
+            </a:r>
+            <a:endParaRPr lang="en-US" altLang="en-US" sz="2400" dirty="0">
               <a:solidFill>
                 <a:srgbClr val="FF3300"/>
               </a:solidFill>
@@ -23975,7 +23996,7 @@
         <p:spPr bwMode="auto">
           <a:xfrm>
             <a:off x="1379537" y="4267200"/>
-            <a:ext cx="1979613" cy="457200"/>
+            <a:ext cx="1997663" cy="461665"/>
           </a:xfrm>
           <a:prstGeom prst="rect">
             <a:avLst/>
@@ -24023,15 +24044,15 @@
           <a:lstStyle/>
           <a:p>
             <a:r>
-              <a:rPr lang="en-US" altLang="zh-CN" sz="2400">
+              <a:rPr lang="en-US" altLang="zh-CN" sz="2400" dirty="0" err="1" smtClean="0">
                 <a:solidFill>
                   <a:srgbClr val="FF3300"/>
                 </a:solidFill>
                 <a:ea typeface="宋体" charset="0"/>
               </a:rPr>
-              <a:t>FastOneDAP</a:t>
-            </a:r>
-            <a:endParaRPr lang="en-US" altLang="en-US" sz="2400">
+              <a:t>FastOneProx</a:t>
+            </a:r>
+            <a:endParaRPr lang="en-US" altLang="en-US" sz="2400" dirty="0">
               <a:solidFill>
                 <a:srgbClr val="FF3300"/>
               </a:solidFill>
@@ -25955,7 +25976,23 @@
                 <a:ea typeface="Open Sans" panose="020B0606030504020204" pitchFamily="34" charset="0"/>
                 <a:cs typeface="Open Sans" panose="020B0606030504020204" pitchFamily="34" charset="0"/>
               </a:rPr>
-              <a:t>Consider a random walk w starting at </a:t>
+              <a:t>Consider a random walk </a:t>
+            </a:r>
+            <a:r>
+              <a:rPr lang="en-US" sz="2000" i="1" dirty="0" smtClean="0">
+                <a:latin typeface="Open Sans" panose="020B0606030504020204" pitchFamily="34" charset="0"/>
+                <a:ea typeface="Open Sans" panose="020B0606030504020204" pitchFamily="34" charset="0"/>
+                <a:cs typeface="Open Sans" panose="020B0606030504020204" pitchFamily="34" charset="0"/>
+              </a:rPr>
+              <a:t>w</a:t>
+            </a:r>
+            <a:r>
+              <a:rPr lang="en-US" sz="2000" dirty="0" smtClean="0">
+                <a:latin typeface="Open Sans" panose="020B0606030504020204" pitchFamily="34" charset="0"/>
+                <a:ea typeface="Open Sans" panose="020B0606030504020204" pitchFamily="34" charset="0"/>
+                <a:cs typeface="Open Sans" panose="020B0606030504020204" pitchFamily="34" charset="0"/>
+              </a:rPr>
+              <a:t> starting at </a:t>
             </a:r>
             <a:r>
               <a:rPr lang="en-US" sz="2000" i="1" dirty="0" err="1" smtClean="0">
@@ -25990,31 +26027,15 @@
                 <a:ea typeface="Open Sans" panose="020B0606030504020204" pitchFamily="34" charset="0"/>
                 <a:cs typeface="Open Sans" panose="020B0606030504020204" pitchFamily="34" charset="0"/>
               </a:rPr>
-              <a:t> = the first time w returns to </a:t>
-            </a:r>
-            <a:r>
-              <a:rPr lang="en-US" sz="1800" i="1" dirty="0" err="1" smtClean="0">
-                <a:latin typeface="Open Sans" panose="020B0606030504020204" pitchFamily="34" charset="0"/>
-                <a:ea typeface="Open Sans" panose="020B0606030504020204" pitchFamily="34" charset="0"/>
-                <a:cs typeface="Open Sans" panose="020B0606030504020204" pitchFamily="34" charset="0"/>
-              </a:rPr>
-              <a:t>i</a:t>
-            </a:r>
-            <a:endParaRPr lang="en-US" sz="1800" i="1" dirty="0" smtClean="0">
-              <a:latin typeface="Open Sans" panose="020B0606030504020204" pitchFamily="34" charset="0"/>
-              <a:ea typeface="Open Sans" panose="020B0606030504020204" pitchFamily="34" charset="0"/>
-              <a:cs typeface="Open Sans" panose="020B0606030504020204" pitchFamily="34" charset="0"/>
-            </a:endParaRPr>
-          </a:p>
-          <a:p>
-            <a:pPr lvl="2"/>
+              <a:t> = the first time </a:t>
+            </a:r>
             <a:r>
               <a:rPr lang="en-US" sz="1800" i="1" dirty="0" smtClean="0">
                 <a:latin typeface="Open Sans" panose="020B0606030504020204" pitchFamily="34" charset="0"/>
                 <a:ea typeface="Open Sans" panose="020B0606030504020204" pitchFamily="34" charset="0"/>
                 <a:cs typeface="Open Sans" panose="020B0606030504020204" pitchFamily="34" charset="0"/>
               </a:rPr>
-              <a:t>Y</a:t>
+              <a:t>w</a:t>
             </a:r>
             <a:r>
               <a:rPr lang="en-US" sz="1800" dirty="0" smtClean="0">
@@ -26022,15 +26043,7 @@
                 <a:ea typeface="Open Sans" panose="020B0606030504020204" pitchFamily="34" charset="0"/>
                 <a:cs typeface="Open Sans" panose="020B0606030504020204" pitchFamily="34" charset="0"/>
               </a:rPr>
-              <a:t> = the first time w returns to </a:t>
-            </a:r>
-            <a:r>
-              <a:rPr lang="en-US" sz="1800" dirty="0" err="1" smtClean="0">
-                <a:latin typeface="Open Sans" panose="020B0606030504020204" pitchFamily="34" charset="0"/>
-                <a:ea typeface="Open Sans" panose="020B0606030504020204" pitchFamily="34" charset="0"/>
-                <a:cs typeface="Open Sans" panose="020B0606030504020204" pitchFamily="34" charset="0"/>
-              </a:rPr>
-              <a:t>i</a:t>
+              <a:t> </a:t>
             </a:r>
             <a:r>
               <a:rPr lang="en-US" sz="1800" dirty="0" smtClean="0">
@@ -26038,7 +26051,90 @@
                 <a:ea typeface="Open Sans" panose="020B0606030504020204" pitchFamily="34" charset="0"/>
                 <a:cs typeface="Open Sans" panose="020B0606030504020204" pitchFamily="34" charset="0"/>
               </a:rPr>
-              <a:t> after visiting </a:t>
+              <a:t>returns </a:t>
+            </a:r>
+            <a:r>
+              <a:rPr lang="en-US" sz="1800" dirty="0" smtClean="0">
+                <a:latin typeface="Open Sans" panose="020B0606030504020204" pitchFamily="34" charset="0"/>
+                <a:ea typeface="Open Sans" panose="020B0606030504020204" pitchFamily="34" charset="0"/>
+                <a:cs typeface="Open Sans" panose="020B0606030504020204" pitchFamily="34" charset="0"/>
+              </a:rPr>
+              <a:t>to </a:t>
+            </a:r>
+            <a:r>
+              <a:rPr lang="en-US" sz="1800" i="1" dirty="0" smtClean="0">
+                <a:latin typeface="Open Sans" panose="020B0606030504020204" pitchFamily="34" charset="0"/>
+                <a:ea typeface="Open Sans" panose="020B0606030504020204" pitchFamily="34" charset="0"/>
+                <a:cs typeface="Open Sans" panose="020B0606030504020204" pitchFamily="34" charset="0"/>
+              </a:rPr>
+              <a:t>i</a:t>
+            </a:r>
+          </a:p>
+          <a:p>
+            <a:pPr lvl="2"/>
+            <a:r>
+              <a:rPr lang="en-US" sz="1800" i="1" dirty="0" smtClean="0">
+                <a:latin typeface="Open Sans" panose="020B0606030504020204" pitchFamily="34" charset="0"/>
+                <a:ea typeface="Open Sans" panose="020B0606030504020204" pitchFamily="34" charset="0"/>
+                <a:cs typeface="Open Sans" panose="020B0606030504020204" pitchFamily="34" charset="0"/>
+              </a:rPr>
+              <a:t>Y</a:t>
+            </a:r>
+            <a:r>
+              <a:rPr lang="en-US" sz="1800" dirty="0" smtClean="0">
+                <a:latin typeface="Open Sans" panose="020B0606030504020204" pitchFamily="34" charset="0"/>
+                <a:ea typeface="Open Sans" panose="020B0606030504020204" pitchFamily="34" charset="0"/>
+                <a:cs typeface="Open Sans" panose="020B0606030504020204" pitchFamily="34" charset="0"/>
+              </a:rPr>
+              <a:t> = the first time </a:t>
+            </a:r>
+            <a:r>
+              <a:rPr lang="en-US" sz="1800" i="1" dirty="0" smtClean="0">
+                <a:latin typeface="Open Sans" panose="020B0606030504020204" pitchFamily="34" charset="0"/>
+                <a:ea typeface="Open Sans" panose="020B0606030504020204" pitchFamily="34" charset="0"/>
+                <a:cs typeface="Open Sans" panose="020B0606030504020204" pitchFamily="34" charset="0"/>
+              </a:rPr>
+              <a:t>w</a:t>
+            </a:r>
+            <a:r>
+              <a:rPr lang="en-US" sz="1800" dirty="0" smtClean="0">
+                <a:latin typeface="Open Sans" panose="020B0606030504020204" pitchFamily="34" charset="0"/>
+                <a:ea typeface="Open Sans" panose="020B0606030504020204" pitchFamily="34" charset="0"/>
+                <a:cs typeface="Open Sans" panose="020B0606030504020204" pitchFamily="34" charset="0"/>
+              </a:rPr>
+              <a:t> returns to </a:t>
+            </a:r>
+            <a:r>
+              <a:rPr lang="en-US" sz="1800" i="1" dirty="0" smtClean="0">
+                <a:latin typeface="Open Sans" panose="020B0606030504020204" pitchFamily="34" charset="0"/>
+                <a:ea typeface="Open Sans" panose="020B0606030504020204" pitchFamily="34" charset="0"/>
+                <a:cs typeface="Open Sans" panose="020B0606030504020204" pitchFamily="34" charset="0"/>
+              </a:rPr>
+              <a:t>i</a:t>
+            </a:r>
+            <a:r>
+              <a:rPr lang="en-US" sz="1800" dirty="0" smtClean="0">
+                <a:latin typeface="Open Sans" panose="020B0606030504020204" pitchFamily="34" charset="0"/>
+                <a:ea typeface="Open Sans" panose="020B0606030504020204" pitchFamily="34" charset="0"/>
+                <a:cs typeface="Open Sans" panose="020B0606030504020204" pitchFamily="34" charset="0"/>
+              </a:rPr>
+              <a:t> </a:t>
+            </a:r>
+            <a:r>
+              <a:rPr lang="en-US" sz="1800" dirty="0" smtClean="0">
+                <a:latin typeface="Open Sans" panose="020B0606030504020204" pitchFamily="34" charset="0"/>
+                <a:ea typeface="Open Sans" panose="020B0606030504020204" pitchFamily="34" charset="0"/>
+                <a:cs typeface="Open Sans" panose="020B0606030504020204" pitchFamily="34" charset="0"/>
+              </a:rPr>
+              <a:t>after </a:t>
+            </a:r>
+            <a:r>
+              <a:rPr lang="en-US" sz="1800" dirty="0" smtClean="0">
+                <a:latin typeface="Open Sans" panose="020B0606030504020204" pitchFamily="34" charset="0"/>
+                <a:ea typeface="Open Sans" panose="020B0606030504020204" pitchFamily="34" charset="0"/>
+                <a:cs typeface="Open Sans" panose="020B0606030504020204" pitchFamily="34" charset="0"/>
+              </a:rPr>
+              <a:t>visiting </a:t>
             </a:r>
             <a:r>
               <a:rPr lang="en-US" sz="1800" i="1" dirty="0" smtClean="0">
@@ -26186,7 +26282,7 @@
       </p:pic>
       <p:pic>
         <p:nvPicPr>
-          <p:cNvPr id="10" name="Picture 9"/>
+          <p:cNvPr id="4" name="图片 3"/>
           <p:cNvPicPr>
             <a:picLocks noChangeAspect="1"/>
           </p:cNvPicPr>
@@ -26211,7 +26307,7 @@
         <p:spPr>
           <a:xfrm>
             <a:off x="3283076" y="4825019"/>
-            <a:ext cx="3041524" cy="280381"/>
+            <a:ext cx="3058286" cy="280381"/>
           </a:xfrm>
           <a:prstGeom prst="rect">
             <a:avLst/>
@@ -26653,7 +26749,7 @@
                                           </p:stCondLst>
                                         </p:cTn>
                                         <p:tgtEl>
-                                          <p:spTgt spid="10"/>
+                                          <p:spTgt spid="4"/>
                                         </p:tgtEl>
                                         <p:attrNameLst>
                                           <p:attrName>style.visibility</p:attrName>
@@ -36758,7 +36854,10 @@
           <a:noFill/>
           <a:ln w="76200" cmpd="sng">
             <a:solidFill>
-              <a:srgbClr val="33CCCC"/>
+              <a:schemeClr val="tx2">
+                <a:lumMod val="40000"/>
+                <a:lumOff val="60000"/>
+              </a:schemeClr>
             </a:solidFill>
             <a:round/>
             <a:headEnd/>
@@ -36813,39 +36912,25 @@
           <a:noFill/>
           <a:ln>
             <a:noFill/>
+            <a:headEnd/>
+            <a:tailEnd/>
           </a:ln>
-          <a:effectLst/>
-          <a:extLst>
-            <a:ext uri="{909E8E84-426E-40DD-AFC4-6F175D3DCCD1}">
-              <a14:hiddenFill xmlns:a14="http://schemas.microsoft.com/office/drawing/2010/main">
-                <a:solidFill>
-                  <a:schemeClr val="accent1"/>
-                </a:solidFill>
-              </a14:hiddenFill>
-            </a:ext>
-            <a:ext uri="{91240B29-F687-4F45-9708-019B960494DF}">
-              <a14:hiddenLine xmlns:a14="http://schemas.microsoft.com/office/drawing/2010/main" w="9525">
-                <a:solidFill>
-                  <a:schemeClr val="tx1"/>
-                </a:solidFill>
-                <a:miter lim="800000"/>
-                <a:headEnd/>
-                <a:tailEnd/>
-              </a14:hiddenLine>
-            </a:ext>
-            <a:ext uri="{AF507438-7753-43E0-B8FC-AC1667EBCBE1}">
-              <a14:hiddenEffects xmlns:a14="http://schemas.microsoft.com/office/drawing/2010/main">
-                <a:effectLst>
-                  <a:outerShdw blurRad="63500" dist="38099" dir="2700000" algn="ctr" rotWithShape="0">
-                    <a:schemeClr val="bg2">
-                      <a:alpha val="74998"/>
-                    </a:schemeClr>
-                  </a:outerShdw>
-                </a:effectLst>
-              </a14:hiddenEffects>
-            </a:ext>
-          </a:extLst>
+          <a:extLst/>
         </p:spPr>
+        <p:style>
+          <a:lnRef idx="2">
+            <a:schemeClr val="accent3"/>
+          </a:lnRef>
+          <a:fillRef idx="1">
+            <a:schemeClr val="lt1"/>
+          </a:fillRef>
+          <a:effectRef idx="0">
+            <a:schemeClr val="accent3"/>
+          </a:effectRef>
+          <a:fontRef idx="minor">
+            <a:schemeClr val="dk1"/>
+          </a:fontRef>
+        </p:style>
         <p:txBody>
           <a:bodyPr wrap="none">
             <a:spAutoFit/>
@@ -37964,10 +38049,10 @@
 <p:tagLst xmlns:a="http://schemas.openxmlformats.org/drawingml/2006/main" xmlns:r="http://schemas.openxmlformats.org/officeDocument/2006/relationships" xmlns:p="http://schemas.openxmlformats.org/presentationml/2006/main">
   <p:tag name="OUTPUTDPI" val="1200"/>
   <p:tag name="ORIGINALHEIGHT" val="137.9828"/>
-  <p:tag name="ORIGINALWIDTH" val="3037.12"/>
-  <p:tag name="LATEXADDIN" val="\documentclass{article}&#10;\usepackage{amsmath}&#10;\usepackage{amssymb}&#10;\pagestyle{empty}&#10;\begin{document}&#10;&#10;$v(k) \triangleq $ Pr[A random walk starting at $k$ visits $j$ before $i$]&#10;&#10;&#10;\end{document}"/>
+  <p:tag name="ORIGINALWIDTH" val="2189.726"/>
+  <p:tag name="LATEXADDIN" val="\documentclass{article}&#10;\usepackage{amsmath}&#10;\usepackage{amssymb}&#10;\pagestyle{empty}&#10;\begin{document}&#10;&#10;$v(k) \triangleq $ Pr[starting at $k$, visits $j$ before $i$]&#10;&#10;&#10;\end{document}"/>
   <p:tag name="IGUANATEXSIZE" val="20"/>
-  <p:tag name="IGUANATEXCURSOR" val="107"/>
+  <p:tag name="IGUANATEXCURSOR" val="125"/>
   <p:tag name="TRANSPARENCY" val="True"/>
   <p:tag name="FILENAME" val=""/>
   <p:tag name="LATEXENGINEID" val="0"/>
@@ -38475,10 +38560,10 @@
 <p:tagLst xmlns:a="http://schemas.openxmlformats.org/drawingml/2006/main" xmlns:r="http://schemas.openxmlformats.org/officeDocument/2006/relationships" xmlns:p="http://schemas.openxmlformats.org/presentationml/2006/main">
   <p:tag name="OUTPUTDPI" val="1200"/>
   <p:tag name="ORIGINALHEIGHT" val="137.9828"/>
-  <p:tag name="ORIGINALWIDTH" val="1496.813"/>
-  <p:tag name="LATEXADDIN" val="\documentclass{article}&#10;\usepackage{amsmath}&#10;\usepackage{amssymb}&#10;\pagestyle{empty}&#10;\begin{document}&#10;&#10;$\Pr\left[X = Y\right] = p \triangleq \mathrm{ep}(i\rightarrow j)$&#10;&#10;&#10;\end{document}"/>
+  <p:tag name="ORIGINALWIDTH" val="1505.062"/>
+  <p:tag name="LATEXADDIN" val="\documentclass{article}&#10;\usepackage{amsmath}&#10;\usepackage{amssymb}&#10;\pagestyle{empty}&#10;\begin{document}&#10;&#10;$p \triangleq \Pr\left[X = Y\right] = \mathrm{ep}(i\rightarrow j)$&#10;&#10;&#10;\end{document}"/>
   <p:tag name="IGUANATEXSIZE" val="20"/>
-  <p:tag name="IGUANATEXCURSOR" val="65"/>
+  <p:tag name="IGUANATEXCURSOR" val="116"/>
   <p:tag name="TRANSPARENCY" val="True"/>
   <p:tag name="FILENAME" val=""/>
   <p:tag name="LATEXENGINEID" val="0"/>

--- a/rw.pptx
+++ b/rw.pptx
@@ -5,7 +5,7 @@
     <p:sldMasterId id="2147483660" r:id="rId1"/>
   </p:sldMasterIdLst>
   <p:notesMasterIdLst>
-    <p:notesMasterId r:id="rId28"/>
+    <p:notesMasterId r:id="rId31"/>
   </p:notesMasterIdLst>
   <p:sldIdLst>
     <p:sldId id="257" r:id="rId2"/>
@@ -21,19 +21,22 @@
     <p:sldId id="267" r:id="rId12"/>
     <p:sldId id="268" r:id="rId13"/>
     <p:sldId id="290" r:id="rId14"/>
-    <p:sldId id="272" r:id="rId15"/>
-    <p:sldId id="289" r:id="rId16"/>
-    <p:sldId id="274" r:id="rId17"/>
-    <p:sldId id="275" r:id="rId18"/>
-    <p:sldId id="276" r:id="rId19"/>
-    <p:sldId id="277" r:id="rId20"/>
-    <p:sldId id="278" r:id="rId21"/>
-    <p:sldId id="279" r:id="rId22"/>
-    <p:sldId id="280" r:id="rId23"/>
-    <p:sldId id="281" r:id="rId24"/>
-    <p:sldId id="282" r:id="rId25"/>
-    <p:sldId id="283" r:id="rId26"/>
-    <p:sldId id="284" r:id="rId27"/>
+    <p:sldId id="291" r:id="rId15"/>
+    <p:sldId id="272" r:id="rId16"/>
+    <p:sldId id="289" r:id="rId17"/>
+    <p:sldId id="292" r:id="rId18"/>
+    <p:sldId id="293" r:id="rId19"/>
+    <p:sldId id="274" r:id="rId20"/>
+    <p:sldId id="275" r:id="rId21"/>
+    <p:sldId id="276" r:id="rId22"/>
+    <p:sldId id="277" r:id="rId23"/>
+    <p:sldId id="278" r:id="rId24"/>
+    <p:sldId id="279" r:id="rId25"/>
+    <p:sldId id="280" r:id="rId26"/>
+    <p:sldId id="281" r:id="rId27"/>
+    <p:sldId id="282" r:id="rId28"/>
+    <p:sldId id="283" r:id="rId29"/>
+    <p:sldId id="284" r:id="rId30"/>
   </p:sldIdLst>
   <p:sldSz cx="9144000" cy="6858000" type="screen4x3"/>
   <p:notesSz cx="6858000" cy="9144000"/>
@@ -974,7 +977,7 @@
     </p:spTree>
     <p:extLst>
       <p:ext uri="{BB962C8B-B14F-4D97-AF65-F5344CB8AC3E}">
-        <p14:creationId xmlns:p14="http://schemas.microsoft.com/office/powerpoint/2010/main" val="494956097"/>
+        <p14:creationId xmlns:p14="http://schemas.microsoft.com/office/powerpoint/2010/main" val="286231021"/>
       </p:ext>
     </p:extLst>
   </p:cSld>
@@ -1072,7 +1075,7 @@
     </p:spTree>
     <p:extLst>
       <p:ext uri="{BB962C8B-B14F-4D97-AF65-F5344CB8AC3E}">
-        <p14:creationId xmlns:p14="http://schemas.microsoft.com/office/powerpoint/2010/main" val="1811685339"/>
+        <p14:creationId xmlns:p14="http://schemas.microsoft.com/office/powerpoint/2010/main" val="494956097"/>
       </p:ext>
     </p:extLst>
   </p:cSld>
@@ -1116,7 +1119,7 @@
           <a:bodyPr/>
           <a:lstStyle/>
           <a:p>
-            <a:fld id="{D7BC0A31-96DE-0D49-A201-547659488F07}" type="slidenum">
+            <a:fld id="{D7588CFA-B87B-4BA5-AB21-272E6399FDC7}" type="slidenum">
               <a:rPr lang="en-US" altLang="en-US"/>
               <a:pPr/>
               <a:t>16</a:t>
@@ -1127,7 +1130,7 @@
       </p:sp>
       <p:sp>
         <p:nvSpPr>
-          <p:cNvPr id="237570" name="Rectangle 2"/>
+          <p:cNvPr id="431106" name="Rectangle 2"/>
           <p:cNvSpPr>
             <a:spLocks noGrp="1" noRot="1" noChangeAspect="1" noChangeArrowheads="1" noTextEdit="1"/>
           </p:cNvSpPr>
@@ -1141,7 +1144,7 @@
       </p:sp>
       <p:sp>
         <p:nvSpPr>
-          <p:cNvPr id="237571" name="Rectangle 3"/>
+          <p:cNvPr id="431107" name="Rectangle 3"/>
           <p:cNvSpPr>
             <a:spLocks noGrp="1" noChangeArrowheads="1"/>
           </p:cNvSpPr>
@@ -1155,39 +1158,22 @@
           <a:lstStyle/>
           <a:p>
             <a:r>
-              <a:rPr lang="en-US" altLang="zh-CN"/>
-              <a:t>We want to </a:t>
-            </a:r>
-            <a:r>
-              <a:rPr lang="en-US" altLang="en-US"/>
-              <a:t>check </a:t>
-            </a:r>
-            <a:r>
-              <a:rPr lang="en-US" altLang="zh-CN"/>
-              <a:t>both </a:t>
-            </a:r>
-            <a:r>
-              <a:rPr lang="en-US" altLang="en-US"/>
-              <a:t>the effectiveness and efficiency of our </a:t>
-            </a:r>
-            <a:r>
-              <a:rPr lang="en-US" altLang="zh-CN"/>
-              <a:t>DAP</a:t>
-            </a:r>
-            <a:r>
-              <a:rPr lang="en-US" altLang="en-US"/>
-              <a:t>.</a:t>
-            </a:r>
-          </a:p>
-          <a:p>
-            <a:endParaRPr lang="en-US" altLang="en-US"/>
+              <a:rPr lang="en-US" altLang="en-US" dirty="0"/>
+              <a:t>Lets start with a few examples which require ranking on large graphs. Take for example recommender networks.</a:t>
+            </a:r>
+          </a:p>
+          <a:p>
+            <a:r>
+              <a:rPr lang="en-US" altLang="en-US" dirty="0"/>
+              <a:t>Here we have a bipartite graph of customers and movies. A customer has a link to a movie if he/she rated that movie. Now the question is…</a:t>
+            </a:r>
           </a:p>
         </p:txBody>
       </p:sp>
     </p:spTree>
     <p:extLst>
       <p:ext uri="{BB962C8B-B14F-4D97-AF65-F5344CB8AC3E}">
-        <p14:creationId xmlns:p14="http://schemas.microsoft.com/office/powerpoint/2010/main" val="58431674"/>
+        <p14:creationId xmlns:p14="http://schemas.microsoft.com/office/powerpoint/2010/main" val="1811685339"/>
       </p:ext>
     </p:extLst>
   </p:cSld>
@@ -1231,7 +1217,7 @@
           <a:bodyPr/>
           <a:lstStyle/>
           <a:p>
-            <a:fld id="{A131F06E-0603-6E44-BE68-642247D6C20F}" type="slidenum">
+            <a:fld id="{D7588CFA-B87B-4BA5-AB21-272E6399FDC7}" type="slidenum">
               <a:rPr lang="en-US" altLang="en-US"/>
               <a:pPr/>
               <a:t>17</a:t>
@@ -1242,7 +1228,7 @@
       </p:sp>
       <p:sp>
         <p:nvSpPr>
-          <p:cNvPr id="130050" name="Rectangle 2"/>
+          <p:cNvPr id="431106" name="Rectangle 2"/>
           <p:cNvSpPr>
             <a:spLocks noGrp="1" noRot="1" noChangeAspect="1" noChangeArrowheads="1" noTextEdit="1"/>
           </p:cNvSpPr>
@@ -1256,7 +1242,7 @@
       </p:sp>
       <p:sp>
         <p:nvSpPr>
-          <p:cNvPr id="130051" name="Rectangle 3"/>
+          <p:cNvPr id="431107" name="Rectangle 3"/>
           <p:cNvSpPr>
             <a:spLocks noGrp="1" noChangeArrowheads="1"/>
           </p:cNvSpPr>
@@ -1270,24 +1256,22 @@
           <a:lstStyle/>
           <a:p>
             <a:r>
-              <a:rPr lang="en-US" altLang="en-US"/>
-              <a:t>Now we will show some experimental results to</a:t>
-            </a:r>
-            <a:endParaRPr lang="en-US" altLang="zh-CN"/>
-          </a:p>
-          <a:p>
-            <a:r>
-              <a:rPr lang="en-US" altLang="zh-CN"/>
-              <a:t>We use five datasets and all of them are directed, such as web-link graph, who-trust-whom, who-emails-to whom and so on.</a:t>
-            </a:r>
-            <a:endParaRPr lang="en-US" altLang="en-US"/>
+              <a:rPr lang="en-US" altLang="en-US" dirty="0"/>
+              <a:t>Lets start with a few examples which require ranking on large graphs. Take for example recommender networks.</a:t>
+            </a:r>
+          </a:p>
+          <a:p>
+            <a:r>
+              <a:rPr lang="en-US" altLang="en-US" dirty="0"/>
+              <a:t>Here we have a bipartite graph of customers and movies. A customer has a link to a movie if he/she rated that movie. Now the question is…</a:t>
+            </a:r>
           </a:p>
         </p:txBody>
       </p:sp>
     </p:spTree>
     <p:extLst>
       <p:ext uri="{BB962C8B-B14F-4D97-AF65-F5344CB8AC3E}">
-        <p14:creationId xmlns:p14="http://schemas.microsoft.com/office/powerpoint/2010/main" val="395157926"/>
+        <p14:creationId xmlns:p14="http://schemas.microsoft.com/office/powerpoint/2010/main" val="1811685339"/>
       </p:ext>
     </p:extLst>
   </p:cSld>
@@ -1331,7 +1315,7 @@
           <a:bodyPr/>
           <a:lstStyle/>
           <a:p>
-            <a:fld id="{77347F79-4649-3248-99BE-12A3823CB10D}" type="slidenum">
+            <a:fld id="{D7588CFA-B87B-4BA5-AB21-272E6399FDC7}" type="slidenum">
               <a:rPr lang="en-US" altLang="en-US"/>
               <a:pPr/>
               <a:t>18</a:t>
@@ -1342,7 +1326,7 @@
       </p:sp>
       <p:sp>
         <p:nvSpPr>
-          <p:cNvPr id="212994" name="Rectangle 2"/>
+          <p:cNvPr id="431106" name="Rectangle 2"/>
           <p:cNvSpPr>
             <a:spLocks noGrp="1" noRot="1" noChangeAspect="1" noChangeArrowheads="1" noTextEdit="1"/>
           </p:cNvSpPr>
@@ -1356,7 +1340,7 @@
       </p:sp>
       <p:sp>
         <p:nvSpPr>
-          <p:cNvPr id="212995" name="Rectangle 3"/>
+          <p:cNvPr id="431107" name="Rectangle 3"/>
           <p:cNvSpPr>
             <a:spLocks noGrp="1" noChangeArrowheads="1"/>
           </p:cNvSpPr>
@@ -1369,14 +1353,23 @@
           <a:bodyPr/>
           <a:lstStyle/>
           <a:p>
-            <a:endParaRPr lang="en-US" altLang="en-US"/>
+            <a:r>
+              <a:rPr lang="en-US" altLang="en-US" dirty="0"/>
+              <a:t>Lets start with a few examples which require ranking on large graphs. Take for example recommender networks.</a:t>
+            </a:r>
+          </a:p>
+          <a:p>
+            <a:r>
+              <a:rPr lang="en-US" altLang="en-US" dirty="0"/>
+              <a:t>Here we have a bipartite graph of customers and movies. A customer has a link to a movie if he/she rated that movie. Now the question is…</a:t>
+            </a:r>
           </a:p>
         </p:txBody>
       </p:sp>
     </p:spTree>
     <p:extLst>
       <p:ext uri="{BB962C8B-B14F-4D97-AF65-F5344CB8AC3E}">
-        <p14:creationId xmlns:p14="http://schemas.microsoft.com/office/powerpoint/2010/main" val="1395366534"/>
+        <p14:creationId xmlns:p14="http://schemas.microsoft.com/office/powerpoint/2010/main" val="1811685339"/>
       </p:ext>
     </p:extLst>
   </p:cSld>
@@ -1420,7 +1413,7 @@
           <a:bodyPr/>
           <a:lstStyle/>
           <a:p>
-            <a:fld id="{9F279C09-63C1-814A-8E49-872868C68D00}" type="slidenum">
+            <a:fld id="{D7BC0A31-96DE-0D49-A201-547659488F07}" type="slidenum">
               <a:rPr lang="en-US" altLang="en-US"/>
               <a:pPr/>
               <a:t>19</a:t>
@@ -1431,7 +1424,7 @@
       </p:sp>
       <p:sp>
         <p:nvSpPr>
-          <p:cNvPr id="254978" name="Rectangle 2"/>
+          <p:cNvPr id="237570" name="Rectangle 2"/>
           <p:cNvSpPr>
             <a:spLocks noGrp="1" noRot="1" noChangeAspect="1" noChangeArrowheads="1" noTextEdit="1"/>
           </p:cNvSpPr>
@@ -1445,7 +1438,7 @@
       </p:sp>
       <p:sp>
         <p:nvSpPr>
-          <p:cNvPr id="254979" name="Rectangle 3"/>
+          <p:cNvPr id="237571" name="Rectangle 3"/>
           <p:cNvSpPr>
             <a:spLocks noGrp="1" noChangeArrowheads="1"/>
           </p:cNvSpPr>
@@ -1458,6 +1451,32 @@
           <a:bodyPr/>
           <a:lstStyle/>
           <a:p>
+            <a:r>
+              <a:rPr lang="en-US" altLang="zh-CN"/>
+              <a:t>We want to </a:t>
+            </a:r>
+            <a:r>
+              <a:rPr lang="en-US" altLang="en-US"/>
+              <a:t>check </a:t>
+            </a:r>
+            <a:r>
+              <a:rPr lang="en-US" altLang="zh-CN"/>
+              <a:t>both </a:t>
+            </a:r>
+            <a:r>
+              <a:rPr lang="en-US" altLang="en-US"/>
+              <a:t>the effectiveness and efficiency of our </a:t>
+            </a:r>
+            <a:r>
+              <a:rPr lang="en-US" altLang="zh-CN"/>
+              <a:t>DAP</a:t>
+            </a:r>
+            <a:r>
+              <a:rPr lang="en-US" altLang="en-US"/>
+              <a:t>.</a:t>
+            </a:r>
+          </a:p>
+          <a:p>
             <a:endParaRPr lang="en-US" altLang="en-US"/>
           </a:p>
         </p:txBody>
@@ -1465,7 +1484,7 @@
     </p:spTree>
     <p:extLst>
       <p:ext uri="{BB962C8B-B14F-4D97-AF65-F5344CB8AC3E}">
-        <p14:creationId xmlns:p14="http://schemas.microsoft.com/office/powerpoint/2010/main" val="64255960"/>
+        <p14:creationId xmlns:p14="http://schemas.microsoft.com/office/powerpoint/2010/main" val="58431674"/>
       </p:ext>
     </p:extLst>
   </p:cSld>
@@ -1509,7 +1528,7 @@
           <a:bodyPr/>
           <a:lstStyle/>
           <a:p>
-            <a:fld id="{ECA597D7-A22C-9240-9E79-1FF857601E64}" type="slidenum">
+            <a:fld id="{A131F06E-0603-6E44-BE68-642247D6C20F}" type="slidenum">
               <a:rPr lang="en-US" altLang="en-US"/>
               <a:pPr/>
               <a:t>20</a:t>
@@ -1520,7 +1539,7 @@
       </p:sp>
       <p:sp>
         <p:nvSpPr>
-          <p:cNvPr id="238594" name="Rectangle 2"/>
+          <p:cNvPr id="130050" name="Rectangle 2"/>
           <p:cNvSpPr>
             <a:spLocks noGrp="1" noRot="1" noChangeAspect="1" noChangeArrowheads="1" noTextEdit="1"/>
           </p:cNvSpPr>
@@ -1534,7 +1553,7 @@
       </p:sp>
       <p:sp>
         <p:nvSpPr>
-          <p:cNvPr id="238595" name="Rectangle 3"/>
+          <p:cNvPr id="130051" name="Rectangle 3"/>
           <p:cNvSpPr>
             <a:spLocks noGrp="1" noChangeArrowheads="1"/>
           </p:cNvSpPr>
@@ -1547,6 +1566,17 @@
           <a:bodyPr/>
           <a:lstStyle/>
           <a:p>
+            <a:r>
+              <a:rPr lang="en-US" altLang="en-US"/>
+              <a:t>Now we will show some experimental results to</a:t>
+            </a:r>
+            <a:endParaRPr lang="en-US" altLang="zh-CN"/>
+          </a:p>
+          <a:p>
+            <a:r>
+              <a:rPr lang="en-US" altLang="zh-CN"/>
+              <a:t>We use five datasets and all of them are directed, such as web-link graph, who-trust-whom, who-emails-to whom and so on.</a:t>
+            </a:r>
             <a:endParaRPr lang="en-US" altLang="en-US"/>
           </a:p>
         </p:txBody>
@@ -1554,7 +1584,7 @@
     </p:spTree>
     <p:extLst>
       <p:ext uri="{BB962C8B-B14F-4D97-AF65-F5344CB8AC3E}">
-        <p14:creationId xmlns:p14="http://schemas.microsoft.com/office/powerpoint/2010/main" val="1542602616"/>
+        <p14:creationId xmlns:p14="http://schemas.microsoft.com/office/powerpoint/2010/main" val="395157926"/>
       </p:ext>
     </p:extLst>
   </p:cSld>
@@ -1696,7 +1726,7 @@
           <a:bodyPr/>
           <a:lstStyle/>
           <a:p>
-            <a:fld id="{B2460CB1-3707-6947-9355-7D1210D47362}" type="slidenum">
+            <a:fld id="{77347F79-4649-3248-99BE-12A3823CB10D}" type="slidenum">
               <a:rPr lang="en-US" altLang="en-US"/>
               <a:pPr/>
               <a:t>21</a:t>
@@ -1707,7 +1737,7 @@
       </p:sp>
       <p:sp>
         <p:nvSpPr>
-          <p:cNvPr id="239618" name="Rectangle 2"/>
+          <p:cNvPr id="212994" name="Rectangle 2"/>
           <p:cNvSpPr>
             <a:spLocks noGrp="1" noRot="1" noChangeAspect="1" noChangeArrowheads="1" noTextEdit="1"/>
           </p:cNvSpPr>
@@ -1721,7 +1751,7 @@
       </p:sp>
       <p:sp>
         <p:nvSpPr>
-          <p:cNvPr id="239619" name="Rectangle 3"/>
+          <p:cNvPr id="212995" name="Rectangle 3"/>
           <p:cNvSpPr>
             <a:spLocks noGrp="1" noChangeArrowheads="1"/>
           </p:cNvSpPr>
@@ -1741,7 +1771,7 @@
     </p:spTree>
     <p:extLst>
       <p:ext uri="{BB962C8B-B14F-4D97-AF65-F5344CB8AC3E}">
-        <p14:creationId xmlns:p14="http://schemas.microsoft.com/office/powerpoint/2010/main" val="1466636004"/>
+        <p14:creationId xmlns:p14="http://schemas.microsoft.com/office/powerpoint/2010/main" val="1395366534"/>
       </p:ext>
     </p:extLst>
   </p:cSld>
@@ -1785,7 +1815,7 @@
           <a:bodyPr/>
           <a:lstStyle/>
           <a:p>
-            <a:fld id="{EDA7DCA8-023E-DE4A-9C3A-9C0491C6A793}" type="slidenum">
+            <a:fld id="{9F279C09-63C1-814A-8E49-872868C68D00}" type="slidenum">
               <a:rPr lang="en-US" altLang="en-US"/>
               <a:pPr/>
               <a:t>22</a:t>
@@ -1796,7 +1826,7 @@
       </p:sp>
       <p:sp>
         <p:nvSpPr>
-          <p:cNvPr id="240642" name="Rectangle 2"/>
+          <p:cNvPr id="254978" name="Rectangle 2"/>
           <p:cNvSpPr>
             <a:spLocks noGrp="1" noRot="1" noChangeAspect="1" noChangeArrowheads="1" noTextEdit="1"/>
           </p:cNvSpPr>
@@ -1810,7 +1840,7 @@
       </p:sp>
       <p:sp>
         <p:nvSpPr>
-          <p:cNvPr id="240643" name="Rectangle 3"/>
+          <p:cNvPr id="254979" name="Rectangle 3"/>
           <p:cNvSpPr>
             <a:spLocks noGrp="1" noChangeArrowheads="1"/>
           </p:cNvSpPr>
@@ -1823,10 +1853,6 @@
           <a:bodyPr/>
           <a:lstStyle/>
           <a:p>
-            <a:r>
-              <a:rPr lang="en-US" altLang="zh-CN"/>
-              <a:t>Similar observation for computing one single proximity</a:t>
-            </a:r>
             <a:endParaRPr lang="en-US" altLang="en-US"/>
           </a:p>
         </p:txBody>
@@ -1834,7 +1860,7 @@
     </p:spTree>
     <p:extLst>
       <p:ext uri="{BB962C8B-B14F-4D97-AF65-F5344CB8AC3E}">
-        <p14:creationId xmlns:p14="http://schemas.microsoft.com/office/powerpoint/2010/main" val="2098718411"/>
+        <p14:creationId xmlns:p14="http://schemas.microsoft.com/office/powerpoint/2010/main" val="64255960"/>
       </p:ext>
     </p:extLst>
   </p:cSld>
@@ -1878,7 +1904,7 @@
           <a:bodyPr/>
           <a:lstStyle/>
           <a:p>
-            <a:fld id="{D7588CFA-B87B-4BA5-AB21-272E6399FDC7}" type="slidenum">
+            <a:fld id="{ECA597D7-A22C-9240-9E79-1FF857601E64}" type="slidenum">
               <a:rPr lang="en-US" altLang="en-US"/>
               <a:pPr/>
               <a:t>23</a:t>
@@ -1889,7 +1915,7 @@
       </p:sp>
       <p:sp>
         <p:nvSpPr>
-          <p:cNvPr id="431106" name="Rectangle 2"/>
+          <p:cNvPr id="238594" name="Rectangle 2"/>
           <p:cNvSpPr>
             <a:spLocks noGrp="1" noRot="1" noChangeAspect="1" noChangeArrowheads="1" noTextEdit="1"/>
           </p:cNvSpPr>
@@ -1903,7 +1929,7 @@
       </p:sp>
       <p:sp>
         <p:nvSpPr>
-          <p:cNvPr id="431107" name="Rectangle 3"/>
+          <p:cNvPr id="238595" name="Rectangle 3"/>
           <p:cNvSpPr>
             <a:spLocks noGrp="1" noChangeArrowheads="1"/>
           </p:cNvSpPr>
@@ -1916,23 +1942,14 @@
           <a:bodyPr/>
           <a:lstStyle/>
           <a:p>
-            <a:r>
-              <a:rPr lang="en-US" altLang="en-US" dirty="0"/>
-              <a:t>Lets start with a few examples which require ranking on large graphs. Take for example recommender networks.</a:t>
-            </a:r>
-          </a:p>
-          <a:p>
-            <a:r>
-              <a:rPr lang="en-US" altLang="en-US" dirty="0"/>
-              <a:t>Here we have a bipartite graph of customers and movies. A customer has a link to a movie if he/she rated that movie. Now the question is…</a:t>
-            </a:r>
+            <a:endParaRPr lang="en-US" altLang="en-US"/>
           </a:p>
         </p:txBody>
       </p:sp>
     </p:spTree>
     <p:extLst>
       <p:ext uri="{BB962C8B-B14F-4D97-AF65-F5344CB8AC3E}">
-        <p14:creationId xmlns:p14="http://schemas.microsoft.com/office/powerpoint/2010/main" val="2012918360"/>
+        <p14:creationId xmlns:p14="http://schemas.microsoft.com/office/powerpoint/2010/main" val="1542602616"/>
       </p:ext>
     </p:extLst>
   </p:cSld>
@@ -1976,7 +1993,7 @@
           <a:bodyPr/>
           <a:lstStyle/>
           <a:p>
-            <a:fld id="{D7588CFA-B87B-4BA5-AB21-272E6399FDC7}" type="slidenum">
+            <a:fld id="{B2460CB1-3707-6947-9355-7D1210D47362}" type="slidenum">
               <a:rPr lang="en-US" altLang="en-US"/>
               <a:pPr/>
               <a:t>24</a:t>
@@ -1987,7 +2004,7 @@
       </p:sp>
       <p:sp>
         <p:nvSpPr>
-          <p:cNvPr id="431106" name="Rectangle 2"/>
+          <p:cNvPr id="239618" name="Rectangle 2"/>
           <p:cNvSpPr>
             <a:spLocks noGrp="1" noRot="1" noChangeAspect="1" noChangeArrowheads="1" noTextEdit="1"/>
           </p:cNvSpPr>
@@ -2001,7 +2018,7 @@
       </p:sp>
       <p:sp>
         <p:nvSpPr>
-          <p:cNvPr id="431107" name="Rectangle 3"/>
+          <p:cNvPr id="239619" name="Rectangle 3"/>
           <p:cNvSpPr>
             <a:spLocks noGrp="1" noChangeArrowheads="1"/>
           </p:cNvSpPr>
@@ -2014,23 +2031,14 @@
           <a:bodyPr/>
           <a:lstStyle/>
           <a:p>
-            <a:r>
-              <a:rPr lang="en-US" altLang="en-US" dirty="0"/>
-              <a:t>Lets start with a few examples which require ranking on large graphs. Take for example recommender networks.</a:t>
-            </a:r>
-          </a:p>
-          <a:p>
-            <a:r>
-              <a:rPr lang="en-US" altLang="en-US" dirty="0"/>
-              <a:t>Here we have a bipartite graph of customers and movies. A customer has a link to a movie if he/she rated that movie. Now the question is…</a:t>
-            </a:r>
+            <a:endParaRPr lang="en-US" altLang="en-US"/>
           </a:p>
         </p:txBody>
       </p:sp>
     </p:spTree>
     <p:extLst>
       <p:ext uri="{BB962C8B-B14F-4D97-AF65-F5344CB8AC3E}">
-        <p14:creationId xmlns:p14="http://schemas.microsoft.com/office/powerpoint/2010/main" val="2012918360"/>
+        <p14:creationId xmlns:p14="http://schemas.microsoft.com/office/powerpoint/2010/main" val="1466636004"/>
       </p:ext>
     </p:extLst>
   </p:cSld>
@@ -2074,10 +2082,299 @@
           <a:bodyPr/>
           <a:lstStyle/>
           <a:p>
+            <a:fld id="{EDA7DCA8-023E-DE4A-9C3A-9C0491C6A793}" type="slidenum">
+              <a:rPr lang="en-US" altLang="en-US"/>
+              <a:pPr/>
+              <a:t>25</a:t>
+            </a:fld>
+            <a:endParaRPr lang="en-US" altLang="en-US"/>
+          </a:p>
+        </p:txBody>
+      </p:sp>
+      <p:sp>
+        <p:nvSpPr>
+          <p:cNvPr id="240642" name="Rectangle 2"/>
+          <p:cNvSpPr>
+            <a:spLocks noGrp="1" noRot="1" noChangeAspect="1" noChangeArrowheads="1" noTextEdit="1"/>
+          </p:cNvSpPr>
+          <p:nvPr>
+            <p:ph type="sldImg"/>
+          </p:nvPr>
+        </p:nvSpPr>
+        <p:spPr>
+          <a:ln/>
+        </p:spPr>
+      </p:sp>
+      <p:sp>
+        <p:nvSpPr>
+          <p:cNvPr id="240643" name="Rectangle 3"/>
+          <p:cNvSpPr>
+            <a:spLocks noGrp="1" noChangeArrowheads="1"/>
+          </p:cNvSpPr>
+          <p:nvPr>
+            <p:ph type="body" idx="1"/>
+          </p:nvPr>
+        </p:nvSpPr>
+        <p:spPr/>
+        <p:txBody>
+          <a:bodyPr/>
+          <a:lstStyle/>
+          <a:p>
+            <a:r>
+              <a:rPr lang="en-US" altLang="zh-CN"/>
+              <a:t>Similar observation for computing one single proximity</a:t>
+            </a:r>
+            <a:endParaRPr lang="en-US" altLang="en-US"/>
+          </a:p>
+        </p:txBody>
+      </p:sp>
+    </p:spTree>
+    <p:extLst>
+      <p:ext uri="{BB962C8B-B14F-4D97-AF65-F5344CB8AC3E}">
+        <p14:creationId xmlns:p14="http://schemas.microsoft.com/office/powerpoint/2010/main" val="2098718411"/>
+      </p:ext>
+    </p:extLst>
+  </p:cSld>
+  <p:clrMapOvr>
+    <a:masterClrMapping/>
+  </p:clrMapOvr>
+</p:notes>
+</file>
+
+<file path=ppt/notesSlides/notesSlide25.xml><?xml version="1.0" encoding="utf-8"?>
+<p:notes xmlns:a="http://schemas.openxmlformats.org/drawingml/2006/main" xmlns:r="http://schemas.openxmlformats.org/officeDocument/2006/relationships" xmlns:p="http://schemas.openxmlformats.org/presentationml/2006/main">
+  <p:cSld>
+    <p:spTree>
+      <p:nvGrpSpPr>
+        <p:cNvPr id="1" name=""/>
+        <p:cNvGrpSpPr/>
+        <p:nvPr/>
+      </p:nvGrpSpPr>
+      <p:grpSpPr>
+        <a:xfrm>
+          <a:off x="0" y="0"/>
+          <a:ext cx="0" cy="0"/>
+          <a:chOff x="0" y="0"/>
+          <a:chExt cx="0" cy="0"/>
+        </a:xfrm>
+      </p:grpSpPr>
+      <p:sp>
+        <p:nvSpPr>
+          <p:cNvPr id="7" name="Rectangle 7"/>
+          <p:cNvSpPr>
+            <a:spLocks noGrp="1" noChangeArrowheads="1"/>
+          </p:cNvSpPr>
+          <p:nvPr>
+            <p:ph type="sldNum" sz="quarter" idx="5"/>
+          </p:nvPr>
+        </p:nvSpPr>
+        <p:spPr>
+          <a:ln/>
+        </p:spPr>
+        <p:txBody>
+          <a:bodyPr/>
+          <a:lstStyle/>
+          <a:p>
             <a:fld id="{D7588CFA-B87B-4BA5-AB21-272E6399FDC7}" type="slidenum">
               <a:rPr lang="en-US" altLang="en-US"/>
               <a:pPr/>
-              <a:t>25</a:t>
+              <a:t>26</a:t>
+            </a:fld>
+            <a:endParaRPr lang="en-US" altLang="en-US"/>
+          </a:p>
+        </p:txBody>
+      </p:sp>
+      <p:sp>
+        <p:nvSpPr>
+          <p:cNvPr id="431106" name="Rectangle 2"/>
+          <p:cNvSpPr>
+            <a:spLocks noGrp="1" noRot="1" noChangeAspect="1" noChangeArrowheads="1" noTextEdit="1"/>
+          </p:cNvSpPr>
+          <p:nvPr>
+            <p:ph type="sldImg"/>
+          </p:nvPr>
+        </p:nvSpPr>
+        <p:spPr>
+          <a:ln/>
+        </p:spPr>
+      </p:sp>
+      <p:sp>
+        <p:nvSpPr>
+          <p:cNvPr id="431107" name="Rectangle 3"/>
+          <p:cNvSpPr>
+            <a:spLocks noGrp="1" noChangeArrowheads="1"/>
+          </p:cNvSpPr>
+          <p:nvPr>
+            <p:ph type="body" idx="1"/>
+          </p:nvPr>
+        </p:nvSpPr>
+        <p:spPr/>
+        <p:txBody>
+          <a:bodyPr/>
+          <a:lstStyle/>
+          <a:p>
+            <a:r>
+              <a:rPr lang="en-US" altLang="en-US" dirty="0"/>
+              <a:t>Lets start with a few examples which require ranking on large graphs. Take for example recommender networks.</a:t>
+            </a:r>
+          </a:p>
+          <a:p>
+            <a:r>
+              <a:rPr lang="en-US" altLang="en-US" dirty="0"/>
+              <a:t>Here we have a bipartite graph of customers and movies. A customer has a link to a movie if he/she rated that movie. Now the question is…</a:t>
+            </a:r>
+          </a:p>
+        </p:txBody>
+      </p:sp>
+    </p:spTree>
+    <p:extLst>
+      <p:ext uri="{BB962C8B-B14F-4D97-AF65-F5344CB8AC3E}">
+        <p14:creationId xmlns:p14="http://schemas.microsoft.com/office/powerpoint/2010/main" val="2012918360"/>
+      </p:ext>
+    </p:extLst>
+  </p:cSld>
+  <p:clrMapOvr>
+    <a:masterClrMapping/>
+  </p:clrMapOvr>
+</p:notes>
+</file>
+
+<file path=ppt/notesSlides/notesSlide26.xml><?xml version="1.0" encoding="utf-8"?>
+<p:notes xmlns:a="http://schemas.openxmlformats.org/drawingml/2006/main" xmlns:r="http://schemas.openxmlformats.org/officeDocument/2006/relationships" xmlns:p="http://schemas.openxmlformats.org/presentationml/2006/main">
+  <p:cSld>
+    <p:spTree>
+      <p:nvGrpSpPr>
+        <p:cNvPr id="1" name=""/>
+        <p:cNvGrpSpPr/>
+        <p:nvPr/>
+      </p:nvGrpSpPr>
+      <p:grpSpPr>
+        <a:xfrm>
+          <a:off x="0" y="0"/>
+          <a:ext cx="0" cy="0"/>
+          <a:chOff x="0" y="0"/>
+          <a:chExt cx="0" cy="0"/>
+        </a:xfrm>
+      </p:grpSpPr>
+      <p:sp>
+        <p:nvSpPr>
+          <p:cNvPr id="7" name="Rectangle 7"/>
+          <p:cNvSpPr>
+            <a:spLocks noGrp="1" noChangeArrowheads="1"/>
+          </p:cNvSpPr>
+          <p:nvPr>
+            <p:ph type="sldNum" sz="quarter" idx="5"/>
+          </p:nvPr>
+        </p:nvSpPr>
+        <p:spPr>
+          <a:ln/>
+        </p:spPr>
+        <p:txBody>
+          <a:bodyPr/>
+          <a:lstStyle/>
+          <a:p>
+            <a:fld id="{D7588CFA-B87B-4BA5-AB21-272E6399FDC7}" type="slidenum">
+              <a:rPr lang="en-US" altLang="en-US"/>
+              <a:pPr/>
+              <a:t>27</a:t>
+            </a:fld>
+            <a:endParaRPr lang="en-US" altLang="en-US"/>
+          </a:p>
+        </p:txBody>
+      </p:sp>
+      <p:sp>
+        <p:nvSpPr>
+          <p:cNvPr id="431106" name="Rectangle 2"/>
+          <p:cNvSpPr>
+            <a:spLocks noGrp="1" noRot="1" noChangeAspect="1" noChangeArrowheads="1" noTextEdit="1"/>
+          </p:cNvSpPr>
+          <p:nvPr>
+            <p:ph type="sldImg"/>
+          </p:nvPr>
+        </p:nvSpPr>
+        <p:spPr>
+          <a:ln/>
+        </p:spPr>
+      </p:sp>
+      <p:sp>
+        <p:nvSpPr>
+          <p:cNvPr id="431107" name="Rectangle 3"/>
+          <p:cNvSpPr>
+            <a:spLocks noGrp="1" noChangeArrowheads="1"/>
+          </p:cNvSpPr>
+          <p:nvPr>
+            <p:ph type="body" idx="1"/>
+          </p:nvPr>
+        </p:nvSpPr>
+        <p:spPr/>
+        <p:txBody>
+          <a:bodyPr/>
+          <a:lstStyle/>
+          <a:p>
+            <a:r>
+              <a:rPr lang="en-US" altLang="en-US" dirty="0"/>
+              <a:t>Lets start with a few examples which require ranking on large graphs. Take for example recommender networks.</a:t>
+            </a:r>
+          </a:p>
+          <a:p>
+            <a:r>
+              <a:rPr lang="en-US" altLang="en-US" dirty="0"/>
+              <a:t>Here we have a bipartite graph of customers and movies. A customer has a link to a movie if he/she rated that movie. Now the question is…</a:t>
+            </a:r>
+          </a:p>
+        </p:txBody>
+      </p:sp>
+    </p:spTree>
+    <p:extLst>
+      <p:ext uri="{BB962C8B-B14F-4D97-AF65-F5344CB8AC3E}">
+        <p14:creationId xmlns:p14="http://schemas.microsoft.com/office/powerpoint/2010/main" val="2012918360"/>
+      </p:ext>
+    </p:extLst>
+  </p:cSld>
+  <p:clrMapOvr>
+    <a:masterClrMapping/>
+  </p:clrMapOvr>
+</p:notes>
+</file>
+
+<file path=ppt/notesSlides/notesSlide27.xml><?xml version="1.0" encoding="utf-8"?>
+<p:notes xmlns:a="http://schemas.openxmlformats.org/drawingml/2006/main" xmlns:r="http://schemas.openxmlformats.org/officeDocument/2006/relationships" xmlns:p="http://schemas.openxmlformats.org/presentationml/2006/main">
+  <p:cSld>
+    <p:spTree>
+      <p:nvGrpSpPr>
+        <p:cNvPr id="1" name=""/>
+        <p:cNvGrpSpPr/>
+        <p:nvPr/>
+      </p:nvGrpSpPr>
+      <p:grpSpPr>
+        <a:xfrm>
+          <a:off x="0" y="0"/>
+          <a:ext cx="0" cy="0"/>
+          <a:chOff x="0" y="0"/>
+          <a:chExt cx="0" cy="0"/>
+        </a:xfrm>
+      </p:grpSpPr>
+      <p:sp>
+        <p:nvSpPr>
+          <p:cNvPr id="7" name="Rectangle 7"/>
+          <p:cNvSpPr>
+            <a:spLocks noGrp="1" noChangeArrowheads="1"/>
+          </p:cNvSpPr>
+          <p:nvPr>
+            <p:ph type="sldNum" sz="quarter" idx="5"/>
+          </p:nvPr>
+        </p:nvSpPr>
+        <p:spPr>
+          <a:ln/>
+        </p:spPr>
+        <p:txBody>
+          <a:bodyPr/>
+          <a:lstStyle/>
+          <a:p>
+            <a:fld id="{D7588CFA-B87B-4BA5-AB21-272E6399FDC7}" type="slidenum">
+              <a:rPr lang="en-US" altLang="en-US"/>
+              <a:pPr/>
+              <a:t>28</a:t>
             </a:fld>
             <a:endParaRPr lang="en-US" altLang="en-US"/>
           </a:p>
@@ -7275,7 +7572,7 @@
           <a:graphicData uri="http://schemas.openxmlformats.org/presentationml/2006/ole">
             <mc:AlternateContent xmlns:mc="http://schemas.openxmlformats.org/markup-compatibility/2006">
               <mc:Choice xmlns:v="urn:schemas-microsoft-com:vml" Requires="v">
-                <p:oleObj spid="_x0000_s28870" name="Visio" r:id="rId6" imgW="5289194" imgH="2914802" progId="Visio.Drawing.11">
+                <p:oleObj spid="_x0000_s28949" name="Visio" r:id="rId6" imgW="5289194" imgH="2914802" progId="Visio.Drawing.11">
                   <p:embed/>
                 </p:oleObj>
               </mc:Choice>
@@ -7479,7 +7776,7 @@
           <a:graphicData uri="http://schemas.openxmlformats.org/presentationml/2006/ole">
             <mc:AlternateContent xmlns:mc="http://schemas.openxmlformats.org/markup-compatibility/2006">
               <mc:Choice xmlns:v="urn:schemas-microsoft-com:vml" Requires="v">
-                <p:oleObj spid="_x0000_s30418" name="Visio" r:id="rId9" imgW="5289194" imgH="1988515" progId="Visio.Drawing.11">
+                <p:oleObj spid="_x0000_s31758" name="Visio" r:id="rId9" imgW="5289194" imgH="1988515" progId="Visio.Drawing.11">
                   <p:embed/>
                 </p:oleObj>
               </mc:Choice>
@@ -7581,7 +7878,7 @@
           <a:graphicData uri="http://schemas.openxmlformats.org/presentationml/2006/ole">
             <mc:AlternateContent xmlns:mc="http://schemas.openxmlformats.org/markup-compatibility/2006">
               <mc:Choice xmlns:v="urn:schemas-microsoft-com:vml" Requires="v">
-                <p:oleObj spid="_x0000_s30419" name="Visio" r:id="rId11" imgW="5289194" imgH="2888590" progId="Visio.Drawing.11">
+                <p:oleObj spid="_x0000_s31759" name="Visio" r:id="rId11" imgW="5289194" imgH="2888590" progId="Visio.Drawing.11">
                   <p:embed/>
                 </p:oleObj>
               </mc:Choice>
@@ -7682,7 +7979,7 @@
           <a:graphicData uri="http://schemas.openxmlformats.org/presentationml/2006/ole">
             <mc:AlternateContent xmlns:mc="http://schemas.openxmlformats.org/markup-compatibility/2006">
               <mc:Choice xmlns:v="urn:schemas-microsoft-com:vml" Requires="v">
-                <p:oleObj spid="_x0000_s30420" name="Visio" r:id="rId13" imgW="5186172" imgH="754685" progId="Visio.Drawing.11">
+                <p:oleObj spid="_x0000_s31760" name="Visio" r:id="rId13" imgW="5186172" imgH="754685" progId="Visio.Drawing.11">
                   <p:embed/>
                 </p:oleObj>
               </mc:Choice>
@@ -7783,7 +8080,7 @@
           <a:graphicData uri="http://schemas.openxmlformats.org/presentationml/2006/ole">
             <mc:AlternateContent xmlns:mc="http://schemas.openxmlformats.org/markup-compatibility/2006">
               <mc:Choice xmlns:v="urn:schemas-microsoft-com:vml" Requires="v">
-                <p:oleObj spid="_x0000_s30421" name="Visio" r:id="rId15" imgW="5186172" imgH="1870558" progId="Visio.Drawing.11">
+                <p:oleObj spid="_x0000_s31761" name="Visio" r:id="rId15" imgW="5186172" imgH="1870558" progId="Visio.Drawing.11">
                   <p:embed/>
                 </p:oleObj>
               </mc:Choice>
@@ -8785,7 +9082,7 @@
           <a:graphicData uri="http://schemas.openxmlformats.org/presentationml/2006/ole">
             <mc:AlternateContent xmlns:mc="http://schemas.openxmlformats.org/markup-compatibility/2006">
               <mc:Choice xmlns:v="urn:schemas-microsoft-com:vml" Requires="v">
-                <p:oleObj spid="_x0000_s30964" name="Visio" r:id="rId7" imgW="5038954" imgH="751637" progId="Visio.Drawing.11">
+                <p:oleObj spid="_x0000_s31122" name="Visio" r:id="rId7" imgW="5038954" imgH="751637" progId="Visio.Drawing.11">
                   <p:embed/>
                 </p:oleObj>
               </mc:Choice>
@@ -8940,7 +9237,7 @@
           <a:graphicData uri="http://schemas.openxmlformats.org/presentationml/2006/ole">
             <mc:AlternateContent xmlns:mc="http://schemas.openxmlformats.org/markup-compatibility/2006">
               <mc:Choice xmlns:v="urn:schemas-microsoft-com:vml" Requires="v">
-                <p:oleObj spid="_x0000_s30965" name="Visio" r:id="rId9" imgW="5038954" imgH="1130503" progId="Visio.Drawing.11">
+                <p:oleObj spid="_x0000_s31123" name="Visio" r:id="rId9" imgW="5038954" imgH="1130503" progId="Visio.Drawing.11">
                   <p:embed/>
                 </p:oleObj>
               </mc:Choice>
@@ -9377,6 +9674,1225 @@
 
 <file path=ppt/slides/slide13.xml><?xml version="1.0" encoding="utf-8"?>
 <p:sld xmlns:a="http://schemas.openxmlformats.org/drawingml/2006/main" xmlns:r="http://schemas.openxmlformats.org/officeDocument/2006/relationships" xmlns:p="http://schemas.openxmlformats.org/presentationml/2006/main">
+  <p:cSld>
+    <p:spTree>
+      <p:nvGrpSpPr>
+        <p:cNvPr id="1" name=""/>
+        <p:cNvGrpSpPr/>
+        <p:nvPr/>
+      </p:nvGrpSpPr>
+      <p:grpSpPr>
+        <a:xfrm>
+          <a:off x="0" y="0"/>
+          <a:ext cx="0" cy="0"/>
+          <a:chOff x="0" y="0"/>
+          <a:chExt cx="0" cy="0"/>
+        </a:xfrm>
+      </p:grpSpPr>
+      <p:sp>
+        <p:nvSpPr>
+          <p:cNvPr id="22" name="Rectangle 3"/>
+          <p:cNvSpPr txBox="1">
+            <a:spLocks noChangeArrowheads="1"/>
+          </p:cNvSpPr>
+          <p:nvPr/>
+        </p:nvSpPr>
+        <p:spPr bwMode="auto">
+          <a:xfrm>
+            <a:off x="457200" y="1787525"/>
+            <a:ext cx="8229600" cy="4960938"/>
+          </a:xfrm>
+          <a:prstGeom prst="rect">
+            <a:avLst/>
+          </a:prstGeom>
+          <a:noFill/>
+          <a:ln>
+            <a:noFill/>
+          </a:ln>
+          <a:effectLst/>
+          <a:extLst>
+            <a:ext uri="{909E8E84-426E-40DD-AFC4-6F175D3DCCD1}">
+              <a14:hiddenFill xmlns:a14="http://schemas.microsoft.com/office/drawing/2010/main">
+                <a:solidFill>
+                  <a:schemeClr val="accent1"/>
+                </a:solidFill>
+              </a14:hiddenFill>
+            </a:ext>
+            <a:ext uri="{91240B29-F687-4F45-9708-019B960494DF}">
+              <a14:hiddenLine xmlns:a14="http://schemas.microsoft.com/office/drawing/2010/main" w="9525">
+                <a:solidFill>
+                  <a:schemeClr val="tx1"/>
+                </a:solidFill>
+                <a:miter lim="800000"/>
+                <a:headEnd/>
+                <a:tailEnd/>
+              </a14:hiddenLine>
+            </a:ext>
+            <a:ext uri="{AF507438-7753-43E0-B8FC-AC1667EBCBE1}">
+              <a14:hiddenEffects xmlns:a14="http://schemas.microsoft.com/office/drawing/2010/main">
+                <a:effectLst>
+                  <a:outerShdw dist="35921" dir="2700000" algn="ctr" rotWithShape="0">
+                    <a:schemeClr val="bg2"/>
+                  </a:outerShdw>
+                </a:effectLst>
+              </a14:hiddenEffects>
+            </a:ext>
+          </a:extLst>
+        </p:spPr>
+        <p:txBody>
+          <a:bodyPr vert="horz" wrap="square" lIns="91440" tIns="45720" rIns="91440" bIns="45720" numCol="1" anchor="t" anchorCtr="0" compatLnSpc="1">
+            <a:prstTxWarp prst="textNoShape">
+              <a:avLst/>
+            </a:prstTxWarp>
+          </a:bodyPr>
+          <a:lstStyle>
+            <a:lvl1pPr marL="342900" indent="-342900" algn="l" rtl="0" fontAlgn="base">
+              <a:spcBef>
+                <a:spcPct val="20000"/>
+              </a:spcBef>
+              <a:spcAft>
+                <a:spcPct val="0"/>
+              </a:spcAft>
+              <a:buClr>
+                <a:schemeClr val="accent1"/>
+              </a:buClr>
+              <a:buSzPct val="65000"/>
+              <a:buFont typeface="Wingdings" pitchFamily="2" charset="2"/>
+              <a:buChar char="n"/>
+              <a:defRPr sz="3000">
+                <a:solidFill>
+                  <a:schemeClr val="tx1"/>
+                </a:solidFill>
+                <a:latin typeface="+mn-lt"/>
+                <a:ea typeface="+mn-ea"/>
+                <a:cs typeface="+mn-cs"/>
+              </a:defRPr>
+            </a:lvl1pPr>
+            <a:lvl2pPr marL="669925" indent="-325438" algn="l" rtl="0" fontAlgn="base">
+              <a:spcBef>
+                <a:spcPct val="20000"/>
+              </a:spcBef>
+              <a:spcAft>
+                <a:spcPct val="0"/>
+              </a:spcAft>
+              <a:buClr>
+                <a:schemeClr val="accent2"/>
+              </a:buClr>
+              <a:buSzPct val="60000"/>
+              <a:buFont typeface="Wingdings" pitchFamily="2" charset="2"/>
+              <a:buChar char="q"/>
+              <a:defRPr sz="2600">
+                <a:solidFill>
+                  <a:schemeClr val="tx1"/>
+                </a:solidFill>
+                <a:latin typeface="+mn-lt"/>
+              </a:defRPr>
+            </a:lvl2pPr>
+            <a:lvl3pPr marL="1022350" indent="-350838" algn="l" rtl="0" fontAlgn="base">
+              <a:spcBef>
+                <a:spcPct val="20000"/>
+              </a:spcBef>
+              <a:spcAft>
+                <a:spcPct val="0"/>
+              </a:spcAft>
+              <a:buClr>
+                <a:schemeClr val="accent1"/>
+              </a:buClr>
+              <a:buSzPct val="65000"/>
+              <a:buFont typeface="Wingdings" pitchFamily="2" charset="2"/>
+              <a:buChar char="n"/>
+              <a:defRPr sz="2200">
+                <a:solidFill>
+                  <a:schemeClr val="tx1"/>
+                </a:solidFill>
+                <a:latin typeface="+mn-lt"/>
+              </a:defRPr>
+            </a:lvl3pPr>
+            <a:lvl4pPr marL="1339850" indent="-315913" algn="l" rtl="0" fontAlgn="base">
+              <a:spcBef>
+                <a:spcPct val="20000"/>
+              </a:spcBef>
+              <a:spcAft>
+                <a:spcPct val="0"/>
+              </a:spcAft>
+              <a:buClr>
+                <a:schemeClr val="accent2"/>
+              </a:buClr>
+              <a:buSzPct val="70000"/>
+              <a:buFont typeface="Wingdings" pitchFamily="2" charset="2"/>
+              <a:buChar char="q"/>
+              <a:defRPr sz="2000">
+                <a:solidFill>
+                  <a:schemeClr val="tx1"/>
+                </a:solidFill>
+                <a:latin typeface="+mn-lt"/>
+              </a:defRPr>
+            </a:lvl4pPr>
+            <a:lvl5pPr marL="1681163" indent="-339725" algn="l" rtl="0" fontAlgn="base">
+              <a:spcBef>
+                <a:spcPct val="20000"/>
+              </a:spcBef>
+              <a:spcAft>
+                <a:spcPct val="0"/>
+              </a:spcAft>
+              <a:buClr>
+                <a:schemeClr val="accent1"/>
+              </a:buClr>
+              <a:buSzPct val="75000"/>
+              <a:buFont typeface="Wingdings" pitchFamily="2" charset="2"/>
+              <a:buChar char="§"/>
+              <a:defRPr sz="2000">
+                <a:solidFill>
+                  <a:schemeClr val="tx1"/>
+                </a:solidFill>
+                <a:latin typeface="+mn-lt"/>
+              </a:defRPr>
+            </a:lvl5pPr>
+            <a:lvl6pPr marL="2138363" indent="-339725" algn="l" rtl="0" fontAlgn="base">
+              <a:spcBef>
+                <a:spcPct val="20000"/>
+              </a:spcBef>
+              <a:spcAft>
+                <a:spcPct val="0"/>
+              </a:spcAft>
+              <a:buClr>
+                <a:schemeClr val="accent1"/>
+              </a:buClr>
+              <a:buSzPct val="75000"/>
+              <a:buFont typeface="Wingdings" pitchFamily="2" charset="2"/>
+              <a:buChar char="§"/>
+              <a:defRPr sz="2000">
+                <a:solidFill>
+                  <a:schemeClr val="tx1"/>
+                </a:solidFill>
+                <a:latin typeface="+mn-lt"/>
+              </a:defRPr>
+            </a:lvl6pPr>
+            <a:lvl7pPr marL="2595563" indent="-339725" algn="l" rtl="0" fontAlgn="base">
+              <a:spcBef>
+                <a:spcPct val="20000"/>
+              </a:spcBef>
+              <a:spcAft>
+                <a:spcPct val="0"/>
+              </a:spcAft>
+              <a:buClr>
+                <a:schemeClr val="accent1"/>
+              </a:buClr>
+              <a:buSzPct val="75000"/>
+              <a:buFont typeface="Wingdings" pitchFamily="2" charset="2"/>
+              <a:buChar char="§"/>
+              <a:defRPr sz="2000">
+                <a:solidFill>
+                  <a:schemeClr val="tx1"/>
+                </a:solidFill>
+                <a:latin typeface="+mn-lt"/>
+              </a:defRPr>
+            </a:lvl7pPr>
+            <a:lvl8pPr marL="3052763" indent="-339725" algn="l" rtl="0" fontAlgn="base">
+              <a:spcBef>
+                <a:spcPct val="20000"/>
+              </a:spcBef>
+              <a:spcAft>
+                <a:spcPct val="0"/>
+              </a:spcAft>
+              <a:buClr>
+                <a:schemeClr val="accent1"/>
+              </a:buClr>
+              <a:buSzPct val="75000"/>
+              <a:buFont typeface="Wingdings" pitchFamily="2" charset="2"/>
+              <a:buChar char="§"/>
+              <a:defRPr sz="2000">
+                <a:solidFill>
+                  <a:schemeClr val="tx1"/>
+                </a:solidFill>
+                <a:latin typeface="+mn-lt"/>
+              </a:defRPr>
+            </a:lvl8pPr>
+            <a:lvl9pPr marL="3509963" indent="-339725" algn="l" rtl="0" fontAlgn="base">
+              <a:spcBef>
+                <a:spcPct val="20000"/>
+              </a:spcBef>
+              <a:spcAft>
+                <a:spcPct val="0"/>
+              </a:spcAft>
+              <a:buClr>
+                <a:schemeClr val="accent1"/>
+              </a:buClr>
+              <a:buSzPct val="75000"/>
+              <a:buFont typeface="Wingdings" pitchFamily="2" charset="2"/>
+              <a:buChar char="§"/>
+              <a:defRPr sz="2000">
+                <a:solidFill>
+                  <a:schemeClr val="tx1"/>
+                </a:solidFill>
+                <a:latin typeface="+mn-lt"/>
+              </a:defRPr>
+            </a:lvl9pPr>
+          </a:lstStyle>
+          <a:p>
+            <a:endParaRPr lang="en-US" altLang="en-US" sz="2400" dirty="0" smtClean="0">
+              <a:latin typeface="Open Sans" panose="020B0606030504020204" pitchFamily="34" charset="0"/>
+              <a:ea typeface="Open Sans" panose="020B0606030504020204" pitchFamily="34" charset="0"/>
+              <a:cs typeface="Open Sans" panose="020B0606030504020204" pitchFamily="34" charset="0"/>
+            </a:endParaRPr>
+          </a:p>
+          <a:p>
+            <a:endParaRPr lang="en-US" altLang="en-US" sz="2400" kern="0" dirty="0">
+              <a:latin typeface="Open Sans" panose="020B0606030504020204" pitchFamily="34" charset="0"/>
+              <a:ea typeface="Open Sans" panose="020B0606030504020204" pitchFamily="34" charset="0"/>
+              <a:cs typeface="Open Sans" panose="020B0606030504020204" pitchFamily="34" charset="0"/>
+            </a:endParaRPr>
+          </a:p>
+          <a:p>
+            <a:endParaRPr lang="en-US" altLang="en-US" sz="2400" kern="0" dirty="0" smtClean="0">
+              <a:latin typeface="Open Sans" panose="020B0606030504020204" pitchFamily="34" charset="0"/>
+              <a:ea typeface="Open Sans" panose="020B0606030504020204" pitchFamily="34" charset="0"/>
+              <a:cs typeface="Open Sans" panose="020B0606030504020204" pitchFamily="34" charset="0"/>
+            </a:endParaRPr>
+          </a:p>
+        </p:txBody>
+      </p:sp>
+      <p:sp>
+        <p:nvSpPr>
+          <p:cNvPr id="2" name="Content Placeholder 1"/>
+          <p:cNvSpPr>
+            <a:spLocks noGrp="1"/>
+          </p:cNvSpPr>
+          <p:nvPr>
+            <p:ph idx="1"/>
+          </p:nvPr>
+        </p:nvSpPr>
+        <p:spPr>
+          <a:xfrm>
+            <a:off x="457200" y="1752600"/>
+            <a:ext cx="8229600" cy="4987925"/>
+          </a:xfrm>
+        </p:spPr>
+        <p:txBody>
+          <a:bodyPr/>
+          <a:lstStyle/>
+          <a:p>
+            <a:r>
+              <a:rPr lang="en-US" altLang="zh-CN" sz="2200" dirty="0" smtClean="0">
+                <a:latin typeface="Open Sans" panose="020B0606030504020204" pitchFamily="34" charset="0"/>
+                <a:ea typeface="Open Sans" panose="020B0606030504020204" pitchFamily="34" charset="0"/>
+                <a:cs typeface="Open Sans" panose="020B0606030504020204" pitchFamily="34" charset="0"/>
+              </a:rPr>
+              <a:t> </a:t>
+            </a:r>
+          </a:p>
+          <a:p>
+            <a:pPr lvl="1"/>
+            <a:r>
+              <a:rPr lang="en-US" altLang="zh-CN" sz="2000" dirty="0">
+                <a:latin typeface="Open Sans" panose="020B0606030504020204" pitchFamily="34" charset="0"/>
+                <a:ea typeface="Open Sans" panose="020B0606030504020204" pitchFamily="34" charset="0"/>
+                <a:cs typeface="Open Sans" panose="020B0606030504020204" pitchFamily="34" charset="0"/>
+              </a:rPr>
+              <a:t>         </a:t>
+            </a:r>
+            <a:r>
+              <a:rPr lang="en-US" altLang="zh-CN" sz="2000" dirty="0" smtClean="0">
+                <a:latin typeface="Open Sans" panose="020B0606030504020204" pitchFamily="34" charset="0"/>
+                <a:ea typeface="Open Sans" panose="020B0606030504020204" pitchFamily="34" charset="0"/>
+                <a:cs typeface="Open Sans" panose="020B0606030504020204" pitchFamily="34" charset="0"/>
+              </a:rPr>
+              <a:t>: entry (</a:t>
+            </a:r>
+            <a:r>
+              <a:rPr lang="en-US" altLang="zh-CN" sz="2000" dirty="0" err="1" smtClean="0">
+                <a:latin typeface="Open Sans" panose="020B0606030504020204" pitchFamily="34" charset="0"/>
+                <a:ea typeface="Open Sans" panose="020B0606030504020204" pitchFamily="34" charset="0"/>
+                <a:cs typeface="Open Sans" panose="020B0606030504020204" pitchFamily="34" charset="0"/>
+              </a:rPr>
+              <a:t>i,j</a:t>
+            </a:r>
+            <a:r>
+              <a:rPr lang="en-US" altLang="zh-CN" sz="2000" dirty="0" smtClean="0">
+                <a:latin typeface="Open Sans" panose="020B0606030504020204" pitchFamily="34" charset="0"/>
+                <a:ea typeface="Open Sans" panose="020B0606030504020204" pitchFamily="34" charset="0"/>
+                <a:cs typeface="Open Sans" panose="020B0606030504020204" pitchFamily="34" charset="0"/>
+              </a:rPr>
+              <a:t>) of </a:t>
+            </a:r>
+            <a:r>
+              <a:rPr lang="en-US" altLang="zh-CN" sz="2000" b="1" dirty="0" smtClean="0">
+                <a:latin typeface="Open Sans" panose="020B0606030504020204" pitchFamily="34" charset="0"/>
+                <a:ea typeface="Open Sans" panose="020B0606030504020204" pitchFamily="34" charset="0"/>
+                <a:cs typeface="Open Sans" panose="020B0606030504020204" pitchFamily="34" charset="0"/>
+              </a:rPr>
+              <a:t>P</a:t>
+            </a:r>
+            <a:endParaRPr lang="en-US" altLang="zh-CN" sz="2000" dirty="0" smtClean="0">
+              <a:latin typeface="Open Sans" panose="020B0606030504020204" pitchFamily="34" charset="0"/>
+              <a:ea typeface="Open Sans" panose="020B0606030504020204" pitchFamily="34" charset="0"/>
+              <a:cs typeface="Open Sans" panose="020B0606030504020204" pitchFamily="34" charset="0"/>
+            </a:endParaRPr>
+          </a:p>
+          <a:p>
+            <a:pPr lvl="1"/>
+            <a:r>
+              <a:rPr lang="en-US" altLang="zh-CN" sz="2000" dirty="0">
+                <a:latin typeface="Open Sans" panose="020B0606030504020204" pitchFamily="34" charset="0"/>
+                <a:ea typeface="Open Sans" panose="020B0606030504020204" pitchFamily="34" charset="0"/>
+                <a:cs typeface="Open Sans" panose="020B0606030504020204" pitchFamily="34" charset="0"/>
+              </a:rPr>
+              <a:t> </a:t>
+            </a:r>
+            <a:r>
+              <a:rPr lang="en-US" altLang="zh-CN" sz="2000" dirty="0" smtClean="0">
+                <a:latin typeface="Open Sans" panose="020B0606030504020204" pitchFamily="34" charset="0"/>
+                <a:ea typeface="Open Sans" panose="020B0606030504020204" pitchFamily="34" charset="0"/>
+                <a:cs typeface="Open Sans" panose="020B0606030504020204" pitchFamily="34" charset="0"/>
+              </a:rPr>
+              <a:t>        </a:t>
+            </a:r>
+            <a:r>
+              <a:rPr lang="en-US" altLang="zh-CN" sz="2000" dirty="0" smtClean="0">
+                <a:latin typeface="Open Sans" panose="020B0606030504020204" pitchFamily="34" charset="0"/>
+                <a:ea typeface="Open Sans" panose="020B0606030504020204" pitchFamily="34" charset="0"/>
+                <a:cs typeface="Open Sans" panose="020B0606030504020204" pitchFamily="34" charset="0"/>
+              </a:rPr>
+              <a:t>: </a:t>
+            </a:r>
+            <a:r>
+              <a:rPr lang="en-US" altLang="zh-CN" sz="2000" dirty="0">
+                <a:latin typeface="Open Sans" panose="020B0606030504020204" pitchFamily="34" charset="0"/>
+                <a:ea typeface="Open Sans" panose="020B0606030504020204" pitchFamily="34" charset="0"/>
+                <a:cs typeface="Open Sans" panose="020B0606030504020204" pitchFamily="34" charset="0"/>
+              </a:rPr>
+              <a:t>the </a:t>
+            </a:r>
+            <a:r>
+              <a:rPr lang="en-US" altLang="zh-CN" sz="2000" dirty="0" err="1" smtClean="0">
+                <a:latin typeface="Open Sans" panose="020B0606030504020204" pitchFamily="34" charset="0"/>
+                <a:ea typeface="Open Sans" panose="020B0606030504020204" pitchFamily="34" charset="0"/>
+                <a:cs typeface="Open Sans" panose="020B0606030504020204" pitchFamily="34" charset="0"/>
+              </a:rPr>
+              <a:t>i</a:t>
+            </a:r>
+            <a:r>
+              <a:rPr lang="en-US" altLang="zh-CN" sz="2000" baseline="30000" dirty="0" err="1" smtClean="0">
+                <a:latin typeface="Open Sans" panose="020B0606030504020204" pitchFamily="34" charset="0"/>
+                <a:ea typeface="Open Sans" panose="020B0606030504020204" pitchFamily="34" charset="0"/>
+                <a:cs typeface="Open Sans" panose="020B0606030504020204" pitchFamily="34" charset="0"/>
+              </a:rPr>
+              <a:t>th</a:t>
+            </a:r>
+            <a:r>
+              <a:rPr lang="en-US" altLang="zh-CN" sz="2000" dirty="0" smtClean="0">
+                <a:latin typeface="Open Sans" panose="020B0606030504020204" pitchFamily="34" charset="0"/>
+                <a:ea typeface="Open Sans" panose="020B0606030504020204" pitchFamily="34" charset="0"/>
+                <a:cs typeface="Open Sans" panose="020B0606030504020204" pitchFamily="34" charset="0"/>
+              </a:rPr>
+              <a:t>    row    of </a:t>
+            </a:r>
+            <a:r>
+              <a:rPr lang="en-US" altLang="zh-CN" sz="2000" b="1" dirty="0" smtClean="0">
+                <a:latin typeface="Open Sans" panose="020B0606030504020204" pitchFamily="34" charset="0"/>
+                <a:ea typeface="Open Sans" panose="020B0606030504020204" pitchFamily="34" charset="0"/>
+                <a:cs typeface="Open Sans" panose="020B0606030504020204" pitchFamily="34" charset="0"/>
+              </a:rPr>
+              <a:t>P </a:t>
+            </a:r>
+            <a:r>
+              <a:rPr lang="en-US" altLang="zh-CN" sz="2000" dirty="0" smtClean="0">
+                <a:latin typeface="Open Sans" panose="020B0606030504020204" pitchFamily="34" charset="0"/>
+                <a:ea typeface="Open Sans" panose="020B0606030504020204" pitchFamily="34" charset="0"/>
+                <a:cs typeface="Open Sans" panose="020B0606030504020204" pitchFamily="34" charset="0"/>
+              </a:rPr>
+              <a:t>with </a:t>
+            </a:r>
+            <a:r>
+              <a:rPr lang="en-US" altLang="zh-CN" sz="2000" dirty="0" err="1" smtClean="0">
+                <a:latin typeface="Open Sans" panose="020B0606030504020204" pitchFamily="34" charset="0"/>
+                <a:ea typeface="Open Sans" panose="020B0606030504020204" pitchFamily="34" charset="0"/>
+                <a:cs typeface="Open Sans" panose="020B0606030504020204" pitchFamily="34" charset="0"/>
+              </a:rPr>
+              <a:t>i</a:t>
+            </a:r>
+            <a:r>
+              <a:rPr lang="en-US" altLang="zh-CN" sz="2000" baseline="30000" dirty="0" err="1" smtClean="0">
+                <a:latin typeface="Open Sans" panose="020B0606030504020204" pitchFamily="34" charset="0"/>
+                <a:ea typeface="Open Sans" panose="020B0606030504020204" pitchFamily="34" charset="0"/>
+                <a:cs typeface="Open Sans" panose="020B0606030504020204" pitchFamily="34" charset="0"/>
+              </a:rPr>
+              <a:t>th</a:t>
+            </a:r>
+            <a:r>
+              <a:rPr lang="en-US" altLang="zh-CN" sz="2000" dirty="0" smtClean="0">
+                <a:latin typeface="Open Sans" panose="020B0606030504020204" pitchFamily="34" charset="0"/>
+                <a:ea typeface="Open Sans" panose="020B0606030504020204" pitchFamily="34" charset="0"/>
+                <a:cs typeface="Open Sans" panose="020B0606030504020204" pitchFamily="34" charset="0"/>
+              </a:rPr>
+              <a:t> and </a:t>
+            </a:r>
+            <a:r>
+              <a:rPr lang="en-US" altLang="zh-CN" sz="2000" dirty="0" err="1" smtClean="0">
+                <a:latin typeface="Open Sans" panose="020B0606030504020204" pitchFamily="34" charset="0"/>
+                <a:ea typeface="Open Sans" panose="020B0606030504020204" pitchFamily="34" charset="0"/>
+                <a:cs typeface="Open Sans" panose="020B0606030504020204" pitchFamily="34" charset="0"/>
+              </a:rPr>
+              <a:t>j</a:t>
+            </a:r>
+            <a:r>
+              <a:rPr lang="en-US" altLang="zh-CN" sz="2000" baseline="30000" dirty="0" err="1" smtClean="0">
+                <a:latin typeface="Open Sans" panose="020B0606030504020204" pitchFamily="34" charset="0"/>
+                <a:ea typeface="Open Sans" panose="020B0606030504020204" pitchFamily="34" charset="0"/>
+                <a:cs typeface="Open Sans" panose="020B0606030504020204" pitchFamily="34" charset="0"/>
+              </a:rPr>
+              <a:t>th</a:t>
+            </a:r>
+            <a:r>
+              <a:rPr lang="en-US" altLang="zh-CN" sz="2000" baseline="30000" dirty="0" smtClean="0">
+                <a:latin typeface="Open Sans" panose="020B0606030504020204" pitchFamily="34" charset="0"/>
+                <a:ea typeface="Open Sans" panose="020B0606030504020204" pitchFamily="34" charset="0"/>
+                <a:cs typeface="Open Sans" panose="020B0606030504020204" pitchFamily="34" charset="0"/>
+              </a:rPr>
+              <a:t> </a:t>
+            </a:r>
+            <a:r>
+              <a:rPr lang="en-US" altLang="zh-CN" sz="2000" dirty="0" smtClean="0">
+                <a:latin typeface="Open Sans" panose="020B0606030504020204" pitchFamily="34" charset="0"/>
+                <a:ea typeface="Open Sans" panose="020B0606030504020204" pitchFamily="34" charset="0"/>
+                <a:cs typeface="Open Sans" panose="020B0606030504020204" pitchFamily="34" charset="0"/>
+              </a:rPr>
+              <a:t>elements removed</a:t>
+            </a:r>
+          </a:p>
+          <a:p>
+            <a:pPr lvl="1"/>
+            <a:r>
+              <a:rPr lang="en-US" altLang="zh-CN" sz="2000" b="1" dirty="0">
+                <a:latin typeface="Open Sans" panose="020B0606030504020204" pitchFamily="34" charset="0"/>
+                <a:ea typeface="Open Sans" panose="020B0606030504020204" pitchFamily="34" charset="0"/>
+                <a:cs typeface="Open Sans" panose="020B0606030504020204" pitchFamily="34" charset="0"/>
+              </a:rPr>
+              <a:t> </a:t>
+            </a:r>
+            <a:r>
+              <a:rPr lang="en-US" altLang="zh-CN" sz="2000" b="1" dirty="0" smtClean="0">
+                <a:latin typeface="Open Sans" panose="020B0606030504020204" pitchFamily="34" charset="0"/>
+                <a:ea typeface="Open Sans" panose="020B0606030504020204" pitchFamily="34" charset="0"/>
+                <a:cs typeface="Open Sans" panose="020B0606030504020204" pitchFamily="34" charset="0"/>
+              </a:rPr>
+              <a:t>        </a:t>
+            </a:r>
+            <a:r>
+              <a:rPr lang="en-US" altLang="zh-CN" sz="2000" dirty="0" smtClean="0">
+                <a:latin typeface="Open Sans" panose="020B0606030504020204" pitchFamily="34" charset="0"/>
+                <a:ea typeface="Open Sans" panose="020B0606030504020204" pitchFamily="34" charset="0"/>
+                <a:cs typeface="Open Sans" panose="020B0606030504020204" pitchFamily="34" charset="0"/>
+              </a:rPr>
+              <a:t>:</a:t>
+            </a:r>
+            <a:r>
+              <a:rPr lang="en-US" altLang="zh-CN" sz="2000" b="1" dirty="0" smtClean="0">
+                <a:latin typeface="Open Sans" panose="020B0606030504020204" pitchFamily="34" charset="0"/>
+                <a:ea typeface="Open Sans" panose="020B0606030504020204" pitchFamily="34" charset="0"/>
+                <a:cs typeface="Open Sans" panose="020B0606030504020204" pitchFamily="34" charset="0"/>
+              </a:rPr>
+              <a:t> </a:t>
+            </a:r>
+            <a:r>
+              <a:rPr lang="en-US" altLang="zh-CN" sz="2000" dirty="0">
+                <a:latin typeface="Open Sans" panose="020B0606030504020204" pitchFamily="34" charset="0"/>
+                <a:ea typeface="Open Sans" panose="020B0606030504020204" pitchFamily="34" charset="0"/>
+                <a:cs typeface="Open Sans" panose="020B0606030504020204" pitchFamily="34" charset="0"/>
+              </a:rPr>
+              <a:t>the </a:t>
+            </a:r>
+            <a:r>
+              <a:rPr lang="en-US" altLang="zh-CN" sz="2000" dirty="0" err="1" smtClean="0">
+                <a:latin typeface="Open Sans" panose="020B0606030504020204" pitchFamily="34" charset="0"/>
+                <a:ea typeface="Open Sans" panose="020B0606030504020204" pitchFamily="34" charset="0"/>
+                <a:cs typeface="Open Sans" panose="020B0606030504020204" pitchFamily="34" charset="0"/>
+              </a:rPr>
+              <a:t>j</a:t>
+            </a:r>
+            <a:r>
+              <a:rPr lang="en-US" altLang="zh-CN" sz="2000" baseline="30000" dirty="0" err="1" smtClean="0">
+                <a:latin typeface="Open Sans" panose="020B0606030504020204" pitchFamily="34" charset="0"/>
+                <a:ea typeface="Open Sans" panose="020B0606030504020204" pitchFamily="34" charset="0"/>
+                <a:cs typeface="Open Sans" panose="020B0606030504020204" pitchFamily="34" charset="0"/>
+              </a:rPr>
+              <a:t>th</a:t>
+            </a:r>
+            <a:r>
+              <a:rPr lang="en-US" altLang="zh-CN" sz="2000" dirty="0" smtClean="0">
+                <a:latin typeface="Open Sans" panose="020B0606030504020204" pitchFamily="34" charset="0"/>
+                <a:ea typeface="Open Sans" panose="020B0606030504020204" pitchFamily="34" charset="0"/>
+                <a:cs typeface="Open Sans" panose="020B0606030504020204" pitchFamily="34" charset="0"/>
+              </a:rPr>
+              <a:t> column </a:t>
+            </a:r>
+            <a:r>
+              <a:rPr lang="en-US" altLang="zh-CN" sz="2000" dirty="0">
+                <a:latin typeface="Open Sans" panose="020B0606030504020204" pitchFamily="34" charset="0"/>
+                <a:ea typeface="Open Sans" panose="020B0606030504020204" pitchFamily="34" charset="0"/>
+                <a:cs typeface="Open Sans" panose="020B0606030504020204" pitchFamily="34" charset="0"/>
+              </a:rPr>
+              <a:t>of </a:t>
+            </a:r>
+            <a:r>
+              <a:rPr lang="en-US" altLang="zh-CN" sz="2000" b="1" dirty="0">
+                <a:latin typeface="Open Sans" panose="020B0606030504020204" pitchFamily="34" charset="0"/>
+                <a:ea typeface="Open Sans" panose="020B0606030504020204" pitchFamily="34" charset="0"/>
+                <a:cs typeface="Open Sans" panose="020B0606030504020204" pitchFamily="34" charset="0"/>
+              </a:rPr>
+              <a:t>P </a:t>
+            </a:r>
+            <a:r>
+              <a:rPr lang="en-US" altLang="zh-CN" sz="2000" dirty="0">
+                <a:latin typeface="Open Sans" panose="020B0606030504020204" pitchFamily="34" charset="0"/>
+                <a:ea typeface="Open Sans" panose="020B0606030504020204" pitchFamily="34" charset="0"/>
+                <a:cs typeface="Open Sans" panose="020B0606030504020204" pitchFamily="34" charset="0"/>
+              </a:rPr>
+              <a:t>with </a:t>
+            </a:r>
+            <a:r>
+              <a:rPr lang="en-US" altLang="zh-CN" sz="2000" dirty="0" err="1">
+                <a:latin typeface="Open Sans" panose="020B0606030504020204" pitchFamily="34" charset="0"/>
+                <a:ea typeface="Open Sans" panose="020B0606030504020204" pitchFamily="34" charset="0"/>
+                <a:cs typeface="Open Sans" panose="020B0606030504020204" pitchFamily="34" charset="0"/>
+              </a:rPr>
+              <a:t>i</a:t>
+            </a:r>
+            <a:r>
+              <a:rPr lang="en-US" altLang="zh-CN" sz="2000" baseline="30000" dirty="0" err="1">
+                <a:latin typeface="Open Sans" panose="020B0606030504020204" pitchFamily="34" charset="0"/>
+                <a:ea typeface="Open Sans" panose="020B0606030504020204" pitchFamily="34" charset="0"/>
+                <a:cs typeface="Open Sans" panose="020B0606030504020204" pitchFamily="34" charset="0"/>
+              </a:rPr>
+              <a:t>th</a:t>
+            </a:r>
+            <a:r>
+              <a:rPr lang="en-US" altLang="zh-CN" sz="2000" dirty="0">
+                <a:latin typeface="Open Sans" panose="020B0606030504020204" pitchFamily="34" charset="0"/>
+                <a:ea typeface="Open Sans" panose="020B0606030504020204" pitchFamily="34" charset="0"/>
+                <a:cs typeface="Open Sans" panose="020B0606030504020204" pitchFamily="34" charset="0"/>
+              </a:rPr>
+              <a:t> and </a:t>
+            </a:r>
+            <a:r>
+              <a:rPr lang="en-US" altLang="zh-CN" sz="2000" dirty="0" err="1">
+                <a:latin typeface="Open Sans" panose="020B0606030504020204" pitchFamily="34" charset="0"/>
+                <a:ea typeface="Open Sans" panose="020B0606030504020204" pitchFamily="34" charset="0"/>
+                <a:cs typeface="Open Sans" panose="020B0606030504020204" pitchFamily="34" charset="0"/>
+              </a:rPr>
+              <a:t>j</a:t>
+            </a:r>
+            <a:r>
+              <a:rPr lang="en-US" altLang="zh-CN" sz="2000" baseline="30000" dirty="0" err="1">
+                <a:latin typeface="Open Sans" panose="020B0606030504020204" pitchFamily="34" charset="0"/>
+                <a:ea typeface="Open Sans" panose="020B0606030504020204" pitchFamily="34" charset="0"/>
+                <a:cs typeface="Open Sans" panose="020B0606030504020204" pitchFamily="34" charset="0"/>
+              </a:rPr>
+              <a:t>th</a:t>
+            </a:r>
+            <a:r>
+              <a:rPr lang="en-US" altLang="zh-CN" sz="2000" baseline="30000" dirty="0">
+                <a:latin typeface="Open Sans" panose="020B0606030504020204" pitchFamily="34" charset="0"/>
+                <a:ea typeface="Open Sans" panose="020B0606030504020204" pitchFamily="34" charset="0"/>
+                <a:cs typeface="Open Sans" panose="020B0606030504020204" pitchFamily="34" charset="0"/>
+              </a:rPr>
+              <a:t> </a:t>
+            </a:r>
+            <a:r>
+              <a:rPr lang="en-US" altLang="zh-CN" sz="2000" dirty="0">
+                <a:latin typeface="Open Sans" panose="020B0606030504020204" pitchFamily="34" charset="0"/>
+                <a:ea typeface="Open Sans" panose="020B0606030504020204" pitchFamily="34" charset="0"/>
+                <a:cs typeface="Open Sans" panose="020B0606030504020204" pitchFamily="34" charset="0"/>
+              </a:rPr>
+              <a:t>elements </a:t>
+            </a:r>
+            <a:r>
+              <a:rPr lang="en-US" altLang="zh-CN" sz="2000" dirty="0" smtClean="0">
+                <a:latin typeface="Open Sans" panose="020B0606030504020204" pitchFamily="34" charset="0"/>
+                <a:ea typeface="Open Sans" panose="020B0606030504020204" pitchFamily="34" charset="0"/>
+                <a:cs typeface="Open Sans" panose="020B0606030504020204" pitchFamily="34" charset="0"/>
+              </a:rPr>
+              <a:t>removed</a:t>
+            </a:r>
+          </a:p>
+          <a:p>
+            <a:pPr lvl="1"/>
+            <a:r>
+              <a:rPr lang="en-US" altLang="zh-CN" sz="2000" b="1" dirty="0">
+                <a:latin typeface="Open Sans" panose="020B0606030504020204" pitchFamily="34" charset="0"/>
+                <a:ea typeface="Open Sans" panose="020B0606030504020204" pitchFamily="34" charset="0"/>
+                <a:cs typeface="Open Sans" panose="020B0606030504020204" pitchFamily="34" charset="0"/>
+              </a:rPr>
+              <a:t> </a:t>
+            </a:r>
+            <a:r>
+              <a:rPr lang="en-US" altLang="zh-CN" sz="2000" b="1" dirty="0" smtClean="0">
+                <a:latin typeface="Open Sans" panose="020B0606030504020204" pitchFamily="34" charset="0"/>
+                <a:ea typeface="Open Sans" panose="020B0606030504020204" pitchFamily="34" charset="0"/>
+                <a:cs typeface="Open Sans" panose="020B0606030504020204" pitchFamily="34" charset="0"/>
+              </a:rPr>
+              <a:t>        </a:t>
+            </a:r>
+            <a:r>
+              <a:rPr lang="en-US" altLang="zh-CN" sz="2000" dirty="0" smtClean="0">
+                <a:latin typeface="Open Sans" panose="020B0606030504020204" pitchFamily="34" charset="0"/>
+                <a:ea typeface="Open Sans" panose="020B0606030504020204" pitchFamily="34" charset="0"/>
+                <a:cs typeface="Open Sans" panose="020B0606030504020204" pitchFamily="34" charset="0"/>
+              </a:rPr>
+              <a:t>:</a:t>
+            </a:r>
+            <a:r>
+              <a:rPr lang="en-US" altLang="zh-CN" sz="2000" b="1" dirty="0" smtClean="0">
+                <a:latin typeface="Open Sans" panose="020B0606030504020204" pitchFamily="34" charset="0"/>
+                <a:ea typeface="Open Sans" panose="020B0606030504020204" pitchFamily="34" charset="0"/>
+                <a:cs typeface="Open Sans" panose="020B0606030504020204" pitchFamily="34" charset="0"/>
+              </a:rPr>
+              <a:t> P </a:t>
+            </a:r>
+            <a:r>
+              <a:rPr lang="en-US" altLang="zh-CN" sz="2000" dirty="0" smtClean="0">
+                <a:latin typeface="Open Sans" panose="020B0606030504020204" pitchFamily="34" charset="0"/>
+                <a:ea typeface="Open Sans" panose="020B0606030504020204" pitchFamily="34" charset="0"/>
+                <a:cs typeface="Open Sans" panose="020B0606030504020204" pitchFamily="34" charset="0"/>
+              </a:rPr>
+              <a:t>with the </a:t>
+            </a:r>
+            <a:r>
+              <a:rPr lang="en-US" altLang="zh-CN" sz="2000" dirty="0" err="1">
+                <a:latin typeface="Open Sans" panose="020B0606030504020204" pitchFamily="34" charset="0"/>
+                <a:ea typeface="Open Sans" panose="020B0606030504020204" pitchFamily="34" charset="0"/>
+                <a:cs typeface="Open Sans" panose="020B0606030504020204" pitchFamily="34" charset="0"/>
+              </a:rPr>
+              <a:t>i</a:t>
+            </a:r>
+            <a:r>
+              <a:rPr lang="en-US" altLang="zh-CN" sz="2000" baseline="30000" dirty="0" err="1">
+                <a:latin typeface="Open Sans" panose="020B0606030504020204" pitchFamily="34" charset="0"/>
+                <a:ea typeface="Open Sans" panose="020B0606030504020204" pitchFamily="34" charset="0"/>
+                <a:cs typeface="Open Sans" panose="020B0606030504020204" pitchFamily="34" charset="0"/>
+              </a:rPr>
+              <a:t>th</a:t>
+            </a:r>
+            <a:r>
+              <a:rPr lang="en-US" altLang="zh-CN" sz="2000" dirty="0">
+                <a:latin typeface="Open Sans" panose="020B0606030504020204" pitchFamily="34" charset="0"/>
+                <a:ea typeface="Open Sans" panose="020B0606030504020204" pitchFamily="34" charset="0"/>
+                <a:cs typeface="Open Sans" panose="020B0606030504020204" pitchFamily="34" charset="0"/>
+              </a:rPr>
+              <a:t> and </a:t>
+            </a:r>
+            <a:r>
+              <a:rPr lang="en-US" altLang="zh-CN" sz="2000" dirty="0" err="1">
+                <a:latin typeface="Open Sans" panose="020B0606030504020204" pitchFamily="34" charset="0"/>
+                <a:ea typeface="Open Sans" panose="020B0606030504020204" pitchFamily="34" charset="0"/>
+                <a:cs typeface="Open Sans" panose="020B0606030504020204" pitchFamily="34" charset="0"/>
+              </a:rPr>
+              <a:t>j</a:t>
+            </a:r>
+            <a:r>
+              <a:rPr lang="en-US" altLang="zh-CN" sz="2000" baseline="30000" dirty="0" err="1">
+                <a:latin typeface="Open Sans" panose="020B0606030504020204" pitchFamily="34" charset="0"/>
+                <a:ea typeface="Open Sans" panose="020B0606030504020204" pitchFamily="34" charset="0"/>
+                <a:cs typeface="Open Sans" panose="020B0606030504020204" pitchFamily="34" charset="0"/>
+              </a:rPr>
+              <a:t>th</a:t>
+            </a:r>
+            <a:r>
+              <a:rPr lang="en-US" altLang="zh-CN" sz="2000" baseline="30000" dirty="0">
+                <a:latin typeface="Open Sans" panose="020B0606030504020204" pitchFamily="34" charset="0"/>
+                <a:ea typeface="Open Sans" panose="020B0606030504020204" pitchFamily="34" charset="0"/>
+                <a:cs typeface="Open Sans" panose="020B0606030504020204" pitchFamily="34" charset="0"/>
+              </a:rPr>
+              <a:t> </a:t>
+            </a:r>
+            <a:r>
+              <a:rPr lang="en-US" altLang="zh-CN" sz="2000" dirty="0" smtClean="0">
+                <a:latin typeface="Open Sans" panose="020B0606030504020204" pitchFamily="34" charset="0"/>
+                <a:ea typeface="Open Sans" panose="020B0606030504020204" pitchFamily="34" charset="0"/>
+                <a:cs typeface="Open Sans" panose="020B0606030504020204" pitchFamily="34" charset="0"/>
+              </a:rPr>
+              <a:t>rows and columns removed  </a:t>
+            </a:r>
+            <a:endParaRPr lang="en-US" altLang="zh-CN" sz="2400" dirty="0" smtClean="0">
+              <a:latin typeface="Open Sans" panose="020B0606030504020204" pitchFamily="34" charset="0"/>
+              <a:ea typeface="Open Sans" panose="020B0606030504020204" pitchFamily="34" charset="0"/>
+              <a:cs typeface="Open Sans" panose="020B0606030504020204" pitchFamily="34" charset="0"/>
+            </a:endParaRPr>
+          </a:p>
+          <a:p>
+            <a:pPr lvl="1"/>
+            <a:endParaRPr lang="en-US" altLang="zh-CN" sz="2400" dirty="0">
+              <a:latin typeface="Open Sans" panose="020B0606030504020204" pitchFamily="34" charset="0"/>
+              <a:ea typeface="Open Sans" panose="020B0606030504020204" pitchFamily="34" charset="0"/>
+              <a:cs typeface="Open Sans" panose="020B0606030504020204" pitchFamily="34" charset="0"/>
+            </a:endParaRPr>
+          </a:p>
+          <a:p>
+            <a:r>
+              <a:rPr lang="en-US" altLang="zh-CN" sz="2400" dirty="0">
+                <a:latin typeface="Open Sans" panose="020B0606030504020204" pitchFamily="34" charset="0"/>
+                <a:ea typeface="Open Sans" panose="020B0606030504020204" pitchFamily="34" charset="0"/>
+                <a:cs typeface="Open Sans" panose="020B0606030504020204" pitchFamily="34" charset="0"/>
+              </a:rPr>
+              <a:t>Computing all </a:t>
+            </a:r>
+            <a:r>
+              <a:rPr lang="en-US" altLang="zh-CN" sz="2400" dirty="0" err="1">
+                <a:latin typeface="Open Sans" panose="020B0606030504020204" pitchFamily="34" charset="0"/>
+                <a:ea typeface="Open Sans" panose="020B0606030504020204" pitchFamily="34" charset="0"/>
+                <a:cs typeface="Open Sans" panose="020B0606030504020204" pitchFamily="34" charset="0"/>
+              </a:rPr>
+              <a:t>ep</a:t>
+            </a:r>
+            <a:r>
+              <a:rPr lang="en-US" altLang="zh-CN" sz="2400" dirty="0">
+                <a:latin typeface="Open Sans" panose="020B0606030504020204" pitchFamily="34" charset="0"/>
+                <a:ea typeface="Open Sans" panose="020B0606030504020204" pitchFamily="34" charset="0"/>
+                <a:cs typeface="Open Sans" panose="020B0606030504020204" pitchFamily="34" charset="0"/>
+              </a:rPr>
+              <a:t>(i -&gt; j) </a:t>
+            </a:r>
+            <a:r>
+              <a:rPr lang="en-US" altLang="zh-CN" sz="2400" dirty="0" smtClean="0">
+                <a:latin typeface="Open Sans" panose="020B0606030504020204" pitchFamily="34" charset="0"/>
+                <a:ea typeface="Open Sans" panose="020B0606030504020204" pitchFamily="34" charset="0"/>
+                <a:cs typeface="Open Sans" panose="020B0606030504020204" pitchFamily="34" charset="0"/>
+              </a:rPr>
+              <a:t>requires            matrix inversions</a:t>
+            </a:r>
+            <a:endParaRPr lang="en-US" altLang="zh-CN" sz="2400" dirty="0">
+              <a:latin typeface="Open Sans" panose="020B0606030504020204" pitchFamily="34" charset="0"/>
+              <a:ea typeface="Open Sans" panose="020B0606030504020204" pitchFamily="34" charset="0"/>
+              <a:cs typeface="Open Sans" panose="020B0606030504020204" pitchFamily="34" charset="0"/>
+            </a:endParaRPr>
+          </a:p>
+          <a:p>
+            <a:pPr lvl="1"/>
+            <a:r>
+              <a:rPr lang="en-US" altLang="zh-CN" sz="2000" dirty="0" smtClean="0">
+                <a:latin typeface="Open Sans" panose="020B0606030504020204" pitchFamily="34" charset="0"/>
+                <a:ea typeface="Open Sans" panose="020B0606030504020204" pitchFamily="34" charset="0"/>
+                <a:cs typeface="Open Sans" panose="020B0606030504020204" pitchFamily="34" charset="0"/>
+              </a:rPr>
+              <a:t>Each time need to invert a </a:t>
+            </a:r>
+            <a:r>
+              <a:rPr lang="en-US" altLang="zh-CN" sz="2000" dirty="0" err="1" smtClean="0">
+                <a:latin typeface="Open Sans" panose="020B0606030504020204" pitchFamily="34" charset="0"/>
+                <a:ea typeface="Open Sans" panose="020B0606030504020204" pitchFamily="34" charset="0"/>
+                <a:cs typeface="Open Sans" panose="020B0606030504020204" pitchFamily="34" charset="0"/>
+              </a:rPr>
+              <a:t>submatrix</a:t>
+            </a:r>
+            <a:r>
+              <a:rPr lang="en-US" altLang="zh-CN" sz="2000" dirty="0" smtClean="0">
+                <a:latin typeface="Open Sans" panose="020B0606030504020204" pitchFamily="34" charset="0"/>
+                <a:ea typeface="Open Sans" panose="020B0606030504020204" pitchFamily="34" charset="0"/>
+                <a:cs typeface="Open Sans" panose="020B0606030504020204" pitchFamily="34" charset="0"/>
+              </a:rPr>
+              <a:t> of</a:t>
+            </a:r>
+          </a:p>
+          <a:p>
+            <a:pPr lvl="1"/>
+            <a:r>
+              <a:rPr lang="en-US" altLang="zh-CN" sz="2000" dirty="0" smtClean="0">
+                <a:latin typeface="Open Sans" panose="020B0606030504020204" pitchFamily="34" charset="0"/>
+                <a:ea typeface="Open Sans" panose="020B0606030504020204" pitchFamily="34" charset="0"/>
+                <a:cs typeface="Open Sans" panose="020B0606030504020204" pitchFamily="34" charset="0"/>
+              </a:rPr>
+              <a:t>There is a lot of redundancy</a:t>
+            </a:r>
+          </a:p>
+          <a:p>
+            <a:pPr lvl="1"/>
+            <a:r>
+              <a:rPr lang="en-US" altLang="zh-CN" sz="2000" dirty="0" smtClean="0">
+                <a:latin typeface="Open Sans" panose="020B0606030504020204" pitchFamily="34" charset="0"/>
+                <a:ea typeface="Open Sans" panose="020B0606030504020204" pitchFamily="34" charset="0"/>
+                <a:cs typeface="Open Sans" panose="020B0606030504020204" pitchFamily="34" charset="0"/>
+              </a:rPr>
+              <a:t>Use relation between inverses of matrix and its </a:t>
+            </a:r>
+            <a:r>
+              <a:rPr lang="en-US" altLang="zh-CN" sz="2000" dirty="0" err="1" smtClean="0">
+                <a:latin typeface="Open Sans" panose="020B0606030504020204" pitchFamily="34" charset="0"/>
+                <a:ea typeface="Open Sans" panose="020B0606030504020204" pitchFamily="34" charset="0"/>
+                <a:cs typeface="Open Sans" panose="020B0606030504020204" pitchFamily="34" charset="0"/>
+              </a:rPr>
+              <a:t>submatrices</a:t>
+            </a:r>
+            <a:r>
+              <a:rPr lang="en-US" altLang="zh-CN" sz="2000" dirty="0" smtClean="0">
+                <a:latin typeface="Open Sans" panose="020B0606030504020204" pitchFamily="34" charset="0"/>
+                <a:ea typeface="Open Sans" panose="020B0606030504020204" pitchFamily="34" charset="0"/>
+                <a:cs typeface="Open Sans" panose="020B0606030504020204" pitchFamily="34" charset="0"/>
+              </a:rPr>
+              <a:t> </a:t>
+            </a:r>
+            <a:r>
+              <a:rPr lang="en-US" altLang="zh-CN" sz="2000" dirty="0">
+                <a:latin typeface="Open Sans" panose="020B0606030504020204" pitchFamily="34" charset="0"/>
+                <a:ea typeface="Open Sans" panose="020B0606030504020204" pitchFamily="34" charset="0"/>
+                <a:cs typeface="Open Sans" panose="020B0606030504020204" pitchFamily="34" charset="0"/>
+              </a:rPr>
+              <a:t>to accelerate</a:t>
+            </a:r>
+          </a:p>
+          <a:p>
+            <a:endParaRPr lang="en-US" altLang="zh-CN" sz="2400" dirty="0" smtClean="0">
+              <a:latin typeface="Open Sans" panose="020B0606030504020204" pitchFamily="34" charset="0"/>
+              <a:ea typeface="Open Sans" panose="020B0606030504020204" pitchFamily="34" charset="0"/>
+              <a:cs typeface="Open Sans" panose="020B0606030504020204" pitchFamily="34" charset="0"/>
+            </a:endParaRPr>
+          </a:p>
+          <a:p>
+            <a:pPr lvl="1"/>
+            <a:endParaRPr lang="en-US" altLang="zh-CN" sz="2000" b="1" dirty="0">
+              <a:latin typeface="Open Sans" panose="020B0606030504020204" pitchFamily="34" charset="0"/>
+              <a:ea typeface="Open Sans" panose="020B0606030504020204" pitchFamily="34" charset="0"/>
+              <a:cs typeface="Open Sans" panose="020B0606030504020204" pitchFamily="34" charset="0"/>
+            </a:endParaRPr>
+          </a:p>
+          <a:p>
+            <a:endParaRPr lang="en-US" altLang="zh-CN" sz="2400" b="1" dirty="0" smtClean="0">
+              <a:latin typeface="Open Sans" panose="020B0606030504020204" pitchFamily="34" charset="0"/>
+              <a:ea typeface="Open Sans" panose="020B0606030504020204" pitchFamily="34" charset="0"/>
+              <a:cs typeface="Open Sans" panose="020B0606030504020204" pitchFamily="34" charset="0"/>
+            </a:endParaRPr>
+          </a:p>
+          <a:p>
+            <a:pPr lvl="1"/>
+            <a:endParaRPr lang="en-US" altLang="zh-CN" sz="2000" dirty="0">
+              <a:latin typeface="Open Sans" panose="020B0606030504020204" pitchFamily="34" charset="0"/>
+              <a:ea typeface="Open Sans" panose="020B0606030504020204" pitchFamily="34" charset="0"/>
+              <a:cs typeface="Open Sans" panose="020B0606030504020204" pitchFamily="34" charset="0"/>
+            </a:endParaRPr>
+          </a:p>
+          <a:p>
+            <a:endParaRPr lang="en-US" altLang="zh-CN" sz="2400" dirty="0" smtClean="0">
+              <a:latin typeface="Open Sans" panose="020B0606030504020204" pitchFamily="34" charset="0"/>
+              <a:ea typeface="Open Sans" panose="020B0606030504020204" pitchFamily="34" charset="0"/>
+              <a:cs typeface="Open Sans" panose="020B0606030504020204" pitchFamily="34" charset="0"/>
+            </a:endParaRPr>
+          </a:p>
+          <a:p>
+            <a:pPr lvl="1"/>
+            <a:endParaRPr lang="en-US" sz="2000" dirty="0">
+              <a:latin typeface="Open Sans" panose="020B0606030504020204" pitchFamily="34" charset="0"/>
+              <a:ea typeface="Open Sans" panose="020B0606030504020204" pitchFamily="34" charset="0"/>
+              <a:cs typeface="Open Sans" panose="020B0606030504020204" pitchFamily="34" charset="0"/>
+            </a:endParaRPr>
+          </a:p>
+        </p:txBody>
+      </p:sp>
+      <p:sp>
+        <p:nvSpPr>
+          <p:cNvPr id="31" name="标题 30"/>
+          <p:cNvSpPr>
+            <a:spLocks noGrp="1"/>
+          </p:cNvSpPr>
+          <p:nvPr>
+            <p:ph type="title"/>
+          </p:nvPr>
+        </p:nvSpPr>
+        <p:spPr/>
+        <p:txBody>
+          <a:bodyPr/>
+          <a:lstStyle/>
+          <a:p>
+            <a:r>
+              <a:rPr lang="en-US" altLang="en-US" sz="3200" b="1" dirty="0">
+                <a:latin typeface="Open Sans" panose="020B0606030504020204" pitchFamily="34" charset="0"/>
+                <a:ea typeface="Open Sans" panose="020B0606030504020204" pitchFamily="34" charset="0"/>
+                <a:cs typeface="Open Sans" panose="020B0606030504020204" pitchFamily="34" charset="0"/>
+              </a:rPr>
+              <a:t>Solving </a:t>
+            </a:r>
+            <a:r>
+              <a:rPr lang="en-US" altLang="en-US" sz="3200" b="1" dirty="0" err="1">
+                <a:latin typeface="Open Sans" panose="020B0606030504020204" pitchFamily="34" charset="0"/>
+                <a:ea typeface="Open Sans" panose="020B0606030504020204" pitchFamily="34" charset="0"/>
+                <a:cs typeface="Open Sans" panose="020B0606030504020204" pitchFamily="34" charset="0"/>
+              </a:rPr>
+              <a:t>ep</a:t>
+            </a:r>
+            <a:r>
+              <a:rPr lang="en-US" altLang="en-US" sz="3200" b="1" dirty="0">
+                <a:latin typeface="Open Sans" panose="020B0606030504020204" pitchFamily="34" charset="0"/>
+                <a:ea typeface="Open Sans" panose="020B0606030504020204" pitchFamily="34" charset="0"/>
+                <a:cs typeface="Open Sans" panose="020B0606030504020204" pitchFamily="34" charset="0"/>
+              </a:rPr>
+              <a:t>(i -&gt; j)</a:t>
+            </a:r>
+            <a:endParaRPr lang="zh-CN" altLang="en-US" sz="3200" dirty="0"/>
+          </a:p>
+        </p:txBody>
+      </p:sp>
+      <p:pic>
+        <p:nvPicPr>
+          <p:cNvPr id="45" name="图片 44"/>
+          <p:cNvPicPr>
+            <a:picLocks noChangeAspect="1"/>
+          </p:cNvPicPr>
+          <p:nvPr>
+            <p:custDataLst>
+              <p:tags r:id="rId2"/>
+            </p:custDataLst>
+          </p:nvPr>
+        </p:nvPicPr>
+        <p:blipFill>
+          <a:blip r:embed="rId11" cstate="print">
+            <a:extLst>
+              <a:ext uri="{28A0092B-C50C-407E-A947-70E740481C1C}">
+                <a14:useLocalDpi xmlns:a14="http://schemas.microsoft.com/office/drawing/2010/main" val="0"/>
+              </a:ext>
+            </a:extLst>
+          </a:blip>
+          <a:stretch>
+            <a:fillRect/>
+          </a:stretch>
+        </p:blipFill>
+        <p:spPr>
+          <a:xfrm>
+            <a:off x="919650" y="1787524"/>
+            <a:ext cx="4751238" cy="303238"/>
+          </a:xfrm>
+          <a:prstGeom prst="rect">
+            <a:avLst/>
+          </a:prstGeom>
+        </p:spPr>
+      </p:pic>
+      <p:pic>
+        <p:nvPicPr>
+          <p:cNvPr id="46" name="图片 45"/>
+          <p:cNvPicPr>
+            <a:picLocks noChangeAspect="1"/>
+          </p:cNvPicPr>
+          <p:nvPr>
+            <p:custDataLst>
+              <p:tags r:id="rId3"/>
+            </p:custDataLst>
+          </p:nvPr>
+        </p:nvPicPr>
+        <p:blipFill>
+          <a:blip r:embed="rId12" cstate="print">
+            <a:extLst>
+              <a:ext uri="{28A0092B-C50C-407E-A947-70E740481C1C}">
+                <a14:useLocalDpi xmlns:a14="http://schemas.microsoft.com/office/drawing/2010/main" val="0"/>
+              </a:ext>
+            </a:extLst>
+          </a:blip>
+          <a:stretch>
+            <a:fillRect/>
+          </a:stretch>
+        </p:blipFill>
+        <p:spPr>
+          <a:xfrm>
+            <a:off x="1219201" y="2625725"/>
+            <a:ext cx="466285" cy="252952"/>
+          </a:xfrm>
+          <a:prstGeom prst="rect">
+            <a:avLst/>
+          </a:prstGeom>
+        </p:spPr>
+      </p:pic>
+      <p:pic>
+        <p:nvPicPr>
+          <p:cNvPr id="47" name="图片 46"/>
+          <p:cNvPicPr>
+            <a:picLocks noChangeAspect="1"/>
+          </p:cNvPicPr>
+          <p:nvPr>
+            <p:custDataLst>
+              <p:tags r:id="rId4"/>
+            </p:custDataLst>
+          </p:nvPr>
+        </p:nvPicPr>
+        <p:blipFill>
+          <a:blip r:embed="rId13" cstate="print">
+            <a:extLst>
+              <a:ext uri="{28A0092B-C50C-407E-A947-70E740481C1C}">
+                <a14:useLocalDpi xmlns:a14="http://schemas.microsoft.com/office/drawing/2010/main" val="0"/>
+              </a:ext>
+            </a:extLst>
+          </a:blip>
+          <a:stretch>
+            <a:fillRect/>
+          </a:stretch>
+        </p:blipFill>
+        <p:spPr>
+          <a:xfrm>
+            <a:off x="1219200" y="3006725"/>
+            <a:ext cx="480000" cy="252952"/>
+          </a:xfrm>
+          <a:prstGeom prst="rect">
+            <a:avLst/>
+          </a:prstGeom>
+        </p:spPr>
+      </p:pic>
+      <p:pic>
+        <p:nvPicPr>
+          <p:cNvPr id="39" name="图片 38"/>
+          <p:cNvPicPr>
+            <a:picLocks noChangeAspect="1"/>
+          </p:cNvPicPr>
+          <p:nvPr>
+            <p:custDataLst>
+              <p:tags r:id="rId5"/>
+            </p:custDataLst>
+          </p:nvPr>
+        </p:nvPicPr>
+        <p:blipFill>
+          <a:blip r:embed="rId14" cstate="print">
+            <a:extLst>
+              <a:ext uri="{28A0092B-C50C-407E-A947-70E740481C1C}">
+                <a14:useLocalDpi xmlns:a14="http://schemas.microsoft.com/office/drawing/2010/main" val="0"/>
+              </a:ext>
+            </a:extLst>
+          </a:blip>
+          <a:stretch>
+            <a:fillRect/>
+          </a:stretch>
+        </p:blipFill>
+        <p:spPr>
+          <a:xfrm>
+            <a:off x="1319810" y="3375563"/>
+            <a:ext cx="204190" cy="240762"/>
+          </a:xfrm>
+          <a:prstGeom prst="rect">
+            <a:avLst/>
+          </a:prstGeom>
+        </p:spPr>
+      </p:pic>
+      <p:pic>
+        <p:nvPicPr>
+          <p:cNvPr id="40" name="图片 39"/>
+          <p:cNvPicPr>
+            <a:picLocks noChangeAspect="1"/>
+          </p:cNvPicPr>
+          <p:nvPr>
+            <p:custDataLst>
+              <p:tags r:id="rId6"/>
+            </p:custDataLst>
+          </p:nvPr>
+        </p:nvPicPr>
+        <p:blipFill>
+          <a:blip r:embed="rId15" cstate="print">
+            <a:extLst>
+              <a:ext uri="{28A0092B-C50C-407E-A947-70E740481C1C}">
+                <a14:useLocalDpi xmlns:a14="http://schemas.microsoft.com/office/drawing/2010/main" val="0"/>
+              </a:ext>
+            </a:extLst>
+          </a:blip>
+          <a:stretch>
+            <a:fillRect/>
+          </a:stretch>
+        </p:blipFill>
+        <p:spPr>
+          <a:xfrm>
+            <a:off x="1143000" y="2244725"/>
+            <a:ext cx="626286" cy="251429"/>
+          </a:xfrm>
+          <a:prstGeom prst="rect">
+            <a:avLst/>
+          </a:prstGeom>
+        </p:spPr>
+      </p:pic>
+      <p:pic>
+        <p:nvPicPr>
+          <p:cNvPr id="41" name="图片 40"/>
+          <p:cNvPicPr>
+            <a:picLocks noChangeAspect="1"/>
+          </p:cNvPicPr>
+          <p:nvPr>
+            <p:custDataLst>
+              <p:tags r:id="rId7"/>
+            </p:custDataLst>
+          </p:nvPr>
+        </p:nvPicPr>
+        <p:blipFill>
+          <a:blip r:embed="rId16" cstate="print">
+            <a:extLst>
+              <a:ext uri="{28A0092B-C50C-407E-A947-70E740481C1C}">
+                <a14:useLocalDpi xmlns:a14="http://schemas.microsoft.com/office/drawing/2010/main" val="0"/>
+              </a:ext>
+            </a:extLst>
+          </a:blip>
+          <a:stretch>
+            <a:fillRect/>
+          </a:stretch>
+        </p:blipFill>
+        <p:spPr>
+          <a:xfrm>
+            <a:off x="5257800" y="4149725"/>
+            <a:ext cx="744228" cy="327314"/>
+          </a:xfrm>
+          <a:prstGeom prst="rect">
+            <a:avLst/>
+          </a:prstGeom>
+        </p:spPr>
+      </p:pic>
+      <p:pic>
+        <p:nvPicPr>
+          <p:cNvPr id="48" name="图片 47"/>
+          <p:cNvPicPr>
+            <a:picLocks noChangeAspect="1"/>
+          </p:cNvPicPr>
+          <p:nvPr>
+            <p:custDataLst>
+              <p:tags r:id="rId8"/>
+            </p:custDataLst>
+          </p:nvPr>
+        </p:nvPicPr>
+        <p:blipFill>
+          <a:blip r:embed="rId17" cstate="print">
+            <a:extLst>
+              <a:ext uri="{28A0092B-C50C-407E-A947-70E740481C1C}">
+                <a14:useLocalDpi xmlns:a14="http://schemas.microsoft.com/office/drawing/2010/main" val="0"/>
+              </a:ext>
+            </a:extLst>
+          </a:blip>
+          <a:stretch>
+            <a:fillRect/>
+          </a:stretch>
+        </p:blipFill>
+        <p:spPr>
+          <a:xfrm>
+            <a:off x="5724248" y="4584096"/>
+            <a:ext cx="938666" cy="251429"/>
+          </a:xfrm>
+          <a:prstGeom prst="rect">
+            <a:avLst/>
+          </a:prstGeom>
+        </p:spPr>
+      </p:pic>
+    </p:spTree>
+    <p:custDataLst>
+      <p:tags r:id="rId1"/>
+    </p:custDataLst>
+    <p:extLst>
+      <p:ext uri="{BB962C8B-B14F-4D97-AF65-F5344CB8AC3E}">
+        <p14:creationId xmlns:p14="http://schemas.microsoft.com/office/powerpoint/2010/main" val="3205296691"/>
+      </p:ext>
+    </p:extLst>
+  </p:cSld>
+  <p:clrMapOvr>
+    <a:masterClrMapping/>
+  </p:clrMapOvr>
+  <p:transition/>
+  <p:timing>
+    <p:tnLst>
+      <p:par>
+        <p:cTn id="1" dur="indefinite" restart="never" nodeType="tmRoot"/>
+      </p:par>
+    </p:tnLst>
+  </p:timing>
+</p:sld>
+</file>
+
+<file path=ppt/slides/slide14.xml><?xml version="1.0" encoding="utf-8"?>
+<p:sld xmlns:a="http://schemas.openxmlformats.org/drawingml/2006/main" xmlns:r="http://schemas.openxmlformats.org/officeDocument/2006/relationships" xmlns:p="http://schemas.openxmlformats.org/presentationml/2006/main" show="0">
   <p:cSld>
     <p:spTree>
       <p:nvGrpSpPr>
@@ -10363,7 +11879,7 @@
     </p:custDataLst>
     <p:extLst>
       <p:ext uri="{BB962C8B-B14F-4D97-AF65-F5344CB8AC3E}">
-        <p14:creationId xmlns:p14="http://schemas.microsoft.com/office/powerpoint/2010/main" val="3205296691"/>
+        <p14:creationId xmlns:p14="http://schemas.microsoft.com/office/powerpoint/2010/main" val="431612521"/>
       </p:ext>
     </p:extLst>
   </p:cSld>
@@ -10507,7 +12023,7 @@
 </p:sld>
 </file>
 
-<file path=ppt/slides/slide14.xml><?xml version="1.0" encoding="utf-8"?>
+<file path=ppt/slides/slide15.xml><?xml version="1.0" encoding="utf-8"?>
 <p:sld xmlns:a="http://schemas.openxmlformats.org/drawingml/2006/main" xmlns:r="http://schemas.openxmlformats.org/officeDocument/2006/relationships" xmlns:p="http://schemas.openxmlformats.org/presentationml/2006/main">
   <p:cSld>
     <p:spTree>
@@ -11121,8 +12637,2002 @@
 </p:sld>
 </file>
 
-<file path=ppt/slides/slide15.xml><?xml version="1.0" encoding="utf-8"?>
+<file path=ppt/slides/slide16.xml><?xml version="1.0" encoding="utf-8"?>
 <p:sld xmlns:a="http://schemas.openxmlformats.org/drawingml/2006/main" xmlns:r="http://schemas.openxmlformats.org/officeDocument/2006/relationships" xmlns:p="http://schemas.openxmlformats.org/presentationml/2006/main">
+  <p:cSld>
+    <p:spTree>
+      <p:nvGrpSpPr>
+        <p:cNvPr id="1" name=""/>
+        <p:cNvGrpSpPr/>
+        <p:nvPr/>
+      </p:nvGrpSpPr>
+      <p:grpSpPr>
+        <a:xfrm>
+          <a:off x="0" y="0"/>
+          <a:ext cx="0" cy="0"/>
+          <a:chOff x="0" y="0"/>
+          <a:chExt cx="0" cy="0"/>
+        </a:xfrm>
+      </p:grpSpPr>
+      <p:sp>
+        <p:nvSpPr>
+          <p:cNvPr id="17410" name="Rectangle 2"/>
+          <p:cNvSpPr>
+            <a:spLocks noGrp="1" noChangeArrowheads="1"/>
+          </p:cNvSpPr>
+          <p:nvPr>
+            <p:ph type="title"/>
+          </p:nvPr>
+        </p:nvSpPr>
+        <p:spPr>
+          <a:xfrm>
+            <a:off x="457200" y="304800"/>
+            <a:ext cx="9144000" cy="623888"/>
+          </a:xfrm>
+        </p:spPr>
+        <p:txBody>
+          <a:bodyPr/>
+          <a:lstStyle/>
+          <a:p>
+            <a:r>
+              <a:rPr lang="en-US" altLang="en-US" sz="3200" b="1" dirty="0" smtClean="0">
+                <a:latin typeface="Open Sans" panose="020B0606030504020204" pitchFamily="34" charset="0"/>
+                <a:ea typeface="Open Sans" panose="020B0606030504020204" pitchFamily="34" charset="0"/>
+                <a:cs typeface="Open Sans" panose="020B0606030504020204" pitchFamily="34" charset="0"/>
+              </a:rPr>
+              <a:t>Fast </a:t>
+            </a:r>
+            <a:r>
+              <a:rPr lang="en-US" altLang="en-US" sz="3200" b="1" dirty="0" smtClean="0">
+                <a:latin typeface="Open Sans" panose="020B0606030504020204" pitchFamily="34" charset="0"/>
+                <a:ea typeface="Open Sans" panose="020B0606030504020204" pitchFamily="34" charset="0"/>
+                <a:cs typeface="Open Sans" panose="020B0606030504020204" pitchFamily="34" charset="0"/>
+              </a:rPr>
+              <a:t>one-pair </a:t>
+            </a:r>
+            <a:r>
+              <a:rPr lang="en-US" altLang="en-US" sz="3200" b="1" dirty="0" smtClean="0">
+                <a:latin typeface="Open Sans" panose="020B0606030504020204" pitchFamily="34" charset="0"/>
+                <a:ea typeface="Open Sans" panose="020B0606030504020204" pitchFamily="34" charset="0"/>
+                <a:cs typeface="Open Sans" panose="020B0606030504020204" pitchFamily="34" charset="0"/>
+              </a:rPr>
+              <a:t>proximity</a:t>
+            </a:r>
+            <a:endParaRPr lang="en-US" altLang="en-US" sz="3200" b="1" dirty="0">
+              <a:latin typeface="Open Sans" panose="020B0606030504020204" pitchFamily="34" charset="0"/>
+              <a:ea typeface="Open Sans" panose="020B0606030504020204" pitchFamily="34" charset="0"/>
+              <a:cs typeface="Open Sans" panose="020B0606030504020204" pitchFamily="34" charset="0"/>
+            </a:endParaRPr>
+          </a:p>
+        </p:txBody>
+      </p:sp>
+      <p:sp>
+        <p:nvSpPr>
+          <p:cNvPr id="22" name="Rectangle 3"/>
+          <p:cNvSpPr txBox="1">
+            <a:spLocks noChangeArrowheads="1"/>
+          </p:cNvSpPr>
+          <p:nvPr/>
+        </p:nvSpPr>
+        <p:spPr bwMode="auto">
+          <a:xfrm>
+            <a:off x="457200" y="1600200"/>
+            <a:ext cx="8229600" cy="4960938"/>
+          </a:xfrm>
+          <a:prstGeom prst="rect">
+            <a:avLst/>
+          </a:prstGeom>
+          <a:noFill/>
+          <a:ln>
+            <a:noFill/>
+          </a:ln>
+          <a:effectLst/>
+          <a:extLst>
+            <a:ext uri="{909E8E84-426E-40DD-AFC4-6F175D3DCCD1}">
+              <a14:hiddenFill xmlns:a14="http://schemas.microsoft.com/office/drawing/2010/main">
+                <a:solidFill>
+                  <a:schemeClr val="accent1"/>
+                </a:solidFill>
+              </a14:hiddenFill>
+            </a:ext>
+            <a:ext uri="{91240B29-F687-4F45-9708-019B960494DF}">
+              <a14:hiddenLine xmlns:a14="http://schemas.microsoft.com/office/drawing/2010/main" w="9525">
+                <a:solidFill>
+                  <a:schemeClr val="tx1"/>
+                </a:solidFill>
+                <a:miter lim="800000"/>
+                <a:headEnd/>
+                <a:tailEnd/>
+              </a14:hiddenLine>
+            </a:ext>
+            <a:ext uri="{AF507438-7753-43E0-B8FC-AC1667EBCBE1}">
+              <a14:hiddenEffects xmlns:a14="http://schemas.microsoft.com/office/drawing/2010/main">
+                <a:effectLst>
+                  <a:outerShdw dist="35921" dir="2700000" algn="ctr" rotWithShape="0">
+                    <a:schemeClr val="bg2"/>
+                  </a:outerShdw>
+                </a:effectLst>
+              </a14:hiddenEffects>
+            </a:ext>
+          </a:extLst>
+        </p:spPr>
+        <p:txBody>
+          <a:bodyPr vert="horz" wrap="square" lIns="91440" tIns="45720" rIns="91440" bIns="45720" numCol="1" anchor="t" anchorCtr="0" compatLnSpc="1">
+            <a:prstTxWarp prst="textNoShape">
+              <a:avLst/>
+            </a:prstTxWarp>
+          </a:bodyPr>
+          <a:lstStyle>
+            <a:lvl1pPr marL="342900" indent="-342900" algn="l" rtl="0" fontAlgn="base">
+              <a:spcBef>
+                <a:spcPct val="20000"/>
+              </a:spcBef>
+              <a:spcAft>
+                <a:spcPct val="0"/>
+              </a:spcAft>
+              <a:buClr>
+                <a:schemeClr val="accent1"/>
+              </a:buClr>
+              <a:buSzPct val="65000"/>
+              <a:buFont typeface="Wingdings" pitchFamily="2" charset="2"/>
+              <a:buChar char="n"/>
+              <a:defRPr sz="3000">
+                <a:solidFill>
+                  <a:schemeClr val="tx1"/>
+                </a:solidFill>
+                <a:latin typeface="+mn-lt"/>
+                <a:ea typeface="+mn-ea"/>
+                <a:cs typeface="+mn-cs"/>
+              </a:defRPr>
+            </a:lvl1pPr>
+            <a:lvl2pPr marL="669925" indent="-325438" algn="l" rtl="0" fontAlgn="base">
+              <a:spcBef>
+                <a:spcPct val="20000"/>
+              </a:spcBef>
+              <a:spcAft>
+                <a:spcPct val="0"/>
+              </a:spcAft>
+              <a:buClr>
+                <a:schemeClr val="accent2"/>
+              </a:buClr>
+              <a:buSzPct val="60000"/>
+              <a:buFont typeface="Wingdings" pitchFamily="2" charset="2"/>
+              <a:buChar char="q"/>
+              <a:defRPr sz="2600">
+                <a:solidFill>
+                  <a:schemeClr val="tx1"/>
+                </a:solidFill>
+                <a:latin typeface="+mn-lt"/>
+              </a:defRPr>
+            </a:lvl2pPr>
+            <a:lvl3pPr marL="1022350" indent="-350838" algn="l" rtl="0" fontAlgn="base">
+              <a:spcBef>
+                <a:spcPct val="20000"/>
+              </a:spcBef>
+              <a:spcAft>
+                <a:spcPct val="0"/>
+              </a:spcAft>
+              <a:buClr>
+                <a:schemeClr val="accent1"/>
+              </a:buClr>
+              <a:buSzPct val="65000"/>
+              <a:buFont typeface="Wingdings" pitchFamily="2" charset="2"/>
+              <a:buChar char="n"/>
+              <a:defRPr sz="2200">
+                <a:solidFill>
+                  <a:schemeClr val="tx1"/>
+                </a:solidFill>
+                <a:latin typeface="+mn-lt"/>
+              </a:defRPr>
+            </a:lvl3pPr>
+            <a:lvl4pPr marL="1339850" indent="-315913" algn="l" rtl="0" fontAlgn="base">
+              <a:spcBef>
+                <a:spcPct val="20000"/>
+              </a:spcBef>
+              <a:spcAft>
+                <a:spcPct val="0"/>
+              </a:spcAft>
+              <a:buClr>
+                <a:schemeClr val="accent2"/>
+              </a:buClr>
+              <a:buSzPct val="70000"/>
+              <a:buFont typeface="Wingdings" pitchFamily="2" charset="2"/>
+              <a:buChar char="q"/>
+              <a:defRPr sz="2000">
+                <a:solidFill>
+                  <a:schemeClr val="tx1"/>
+                </a:solidFill>
+                <a:latin typeface="+mn-lt"/>
+              </a:defRPr>
+            </a:lvl4pPr>
+            <a:lvl5pPr marL="1681163" indent="-339725" algn="l" rtl="0" fontAlgn="base">
+              <a:spcBef>
+                <a:spcPct val="20000"/>
+              </a:spcBef>
+              <a:spcAft>
+                <a:spcPct val="0"/>
+              </a:spcAft>
+              <a:buClr>
+                <a:schemeClr val="accent1"/>
+              </a:buClr>
+              <a:buSzPct val="75000"/>
+              <a:buFont typeface="Wingdings" pitchFamily="2" charset="2"/>
+              <a:buChar char="§"/>
+              <a:defRPr sz="2000">
+                <a:solidFill>
+                  <a:schemeClr val="tx1"/>
+                </a:solidFill>
+                <a:latin typeface="+mn-lt"/>
+              </a:defRPr>
+            </a:lvl5pPr>
+            <a:lvl6pPr marL="2138363" indent="-339725" algn="l" rtl="0" fontAlgn="base">
+              <a:spcBef>
+                <a:spcPct val="20000"/>
+              </a:spcBef>
+              <a:spcAft>
+                <a:spcPct val="0"/>
+              </a:spcAft>
+              <a:buClr>
+                <a:schemeClr val="accent1"/>
+              </a:buClr>
+              <a:buSzPct val="75000"/>
+              <a:buFont typeface="Wingdings" pitchFamily="2" charset="2"/>
+              <a:buChar char="§"/>
+              <a:defRPr sz="2000">
+                <a:solidFill>
+                  <a:schemeClr val="tx1"/>
+                </a:solidFill>
+                <a:latin typeface="+mn-lt"/>
+              </a:defRPr>
+            </a:lvl6pPr>
+            <a:lvl7pPr marL="2595563" indent="-339725" algn="l" rtl="0" fontAlgn="base">
+              <a:spcBef>
+                <a:spcPct val="20000"/>
+              </a:spcBef>
+              <a:spcAft>
+                <a:spcPct val="0"/>
+              </a:spcAft>
+              <a:buClr>
+                <a:schemeClr val="accent1"/>
+              </a:buClr>
+              <a:buSzPct val="75000"/>
+              <a:buFont typeface="Wingdings" pitchFamily="2" charset="2"/>
+              <a:buChar char="§"/>
+              <a:defRPr sz="2000">
+                <a:solidFill>
+                  <a:schemeClr val="tx1"/>
+                </a:solidFill>
+                <a:latin typeface="+mn-lt"/>
+              </a:defRPr>
+            </a:lvl7pPr>
+            <a:lvl8pPr marL="3052763" indent="-339725" algn="l" rtl="0" fontAlgn="base">
+              <a:spcBef>
+                <a:spcPct val="20000"/>
+              </a:spcBef>
+              <a:spcAft>
+                <a:spcPct val="0"/>
+              </a:spcAft>
+              <a:buClr>
+                <a:schemeClr val="accent1"/>
+              </a:buClr>
+              <a:buSzPct val="75000"/>
+              <a:buFont typeface="Wingdings" pitchFamily="2" charset="2"/>
+              <a:buChar char="§"/>
+              <a:defRPr sz="2000">
+                <a:solidFill>
+                  <a:schemeClr val="tx1"/>
+                </a:solidFill>
+                <a:latin typeface="+mn-lt"/>
+              </a:defRPr>
+            </a:lvl8pPr>
+            <a:lvl9pPr marL="3509963" indent="-339725" algn="l" rtl="0" fontAlgn="base">
+              <a:spcBef>
+                <a:spcPct val="20000"/>
+              </a:spcBef>
+              <a:spcAft>
+                <a:spcPct val="0"/>
+              </a:spcAft>
+              <a:buClr>
+                <a:schemeClr val="accent1"/>
+              </a:buClr>
+              <a:buSzPct val="75000"/>
+              <a:buFont typeface="Wingdings" pitchFamily="2" charset="2"/>
+              <a:buChar char="§"/>
+              <a:defRPr sz="2000">
+                <a:solidFill>
+                  <a:schemeClr val="tx1"/>
+                </a:solidFill>
+                <a:latin typeface="+mn-lt"/>
+              </a:defRPr>
+            </a:lvl9pPr>
+          </a:lstStyle>
+          <a:p>
+            <a:endParaRPr lang="en-US" altLang="en-US" sz="2400" dirty="0" smtClean="0">
+              <a:latin typeface="Open Sans" panose="020B0606030504020204" pitchFamily="34" charset="0"/>
+              <a:ea typeface="Open Sans" panose="020B0606030504020204" pitchFamily="34" charset="0"/>
+              <a:cs typeface="Open Sans" panose="020B0606030504020204" pitchFamily="34" charset="0"/>
+            </a:endParaRPr>
+          </a:p>
+          <a:p>
+            <a:endParaRPr lang="en-US" altLang="en-US" sz="2400" kern="0" dirty="0">
+              <a:latin typeface="Open Sans" panose="020B0606030504020204" pitchFamily="34" charset="0"/>
+              <a:ea typeface="Open Sans" panose="020B0606030504020204" pitchFamily="34" charset="0"/>
+              <a:cs typeface="Open Sans" panose="020B0606030504020204" pitchFamily="34" charset="0"/>
+            </a:endParaRPr>
+          </a:p>
+          <a:p>
+            <a:endParaRPr lang="en-US" altLang="en-US" sz="2400" kern="0" dirty="0" smtClean="0">
+              <a:latin typeface="Open Sans" panose="020B0606030504020204" pitchFamily="34" charset="0"/>
+              <a:ea typeface="Open Sans" panose="020B0606030504020204" pitchFamily="34" charset="0"/>
+              <a:cs typeface="Open Sans" panose="020B0606030504020204" pitchFamily="34" charset="0"/>
+            </a:endParaRPr>
+          </a:p>
+        </p:txBody>
+      </p:sp>
+      <p:sp>
+        <p:nvSpPr>
+          <p:cNvPr id="5" name="Content Placeholder 1"/>
+          <p:cNvSpPr>
+            <a:spLocks noGrp="1"/>
+          </p:cNvSpPr>
+          <p:nvPr>
+            <p:ph idx="1"/>
+          </p:nvPr>
+        </p:nvSpPr>
+        <p:spPr>
+          <a:xfrm>
+            <a:off x="457200" y="3192462"/>
+            <a:ext cx="8229600" cy="3540125"/>
+          </a:xfrm>
+        </p:spPr>
+        <p:txBody>
+          <a:bodyPr/>
+          <a:lstStyle/>
+          <a:p>
+            <a:r>
+              <a:rPr lang="en-US" sz="2400" dirty="0" smtClean="0">
+                <a:latin typeface="Open Sans" panose="020B0606030504020204" pitchFamily="34" charset="0"/>
+                <a:ea typeface="Open Sans" panose="020B0606030504020204" pitchFamily="34" charset="0"/>
+                <a:cs typeface="Open Sans" panose="020B0606030504020204" pitchFamily="34" charset="0"/>
+              </a:rPr>
+              <a:t>Fast </a:t>
+            </a:r>
+            <a:r>
+              <a:rPr lang="en-US" altLang="zh-CN" sz="2400" dirty="0" smtClean="0">
+                <a:latin typeface="Open Sans" panose="020B0606030504020204" pitchFamily="34" charset="0"/>
+                <a:ea typeface="Open Sans" panose="020B0606030504020204" pitchFamily="34" charset="0"/>
+                <a:cs typeface="Open Sans" panose="020B0606030504020204" pitchFamily="34" charset="0"/>
+              </a:rPr>
+              <a:t>one</a:t>
+            </a:r>
+            <a:r>
+              <a:rPr lang="en-US" sz="2400" dirty="0" smtClean="0">
+                <a:latin typeface="Open Sans" panose="020B0606030504020204" pitchFamily="34" charset="0"/>
+                <a:ea typeface="Open Sans" panose="020B0606030504020204" pitchFamily="34" charset="0"/>
+                <a:cs typeface="Open Sans" panose="020B0606030504020204" pitchFamily="34" charset="0"/>
+              </a:rPr>
+              <a:t>-pair </a:t>
+            </a:r>
+            <a:r>
+              <a:rPr lang="en-US" altLang="zh-CN" sz="2400" dirty="0" smtClean="0">
+                <a:latin typeface="Open Sans" panose="020B0606030504020204" pitchFamily="34" charset="0"/>
+                <a:ea typeface="Open Sans" panose="020B0606030504020204" pitchFamily="34" charset="0"/>
+                <a:cs typeface="Open Sans" panose="020B0606030504020204" pitchFamily="34" charset="0"/>
+              </a:rPr>
+              <a:t>proximity</a:t>
+            </a:r>
+          </a:p>
+          <a:p>
+            <a:pPr lvl="1"/>
+            <a:r>
+              <a:rPr lang="en-US" sz="2000" dirty="0" smtClean="0">
+                <a:latin typeface="Open Sans" panose="020B0606030504020204" pitchFamily="34" charset="0"/>
+                <a:ea typeface="Open Sans" panose="020B0606030504020204" pitchFamily="34" charset="0"/>
+                <a:cs typeface="Open Sans" panose="020B0606030504020204" pitchFamily="34" charset="0"/>
+              </a:rPr>
+              <a:t>Only need two columns of </a:t>
+            </a:r>
+            <a:r>
+              <a:rPr lang="en-US" sz="2000" b="1" dirty="0" smtClean="0">
+                <a:latin typeface="Open Sans" panose="020B0606030504020204" pitchFamily="34" charset="0"/>
+                <a:ea typeface="Open Sans" panose="020B0606030504020204" pitchFamily="34" charset="0"/>
+                <a:cs typeface="Open Sans" panose="020B0606030504020204" pitchFamily="34" charset="0"/>
+              </a:rPr>
+              <a:t>Q</a:t>
+            </a:r>
+          </a:p>
+          <a:p>
+            <a:pPr lvl="1"/>
+            <a:r>
+              <a:rPr lang="en-US" sz="2000" dirty="0" smtClean="0">
+                <a:latin typeface="Open Sans" panose="020B0606030504020204" pitchFamily="34" charset="0"/>
+                <a:ea typeface="Open Sans" panose="020B0606030504020204" pitchFamily="34" charset="0"/>
+                <a:cs typeface="Open Sans" panose="020B0606030504020204" pitchFamily="34" charset="0"/>
+              </a:rPr>
+              <a:t>Taylor expansion</a:t>
+            </a:r>
+          </a:p>
+          <a:p>
+            <a:pPr lvl="1"/>
+            <a:endParaRPr lang="en-US" sz="2000" dirty="0">
+              <a:latin typeface="Open Sans" panose="020B0606030504020204" pitchFamily="34" charset="0"/>
+              <a:ea typeface="Open Sans" panose="020B0606030504020204" pitchFamily="34" charset="0"/>
+              <a:cs typeface="Open Sans" panose="020B0606030504020204" pitchFamily="34" charset="0"/>
+            </a:endParaRPr>
+          </a:p>
+          <a:p>
+            <a:pPr lvl="1"/>
+            <a:endParaRPr lang="en-US" sz="2000" dirty="0" smtClean="0">
+              <a:latin typeface="Open Sans" panose="020B0606030504020204" pitchFamily="34" charset="0"/>
+              <a:ea typeface="Open Sans" panose="020B0606030504020204" pitchFamily="34" charset="0"/>
+              <a:cs typeface="Open Sans" panose="020B0606030504020204" pitchFamily="34" charset="0"/>
+            </a:endParaRPr>
+          </a:p>
+          <a:p>
+            <a:pPr lvl="1"/>
+            <a:r>
+              <a:rPr lang="en-US" sz="2000" dirty="0" smtClean="0">
+                <a:latin typeface="Open Sans" panose="020B0606030504020204" pitchFamily="34" charset="0"/>
+                <a:ea typeface="Open Sans" panose="020B0606030504020204" pitchFamily="34" charset="0"/>
+                <a:cs typeface="Open Sans" panose="020B0606030504020204" pitchFamily="34" charset="0"/>
+              </a:rPr>
+              <a:t>Computing </a:t>
+            </a:r>
+            <a:r>
+              <a:rPr lang="en-US" sz="2000" dirty="0" smtClean="0">
+                <a:latin typeface="Open Sans" panose="020B0606030504020204" pitchFamily="34" charset="0"/>
+                <a:ea typeface="Open Sans" panose="020B0606030504020204" pitchFamily="34" charset="0"/>
+                <a:cs typeface="Open Sans" panose="020B0606030504020204" pitchFamily="34" charset="0"/>
+              </a:rPr>
+              <a:t>the </a:t>
+            </a:r>
+            <a:r>
+              <a:rPr lang="en-US" sz="2000" dirty="0" err="1" smtClean="0">
+                <a:latin typeface="Open Sans" panose="020B0606030504020204" pitchFamily="34" charset="0"/>
+                <a:ea typeface="Open Sans" panose="020B0606030504020204" pitchFamily="34" charset="0"/>
+                <a:cs typeface="Open Sans" panose="020B0606030504020204" pitchFamily="34" charset="0"/>
+              </a:rPr>
+              <a:t>i</a:t>
+            </a:r>
+            <a:r>
+              <a:rPr lang="en-US" sz="2000" baseline="30000" dirty="0" err="1" smtClean="0">
+                <a:latin typeface="Open Sans" panose="020B0606030504020204" pitchFamily="34" charset="0"/>
+                <a:ea typeface="Open Sans" panose="020B0606030504020204" pitchFamily="34" charset="0"/>
+                <a:cs typeface="Open Sans" panose="020B0606030504020204" pitchFamily="34" charset="0"/>
+              </a:rPr>
+              <a:t>th</a:t>
+            </a:r>
+            <a:r>
+              <a:rPr lang="en-US" sz="2000" dirty="0" smtClean="0">
+                <a:latin typeface="Open Sans" panose="020B0606030504020204" pitchFamily="34" charset="0"/>
+                <a:ea typeface="Open Sans" panose="020B0606030504020204" pitchFamily="34" charset="0"/>
+                <a:cs typeface="Open Sans" panose="020B0606030504020204" pitchFamily="34" charset="0"/>
+              </a:rPr>
+              <a:t> </a:t>
+            </a:r>
+            <a:r>
+              <a:rPr lang="en-US" sz="2000" dirty="0" smtClean="0">
+                <a:latin typeface="Open Sans" panose="020B0606030504020204" pitchFamily="34" charset="0"/>
+                <a:ea typeface="Open Sans" panose="020B0606030504020204" pitchFamily="34" charset="0"/>
+                <a:cs typeface="Open Sans" panose="020B0606030504020204" pitchFamily="34" charset="0"/>
+              </a:rPr>
+              <a:t>column of </a:t>
+            </a:r>
+            <a:r>
+              <a:rPr lang="en-US" sz="2000" b="1" dirty="0">
+                <a:latin typeface="Open Sans" panose="020B0606030504020204" pitchFamily="34" charset="0"/>
+                <a:ea typeface="Open Sans" panose="020B0606030504020204" pitchFamily="34" charset="0"/>
+                <a:cs typeface="Open Sans" panose="020B0606030504020204" pitchFamily="34" charset="0"/>
+              </a:rPr>
+              <a:t>Q</a:t>
+            </a:r>
+            <a:endParaRPr lang="en-US" sz="2400" dirty="0">
+              <a:latin typeface="Open Sans" panose="020B0606030504020204" pitchFamily="34" charset="0"/>
+              <a:ea typeface="Open Sans" panose="020B0606030504020204" pitchFamily="34" charset="0"/>
+              <a:cs typeface="Open Sans" panose="020B0606030504020204" pitchFamily="34" charset="0"/>
+            </a:endParaRPr>
+          </a:p>
+        </p:txBody>
+      </p:sp>
+      <p:pic>
+        <p:nvPicPr>
+          <p:cNvPr id="6" name="Picture 5"/>
+          <p:cNvPicPr>
+            <a:picLocks noChangeAspect="1"/>
+          </p:cNvPicPr>
+          <p:nvPr>
+            <p:custDataLst>
+              <p:tags r:id="rId2"/>
+            </p:custDataLst>
+          </p:nvPr>
+        </p:nvPicPr>
+        <p:blipFill>
+          <a:blip r:embed="rId8" cstate="print">
+            <a:extLst>
+              <a:ext uri="{28A0092B-C50C-407E-A947-70E740481C1C}">
+                <a14:useLocalDpi xmlns:a14="http://schemas.microsoft.com/office/drawing/2010/main" val="0"/>
+              </a:ext>
+            </a:extLst>
+          </a:blip>
+          <a:stretch>
+            <a:fillRect/>
+          </a:stretch>
+        </p:blipFill>
+        <p:spPr>
+          <a:xfrm>
+            <a:off x="609600" y="1744662"/>
+            <a:ext cx="6553200" cy="1159779"/>
+          </a:xfrm>
+          <a:prstGeom prst="rect">
+            <a:avLst/>
+          </a:prstGeom>
+        </p:spPr>
+      </p:pic>
+      <p:pic>
+        <p:nvPicPr>
+          <p:cNvPr id="4" name="Picture 3"/>
+          <p:cNvPicPr>
+            <a:picLocks noChangeAspect="1"/>
+          </p:cNvPicPr>
+          <p:nvPr>
+            <p:custDataLst>
+              <p:tags r:id="rId3"/>
+            </p:custDataLst>
+          </p:nvPr>
+        </p:nvPicPr>
+        <p:blipFill>
+          <a:blip r:embed="rId9" cstate="print">
+            <a:extLst>
+              <a:ext uri="{28A0092B-C50C-407E-A947-70E740481C1C}">
+                <a14:useLocalDpi xmlns:a14="http://schemas.microsoft.com/office/drawing/2010/main" val="0"/>
+              </a:ext>
+            </a:extLst>
+          </a:blip>
+          <a:stretch>
+            <a:fillRect/>
+          </a:stretch>
+        </p:blipFill>
+        <p:spPr>
+          <a:xfrm>
+            <a:off x="2438400" y="4514124"/>
+            <a:ext cx="3897905" cy="286476"/>
+          </a:xfrm>
+          <a:prstGeom prst="rect">
+            <a:avLst/>
+          </a:prstGeom>
+        </p:spPr>
+      </p:pic>
+      <p:pic>
+        <p:nvPicPr>
+          <p:cNvPr id="21" name="图片 20"/>
+          <p:cNvPicPr>
+            <a:picLocks noChangeAspect="1"/>
+          </p:cNvPicPr>
+          <p:nvPr>
+            <p:custDataLst>
+              <p:tags r:id="rId4"/>
+            </p:custDataLst>
+          </p:nvPr>
+        </p:nvPicPr>
+        <p:blipFill>
+          <a:blip r:embed="rId10" cstate="print">
+            <a:extLst>
+              <a:ext uri="{28A0092B-C50C-407E-A947-70E740481C1C}">
+                <a14:useLocalDpi xmlns:a14="http://schemas.microsoft.com/office/drawing/2010/main" val="0"/>
+              </a:ext>
+            </a:extLst>
+          </a:blip>
+          <a:stretch>
+            <a:fillRect/>
+          </a:stretch>
+        </p:blipFill>
+        <p:spPr>
+          <a:xfrm>
+            <a:off x="1648124" y="5657123"/>
+            <a:ext cx="5496380" cy="286476"/>
+          </a:xfrm>
+          <a:prstGeom prst="rect">
+            <a:avLst/>
+          </a:prstGeom>
+        </p:spPr>
+      </p:pic>
+      <p:pic>
+        <p:nvPicPr>
+          <p:cNvPr id="3" name="图片 2"/>
+          <p:cNvPicPr>
+            <a:picLocks noChangeAspect="1"/>
+          </p:cNvPicPr>
+          <p:nvPr>
+            <p:custDataLst>
+              <p:tags r:id="rId5"/>
+            </p:custDataLst>
+          </p:nvPr>
+        </p:nvPicPr>
+        <p:blipFill>
+          <a:blip r:embed="rId11" cstate="print">
+            <a:extLst>
+              <a:ext uri="{28A0092B-C50C-407E-A947-70E740481C1C}">
+                <a14:useLocalDpi xmlns:a14="http://schemas.microsoft.com/office/drawing/2010/main" val="0"/>
+              </a:ext>
+            </a:extLst>
+          </a:blip>
+          <a:stretch>
+            <a:fillRect/>
+          </a:stretch>
+        </p:blipFill>
+        <p:spPr>
+          <a:xfrm>
+            <a:off x="3276600" y="4091971"/>
+            <a:ext cx="2243048" cy="251429"/>
+          </a:xfrm>
+          <a:prstGeom prst="rect">
+            <a:avLst/>
+          </a:prstGeom>
+        </p:spPr>
+      </p:pic>
+    </p:spTree>
+    <p:custDataLst>
+      <p:tags r:id="rId1"/>
+    </p:custDataLst>
+    <p:extLst>
+      <p:ext uri="{BB962C8B-B14F-4D97-AF65-F5344CB8AC3E}">
+        <p14:creationId xmlns:p14="http://schemas.microsoft.com/office/powerpoint/2010/main" val="1425120780"/>
+      </p:ext>
+    </p:extLst>
+  </p:cSld>
+  <p:clrMapOvr>
+    <a:masterClrMapping/>
+  </p:clrMapOvr>
+  <p:transition/>
+  <p:timing>
+    <p:tnLst>
+      <p:par>
+        <p:cTn id="1" dur="indefinite" restart="never" nodeType="tmRoot"/>
+      </p:par>
+    </p:tnLst>
+  </p:timing>
+</p:sld>
+</file>
+
+<file path=ppt/slides/slide17.xml><?xml version="1.0" encoding="utf-8"?>
+<p:sld xmlns:a="http://schemas.openxmlformats.org/drawingml/2006/main" xmlns:r="http://schemas.openxmlformats.org/officeDocument/2006/relationships" xmlns:p="http://schemas.openxmlformats.org/presentationml/2006/main">
+  <p:cSld>
+    <p:spTree>
+      <p:nvGrpSpPr>
+        <p:cNvPr id="1" name=""/>
+        <p:cNvGrpSpPr/>
+        <p:nvPr/>
+      </p:nvGrpSpPr>
+      <p:grpSpPr>
+        <a:xfrm>
+          <a:off x="0" y="0"/>
+          <a:ext cx="0" cy="0"/>
+          <a:chOff x="0" y="0"/>
+          <a:chExt cx="0" cy="0"/>
+        </a:xfrm>
+      </p:grpSpPr>
+      <p:sp>
+        <p:nvSpPr>
+          <p:cNvPr id="17410" name="Rectangle 2"/>
+          <p:cNvSpPr>
+            <a:spLocks noGrp="1" noChangeArrowheads="1"/>
+          </p:cNvSpPr>
+          <p:nvPr>
+            <p:ph type="title"/>
+          </p:nvPr>
+        </p:nvSpPr>
+        <p:spPr>
+          <a:xfrm>
+            <a:off x="457200" y="304800"/>
+            <a:ext cx="9144000" cy="623888"/>
+          </a:xfrm>
+        </p:spPr>
+        <p:txBody>
+          <a:bodyPr/>
+          <a:lstStyle/>
+          <a:p>
+            <a:r>
+              <a:rPr lang="en-US" altLang="en-US" sz="3200" b="1" dirty="0" smtClean="0">
+                <a:latin typeface="Open Sans" panose="020B0606030504020204" pitchFamily="34" charset="0"/>
+                <a:ea typeface="Open Sans" panose="020B0606030504020204" pitchFamily="34" charset="0"/>
+                <a:cs typeface="Open Sans" panose="020B0606030504020204" pitchFamily="34" charset="0"/>
+              </a:rPr>
+              <a:t>Fast </a:t>
+            </a:r>
+            <a:r>
+              <a:rPr lang="en-US" altLang="en-US" sz="3200" b="1" dirty="0" smtClean="0">
+                <a:latin typeface="Open Sans" panose="020B0606030504020204" pitchFamily="34" charset="0"/>
+                <a:ea typeface="Open Sans" panose="020B0606030504020204" pitchFamily="34" charset="0"/>
+                <a:cs typeface="Open Sans" panose="020B0606030504020204" pitchFamily="34" charset="0"/>
+              </a:rPr>
+              <a:t>one-pair </a:t>
+            </a:r>
+            <a:r>
+              <a:rPr lang="en-US" altLang="en-US" sz="3200" b="1" dirty="0" smtClean="0">
+                <a:latin typeface="Open Sans" panose="020B0606030504020204" pitchFamily="34" charset="0"/>
+                <a:ea typeface="Open Sans" panose="020B0606030504020204" pitchFamily="34" charset="0"/>
+                <a:cs typeface="Open Sans" panose="020B0606030504020204" pitchFamily="34" charset="0"/>
+              </a:rPr>
+              <a:t>proximity</a:t>
+            </a:r>
+            <a:endParaRPr lang="en-US" altLang="en-US" sz="3200" b="1" dirty="0">
+              <a:latin typeface="Open Sans" panose="020B0606030504020204" pitchFamily="34" charset="0"/>
+              <a:ea typeface="Open Sans" panose="020B0606030504020204" pitchFamily="34" charset="0"/>
+              <a:cs typeface="Open Sans" panose="020B0606030504020204" pitchFamily="34" charset="0"/>
+            </a:endParaRPr>
+          </a:p>
+        </p:txBody>
+      </p:sp>
+      <p:sp>
+        <p:nvSpPr>
+          <p:cNvPr id="22" name="Rectangle 3"/>
+          <p:cNvSpPr txBox="1">
+            <a:spLocks noChangeArrowheads="1"/>
+          </p:cNvSpPr>
+          <p:nvPr/>
+        </p:nvSpPr>
+        <p:spPr bwMode="auto">
+          <a:xfrm>
+            <a:off x="457200" y="1600200"/>
+            <a:ext cx="8229600" cy="4960938"/>
+          </a:xfrm>
+          <a:prstGeom prst="rect">
+            <a:avLst/>
+          </a:prstGeom>
+          <a:noFill/>
+          <a:ln>
+            <a:noFill/>
+          </a:ln>
+          <a:effectLst/>
+          <a:extLst>
+            <a:ext uri="{909E8E84-426E-40DD-AFC4-6F175D3DCCD1}">
+              <a14:hiddenFill xmlns:a14="http://schemas.microsoft.com/office/drawing/2010/main">
+                <a:solidFill>
+                  <a:schemeClr val="accent1"/>
+                </a:solidFill>
+              </a14:hiddenFill>
+            </a:ext>
+            <a:ext uri="{91240B29-F687-4F45-9708-019B960494DF}">
+              <a14:hiddenLine xmlns:a14="http://schemas.microsoft.com/office/drawing/2010/main" w="9525">
+                <a:solidFill>
+                  <a:schemeClr val="tx1"/>
+                </a:solidFill>
+                <a:miter lim="800000"/>
+                <a:headEnd/>
+                <a:tailEnd/>
+              </a14:hiddenLine>
+            </a:ext>
+            <a:ext uri="{AF507438-7753-43E0-B8FC-AC1667EBCBE1}">
+              <a14:hiddenEffects xmlns:a14="http://schemas.microsoft.com/office/drawing/2010/main">
+                <a:effectLst>
+                  <a:outerShdw dist="35921" dir="2700000" algn="ctr" rotWithShape="0">
+                    <a:schemeClr val="bg2"/>
+                  </a:outerShdw>
+                </a:effectLst>
+              </a14:hiddenEffects>
+            </a:ext>
+          </a:extLst>
+        </p:spPr>
+        <p:txBody>
+          <a:bodyPr vert="horz" wrap="square" lIns="91440" tIns="45720" rIns="91440" bIns="45720" numCol="1" anchor="t" anchorCtr="0" compatLnSpc="1">
+            <a:prstTxWarp prst="textNoShape">
+              <a:avLst/>
+            </a:prstTxWarp>
+          </a:bodyPr>
+          <a:lstStyle>
+            <a:lvl1pPr marL="342900" indent="-342900" algn="l" rtl="0" fontAlgn="base">
+              <a:spcBef>
+                <a:spcPct val="20000"/>
+              </a:spcBef>
+              <a:spcAft>
+                <a:spcPct val="0"/>
+              </a:spcAft>
+              <a:buClr>
+                <a:schemeClr val="accent1"/>
+              </a:buClr>
+              <a:buSzPct val="65000"/>
+              <a:buFont typeface="Wingdings" pitchFamily="2" charset="2"/>
+              <a:buChar char="n"/>
+              <a:defRPr sz="3000">
+                <a:solidFill>
+                  <a:schemeClr val="tx1"/>
+                </a:solidFill>
+                <a:latin typeface="+mn-lt"/>
+                <a:ea typeface="+mn-ea"/>
+                <a:cs typeface="+mn-cs"/>
+              </a:defRPr>
+            </a:lvl1pPr>
+            <a:lvl2pPr marL="669925" indent="-325438" algn="l" rtl="0" fontAlgn="base">
+              <a:spcBef>
+                <a:spcPct val="20000"/>
+              </a:spcBef>
+              <a:spcAft>
+                <a:spcPct val="0"/>
+              </a:spcAft>
+              <a:buClr>
+                <a:schemeClr val="accent2"/>
+              </a:buClr>
+              <a:buSzPct val="60000"/>
+              <a:buFont typeface="Wingdings" pitchFamily="2" charset="2"/>
+              <a:buChar char="q"/>
+              <a:defRPr sz="2600">
+                <a:solidFill>
+                  <a:schemeClr val="tx1"/>
+                </a:solidFill>
+                <a:latin typeface="+mn-lt"/>
+              </a:defRPr>
+            </a:lvl2pPr>
+            <a:lvl3pPr marL="1022350" indent="-350838" algn="l" rtl="0" fontAlgn="base">
+              <a:spcBef>
+                <a:spcPct val="20000"/>
+              </a:spcBef>
+              <a:spcAft>
+                <a:spcPct val="0"/>
+              </a:spcAft>
+              <a:buClr>
+                <a:schemeClr val="accent1"/>
+              </a:buClr>
+              <a:buSzPct val="65000"/>
+              <a:buFont typeface="Wingdings" pitchFamily="2" charset="2"/>
+              <a:buChar char="n"/>
+              <a:defRPr sz="2200">
+                <a:solidFill>
+                  <a:schemeClr val="tx1"/>
+                </a:solidFill>
+                <a:latin typeface="+mn-lt"/>
+              </a:defRPr>
+            </a:lvl3pPr>
+            <a:lvl4pPr marL="1339850" indent="-315913" algn="l" rtl="0" fontAlgn="base">
+              <a:spcBef>
+                <a:spcPct val="20000"/>
+              </a:spcBef>
+              <a:spcAft>
+                <a:spcPct val="0"/>
+              </a:spcAft>
+              <a:buClr>
+                <a:schemeClr val="accent2"/>
+              </a:buClr>
+              <a:buSzPct val="70000"/>
+              <a:buFont typeface="Wingdings" pitchFamily="2" charset="2"/>
+              <a:buChar char="q"/>
+              <a:defRPr sz="2000">
+                <a:solidFill>
+                  <a:schemeClr val="tx1"/>
+                </a:solidFill>
+                <a:latin typeface="+mn-lt"/>
+              </a:defRPr>
+            </a:lvl4pPr>
+            <a:lvl5pPr marL="1681163" indent="-339725" algn="l" rtl="0" fontAlgn="base">
+              <a:spcBef>
+                <a:spcPct val="20000"/>
+              </a:spcBef>
+              <a:spcAft>
+                <a:spcPct val="0"/>
+              </a:spcAft>
+              <a:buClr>
+                <a:schemeClr val="accent1"/>
+              </a:buClr>
+              <a:buSzPct val="75000"/>
+              <a:buFont typeface="Wingdings" pitchFamily="2" charset="2"/>
+              <a:buChar char="§"/>
+              <a:defRPr sz="2000">
+                <a:solidFill>
+                  <a:schemeClr val="tx1"/>
+                </a:solidFill>
+                <a:latin typeface="+mn-lt"/>
+              </a:defRPr>
+            </a:lvl5pPr>
+            <a:lvl6pPr marL="2138363" indent="-339725" algn="l" rtl="0" fontAlgn="base">
+              <a:spcBef>
+                <a:spcPct val="20000"/>
+              </a:spcBef>
+              <a:spcAft>
+                <a:spcPct val="0"/>
+              </a:spcAft>
+              <a:buClr>
+                <a:schemeClr val="accent1"/>
+              </a:buClr>
+              <a:buSzPct val="75000"/>
+              <a:buFont typeface="Wingdings" pitchFamily="2" charset="2"/>
+              <a:buChar char="§"/>
+              <a:defRPr sz="2000">
+                <a:solidFill>
+                  <a:schemeClr val="tx1"/>
+                </a:solidFill>
+                <a:latin typeface="+mn-lt"/>
+              </a:defRPr>
+            </a:lvl6pPr>
+            <a:lvl7pPr marL="2595563" indent="-339725" algn="l" rtl="0" fontAlgn="base">
+              <a:spcBef>
+                <a:spcPct val="20000"/>
+              </a:spcBef>
+              <a:spcAft>
+                <a:spcPct val="0"/>
+              </a:spcAft>
+              <a:buClr>
+                <a:schemeClr val="accent1"/>
+              </a:buClr>
+              <a:buSzPct val="75000"/>
+              <a:buFont typeface="Wingdings" pitchFamily="2" charset="2"/>
+              <a:buChar char="§"/>
+              <a:defRPr sz="2000">
+                <a:solidFill>
+                  <a:schemeClr val="tx1"/>
+                </a:solidFill>
+                <a:latin typeface="+mn-lt"/>
+              </a:defRPr>
+            </a:lvl7pPr>
+            <a:lvl8pPr marL="3052763" indent="-339725" algn="l" rtl="0" fontAlgn="base">
+              <a:spcBef>
+                <a:spcPct val="20000"/>
+              </a:spcBef>
+              <a:spcAft>
+                <a:spcPct val="0"/>
+              </a:spcAft>
+              <a:buClr>
+                <a:schemeClr val="accent1"/>
+              </a:buClr>
+              <a:buSzPct val="75000"/>
+              <a:buFont typeface="Wingdings" pitchFamily="2" charset="2"/>
+              <a:buChar char="§"/>
+              <a:defRPr sz="2000">
+                <a:solidFill>
+                  <a:schemeClr val="tx1"/>
+                </a:solidFill>
+                <a:latin typeface="+mn-lt"/>
+              </a:defRPr>
+            </a:lvl8pPr>
+            <a:lvl9pPr marL="3509963" indent="-339725" algn="l" rtl="0" fontAlgn="base">
+              <a:spcBef>
+                <a:spcPct val="20000"/>
+              </a:spcBef>
+              <a:spcAft>
+                <a:spcPct val="0"/>
+              </a:spcAft>
+              <a:buClr>
+                <a:schemeClr val="accent1"/>
+              </a:buClr>
+              <a:buSzPct val="75000"/>
+              <a:buFont typeface="Wingdings" pitchFamily="2" charset="2"/>
+              <a:buChar char="§"/>
+              <a:defRPr sz="2000">
+                <a:solidFill>
+                  <a:schemeClr val="tx1"/>
+                </a:solidFill>
+                <a:latin typeface="+mn-lt"/>
+              </a:defRPr>
+            </a:lvl9pPr>
+          </a:lstStyle>
+          <a:p>
+            <a:endParaRPr lang="en-US" altLang="en-US" sz="2400" dirty="0" smtClean="0">
+              <a:latin typeface="Open Sans" panose="020B0606030504020204" pitchFamily="34" charset="0"/>
+              <a:ea typeface="Open Sans" panose="020B0606030504020204" pitchFamily="34" charset="0"/>
+              <a:cs typeface="Open Sans" panose="020B0606030504020204" pitchFamily="34" charset="0"/>
+            </a:endParaRPr>
+          </a:p>
+          <a:p>
+            <a:endParaRPr lang="en-US" altLang="en-US" sz="2400" kern="0" dirty="0">
+              <a:latin typeface="Open Sans" panose="020B0606030504020204" pitchFamily="34" charset="0"/>
+              <a:ea typeface="Open Sans" panose="020B0606030504020204" pitchFamily="34" charset="0"/>
+              <a:cs typeface="Open Sans" panose="020B0606030504020204" pitchFamily="34" charset="0"/>
+            </a:endParaRPr>
+          </a:p>
+          <a:p>
+            <a:endParaRPr lang="en-US" altLang="en-US" sz="2400" kern="0" dirty="0" smtClean="0">
+              <a:latin typeface="Open Sans" panose="020B0606030504020204" pitchFamily="34" charset="0"/>
+              <a:ea typeface="Open Sans" panose="020B0606030504020204" pitchFamily="34" charset="0"/>
+              <a:cs typeface="Open Sans" panose="020B0606030504020204" pitchFamily="34" charset="0"/>
+            </a:endParaRPr>
+          </a:p>
+        </p:txBody>
+      </p:sp>
+      <p:sp>
+        <p:nvSpPr>
+          <p:cNvPr id="5" name="Content Placeholder 1"/>
+          <p:cNvSpPr>
+            <a:spLocks noGrp="1"/>
+          </p:cNvSpPr>
+          <p:nvPr>
+            <p:ph idx="1"/>
+          </p:nvPr>
+        </p:nvSpPr>
+        <p:spPr>
+          <a:xfrm>
+            <a:off x="457200" y="3192462"/>
+            <a:ext cx="8229600" cy="3540125"/>
+          </a:xfrm>
+        </p:spPr>
+        <p:txBody>
+          <a:bodyPr/>
+          <a:lstStyle/>
+          <a:p>
+            <a:r>
+              <a:rPr lang="en-US" sz="2400" dirty="0" smtClean="0">
+                <a:latin typeface="Open Sans" panose="020B0606030504020204" pitchFamily="34" charset="0"/>
+                <a:ea typeface="Open Sans" panose="020B0606030504020204" pitchFamily="34" charset="0"/>
+                <a:cs typeface="Open Sans" panose="020B0606030504020204" pitchFamily="34" charset="0"/>
+              </a:rPr>
+              <a:t>Fast </a:t>
+            </a:r>
+            <a:r>
+              <a:rPr lang="en-US" altLang="zh-CN" sz="2400" dirty="0" smtClean="0">
+                <a:latin typeface="Open Sans" panose="020B0606030504020204" pitchFamily="34" charset="0"/>
+                <a:ea typeface="Open Sans" panose="020B0606030504020204" pitchFamily="34" charset="0"/>
+                <a:cs typeface="Open Sans" panose="020B0606030504020204" pitchFamily="34" charset="0"/>
+              </a:rPr>
+              <a:t>one</a:t>
+            </a:r>
+            <a:r>
+              <a:rPr lang="en-US" sz="2400" dirty="0" smtClean="0">
+                <a:latin typeface="Open Sans" panose="020B0606030504020204" pitchFamily="34" charset="0"/>
+                <a:ea typeface="Open Sans" panose="020B0606030504020204" pitchFamily="34" charset="0"/>
+                <a:cs typeface="Open Sans" panose="020B0606030504020204" pitchFamily="34" charset="0"/>
+              </a:rPr>
+              <a:t>-pair </a:t>
+            </a:r>
+            <a:r>
+              <a:rPr lang="en-US" altLang="zh-CN" sz="2400" dirty="0" smtClean="0">
+                <a:latin typeface="Open Sans" panose="020B0606030504020204" pitchFamily="34" charset="0"/>
+                <a:ea typeface="Open Sans" panose="020B0606030504020204" pitchFamily="34" charset="0"/>
+                <a:cs typeface="Open Sans" panose="020B0606030504020204" pitchFamily="34" charset="0"/>
+              </a:rPr>
+              <a:t>proximity</a:t>
+            </a:r>
+          </a:p>
+          <a:p>
+            <a:pPr lvl="1"/>
+            <a:r>
+              <a:rPr lang="en-US" sz="2000" dirty="0" smtClean="0">
+                <a:latin typeface="Open Sans" panose="020B0606030504020204" pitchFamily="34" charset="0"/>
+                <a:ea typeface="Open Sans" panose="020B0606030504020204" pitchFamily="34" charset="0"/>
+                <a:cs typeface="Open Sans" panose="020B0606030504020204" pitchFamily="34" charset="0"/>
+              </a:rPr>
+              <a:t>Only need two columns of </a:t>
+            </a:r>
+            <a:r>
+              <a:rPr lang="en-US" sz="2000" b="1" dirty="0" smtClean="0">
+                <a:latin typeface="Open Sans" panose="020B0606030504020204" pitchFamily="34" charset="0"/>
+                <a:ea typeface="Open Sans" panose="020B0606030504020204" pitchFamily="34" charset="0"/>
+                <a:cs typeface="Open Sans" panose="020B0606030504020204" pitchFamily="34" charset="0"/>
+              </a:rPr>
+              <a:t>Q</a:t>
+            </a:r>
+          </a:p>
+          <a:p>
+            <a:pPr lvl="1"/>
+            <a:r>
+              <a:rPr lang="en-US" sz="2000" dirty="0" smtClean="0">
+                <a:latin typeface="Open Sans" panose="020B0606030504020204" pitchFamily="34" charset="0"/>
+                <a:ea typeface="Open Sans" panose="020B0606030504020204" pitchFamily="34" charset="0"/>
+                <a:cs typeface="Open Sans" panose="020B0606030504020204" pitchFamily="34" charset="0"/>
+              </a:rPr>
+              <a:t>Taylor expansion</a:t>
+            </a:r>
+          </a:p>
+          <a:p>
+            <a:pPr lvl="1"/>
+            <a:endParaRPr lang="en-US" sz="2000" dirty="0">
+              <a:latin typeface="Open Sans" panose="020B0606030504020204" pitchFamily="34" charset="0"/>
+              <a:ea typeface="Open Sans" panose="020B0606030504020204" pitchFamily="34" charset="0"/>
+              <a:cs typeface="Open Sans" panose="020B0606030504020204" pitchFamily="34" charset="0"/>
+            </a:endParaRPr>
+          </a:p>
+          <a:p>
+            <a:pPr lvl="1"/>
+            <a:endParaRPr lang="en-US" sz="2000" dirty="0" smtClean="0">
+              <a:latin typeface="Open Sans" panose="020B0606030504020204" pitchFamily="34" charset="0"/>
+              <a:ea typeface="Open Sans" panose="020B0606030504020204" pitchFamily="34" charset="0"/>
+              <a:cs typeface="Open Sans" panose="020B0606030504020204" pitchFamily="34" charset="0"/>
+            </a:endParaRPr>
+          </a:p>
+          <a:p>
+            <a:pPr lvl="1"/>
+            <a:r>
+              <a:rPr lang="en-US" sz="2000" dirty="0" smtClean="0">
+                <a:latin typeface="Open Sans" panose="020B0606030504020204" pitchFamily="34" charset="0"/>
+                <a:ea typeface="Open Sans" panose="020B0606030504020204" pitchFamily="34" charset="0"/>
+                <a:cs typeface="Open Sans" panose="020B0606030504020204" pitchFamily="34" charset="0"/>
+              </a:rPr>
+              <a:t>Computing </a:t>
+            </a:r>
+            <a:r>
+              <a:rPr lang="en-US" sz="2000" dirty="0" smtClean="0">
+                <a:latin typeface="Open Sans" panose="020B0606030504020204" pitchFamily="34" charset="0"/>
+                <a:ea typeface="Open Sans" panose="020B0606030504020204" pitchFamily="34" charset="0"/>
+                <a:cs typeface="Open Sans" panose="020B0606030504020204" pitchFamily="34" charset="0"/>
+              </a:rPr>
+              <a:t>the </a:t>
+            </a:r>
+            <a:r>
+              <a:rPr lang="en-US" sz="2000" dirty="0" err="1" smtClean="0">
+                <a:latin typeface="Open Sans" panose="020B0606030504020204" pitchFamily="34" charset="0"/>
+                <a:ea typeface="Open Sans" panose="020B0606030504020204" pitchFamily="34" charset="0"/>
+                <a:cs typeface="Open Sans" panose="020B0606030504020204" pitchFamily="34" charset="0"/>
+              </a:rPr>
+              <a:t>i</a:t>
+            </a:r>
+            <a:r>
+              <a:rPr lang="en-US" sz="2000" baseline="30000" dirty="0" err="1" smtClean="0">
+                <a:latin typeface="Open Sans" panose="020B0606030504020204" pitchFamily="34" charset="0"/>
+                <a:ea typeface="Open Sans" panose="020B0606030504020204" pitchFamily="34" charset="0"/>
+                <a:cs typeface="Open Sans" panose="020B0606030504020204" pitchFamily="34" charset="0"/>
+              </a:rPr>
+              <a:t>th</a:t>
+            </a:r>
+            <a:r>
+              <a:rPr lang="en-US" sz="2000" dirty="0" smtClean="0">
+                <a:latin typeface="Open Sans" panose="020B0606030504020204" pitchFamily="34" charset="0"/>
+                <a:ea typeface="Open Sans" panose="020B0606030504020204" pitchFamily="34" charset="0"/>
+                <a:cs typeface="Open Sans" panose="020B0606030504020204" pitchFamily="34" charset="0"/>
+              </a:rPr>
+              <a:t> </a:t>
+            </a:r>
+            <a:r>
+              <a:rPr lang="en-US" sz="2000" dirty="0" smtClean="0">
+                <a:latin typeface="Open Sans" panose="020B0606030504020204" pitchFamily="34" charset="0"/>
+                <a:ea typeface="Open Sans" panose="020B0606030504020204" pitchFamily="34" charset="0"/>
+                <a:cs typeface="Open Sans" panose="020B0606030504020204" pitchFamily="34" charset="0"/>
+              </a:rPr>
+              <a:t>column of </a:t>
+            </a:r>
+            <a:r>
+              <a:rPr lang="en-US" sz="2000" b="1" dirty="0">
+                <a:latin typeface="Open Sans" panose="020B0606030504020204" pitchFamily="34" charset="0"/>
+                <a:ea typeface="Open Sans" panose="020B0606030504020204" pitchFamily="34" charset="0"/>
+                <a:cs typeface="Open Sans" panose="020B0606030504020204" pitchFamily="34" charset="0"/>
+              </a:rPr>
+              <a:t>Q</a:t>
+            </a:r>
+            <a:endParaRPr lang="en-US" sz="2400" dirty="0">
+              <a:latin typeface="Open Sans" panose="020B0606030504020204" pitchFamily="34" charset="0"/>
+              <a:ea typeface="Open Sans" panose="020B0606030504020204" pitchFamily="34" charset="0"/>
+              <a:cs typeface="Open Sans" panose="020B0606030504020204" pitchFamily="34" charset="0"/>
+            </a:endParaRPr>
+          </a:p>
+        </p:txBody>
+      </p:sp>
+      <p:pic>
+        <p:nvPicPr>
+          <p:cNvPr id="4" name="Picture 3"/>
+          <p:cNvPicPr>
+            <a:picLocks noChangeAspect="1"/>
+          </p:cNvPicPr>
+          <p:nvPr>
+            <p:custDataLst>
+              <p:tags r:id="rId2"/>
+            </p:custDataLst>
+          </p:nvPr>
+        </p:nvPicPr>
+        <p:blipFill>
+          <a:blip r:embed="rId8" cstate="print">
+            <a:extLst>
+              <a:ext uri="{28A0092B-C50C-407E-A947-70E740481C1C}">
+                <a14:useLocalDpi xmlns:a14="http://schemas.microsoft.com/office/drawing/2010/main" val="0"/>
+              </a:ext>
+            </a:extLst>
+          </a:blip>
+          <a:stretch>
+            <a:fillRect/>
+          </a:stretch>
+        </p:blipFill>
+        <p:spPr>
+          <a:xfrm>
+            <a:off x="2438400" y="4514124"/>
+            <a:ext cx="3897905" cy="286476"/>
+          </a:xfrm>
+          <a:prstGeom prst="rect">
+            <a:avLst/>
+          </a:prstGeom>
+        </p:spPr>
+      </p:pic>
+      <p:pic>
+        <p:nvPicPr>
+          <p:cNvPr id="21" name="图片 20"/>
+          <p:cNvPicPr>
+            <a:picLocks noChangeAspect="1"/>
+          </p:cNvPicPr>
+          <p:nvPr>
+            <p:custDataLst>
+              <p:tags r:id="rId3"/>
+            </p:custDataLst>
+          </p:nvPr>
+        </p:nvPicPr>
+        <p:blipFill>
+          <a:blip r:embed="rId9" cstate="print">
+            <a:extLst>
+              <a:ext uri="{28A0092B-C50C-407E-A947-70E740481C1C}">
+                <a14:useLocalDpi xmlns:a14="http://schemas.microsoft.com/office/drawing/2010/main" val="0"/>
+              </a:ext>
+            </a:extLst>
+          </a:blip>
+          <a:stretch>
+            <a:fillRect/>
+          </a:stretch>
+        </p:blipFill>
+        <p:spPr>
+          <a:xfrm>
+            <a:off x="1648124" y="5657123"/>
+            <a:ext cx="5496380" cy="286476"/>
+          </a:xfrm>
+          <a:prstGeom prst="rect">
+            <a:avLst/>
+          </a:prstGeom>
+        </p:spPr>
+      </p:pic>
+      <p:sp>
+        <p:nvSpPr>
+          <p:cNvPr id="8" name="Rectangle 5"/>
+          <p:cNvSpPr>
+            <a:spLocks noChangeArrowheads="1"/>
+          </p:cNvSpPr>
+          <p:nvPr/>
+        </p:nvSpPr>
+        <p:spPr bwMode="auto">
+          <a:xfrm>
+            <a:off x="3276600" y="1219200"/>
+            <a:ext cx="1447800" cy="1219200"/>
+          </a:xfrm>
+          <a:prstGeom prst="rect">
+            <a:avLst/>
+          </a:prstGeom>
+          <a:solidFill>
+            <a:schemeClr val="bg1">
+              <a:lumMod val="95000"/>
+            </a:schemeClr>
+          </a:solidFill>
+          <a:ln>
+            <a:headEnd/>
+            <a:tailEnd/>
+          </a:ln>
+        </p:spPr>
+        <p:style>
+          <a:lnRef idx="2">
+            <a:schemeClr val="accent4"/>
+          </a:lnRef>
+          <a:fillRef idx="1">
+            <a:schemeClr val="lt1"/>
+          </a:fillRef>
+          <a:effectRef idx="0">
+            <a:schemeClr val="accent4"/>
+          </a:effectRef>
+          <a:fontRef idx="minor">
+            <a:schemeClr val="dk1"/>
+          </a:fontRef>
+        </p:style>
+        <p:txBody>
+          <a:bodyPr wrap="none" anchor="ctr"/>
+          <a:lstStyle/>
+          <a:p>
+            <a:endParaRPr lang="en-US"/>
+          </a:p>
+        </p:txBody>
+      </p:sp>
+      <p:sp>
+        <p:nvSpPr>
+          <p:cNvPr id="9" name="Rectangle 6"/>
+          <p:cNvSpPr>
+            <a:spLocks noChangeArrowheads="1"/>
+          </p:cNvSpPr>
+          <p:nvPr/>
+        </p:nvSpPr>
+        <p:spPr bwMode="auto">
+          <a:xfrm>
+            <a:off x="5257800" y="1219200"/>
+            <a:ext cx="1447800" cy="1219200"/>
+          </a:xfrm>
+          <a:prstGeom prst="rect">
+            <a:avLst/>
+          </a:prstGeom>
+          <a:solidFill>
+            <a:schemeClr val="bg1">
+              <a:lumMod val="95000"/>
+            </a:schemeClr>
+          </a:solidFill>
+          <a:ln>
+            <a:headEnd/>
+            <a:tailEnd/>
+          </a:ln>
+        </p:spPr>
+        <p:style>
+          <a:lnRef idx="2">
+            <a:schemeClr val="accent4"/>
+          </a:lnRef>
+          <a:fillRef idx="1">
+            <a:schemeClr val="lt1"/>
+          </a:fillRef>
+          <a:effectRef idx="0">
+            <a:schemeClr val="accent4"/>
+          </a:effectRef>
+          <a:fontRef idx="minor">
+            <a:schemeClr val="dk1"/>
+          </a:fontRef>
+        </p:style>
+        <p:txBody>
+          <a:bodyPr wrap="none" anchor="ctr"/>
+          <a:lstStyle/>
+          <a:p>
+            <a:endParaRPr lang="en-US"/>
+          </a:p>
+        </p:txBody>
+      </p:sp>
+      <p:sp>
+        <p:nvSpPr>
+          <p:cNvPr id="10" name="Rectangle 7"/>
+          <p:cNvSpPr>
+            <a:spLocks noChangeArrowheads="1"/>
+          </p:cNvSpPr>
+          <p:nvPr/>
+        </p:nvSpPr>
+        <p:spPr bwMode="auto">
+          <a:xfrm>
+            <a:off x="1295400" y="1219200"/>
+            <a:ext cx="1447800" cy="1219200"/>
+          </a:xfrm>
+          <a:prstGeom prst="rect">
+            <a:avLst/>
+          </a:prstGeom>
+          <a:solidFill>
+            <a:schemeClr val="bg1">
+              <a:lumMod val="95000"/>
+            </a:schemeClr>
+          </a:solidFill>
+          <a:ln>
+            <a:headEnd/>
+            <a:tailEnd/>
+          </a:ln>
+        </p:spPr>
+        <p:style>
+          <a:lnRef idx="2">
+            <a:schemeClr val="accent4"/>
+          </a:lnRef>
+          <a:fillRef idx="1">
+            <a:schemeClr val="lt1"/>
+          </a:fillRef>
+          <a:effectRef idx="0">
+            <a:schemeClr val="accent4"/>
+          </a:effectRef>
+          <a:fontRef idx="minor">
+            <a:schemeClr val="dk1"/>
+          </a:fontRef>
+        </p:style>
+        <p:txBody>
+          <a:bodyPr wrap="none" anchor="ctr"/>
+          <a:lstStyle/>
+          <a:p>
+            <a:endParaRPr lang="en-US"/>
+          </a:p>
+        </p:txBody>
+      </p:sp>
+      <p:sp>
+        <p:nvSpPr>
+          <p:cNvPr id="11" name="Rectangle 8"/>
+          <p:cNvSpPr>
+            <a:spLocks noChangeArrowheads="1"/>
+          </p:cNvSpPr>
+          <p:nvPr/>
+        </p:nvSpPr>
+        <p:spPr bwMode="auto">
+          <a:xfrm>
+            <a:off x="7162800" y="1219200"/>
+            <a:ext cx="304800" cy="1219200"/>
+          </a:xfrm>
+          <a:prstGeom prst="rect">
+            <a:avLst/>
+          </a:prstGeom>
+          <a:solidFill>
+            <a:schemeClr val="bg1">
+              <a:lumMod val="95000"/>
+            </a:schemeClr>
+          </a:solidFill>
+          <a:ln>
+            <a:headEnd/>
+            <a:tailEnd/>
+          </a:ln>
+        </p:spPr>
+        <p:style>
+          <a:lnRef idx="2">
+            <a:schemeClr val="accent4"/>
+          </a:lnRef>
+          <a:fillRef idx="1">
+            <a:schemeClr val="lt1"/>
+          </a:fillRef>
+          <a:effectRef idx="0">
+            <a:schemeClr val="accent4"/>
+          </a:effectRef>
+          <a:fontRef idx="minor">
+            <a:schemeClr val="dk1"/>
+          </a:fontRef>
+        </p:style>
+        <p:txBody>
+          <a:bodyPr wrap="none" anchor="ctr"/>
+          <a:lstStyle/>
+          <a:p>
+            <a:endParaRPr lang="en-US"/>
+          </a:p>
+        </p:txBody>
+      </p:sp>
+      <p:sp>
+        <p:nvSpPr>
+          <p:cNvPr id="12" name="AutoShape 9"/>
+          <p:cNvSpPr>
+            <a:spLocks/>
+          </p:cNvSpPr>
+          <p:nvPr/>
+        </p:nvSpPr>
+        <p:spPr bwMode="auto">
+          <a:xfrm rot="5400000">
+            <a:off x="6362700" y="1790700"/>
+            <a:ext cx="152400" cy="1600200"/>
+          </a:xfrm>
+          <a:prstGeom prst="rightBrace">
+            <a:avLst>
+              <a:gd name="adj1" fmla="val 87500"/>
+              <a:gd name="adj2" fmla="val 50000"/>
+            </a:avLst>
+          </a:prstGeom>
+          <a:noFill/>
+          <a:ln w="28575">
+            <a:solidFill>
+              <a:schemeClr val="tx1"/>
+            </a:solidFill>
+            <a:round/>
+            <a:headEnd/>
+            <a:tailEnd/>
+          </a:ln>
+          <a:effectLst/>
+          <a:extLst>
+            <a:ext uri="{909E8E84-426E-40DD-AFC4-6F175D3DCCD1}">
+              <a14:hiddenFill xmlns:a14="http://schemas.microsoft.com/office/drawing/2010/main">
+                <a:solidFill>
+                  <a:schemeClr val="accent1"/>
+                </a:solidFill>
+              </a14:hiddenFill>
+            </a:ext>
+            <a:ext uri="{AF507438-7753-43E0-B8FC-AC1667EBCBE1}">
+              <a14:hiddenEffects xmlns:a14="http://schemas.microsoft.com/office/drawing/2010/main">
+                <a:effectLst>
+                  <a:outerShdw dist="35921" dir="2700000" algn="ctr" rotWithShape="0">
+                    <a:schemeClr val="bg2"/>
+                  </a:outerShdw>
+                </a:effectLst>
+              </a14:hiddenEffects>
+            </a:ext>
+          </a:extLst>
+        </p:spPr>
+        <p:txBody>
+          <a:bodyPr wrap="none" anchor="ctr"/>
+          <a:lstStyle/>
+          <a:p>
+            <a:endParaRPr lang="en-US"/>
+          </a:p>
+        </p:txBody>
+      </p:sp>
+      <p:sp>
+        <p:nvSpPr>
+          <p:cNvPr id="13" name="AutoShape 10"/>
+          <p:cNvSpPr>
+            <a:spLocks/>
+          </p:cNvSpPr>
+          <p:nvPr/>
+        </p:nvSpPr>
+        <p:spPr bwMode="auto">
+          <a:xfrm rot="5400000">
+            <a:off x="5600700" y="1181100"/>
+            <a:ext cx="228600" cy="3048000"/>
+          </a:xfrm>
+          <a:prstGeom prst="rightBrace">
+            <a:avLst>
+              <a:gd name="adj1" fmla="val 111111"/>
+              <a:gd name="adj2" fmla="val 50000"/>
+            </a:avLst>
+          </a:prstGeom>
+          <a:noFill/>
+          <a:ln w="28575">
+            <a:solidFill>
+              <a:schemeClr val="tx1"/>
+            </a:solidFill>
+            <a:round/>
+            <a:headEnd/>
+            <a:tailEnd/>
+          </a:ln>
+          <a:effectLst/>
+          <a:extLst>
+            <a:ext uri="{909E8E84-426E-40DD-AFC4-6F175D3DCCD1}">
+              <a14:hiddenFill xmlns:a14="http://schemas.microsoft.com/office/drawing/2010/main">
+                <a:solidFill>
+                  <a:schemeClr val="accent1"/>
+                </a:solidFill>
+              </a14:hiddenFill>
+            </a:ext>
+            <a:ext uri="{AF507438-7753-43E0-B8FC-AC1667EBCBE1}">
+              <a14:hiddenEffects xmlns:a14="http://schemas.microsoft.com/office/drawing/2010/main">
+                <a:effectLst>
+                  <a:outerShdw dist="35921" dir="2700000" algn="ctr" rotWithShape="0">
+                    <a:schemeClr val="bg2"/>
+                  </a:outerShdw>
+                </a:effectLst>
+              </a14:hiddenEffects>
+            </a:ext>
+          </a:extLst>
+        </p:spPr>
+        <p:txBody>
+          <a:bodyPr wrap="none" anchor="ctr"/>
+          <a:lstStyle/>
+          <a:p>
+            <a:endParaRPr lang="en-US"/>
+          </a:p>
+        </p:txBody>
+      </p:sp>
+      <p:sp>
+        <p:nvSpPr>
+          <p:cNvPr id="14" name="AutoShape 11"/>
+          <p:cNvSpPr>
+            <a:spLocks/>
+          </p:cNvSpPr>
+          <p:nvPr/>
+        </p:nvSpPr>
+        <p:spPr bwMode="auto">
+          <a:xfrm rot="5400000">
+            <a:off x="4495800" y="228600"/>
+            <a:ext cx="228600" cy="5257800"/>
+          </a:xfrm>
+          <a:prstGeom prst="rightBrace">
+            <a:avLst>
+              <a:gd name="adj1" fmla="val 191667"/>
+              <a:gd name="adj2" fmla="val 50000"/>
+            </a:avLst>
+          </a:prstGeom>
+          <a:noFill/>
+          <a:ln w="28575">
+            <a:solidFill>
+              <a:schemeClr val="tx1"/>
+            </a:solidFill>
+            <a:round/>
+            <a:headEnd/>
+            <a:tailEnd/>
+          </a:ln>
+          <a:effectLst/>
+          <a:extLst>
+            <a:ext uri="{909E8E84-426E-40DD-AFC4-6F175D3DCCD1}">
+              <a14:hiddenFill xmlns:a14="http://schemas.microsoft.com/office/drawing/2010/main">
+                <a:solidFill>
+                  <a:schemeClr val="accent1"/>
+                </a:solidFill>
+              </a14:hiddenFill>
+            </a:ext>
+            <a:ext uri="{AF507438-7753-43E0-B8FC-AC1667EBCBE1}">
+              <a14:hiddenEffects xmlns:a14="http://schemas.microsoft.com/office/drawing/2010/main">
+                <a:effectLst>
+                  <a:outerShdw dist="35921" dir="2700000" algn="ctr" rotWithShape="0">
+                    <a:schemeClr val="bg2"/>
+                  </a:outerShdw>
+                </a:effectLst>
+              </a14:hiddenEffects>
+            </a:ext>
+          </a:extLst>
+        </p:spPr>
+        <p:txBody>
+          <a:bodyPr wrap="none" anchor="ctr"/>
+          <a:lstStyle/>
+          <a:p>
+            <a:endParaRPr lang="en-US"/>
+          </a:p>
+        </p:txBody>
+      </p:sp>
+      <p:sp>
+        <p:nvSpPr>
+          <p:cNvPr id="15" name="Rectangle 12"/>
+          <p:cNvSpPr>
+            <a:spLocks noChangeArrowheads="1"/>
+          </p:cNvSpPr>
+          <p:nvPr/>
+        </p:nvSpPr>
+        <p:spPr bwMode="auto">
+          <a:xfrm>
+            <a:off x="2819400" y="1600200"/>
+            <a:ext cx="457200" cy="533400"/>
+          </a:xfrm>
+          <a:prstGeom prst="rect">
+            <a:avLst/>
+          </a:prstGeom>
+          <a:noFill/>
+          <a:ln>
+            <a:noFill/>
+          </a:ln>
+          <a:effectLst/>
+          <a:extLst>
+            <a:ext uri="{909E8E84-426E-40DD-AFC4-6F175D3DCCD1}">
+              <a14:hiddenFill xmlns:a14="http://schemas.microsoft.com/office/drawing/2010/main">
+                <a:solidFill>
+                  <a:schemeClr val="accent1"/>
+                </a:solidFill>
+              </a14:hiddenFill>
+            </a:ext>
+            <a:ext uri="{91240B29-F687-4F45-9708-019B960494DF}">
+              <a14:hiddenLine xmlns:a14="http://schemas.microsoft.com/office/drawing/2010/main" w="9525">
+                <a:solidFill>
+                  <a:schemeClr val="tx1"/>
+                </a:solidFill>
+                <a:miter lim="800000"/>
+                <a:headEnd/>
+                <a:tailEnd/>
+              </a14:hiddenLine>
+            </a:ext>
+            <a:ext uri="{AF507438-7753-43E0-B8FC-AC1667EBCBE1}">
+              <a14:hiddenEffects xmlns:a14="http://schemas.microsoft.com/office/drawing/2010/main">
+                <a:effectLst>
+                  <a:outerShdw dist="35921" dir="2700000" algn="ctr" rotWithShape="0">
+                    <a:schemeClr val="bg2"/>
+                  </a:outerShdw>
+                </a:effectLst>
+              </a14:hiddenEffects>
+            </a:ext>
+          </a:extLst>
+        </p:spPr>
+        <p:txBody>
+          <a:bodyPr wrap="none" anchor="ctr"/>
+          <a:lstStyle/>
+          <a:p>
+            <a:pPr algn="ctr"/>
+            <a:r>
+              <a:rPr lang="en-US" altLang="en-US" sz="3200" b="1"/>
+              <a:t>x</a:t>
+            </a:r>
+          </a:p>
+        </p:txBody>
+      </p:sp>
+      <p:sp>
+        <p:nvSpPr>
+          <p:cNvPr id="16" name="Rectangle 13"/>
+          <p:cNvSpPr>
+            <a:spLocks noChangeArrowheads="1"/>
+          </p:cNvSpPr>
+          <p:nvPr/>
+        </p:nvSpPr>
+        <p:spPr bwMode="auto">
+          <a:xfrm>
+            <a:off x="4724400" y="1600200"/>
+            <a:ext cx="457200" cy="533400"/>
+          </a:xfrm>
+          <a:prstGeom prst="rect">
+            <a:avLst/>
+          </a:prstGeom>
+          <a:noFill/>
+          <a:ln>
+            <a:noFill/>
+          </a:ln>
+          <a:effectLst/>
+          <a:extLst>
+            <a:ext uri="{909E8E84-426E-40DD-AFC4-6F175D3DCCD1}">
+              <a14:hiddenFill xmlns:a14="http://schemas.microsoft.com/office/drawing/2010/main">
+                <a:solidFill>
+                  <a:schemeClr val="accent1"/>
+                </a:solidFill>
+              </a14:hiddenFill>
+            </a:ext>
+            <a:ext uri="{91240B29-F687-4F45-9708-019B960494DF}">
+              <a14:hiddenLine xmlns:a14="http://schemas.microsoft.com/office/drawing/2010/main" w="9525">
+                <a:solidFill>
+                  <a:schemeClr val="tx1"/>
+                </a:solidFill>
+                <a:miter lim="800000"/>
+                <a:headEnd/>
+                <a:tailEnd/>
+              </a14:hiddenLine>
+            </a:ext>
+            <a:ext uri="{AF507438-7753-43E0-B8FC-AC1667EBCBE1}">
+              <a14:hiddenEffects xmlns:a14="http://schemas.microsoft.com/office/drawing/2010/main">
+                <a:effectLst>
+                  <a:outerShdw dist="35921" dir="2700000" algn="ctr" rotWithShape="0">
+                    <a:schemeClr val="bg2"/>
+                  </a:outerShdw>
+                </a:effectLst>
+              </a14:hiddenEffects>
+            </a:ext>
+          </a:extLst>
+        </p:spPr>
+        <p:txBody>
+          <a:bodyPr wrap="none" anchor="ctr"/>
+          <a:lstStyle/>
+          <a:p>
+            <a:pPr algn="ctr"/>
+            <a:r>
+              <a:rPr lang="en-US" altLang="en-US" sz="3200" b="1"/>
+              <a:t>x</a:t>
+            </a:r>
+          </a:p>
+        </p:txBody>
+      </p:sp>
+      <p:sp>
+        <p:nvSpPr>
+          <p:cNvPr id="17" name="Rectangle 14"/>
+          <p:cNvSpPr>
+            <a:spLocks noChangeArrowheads="1"/>
+          </p:cNvSpPr>
+          <p:nvPr/>
+        </p:nvSpPr>
+        <p:spPr bwMode="auto">
+          <a:xfrm>
+            <a:off x="6705600" y="1600200"/>
+            <a:ext cx="457200" cy="533400"/>
+          </a:xfrm>
+          <a:prstGeom prst="rect">
+            <a:avLst/>
+          </a:prstGeom>
+          <a:noFill/>
+          <a:ln>
+            <a:noFill/>
+          </a:ln>
+          <a:effectLst/>
+          <a:extLst>
+            <a:ext uri="{909E8E84-426E-40DD-AFC4-6F175D3DCCD1}">
+              <a14:hiddenFill xmlns:a14="http://schemas.microsoft.com/office/drawing/2010/main">
+                <a:solidFill>
+                  <a:schemeClr val="accent1"/>
+                </a:solidFill>
+              </a14:hiddenFill>
+            </a:ext>
+            <a:ext uri="{91240B29-F687-4F45-9708-019B960494DF}">
+              <a14:hiddenLine xmlns:a14="http://schemas.microsoft.com/office/drawing/2010/main" w="9525">
+                <a:solidFill>
+                  <a:schemeClr val="tx1"/>
+                </a:solidFill>
+                <a:miter lim="800000"/>
+                <a:headEnd/>
+                <a:tailEnd/>
+              </a14:hiddenLine>
+            </a:ext>
+            <a:ext uri="{AF507438-7753-43E0-B8FC-AC1667EBCBE1}">
+              <a14:hiddenEffects xmlns:a14="http://schemas.microsoft.com/office/drawing/2010/main">
+                <a:effectLst>
+                  <a:outerShdw dist="35921" dir="2700000" algn="ctr" rotWithShape="0">
+                    <a:schemeClr val="bg2"/>
+                  </a:outerShdw>
+                </a:effectLst>
+              </a14:hiddenEffects>
+            </a:ext>
+          </a:extLst>
+        </p:spPr>
+        <p:txBody>
+          <a:bodyPr wrap="none" anchor="ctr"/>
+          <a:lstStyle/>
+          <a:p>
+            <a:pPr algn="ctr"/>
+            <a:r>
+              <a:rPr lang="en-US" altLang="en-US" sz="3200" b="1"/>
+              <a:t>x</a:t>
+            </a:r>
+          </a:p>
+        </p:txBody>
+      </p:sp>
+      <p:sp>
+        <p:nvSpPr>
+          <p:cNvPr id="18" name="Rectangle 18"/>
+          <p:cNvSpPr>
+            <a:spLocks noChangeArrowheads="1"/>
+          </p:cNvSpPr>
+          <p:nvPr/>
+        </p:nvSpPr>
+        <p:spPr bwMode="auto">
+          <a:xfrm>
+            <a:off x="685800" y="1524000"/>
+            <a:ext cx="457200" cy="533400"/>
+          </a:xfrm>
+          <a:prstGeom prst="rect">
+            <a:avLst/>
+          </a:prstGeom>
+          <a:noFill/>
+          <a:ln>
+            <a:noFill/>
+          </a:ln>
+          <a:effectLst/>
+          <a:extLst>
+            <a:ext uri="{909E8E84-426E-40DD-AFC4-6F175D3DCCD1}">
+              <a14:hiddenFill xmlns:a14="http://schemas.microsoft.com/office/drawing/2010/main">
+                <a:solidFill>
+                  <a:schemeClr val="accent1"/>
+                </a:solidFill>
+              </a14:hiddenFill>
+            </a:ext>
+            <a:ext uri="{91240B29-F687-4F45-9708-019B960494DF}">
+              <a14:hiddenLine xmlns:a14="http://schemas.microsoft.com/office/drawing/2010/main" w="9525">
+                <a:solidFill>
+                  <a:schemeClr val="tx1"/>
+                </a:solidFill>
+                <a:miter lim="800000"/>
+                <a:headEnd/>
+                <a:tailEnd/>
+              </a14:hiddenLine>
+            </a:ext>
+            <a:ext uri="{AF507438-7753-43E0-B8FC-AC1667EBCBE1}">
+              <a14:hiddenEffects xmlns:a14="http://schemas.microsoft.com/office/drawing/2010/main">
+                <a:effectLst>
+                  <a:outerShdw dist="35921" dir="2700000" algn="ctr" rotWithShape="0">
+                    <a:schemeClr val="bg2"/>
+                  </a:outerShdw>
+                </a:effectLst>
+              </a14:hiddenEffects>
+            </a:ext>
+          </a:extLst>
+        </p:spPr>
+        <p:txBody>
+          <a:bodyPr wrap="none" anchor="ctr"/>
+          <a:lstStyle/>
+          <a:p>
+            <a:pPr algn="ctr"/>
+            <a:r>
+              <a:rPr lang="en-US" altLang="en-US" sz="2400" dirty="0"/>
+              <a:t>….</a:t>
+            </a:r>
+          </a:p>
+        </p:txBody>
+      </p:sp>
+      <p:sp>
+        <p:nvSpPr>
+          <p:cNvPr id="19" name="Rectangular Callout 7"/>
+          <p:cNvSpPr/>
+          <p:nvPr/>
+        </p:nvSpPr>
+        <p:spPr>
+          <a:xfrm>
+            <a:off x="6646628" y="3196423"/>
+            <a:ext cx="2268772" cy="765977"/>
+          </a:xfrm>
+          <a:prstGeom prst="wedgeRectCallout">
+            <a:avLst>
+              <a:gd name="adj1" fmla="val -136361"/>
+              <a:gd name="adj2" fmla="val -76363"/>
+            </a:avLst>
+          </a:prstGeom>
+          <a:solidFill>
+            <a:schemeClr val="bg1"/>
+          </a:solidFill>
+          <a:ln>
+            <a:solidFill>
+              <a:schemeClr val="tx2"/>
+            </a:solidFill>
+          </a:ln>
+        </p:spPr>
+        <p:style>
+          <a:lnRef idx="2">
+            <a:schemeClr val="accent3">
+              <a:shade val="50000"/>
+            </a:schemeClr>
+          </a:lnRef>
+          <a:fillRef idx="1">
+            <a:schemeClr val="accent3"/>
+          </a:fillRef>
+          <a:effectRef idx="0">
+            <a:schemeClr val="accent3"/>
+          </a:effectRef>
+          <a:fontRef idx="minor">
+            <a:schemeClr val="lt1"/>
+          </a:fontRef>
+        </p:style>
+        <p:txBody>
+          <a:bodyPr rtlCol="0" anchor="ctr"/>
+          <a:lstStyle/>
+          <a:p>
+            <a:pPr algn="ctr"/>
+            <a:r>
+              <a:rPr lang="en-US" dirty="0" smtClean="0">
+                <a:solidFill>
+                  <a:schemeClr val="tx1"/>
+                </a:solidFill>
+                <a:latin typeface="Open Sans" panose="020B0606030504020204" pitchFamily="34" charset="0"/>
+                <a:ea typeface="Open Sans" panose="020B0606030504020204" pitchFamily="34" charset="0"/>
+                <a:cs typeface="Open Sans" panose="020B0606030504020204" pitchFamily="34" charset="0"/>
+              </a:rPr>
+              <a:t>Time complexity</a:t>
+            </a:r>
+          </a:p>
+          <a:p>
+            <a:pPr algn="ctr"/>
+            <a:endParaRPr lang="en-US" dirty="0">
+              <a:solidFill>
+                <a:schemeClr val="tx1"/>
+              </a:solidFill>
+              <a:latin typeface="Open Sans" panose="020B0606030504020204" pitchFamily="34" charset="0"/>
+              <a:ea typeface="Open Sans" panose="020B0606030504020204" pitchFamily="34" charset="0"/>
+              <a:cs typeface="Open Sans" panose="020B0606030504020204" pitchFamily="34" charset="0"/>
+            </a:endParaRPr>
+          </a:p>
+        </p:txBody>
+      </p:sp>
+      <p:pic>
+        <p:nvPicPr>
+          <p:cNvPr id="20" name="Picture 8"/>
+          <p:cNvPicPr>
+            <a:picLocks noChangeAspect="1"/>
+          </p:cNvPicPr>
+          <p:nvPr>
+            <p:custDataLst>
+              <p:tags r:id="rId4"/>
+            </p:custDataLst>
+          </p:nvPr>
+        </p:nvPicPr>
+        <p:blipFill>
+          <a:blip r:embed="rId10" cstate="print">
+            <a:extLst>
+              <a:ext uri="{28A0092B-C50C-407E-A947-70E740481C1C}">
+                <a14:useLocalDpi xmlns:a14="http://schemas.microsoft.com/office/drawing/2010/main" val="0"/>
+              </a:ext>
+            </a:extLst>
+          </a:blip>
+          <a:stretch>
+            <a:fillRect/>
+          </a:stretch>
+        </p:blipFill>
+        <p:spPr>
+          <a:xfrm>
+            <a:off x="7149086" y="3659914"/>
+            <a:ext cx="1232914" cy="226286"/>
+          </a:xfrm>
+          <a:prstGeom prst="rect">
+            <a:avLst/>
+          </a:prstGeom>
+        </p:spPr>
+      </p:pic>
+      <p:pic>
+        <p:nvPicPr>
+          <p:cNvPr id="3" name="图片 2"/>
+          <p:cNvPicPr>
+            <a:picLocks noChangeAspect="1"/>
+          </p:cNvPicPr>
+          <p:nvPr>
+            <p:custDataLst>
+              <p:tags r:id="rId5"/>
+            </p:custDataLst>
+          </p:nvPr>
+        </p:nvPicPr>
+        <p:blipFill>
+          <a:blip r:embed="rId11" cstate="print">
+            <a:extLst>
+              <a:ext uri="{28A0092B-C50C-407E-A947-70E740481C1C}">
+                <a14:useLocalDpi xmlns:a14="http://schemas.microsoft.com/office/drawing/2010/main" val="0"/>
+              </a:ext>
+            </a:extLst>
+          </a:blip>
+          <a:stretch>
+            <a:fillRect/>
+          </a:stretch>
+        </p:blipFill>
+        <p:spPr>
+          <a:xfrm>
+            <a:off x="3276600" y="4091971"/>
+            <a:ext cx="2243048" cy="251429"/>
+          </a:xfrm>
+          <a:prstGeom prst="rect">
+            <a:avLst/>
+          </a:prstGeom>
+        </p:spPr>
+      </p:pic>
+    </p:spTree>
+    <p:custDataLst>
+      <p:tags r:id="rId1"/>
+    </p:custDataLst>
+    <p:extLst>
+      <p:ext uri="{BB962C8B-B14F-4D97-AF65-F5344CB8AC3E}">
+        <p14:creationId xmlns:p14="http://schemas.microsoft.com/office/powerpoint/2010/main" val="3259281225"/>
+      </p:ext>
+    </p:extLst>
+  </p:cSld>
+  <p:clrMapOvr>
+    <a:masterClrMapping/>
+  </p:clrMapOvr>
+  <p:transition/>
+  <p:timing>
+    <p:tnLst>
+      <p:par>
+        <p:cTn id="1" dur="indefinite" restart="never" nodeType="tmRoot"/>
+      </p:par>
+    </p:tnLst>
+  </p:timing>
+</p:sld>
+</file>
+
+<file path=ppt/slides/slide18.xml><?xml version="1.0" encoding="utf-8"?>
+<p:sld xmlns:a="http://schemas.openxmlformats.org/drawingml/2006/main" xmlns:r="http://schemas.openxmlformats.org/officeDocument/2006/relationships" xmlns:p="http://schemas.openxmlformats.org/presentationml/2006/main" show="0">
   <p:cSld>
     <p:spTree>
       <p:nvGrpSpPr>
@@ -12474,7 +15984,7 @@
     </p:custDataLst>
     <p:extLst>
       <p:ext uri="{BB962C8B-B14F-4D97-AF65-F5344CB8AC3E}">
-        <p14:creationId xmlns:p14="http://schemas.microsoft.com/office/powerpoint/2010/main" val="1425120780"/>
+        <p14:creationId xmlns:p14="http://schemas.microsoft.com/office/powerpoint/2010/main" val="2866083686"/>
       </p:ext>
     </p:extLst>
   </p:cSld>
@@ -12925,8 +16435,8 @@
 </p:sld>
 </file>
 
-<file path=ppt/slides/slide16.xml><?xml version="1.0" encoding="utf-8"?>
-<p:sld xmlns:a="http://schemas.openxmlformats.org/drawingml/2006/main" xmlns:r="http://schemas.openxmlformats.org/officeDocument/2006/relationships" xmlns:p="http://schemas.openxmlformats.org/presentationml/2006/main">
+<file path=ppt/slides/slide19.xml><?xml version="1.0" encoding="utf-8"?>
+<p:sld xmlns:a="http://schemas.openxmlformats.org/drawingml/2006/main" xmlns:r="http://schemas.openxmlformats.org/officeDocument/2006/relationships" xmlns:p="http://schemas.openxmlformats.org/presentationml/2006/main" show="0">
   <p:cSld>
     <p:spTree>
       <p:nvGrpSpPr>
@@ -13063,7 +16573,1152 @@
 </p:sld>
 </file>
 
-<file path=ppt/slides/slide17.xml><?xml version="1.0" encoding="utf-8"?>
+<file path=ppt/slides/slide2.xml><?xml version="1.0" encoding="utf-8"?>
+<p:sld xmlns:a="http://schemas.openxmlformats.org/drawingml/2006/main" xmlns:r="http://schemas.openxmlformats.org/officeDocument/2006/relationships" xmlns:p="http://schemas.openxmlformats.org/presentationml/2006/main">
+  <p:cSld>
+    <p:spTree>
+      <p:nvGrpSpPr>
+        <p:cNvPr id="1" name=""/>
+        <p:cNvGrpSpPr/>
+        <p:nvPr/>
+      </p:nvGrpSpPr>
+      <p:grpSpPr>
+        <a:xfrm>
+          <a:off x="0" y="0"/>
+          <a:ext cx="0" cy="0"/>
+          <a:chOff x="0" y="0"/>
+          <a:chExt cx="0" cy="0"/>
+        </a:xfrm>
+      </p:grpSpPr>
+      <p:sp>
+        <p:nvSpPr>
+          <p:cNvPr id="17410" name="Rectangle 2"/>
+          <p:cNvSpPr>
+            <a:spLocks noGrp="1" noChangeArrowheads="1"/>
+          </p:cNvSpPr>
+          <p:nvPr>
+            <p:ph type="title"/>
+          </p:nvPr>
+        </p:nvSpPr>
+        <p:spPr>
+          <a:xfrm>
+            <a:off x="457200" y="304800"/>
+            <a:ext cx="9144000" cy="623888"/>
+          </a:xfrm>
+        </p:spPr>
+        <p:txBody>
+          <a:bodyPr/>
+          <a:lstStyle/>
+          <a:p>
+            <a:r>
+              <a:rPr lang="en-US" altLang="en-US" sz="3200" b="1" dirty="0">
+                <a:latin typeface="Open Sans" panose="020B0606030504020204" pitchFamily="34" charset="0"/>
+                <a:ea typeface="Open Sans" panose="020B0606030504020204" pitchFamily="34" charset="0"/>
+                <a:cs typeface="Open Sans" panose="020B0606030504020204" pitchFamily="34" charset="0"/>
+              </a:rPr>
+              <a:t>Recommender </a:t>
+            </a:r>
+            <a:r>
+              <a:rPr lang="en-US" altLang="en-US" sz="3200" b="1" dirty="0" smtClean="0">
+                <a:latin typeface="Open Sans" panose="020B0606030504020204" pitchFamily="34" charset="0"/>
+                <a:ea typeface="Open Sans" panose="020B0606030504020204" pitchFamily="34" charset="0"/>
+                <a:cs typeface="Open Sans" panose="020B0606030504020204" pitchFamily="34" charset="0"/>
+              </a:rPr>
+              <a:t>systems</a:t>
+            </a:r>
+            <a:r>
+              <a:rPr lang="en-US" altLang="en-US" sz="3200" b="1" baseline="30000" dirty="0" smtClean="0">
+                <a:solidFill>
+                  <a:srgbClr val="3333FF"/>
+                </a:solidFill>
+                <a:latin typeface="Open Sans" panose="020B0606030504020204" pitchFamily="34" charset="0"/>
+                <a:ea typeface="Open Sans" panose="020B0606030504020204" pitchFamily="34" charset="0"/>
+                <a:cs typeface="Open Sans" panose="020B0606030504020204" pitchFamily="34" charset="0"/>
+              </a:rPr>
+              <a:t>1</a:t>
+            </a:r>
+            <a:endParaRPr lang="en-US" altLang="en-US" sz="3200" b="1" dirty="0">
+              <a:latin typeface="Open Sans" panose="020B0606030504020204" pitchFamily="34" charset="0"/>
+              <a:ea typeface="Open Sans" panose="020B0606030504020204" pitchFamily="34" charset="0"/>
+              <a:cs typeface="Open Sans" panose="020B0606030504020204" pitchFamily="34" charset="0"/>
+            </a:endParaRPr>
+          </a:p>
+        </p:txBody>
+      </p:sp>
+      <p:sp>
+        <p:nvSpPr>
+          <p:cNvPr id="17414" name="Oval 6"/>
+          <p:cNvSpPr>
+            <a:spLocks noChangeArrowheads="1"/>
+          </p:cNvSpPr>
+          <p:nvPr/>
+        </p:nvSpPr>
+        <p:spPr bwMode="auto">
+          <a:xfrm>
+            <a:off x="1828800" y="1589088"/>
+            <a:ext cx="534988" cy="493712"/>
+          </a:xfrm>
+          <a:prstGeom prst="ellipse">
+            <a:avLst/>
+          </a:prstGeom>
+          <a:solidFill>
+            <a:schemeClr val="accent1"/>
+          </a:solidFill>
+          <a:ln w="9525">
+            <a:solidFill>
+              <a:schemeClr val="tx1"/>
+            </a:solidFill>
+            <a:round/>
+            <a:headEnd/>
+            <a:tailEnd/>
+          </a:ln>
+          <a:effectLst/>
+          <a:extLst>
+            <a:ext uri="{AF507438-7753-43E0-B8FC-AC1667EBCBE1}">
+              <a14:hiddenEffects xmlns:a14="http://schemas.microsoft.com/office/drawing/2010/main">
+                <a:effectLst>
+                  <a:outerShdw dist="35921" dir="2700000" algn="ctr" rotWithShape="0">
+                    <a:schemeClr val="bg2"/>
+                  </a:outerShdw>
+                </a:effectLst>
+              </a14:hiddenEffects>
+            </a:ext>
+          </a:extLst>
+        </p:spPr>
+        <p:txBody>
+          <a:bodyPr wrap="none" anchor="ctr"/>
+          <a:lstStyle/>
+          <a:p>
+            <a:endParaRPr lang="en-US"/>
+          </a:p>
+        </p:txBody>
+      </p:sp>
+      <p:sp>
+        <p:nvSpPr>
+          <p:cNvPr id="17416" name="Oval 8"/>
+          <p:cNvSpPr>
+            <a:spLocks noChangeArrowheads="1"/>
+          </p:cNvSpPr>
+          <p:nvPr/>
+        </p:nvSpPr>
+        <p:spPr bwMode="auto">
+          <a:xfrm>
+            <a:off x="1881188" y="3260725"/>
+            <a:ext cx="534987" cy="493713"/>
+          </a:xfrm>
+          <a:prstGeom prst="ellipse">
+            <a:avLst/>
+          </a:prstGeom>
+          <a:solidFill>
+            <a:schemeClr val="accent1"/>
+          </a:solidFill>
+          <a:ln w="9525">
+            <a:solidFill>
+              <a:schemeClr val="tx1"/>
+            </a:solidFill>
+            <a:round/>
+            <a:headEnd/>
+            <a:tailEnd/>
+          </a:ln>
+          <a:effectLst/>
+          <a:extLst>
+            <a:ext uri="{AF507438-7753-43E0-B8FC-AC1667EBCBE1}">
+              <a14:hiddenEffects xmlns:a14="http://schemas.microsoft.com/office/drawing/2010/main">
+                <a:effectLst>
+                  <a:outerShdw dist="35921" dir="2700000" algn="ctr" rotWithShape="0">
+                    <a:schemeClr val="bg2"/>
+                  </a:outerShdw>
+                </a:effectLst>
+              </a14:hiddenEffects>
+            </a:ext>
+          </a:extLst>
+        </p:spPr>
+        <p:txBody>
+          <a:bodyPr wrap="none" anchor="ctr"/>
+          <a:lstStyle/>
+          <a:p>
+            <a:endParaRPr lang="en-US"/>
+          </a:p>
+        </p:txBody>
+      </p:sp>
+      <p:sp>
+        <p:nvSpPr>
+          <p:cNvPr id="17417" name="Oval 9"/>
+          <p:cNvSpPr>
+            <a:spLocks noChangeArrowheads="1"/>
+          </p:cNvSpPr>
+          <p:nvPr/>
+        </p:nvSpPr>
+        <p:spPr bwMode="auto">
+          <a:xfrm>
+            <a:off x="1938338" y="5076825"/>
+            <a:ext cx="534987" cy="493713"/>
+          </a:xfrm>
+          <a:prstGeom prst="ellipse">
+            <a:avLst/>
+          </a:prstGeom>
+          <a:solidFill>
+            <a:schemeClr val="accent1"/>
+          </a:solidFill>
+          <a:ln w="9525">
+            <a:solidFill>
+              <a:schemeClr val="tx1"/>
+            </a:solidFill>
+            <a:round/>
+            <a:headEnd/>
+            <a:tailEnd/>
+          </a:ln>
+          <a:effectLst/>
+          <a:extLst>
+            <a:ext uri="{AF507438-7753-43E0-B8FC-AC1667EBCBE1}">
+              <a14:hiddenEffects xmlns:a14="http://schemas.microsoft.com/office/drawing/2010/main">
+                <a:effectLst>
+                  <a:outerShdw dist="35921" dir="2700000" algn="ctr" rotWithShape="0">
+                    <a:schemeClr val="bg2"/>
+                  </a:outerShdw>
+                </a:effectLst>
+              </a14:hiddenEffects>
+            </a:ext>
+          </a:extLst>
+        </p:spPr>
+        <p:txBody>
+          <a:bodyPr wrap="none" anchor="ctr"/>
+          <a:lstStyle/>
+          <a:p>
+            <a:endParaRPr lang="en-US"/>
+          </a:p>
+        </p:txBody>
+      </p:sp>
+      <p:sp>
+        <p:nvSpPr>
+          <p:cNvPr id="17425" name="Text Box 17"/>
+          <p:cNvSpPr txBox="1">
+            <a:spLocks noChangeArrowheads="1"/>
+          </p:cNvSpPr>
+          <p:nvPr/>
+        </p:nvSpPr>
+        <p:spPr bwMode="auto">
+          <a:xfrm>
+            <a:off x="746125" y="1519238"/>
+            <a:ext cx="885825" cy="366712"/>
+          </a:xfrm>
+          <a:prstGeom prst="rect">
+            <a:avLst/>
+          </a:prstGeom>
+          <a:noFill/>
+          <a:ln>
+            <a:noFill/>
+          </a:ln>
+          <a:effectLst/>
+          <a:extLst>
+            <a:ext uri="{909E8E84-426E-40DD-AFC4-6F175D3DCCD1}">
+              <a14:hiddenFill xmlns:a14="http://schemas.microsoft.com/office/drawing/2010/main">
+                <a:solidFill>
+                  <a:schemeClr val="accent1"/>
+                </a:solidFill>
+              </a14:hiddenFill>
+            </a:ext>
+            <a:ext uri="{91240B29-F687-4F45-9708-019B960494DF}">
+              <a14:hiddenLine xmlns:a14="http://schemas.microsoft.com/office/drawing/2010/main" w="9525">
+                <a:solidFill>
+                  <a:schemeClr val="tx1"/>
+                </a:solidFill>
+                <a:miter lim="800000"/>
+                <a:headEnd/>
+                <a:tailEnd/>
+              </a14:hiddenLine>
+            </a:ext>
+            <a:ext uri="{AF507438-7753-43E0-B8FC-AC1667EBCBE1}">
+              <a14:hiddenEffects xmlns:a14="http://schemas.microsoft.com/office/drawing/2010/main">
+                <a:effectLst>
+                  <a:outerShdw dist="35921" dir="2700000" algn="ctr" rotWithShape="0">
+                    <a:schemeClr val="bg2"/>
+                  </a:outerShdw>
+                </a:effectLst>
+              </a14:hiddenEffects>
+            </a:ext>
+          </a:extLst>
+        </p:spPr>
+        <p:txBody>
+          <a:bodyPr>
+            <a:spAutoFit/>
+          </a:bodyPr>
+          <a:lstStyle/>
+          <a:p>
+            <a:pPr>
+              <a:spcBef>
+                <a:spcPct val="50000"/>
+              </a:spcBef>
+            </a:pPr>
+            <a:r>
+              <a:rPr lang="en-US" altLang="en-US" dirty="0"/>
+              <a:t>Alice</a:t>
+            </a:r>
+          </a:p>
+        </p:txBody>
+      </p:sp>
+      <p:sp>
+        <p:nvSpPr>
+          <p:cNvPr id="17426" name="Text Box 18"/>
+          <p:cNvSpPr txBox="1">
+            <a:spLocks noChangeArrowheads="1"/>
+          </p:cNvSpPr>
+          <p:nvPr/>
+        </p:nvSpPr>
+        <p:spPr bwMode="auto">
+          <a:xfrm>
+            <a:off x="758825" y="3386138"/>
+            <a:ext cx="885825" cy="366712"/>
+          </a:xfrm>
+          <a:prstGeom prst="rect">
+            <a:avLst/>
+          </a:prstGeom>
+          <a:noFill/>
+          <a:ln>
+            <a:noFill/>
+          </a:ln>
+          <a:effectLst/>
+          <a:extLst>
+            <a:ext uri="{909E8E84-426E-40DD-AFC4-6F175D3DCCD1}">
+              <a14:hiddenFill xmlns:a14="http://schemas.microsoft.com/office/drawing/2010/main">
+                <a:solidFill>
+                  <a:schemeClr val="accent1"/>
+                </a:solidFill>
+              </a14:hiddenFill>
+            </a:ext>
+            <a:ext uri="{91240B29-F687-4F45-9708-019B960494DF}">
+              <a14:hiddenLine xmlns:a14="http://schemas.microsoft.com/office/drawing/2010/main" w="9525">
+                <a:solidFill>
+                  <a:schemeClr val="tx1"/>
+                </a:solidFill>
+                <a:miter lim="800000"/>
+                <a:headEnd/>
+                <a:tailEnd/>
+              </a14:hiddenLine>
+            </a:ext>
+            <a:ext uri="{AF507438-7753-43E0-B8FC-AC1667EBCBE1}">
+              <a14:hiddenEffects xmlns:a14="http://schemas.microsoft.com/office/drawing/2010/main">
+                <a:effectLst>
+                  <a:outerShdw dist="35921" dir="2700000" algn="ctr" rotWithShape="0">
+                    <a:schemeClr val="bg2"/>
+                  </a:outerShdw>
+                </a:effectLst>
+              </a14:hiddenEffects>
+            </a:ext>
+          </a:extLst>
+        </p:spPr>
+        <p:txBody>
+          <a:bodyPr>
+            <a:spAutoFit/>
+          </a:bodyPr>
+          <a:lstStyle/>
+          <a:p>
+            <a:pPr>
+              <a:spcBef>
+                <a:spcPct val="50000"/>
+              </a:spcBef>
+            </a:pPr>
+            <a:r>
+              <a:rPr lang="en-US" altLang="en-US"/>
+              <a:t>Bob</a:t>
+            </a:r>
+          </a:p>
+        </p:txBody>
+      </p:sp>
+      <p:sp>
+        <p:nvSpPr>
+          <p:cNvPr id="17427" name="Text Box 19"/>
+          <p:cNvSpPr txBox="1">
+            <a:spLocks noChangeArrowheads="1"/>
+          </p:cNvSpPr>
+          <p:nvPr/>
+        </p:nvSpPr>
+        <p:spPr bwMode="auto">
+          <a:xfrm>
+            <a:off x="671513" y="5145088"/>
+            <a:ext cx="1084262" cy="366712"/>
+          </a:xfrm>
+          <a:prstGeom prst="rect">
+            <a:avLst/>
+          </a:prstGeom>
+          <a:noFill/>
+          <a:ln>
+            <a:noFill/>
+          </a:ln>
+          <a:effectLst/>
+          <a:extLst>
+            <a:ext uri="{909E8E84-426E-40DD-AFC4-6F175D3DCCD1}">
+              <a14:hiddenFill xmlns:a14="http://schemas.microsoft.com/office/drawing/2010/main">
+                <a:solidFill>
+                  <a:schemeClr val="accent1"/>
+                </a:solidFill>
+              </a14:hiddenFill>
+            </a:ext>
+            <a:ext uri="{91240B29-F687-4F45-9708-019B960494DF}">
+              <a14:hiddenLine xmlns:a14="http://schemas.microsoft.com/office/drawing/2010/main" w="9525">
+                <a:solidFill>
+                  <a:schemeClr val="tx1"/>
+                </a:solidFill>
+                <a:miter lim="800000"/>
+                <a:headEnd/>
+                <a:tailEnd/>
+              </a14:hiddenLine>
+            </a:ext>
+            <a:ext uri="{AF507438-7753-43E0-B8FC-AC1667EBCBE1}">
+              <a14:hiddenEffects xmlns:a14="http://schemas.microsoft.com/office/drawing/2010/main">
+                <a:effectLst>
+                  <a:outerShdw dist="35921" dir="2700000" algn="ctr" rotWithShape="0">
+                    <a:schemeClr val="bg2"/>
+                  </a:outerShdw>
+                </a:effectLst>
+              </a14:hiddenEffects>
+            </a:ext>
+          </a:extLst>
+        </p:spPr>
+        <p:txBody>
+          <a:bodyPr>
+            <a:spAutoFit/>
+          </a:bodyPr>
+          <a:lstStyle/>
+          <a:p>
+            <a:pPr>
+              <a:spcBef>
+                <a:spcPct val="50000"/>
+              </a:spcBef>
+            </a:pPr>
+            <a:r>
+              <a:rPr lang="en-US" altLang="en-US"/>
+              <a:t>Charlie</a:t>
+            </a:r>
+          </a:p>
+        </p:txBody>
+      </p:sp>
+      <p:pic>
+        <p:nvPicPr>
+          <p:cNvPr id="17428" name="Picture 20" descr="kill-bill"/>
+          <p:cNvPicPr>
+            <a:picLocks noChangeAspect="1" noChangeArrowheads="1"/>
+          </p:cNvPicPr>
+          <p:nvPr/>
+        </p:nvPicPr>
+        <p:blipFill>
+          <a:blip r:embed="rId4">
+            <a:extLst>
+              <a:ext uri="{28A0092B-C50C-407E-A947-70E740481C1C}">
+                <a14:useLocalDpi xmlns:a14="http://schemas.microsoft.com/office/drawing/2010/main" val="0"/>
+              </a:ext>
+            </a:extLst>
+          </a:blip>
+          <a:srcRect/>
+          <a:stretch>
+            <a:fillRect/>
+          </a:stretch>
+        </p:blipFill>
+        <p:spPr bwMode="auto">
+          <a:xfrm>
+            <a:off x="4608513" y="2100263"/>
+            <a:ext cx="639762" cy="893762"/>
+          </a:xfrm>
+          <a:prstGeom prst="rect">
+            <a:avLst/>
+          </a:prstGeom>
+          <a:noFill/>
+          <a:extLst>
+            <a:ext uri="{909E8E84-426E-40DD-AFC4-6F175D3DCCD1}">
+              <a14:hiddenFill xmlns:a14="http://schemas.microsoft.com/office/drawing/2010/main">
+                <a:solidFill>
+                  <a:srgbClr val="FFFFFF"/>
+                </a:solidFill>
+              </a14:hiddenFill>
+            </a:ext>
+          </a:extLst>
+        </p:spPr>
+      </p:pic>
+      <p:pic>
+        <p:nvPicPr>
+          <p:cNvPr id="17429" name="Picture 21" descr="flushed_away"/>
+          <p:cNvPicPr>
+            <a:picLocks noChangeAspect="1" noChangeArrowheads="1"/>
+          </p:cNvPicPr>
+          <p:nvPr/>
+        </p:nvPicPr>
+        <p:blipFill>
+          <a:blip r:embed="rId5" cstate="print">
+            <a:extLst>
+              <a:ext uri="{28A0092B-C50C-407E-A947-70E740481C1C}">
+                <a14:useLocalDpi xmlns:a14="http://schemas.microsoft.com/office/drawing/2010/main" val="0"/>
+              </a:ext>
+            </a:extLst>
+          </a:blip>
+          <a:srcRect/>
+          <a:stretch>
+            <a:fillRect/>
+          </a:stretch>
+        </p:blipFill>
+        <p:spPr bwMode="auto">
+          <a:xfrm>
+            <a:off x="4524375" y="962025"/>
+            <a:ext cx="706438" cy="936625"/>
+          </a:xfrm>
+          <a:prstGeom prst="rect">
+            <a:avLst/>
+          </a:prstGeom>
+          <a:noFill/>
+          <a:extLst>
+            <a:ext uri="{909E8E84-426E-40DD-AFC4-6F175D3DCCD1}">
+              <a14:hiddenFill xmlns:a14="http://schemas.microsoft.com/office/drawing/2010/main">
+                <a:solidFill>
+                  <a:srgbClr val="FFFFFF"/>
+                </a:solidFill>
+              </a14:hiddenFill>
+            </a:ext>
+          </a:extLst>
+        </p:spPr>
+      </p:pic>
+      <p:pic>
+        <p:nvPicPr>
+          <p:cNvPr id="17430" name="Picture 22" descr="departed-poster-1"/>
+          <p:cNvPicPr>
+            <a:picLocks noChangeAspect="1" noChangeArrowheads="1"/>
+          </p:cNvPicPr>
+          <p:nvPr/>
+        </p:nvPicPr>
+        <p:blipFill>
+          <a:blip r:embed="rId6" cstate="print">
+            <a:extLst>
+              <a:ext uri="{28A0092B-C50C-407E-A947-70E740481C1C}">
+                <a14:useLocalDpi xmlns:a14="http://schemas.microsoft.com/office/drawing/2010/main" val="0"/>
+              </a:ext>
+            </a:extLst>
+          </a:blip>
+          <a:srcRect/>
+          <a:stretch>
+            <a:fillRect/>
+          </a:stretch>
+        </p:blipFill>
+        <p:spPr bwMode="auto">
+          <a:xfrm>
+            <a:off x="4378325" y="5057775"/>
+            <a:ext cx="1203325" cy="912813"/>
+          </a:xfrm>
+          <a:prstGeom prst="rect">
+            <a:avLst/>
+          </a:prstGeom>
+          <a:noFill/>
+          <a:extLst>
+            <a:ext uri="{909E8E84-426E-40DD-AFC4-6F175D3DCCD1}">
+              <a14:hiddenFill xmlns:a14="http://schemas.microsoft.com/office/drawing/2010/main">
+                <a:solidFill>
+                  <a:srgbClr val="FFFFFF"/>
+                </a:solidFill>
+              </a14:hiddenFill>
+            </a:ext>
+          </a:extLst>
+        </p:spPr>
+      </p:pic>
+      <p:sp>
+        <p:nvSpPr>
+          <p:cNvPr id="17431" name="Line 23"/>
+          <p:cNvSpPr>
+            <a:spLocks noChangeShapeType="1"/>
+          </p:cNvSpPr>
+          <p:nvPr/>
+        </p:nvSpPr>
+        <p:spPr bwMode="auto">
+          <a:xfrm flipV="1">
+            <a:off x="2378075" y="1519238"/>
+            <a:ext cx="2209800" cy="280987"/>
+          </a:xfrm>
+          <a:prstGeom prst="line">
+            <a:avLst/>
+          </a:prstGeom>
+          <a:noFill/>
+          <a:ln w="9525">
+            <a:solidFill>
+              <a:schemeClr val="tx1"/>
+            </a:solidFill>
+            <a:round/>
+            <a:headEnd/>
+            <a:tailEnd/>
+          </a:ln>
+          <a:effectLst/>
+          <a:extLst>
+            <a:ext uri="{909E8E84-426E-40DD-AFC4-6F175D3DCCD1}">
+              <a14:hiddenFill xmlns:a14="http://schemas.microsoft.com/office/drawing/2010/main">
+                <a:noFill/>
+              </a14:hiddenFill>
+            </a:ext>
+            <a:ext uri="{AF507438-7753-43E0-B8FC-AC1667EBCBE1}">
+              <a14:hiddenEffects xmlns:a14="http://schemas.microsoft.com/office/drawing/2010/main">
+                <a:effectLst>
+                  <a:outerShdw dist="35921" dir="2700000" algn="ctr" rotWithShape="0">
+                    <a:schemeClr val="bg2"/>
+                  </a:outerShdw>
+                </a:effectLst>
+              </a14:hiddenEffects>
+            </a:ext>
+          </a:extLst>
+        </p:spPr>
+        <p:txBody>
+          <a:bodyPr/>
+          <a:lstStyle/>
+          <a:p>
+            <a:endParaRPr lang="en-US"/>
+          </a:p>
+        </p:txBody>
+      </p:sp>
+      <p:sp>
+        <p:nvSpPr>
+          <p:cNvPr id="17432" name="Line 24"/>
+          <p:cNvSpPr>
+            <a:spLocks noChangeShapeType="1"/>
+          </p:cNvSpPr>
+          <p:nvPr/>
+        </p:nvSpPr>
+        <p:spPr bwMode="auto">
+          <a:xfrm>
+            <a:off x="2363788" y="1800225"/>
+            <a:ext cx="2238375" cy="871538"/>
+          </a:xfrm>
+          <a:prstGeom prst="line">
+            <a:avLst/>
+          </a:prstGeom>
+          <a:noFill/>
+          <a:ln w="9525">
+            <a:solidFill>
+              <a:schemeClr val="tx1"/>
+            </a:solidFill>
+            <a:round/>
+            <a:headEnd/>
+            <a:tailEnd/>
+          </a:ln>
+          <a:effectLst/>
+          <a:extLst>
+            <a:ext uri="{909E8E84-426E-40DD-AFC4-6F175D3DCCD1}">
+              <a14:hiddenFill xmlns:a14="http://schemas.microsoft.com/office/drawing/2010/main">
+                <a:noFill/>
+              </a14:hiddenFill>
+            </a:ext>
+            <a:ext uri="{AF507438-7753-43E0-B8FC-AC1667EBCBE1}">
+              <a14:hiddenEffects xmlns:a14="http://schemas.microsoft.com/office/drawing/2010/main">
+                <a:effectLst>
+                  <a:outerShdw dist="35921" dir="2700000" algn="ctr" rotWithShape="0">
+                    <a:schemeClr val="bg2"/>
+                  </a:outerShdw>
+                </a:effectLst>
+              </a14:hiddenEffects>
+            </a:ext>
+          </a:extLst>
+        </p:spPr>
+        <p:txBody>
+          <a:bodyPr/>
+          <a:lstStyle/>
+          <a:p>
+            <a:endParaRPr lang="en-US"/>
+          </a:p>
+        </p:txBody>
+      </p:sp>
+      <p:sp>
+        <p:nvSpPr>
+          <p:cNvPr id="17433" name="Line 25"/>
+          <p:cNvSpPr>
+            <a:spLocks noChangeShapeType="1"/>
+          </p:cNvSpPr>
+          <p:nvPr/>
+        </p:nvSpPr>
+        <p:spPr bwMode="auto">
+          <a:xfrm flipV="1">
+            <a:off x="2405063" y="2686050"/>
+            <a:ext cx="2225675" cy="858838"/>
+          </a:xfrm>
+          <a:prstGeom prst="line">
+            <a:avLst/>
+          </a:prstGeom>
+          <a:noFill/>
+          <a:ln w="9525">
+            <a:solidFill>
+              <a:schemeClr val="tx1"/>
+            </a:solidFill>
+            <a:round/>
+            <a:headEnd/>
+            <a:tailEnd/>
+          </a:ln>
+          <a:effectLst/>
+          <a:extLst>
+            <a:ext uri="{909E8E84-426E-40DD-AFC4-6F175D3DCCD1}">
+              <a14:hiddenFill xmlns:a14="http://schemas.microsoft.com/office/drawing/2010/main">
+                <a:noFill/>
+              </a14:hiddenFill>
+            </a:ext>
+            <a:ext uri="{AF507438-7753-43E0-B8FC-AC1667EBCBE1}">
+              <a14:hiddenEffects xmlns:a14="http://schemas.microsoft.com/office/drawing/2010/main">
+                <a:effectLst>
+                  <a:outerShdw dist="35921" dir="2700000" algn="ctr" rotWithShape="0">
+                    <a:schemeClr val="bg2"/>
+                  </a:outerShdw>
+                </a:effectLst>
+              </a14:hiddenEffects>
+            </a:ext>
+          </a:extLst>
+        </p:spPr>
+        <p:txBody>
+          <a:bodyPr/>
+          <a:lstStyle/>
+          <a:p>
+            <a:endParaRPr lang="en-US"/>
+          </a:p>
+        </p:txBody>
+      </p:sp>
+      <p:sp>
+        <p:nvSpPr>
+          <p:cNvPr id="17434" name="Line 26"/>
+          <p:cNvSpPr>
+            <a:spLocks noChangeShapeType="1"/>
+          </p:cNvSpPr>
+          <p:nvPr/>
+        </p:nvSpPr>
+        <p:spPr bwMode="auto">
+          <a:xfrm>
+            <a:off x="2419350" y="3559175"/>
+            <a:ext cx="1955800" cy="1927225"/>
+          </a:xfrm>
+          <a:prstGeom prst="line">
+            <a:avLst/>
+          </a:prstGeom>
+          <a:noFill/>
+          <a:ln w="9525">
+            <a:solidFill>
+              <a:schemeClr val="tx1"/>
+            </a:solidFill>
+            <a:round/>
+            <a:headEnd/>
+            <a:tailEnd/>
+          </a:ln>
+          <a:effectLst/>
+          <a:extLst>
+            <a:ext uri="{909E8E84-426E-40DD-AFC4-6F175D3DCCD1}">
+              <a14:hiddenFill xmlns:a14="http://schemas.microsoft.com/office/drawing/2010/main">
+                <a:noFill/>
+              </a14:hiddenFill>
+            </a:ext>
+            <a:ext uri="{AF507438-7753-43E0-B8FC-AC1667EBCBE1}">
+              <a14:hiddenEffects xmlns:a14="http://schemas.microsoft.com/office/drawing/2010/main">
+                <a:effectLst>
+                  <a:outerShdw dist="35921" dir="2700000" algn="ctr" rotWithShape="0">
+                    <a:schemeClr val="bg2"/>
+                  </a:outerShdw>
+                </a:effectLst>
+              </a14:hiddenEffects>
+            </a:ext>
+          </a:extLst>
+        </p:spPr>
+        <p:txBody>
+          <a:bodyPr/>
+          <a:lstStyle/>
+          <a:p>
+            <a:endParaRPr lang="en-US"/>
+          </a:p>
+        </p:txBody>
+      </p:sp>
+      <p:sp>
+        <p:nvSpPr>
+          <p:cNvPr id="17435" name="Line 27"/>
+          <p:cNvSpPr>
+            <a:spLocks noChangeShapeType="1"/>
+          </p:cNvSpPr>
+          <p:nvPr/>
+        </p:nvSpPr>
+        <p:spPr bwMode="auto">
+          <a:xfrm>
+            <a:off x="2476500" y="5373688"/>
+            <a:ext cx="1927225" cy="112712"/>
+          </a:xfrm>
+          <a:prstGeom prst="line">
+            <a:avLst/>
+          </a:prstGeom>
+          <a:noFill/>
+          <a:ln w="9525">
+            <a:solidFill>
+              <a:schemeClr val="tx1"/>
+            </a:solidFill>
+            <a:round/>
+            <a:headEnd/>
+            <a:tailEnd/>
+          </a:ln>
+          <a:effectLst/>
+          <a:extLst>
+            <a:ext uri="{909E8E84-426E-40DD-AFC4-6F175D3DCCD1}">
+              <a14:hiddenFill xmlns:a14="http://schemas.microsoft.com/office/drawing/2010/main">
+                <a:noFill/>
+              </a14:hiddenFill>
+            </a:ext>
+            <a:ext uri="{AF507438-7753-43E0-B8FC-AC1667EBCBE1}">
+              <a14:hiddenEffects xmlns:a14="http://schemas.microsoft.com/office/drawing/2010/main">
+                <a:effectLst>
+                  <a:outerShdw dist="35921" dir="2700000" algn="ctr" rotWithShape="0">
+                    <a:schemeClr val="bg2"/>
+                  </a:outerShdw>
+                </a:effectLst>
+              </a14:hiddenEffects>
+            </a:ext>
+          </a:extLst>
+        </p:spPr>
+        <p:txBody>
+          <a:bodyPr/>
+          <a:lstStyle/>
+          <a:p>
+            <a:endParaRPr lang="en-US"/>
+          </a:p>
+        </p:txBody>
+      </p:sp>
+      <p:pic>
+        <p:nvPicPr>
+          <p:cNvPr id="17436" name="Picture 28" descr="million-dollar-baby"/>
+          <p:cNvPicPr>
+            <a:picLocks noChangeAspect="1" noChangeArrowheads="1"/>
+          </p:cNvPicPr>
+          <p:nvPr/>
+        </p:nvPicPr>
+        <p:blipFill>
+          <a:blip r:embed="rId7" cstate="print">
+            <a:extLst>
+              <a:ext uri="{28A0092B-C50C-407E-A947-70E740481C1C}">
+                <a14:useLocalDpi xmlns:a14="http://schemas.microsoft.com/office/drawing/2010/main" val="0"/>
+              </a:ext>
+            </a:extLst>
+          </a:blip>
+          <a:srcRect/>
+          <a:stretch>
+            <a:fillRect/>
+          </a:stretch>
+        </p:blipFill>
+        <p:spPr bwMode="auto">
+          <a:xfrm>
+            <a:off x="4575175" y="3208338"/>
+            <a:ext cx="819150" cy="1158875"/>
+          </a:xfrm>
+          <a:prstGeom prst="rect">
+            <a:avLst/>
+          </a:prstGeom>
+          <a:noFill/>
+          <a:extLst>
+            <a:ext uri="{909E8E84-426E-40DD-AFC4-6F175D3DCCD1}">
+              <a14:hiddenFill xmlns:a14="http://schemas.microsoft.com/office/drawing/2010/main">
+                <a:solidFill>
+                  <a:srgbClr val="FFFFFF"/>
+                </a:solidFill>
+              </a14:hiddenFill>
+            </a:ext>
+          </a:extLst>
+        </p:spPr>
+      </p:pic>
+      <p:sp>
+        <p:nvSpPr>
+          <p:cNvPr id="17437" name="Line 29"/>
+          <p:cNvSpPr>
+            <a:spLocks noChangeShapeType="1"/>
+          </p:cNvSpPr>
+          <p:nvPr/>
+        </p:nvSpPr>
+        <p:spPr bwMode="auto">
+          <a:xfrm flipV="1">
+            <a:off x="2489200" y="3797300"/>
+            <a:ext cx="2068513" cy="1562100"/>
+          </a:xfrm>
+          <a:prstGeom prst="line">
+            <a:avLst/>
+          </a:prstGeom>
+          <a:noFill/>
+          <a:ln w="9525">
+            <a:solidFill>
+              <a:schemeClr val="tx1"/>
+            </a:solidFill>
+            <a:round/>
+            <a:headEnd/>
+            <a:tailEnd/>
+          </a:ln>
+          <a:effectLst/>
+          <a:extLst>
+            <a:ext uri="{909E8E84-426E-40DD-AFC4-6F175D3DCCD1}">
+              <a14:hiddenFill xmlns:a14="http://schemas.microsoft.com/office/drawing/2010/main">
+                <a:noFill/>
+              </a14:hiddenFill>
+            </a:ext>
+            <a:ext uri="{AF507438-7753-43E0-B8FC-AC1667EBCBE1}">
+              <a14:hiddenEffects xmlns:a14="http://schemas.microsoft.com/office/drawing/2010/main">
+                <a:effectLst>
+                  <a:outerShdw dist="35921" dir="2700000" algn="ctr" rotWithShape="0">
+                    <a:schemeClr val="bg2"/>
+                  </a:outerShdw>
+                </a:effectLst>
+              </a14:hiddenEffects>
+            </a:ext>
+          </a:extLst>
+        </p:spPr>
+        <p:txBody>
+          <a:bodyPr/>
+          <a:lstStyle/>
+          <a:p>
+            <a:endParaRPr lang="en-US"/>
+          </a:p>
+        </p:txBody>
+      </p:sp>
+      <p:sp>
+        <p:nvSpPr>
+          <p:cNvPr id="17438" name="Line 30"/>
+          <p:cNvSpPr>
+            <a:spLocks noChangeShapeType="1"/>
+          </p:cNvSpPr>
+          <p:nvPr/>
+        </p:nvSpPr>
+        <p:spPr bwMode="auto">
+          <a:xfrm>
+            <a:off x="2433638" y="3544888"/>
+            <a:ext cx="2152650" cy="252412"/>
+          </a:xfrm>
+          <a:prstGeom prst="line">
+            <a:avLst/>
+          </a:prstGeom>
+          <a:noFill/>
+          <a:ln w="9525">
+            <a:solidFill>
+              <a:schemeClr val="tx1"/>
+            </a:solidFill>
+            <a:round/>
+            <a:headEnd/>
+            <a:tailEnd/>
+          </a:ln>
+          <a:effectLst/>
+          <a:extLst>
+            <a:ext uri="{909E8E84-426E-40DD-AFC4-6F175D3DCCD1}">
+              <a14:hiddenFill xmlns:a14="http://schemas.microsoft.com/office/drawing/2010/main">
+                <a:noFill/>
+              </a14:hiddenFill>
+            </a:ext>
+            <a:ext uri="{AF507438-7753-43E0-B8FC-AC1667EBCBE1}">
+              <a14:hiddenEffects xmlns:a14="http://schemas.microsoft.com/office/drawing/2010/main">
+                <a:effectLst>
+                  <a:outerShdw dist="35921" dir="2700000" algn="ctr" rotWithShape="0">
+                    <a:schemeClr val="bg2"/>
+                  </a:outerShdw>
+                </a:effectLst>
+              </a14:hiddenEffects>
+            </a:ext>
+          </a:extLst>
+        </p:spPr>
+        <p:txBody>
+          <a:bodyPr/>
+          <a:lstStyle/>
+          <a:p>
+            <a:endParaRPr lang="en-US"/>
+          </a:p>
+        </p:txBody>
+      </p:sp>
+      <p:sp>
+        <p:nvSpPr>
+          <p:cNvPr id="17439" name="Text Box 31"/>
+          <p:cNvSpPr txBox="1">
+            <a:spLocks noChangeArrowheads="1"/>
+          </p:cNvSpPr>
+          <p:nvPr/>
+        </p:nvSpPr>
+        <p:spPr bwMode="auto">
+          <a:xfrm>
+            <a:off x="5656263" y="2925763"/>
+            <a:ext cx="3262312" cy="1044575"/>
+          </a:xfrm>
+          <a:prstGeom prst="rect">
+            <a:avLst/>
+          </a:prstGeom>
+          <a:noFill/>
+          <a:ln w="38100">
+            <a:solidFill>
+              <a:srgbClr val="0066FF"/>
+            </a:solidFill>
+            <a:miter lim="800000"/>
+            <a:headEnd/>
+            <a:tailEnd/>
+          </a:ln>
+          <a:effectLst/>
+          <a:extLst>
+            <a:ext uri="{909E8E84-426E-40DD-AFC4-6F175D3DCCD1}">
+              <a14:hiddenFill xmlns:a14="http://schemas.microsoft.com/office/drawing/2010/main">
+                <a:solidFill>
+                  <a:srgbClr val="FF0000"/>
+                </a:solidFill>
+              </a14:hiddenFill>
+            </a:ext>
+            <a:ext uri="{AF507438-7753-43E0-B8FC-AC1667EBCBE1}">
+              <a14:hiddenEffects xmlns:a14="http://schemas.microsoft.com/office/drawing/2010/main">
+                <a:effectLst>
+                  <a:outerShdw dist="35921" dir="2700000" algn="ctr" rotWithShape="0">
+                    <a:schemeClr val="bg2"/>
+                  </a:outerShdw>
+                </a:effectLst>
+              </a14:hiddenEffects>
+            </a:ext>
+          </a:extLst>
+        </p:spPr>
+        <p:txBody>
+          <a:bodyPr>
+            <a:spAutoFit/>
+          </a:bodyPr>
+          <a:lstStyle/>
+          <a:p>
+            <a:pPr>
+              <a:spcBef>
+                <a:spcPct val="50000"/>
+              </a:spcBef>
+            </a:pPr>
+            <a:r>
+              <a:rPr lang="en-US" altLang="en-US" sz="2000" dirty="0">
+                <a:latin typeface="Open Sans" panose="020B0606030504020204" pitchFamily="34" charset="0"/>
+                <a:ea typeface="Open Sans" panose="020B0606030504020204" pitchFamily="34" charset="0"/>
+                <a:cs typeface="Open Sans" panose="020B0606030504020204" pitchFamily="34" charset="0"/>
+              </a:rPr>
+              <a:t>What are the top k movie recommendations for </a:t>
+            </a:r>
+            <a:r>
+              <a:rPr lang="en-US" altLang="en-US" sz="2000" dirty="0" smtClean="0">
+                <a:latin typeface="Open Sans" panose="020B0606030504020204" pitchFamily="34" charset="0"/>
+                <a:ea typeface="Open Sans" panose="020B0606030504020204" pitchFamily="34" charset="0"/>
+                <a:cs typeface="Open Sans" panose="020B0606030504020204" pitchFamily="34" charset="0"/>
+              </a:rPr>
+              <a:t>Alice in IMDB?</a:t>
+            </a:r>
+            <a:endParaRPr lang="en-US" altLang="en-US" sz="2000" dirty="0">
+              <a:latin typeface="Open Sans" panose="020B0606030504020204" pitchFamily="34" charset="0"/>
+              <a:ea typeface="Open Sans" panose="020B0606030504020204" pitchFamily="34" charset="0"/>
+              <a:cs typeface="Open Sans" panose="020B0606030504020204" pitchFamily="34" charset="0"/>
+            </a:endParaRPr>
+          </a:p>
+        </p:txBody>
+      </p:sp>
+      <p:sp>
+        <p:nvSpPr>
+          <p:cNvPr id="23" name="Rectangle 6"/>
+          <p:cNvSpPr>
+            <a:spLocks noChangeArrowheads="1"/>
+          </p:cNvSpPr>
+          <p:nvPr/>
+        </p:nvSpPr>
+        <p:spPr bwMode="auto">
+          <a:xfrm>
+            <a:off x="0" y="6188075"/>
+            <a:ext cx="8829675" cy="276999"/>
+          </a:xfrm>
+          <a:prstGeom prst="rect">
+            <a:avLst/>
+          </a:prstGeom>
+          <a:noFill/>
+          <a:ln>
+            <a:noFill/>
+          </a:ln>
+          <a:effectLst/>
+          <a:extLst>
+            <a:ext uri="{909E8E84-426E-40DD-AFC4-6F175D3DCCD1}">
+              <a14:hiddenFill xmlns:a14="http://schemas.microsoft.com/office/drawing/2010/main">
+                <a:solidFill>
+                  <a:schemeClr val="accent1"/>
+                </a:solidFill>
+              </a14:hiddenFill>
+            </a:ext>
+            <a:ext uri="{91240B29-F687-4F45-9708-019B960494DF}">
+              <a14:hiddenLine xmlns:a14="http://schemas.microsoft.com/office/drawing/2010/main" w="9525">
+                <a:solidFill>
+                  <a:schemeClr val="tx1"/>
+                </a:solidFill>
+                <a:miter lim="800000"/>
+                <a:headEnd/>
+                <a:tailEnd/>
+              </a14:hiddenLine>
+            </a:ext>
+            <a:ext uri="{AF507438-7753-43E0-B8FC-AC1667EBCBE1}">
+              <a14:hiddenEffects xmlns:a14="http://schemas.microsoft.com/office/drawing/2010/main">
+                <a:effectLst>
+                  <a:outerShdw dist="35921" dir="2700000" algn="ctr" rotWithShape="0">
+                    <a:schemeClr val="bg2"/>
+                  </a:outerShdw>
+                </a:effectLst>
+              </a14:hiddenEffects>
+            </a:ext>
+          </a:extLst>
+        </p:spPr>
+        <p:txBody>
+          <a:bodyPr>
+            <a:spAutoFit/>
+          </a:bodyPr>
+          <a:lstStyle/>
+          <a:p>
+            <a:pPr>
+              <a:spcBef>
+                <a:spcPct val="20000"/>
+              </a:spcBef>
+              <a:buClr>
+                <a:schemeClr val="accent1"/>
+              </a:buClr>
+              <a:buSzPct val="65000"/>
+              <a:buFont typeface="Wingdings" pitchFamily="2" charset="2"/>
+              <a:buNone/>
+            </a:pPr>
+            <a:r>
+              <a:rPr lang="en-US" altLang="en-US" sz="1200" b="1" dirty="0" smtClean="0">
+                <a:solidFill>
+                  <a:srgbClr val="3333CC"/>
+                </a:solidFill>
+                <a:latin typeface="Open Sans" panose="020B0606030504020204" pitchFamily="34" charset="0"/>
+                <a:ea typeface="Open Sans" panose="020B0606030504020204" pitchFamily="34" charset="0"/>
+                <a:cs typeface="Open Sans" panose="020B0606030504020204" pitchFamily="34" charset="0"/>
+              </a:rPr>
+              <a:t>1.  M. Brand. A random walks perspective on maximizing satisfaction and profit. </a:t>
+            </a:r>
+            <a:r>
+              <a:rPr lang="en-US" altLang="en-US" sz="1200" b="1" i="1" dirty="0" smtClean="0">
+                <a:solidFill>
+                  <a:srgbClr val="3333CC"/>
+                </a:solidFill>
+                <a:latin typeface="Open Sans" panose="020B0606030504020204" pitchFamily="34" charset="0"/>
+                <a:ea typeface="Open Sans" panose="020B0606030504020204" pitchFamily="34" charset="0"/>
+                <a:cs typeface="Open Sans" panose="020B0606030504020204" pitchFamily="34" charset="0"/>
+              </a:rPr>
+              <a:t>SIAM ‘05.</a:t>
+            </a:r>
+            <a:endParaRPr lang="en-US" altLang="en-US" sz="1200" b="1" i="1" dirty="0">
+              <a:solidFill>
+                <a:srgbClr val="3333CC"/>
+              </a:solidFill>
+              <a:latin typeface="Open Sans" panose="020B0606030504020204" pitchFamily="34" charset="0"/>
+              <a:ea typeface="Open Sans" panose="020B0606030504020204" pitchFamily="34" charset="0"/>
+              <a:cs typeface="Open Sans" panose="020B0606030504020204" pitchFamily="34" charset="0"/>
+            </a:endParaRPr>
+          </a:p>
+        </p:txBody>
+      </p:sp>
+    </p:spTree>
+    <p:custDataLst>
+      <p:tags r:id="rId1"/>
+    </p:custDataLst>
+    <p:extLst>
+      <p:ext uri="{BB962C8B-B14F-4D97-AF65-F5344CB8AC3E}">
+        <p14:creationId xmlns:p14="http://schemas.microsoft.com/office/powerpoint/2010/main" val="2749227589"/>
+      </p:ext>
+    </p:extLst>
+  </p:cSld>
+  <p:clrMapOvr>
+    <a:masterClrMapping/>
+  </p:clrMapOvr>
+  <p:transition/>
+  <p:timing>
+    <p:tnLst>
+      <p:par>
+        <p:cTn id="1" dur="indefinite" restart="never" nodeType="tmRoot"/>
+      </p:par>
+    </p:tnLst>
+  </p:timing>
+</p:sld>
+</file>
+
+<file path=ppt/slides/slide20.xml><?xml version="1.0" encoding="utf-8"?>
 <p:sld xmlns:a="http://schemas.openxmlformats.org/drawingml/2006/main" xmlns:r="http://schemas.openxmlformats.org/officeDocument/2006/relationships" xmlns:p="http://schemas.openxmlformats.org/presentationml/2006/main">
   <p:cSld>
     <p:spTree>
@@ -17875,7 +22530,7 @@
 </p:sld>
 </file>
 
-<file path=ppt/slides/slide18.xml><?xml version="1.0" encoding="utf-8"?>
+<file path=ppt/slides/slide21.xml><?xml version="1.0" encoding="utf-8"?>
 <p:sld xmlns:a="http://schemas.openxmlformats.org/drawingml/2006/main" xmlns:r="http://schemas.openxmlformats.org/officeDocument/2006/relationships" xmlns:p="http://schemas.openxmlformats.org/presentationml/2006/main">
   <p:cSld>
     <p:bg>
@@ -18442,7 +23097,7 @@
 </p:sld>
 </file>
 
-<file path=ppt/slides/slide19.xml><?xml version="1.0" encoding="utf-8"?>
+<file path=ppt/slides/slide22.xml><?xml version="1.0" encoding="utf-8"?>
 <p:sld xmlns:a="http://schemas.openxmlformats.org/drawingml/2006/main" xmlns:r="http://schemas.openxmlformats.org/officeDocument/2006/relationships" xmlns:p="http://schemas.openxmlformats.org/presentationml/2006/main">
   <p:cSld>
     <p:spTree>
@@ -21276,1152 +25931,7 @@
 </p:sld>
 </file>
 
-<file path=ppt/slides/slide2.xml><?xml version="1.0" encoding="utf-8"?>
-<p:sld xmlns:a="http://schemas.openxmlformats.org/drawingml/2006/main" xmlns:r="http://schemas.openxmlformats.org/officeDocument/2006/relationships" xmlns:p="http://schemas.openxmlformats.org/presentationml/2006/main">
-  <p:cSld>
-    <p:spTree>
-      <p:nvGrpSpPr>
-        <p:cNvPr id="1" name=""/>
-        <p:cNvGrpSpPr/>
-        <p:nvPr/>
-      </p:nvGrpSpPr>
-      <p:grpSpPr>
-        <a:xfrm>
-          <a:off x="0" y="0"/>
-          <a:ext cx="0" cy="0"/>
-          <a:chOff x="0" y="0"/>
-          <a:chExt cx="0" cy="0"/>
-        </a:xfrm>
-      </p:grpSpPr>
-      <p:sp>
-        <p:nvSpPr>
-          <p:cNvPr id="17410" name="Rectangle 2"/>
-          <p:cNvSpPr>
-            <a:spLocks noGrp="1" noChangeArrowheads="1"/>
-          </p:cNvSpPr>
-          <p:nvPr>
-            <p:ph type="title"/>
-          </p:nvPr>
-        </p:nvSpPr>
-        <p:spPr>
-          <a:xfrm>
-            <a:off x="457200" y="304800"/>
-            <a:ext cx="9144000" cy="623888"/>
-          </a:xfrm>
-        </p:spPr>
-        <p:txBody>
-          <a:bodyPr/>
-          <a:lstStyle/>
-          <a:p>
-            <a:r>
-              <a:rPr lang="en-US" altLang="en-US" sz="3200" b="1" dirty="0">
-                <a:latin typeface="Open Sans" panose="020B0606030504020204" pitchFamily="34" charset="0"/>
-                <a:ea typeface="Open Sans" panose="020B0606030504020204" pitchFamily="34" charset="0"/>
-                <a:cs typeface="Open Sans" panose="020B0606030504020204" pitchFamily="34" charset="0"/>
-              </a:rPr>
-              <a:t>Recommender </a:t>
-            </a:r>
-            <a:r>
-              <a:rPr lang="en-US" altLang="en-US" sz="3200" b="1" dirty="0" smtClean="0">
-                <a:latin typeface="Open Sans" panose="020B0606030504020204" pitchFamily="34" charset="0"/>
-                <a:ea typeface="Open Sans" panose="020B0606030504020204" pitchFamily="34" charset="0"/>
-                <a:cs typeface="Open Sans" panose="020B0606030504020204" pitchFamily="34" charset="0"/>
-              </a:rPr>
-              <a:t>systems</a:t>
-            </a:r>
-            <a:r>
-              <a:rPr lang="en-US" altLang="en-US" sz="3200" b="1" baseline="30000" dirty="0" smtClean="0">
-                <a:solidFill>
-                  <a:srgbClr val="3333FF"/>
-                </a:solidFill>
-                <a:latin typeface="Open Sans" panose="020B0606030504020204" pitchFamily="34" charset="0"/>
-                <a:ea typeface="Open Sans" panose="020B0606030504020204" pitchFamily="34" charset="0"/>
-                <a:cs typeface="Open Sans" panose="020B0606030504020204" pitchFamily="34" charset="0"/>
-              </a:rPr>
-              <a:t>1</a:t>
-            </a:r>
-            <a:endParaRPr lang="en-US" altLang="en-US" sz="3200" b="1" dirty="0">
-              <a:latin typeface="Open Sans" panose="020B0606030504020204" pitchFamily="34" charset="0"/>
-              <a:ea typeface="Open Sans" panose="020B0606030504020204" pitchFamily="34" charset="0"/>
-              <a:cs typeface="Open Sans" panose="020B0606030504020204" pitchFamily="34" charset="0"/>
-            </a:endParaRPr>
-          </a:p>
-        </p:txBody>
-      </p:sp>
-      <p:sp>
-        <p:nvSpPr>
-          <p:cNvPr id="17414" name="Oval 6"/>
-          <p:cNvSpPr>
-            <a:spLocks noChangeArrowheads="1"/>
-          </p:cNvSpPr>
-          <p:nvPr/>
-        </p:nvSpPr>
-        <p:spPr bwMode="auto">
-          <a:xfrm>
-            <a:off x="1828800" y="1589088"/>
-            <a:ext cx="534988" cy="493712"/>
-          </a:xfrm>
-          <a:prstGeom prst="ellipse">
-            <a:avLst/>
-          </a:prstGeom>
-          <a:solidFill>
-            <a:schemeClr val="accent1"/>
-          </a:solidFill>
-          <a:ln w="9525">
-            <a:solidFill>
-              <a:schemeClr val="tx1"/>
-            </a:solidFill>
-            <a:round/>
-            <a:headEnd/>
-            <a:tailEnd/>
-          </a:ln>
-          <a:effectLst/>
-          <a:extLst>
-            <a:ext uri="{AF507438-7753-43E0-B8FC-AC1667EBCBE1}">
-              <a14:hiddenEffects xmlns:a14="http://schemas.microsoft.com/office/drawing/2010/main">
-                <a:effectLst>
-                  <a:outerShdw dist="35921" dir="2700000" algn="ctr" rotWithShape="0">
-                    <a:schemeClr val="bg2"/>
-                  </a:outerShdw>
-                </a:effectLst>
-              </a14:hiddenEffects>
-            </a:ext>
-          </a:extLst>
-        </p:spPr>
-        <p:txBody>
-          <a:bodyPr wrap="none" anchor="ctr"/>
-          <a:lstStyle/>
-          <a:p>
-            <a:endParaRPr lang="en-US"/>
-          </a:p>
-        </p:txBody>
-      </p:sp>
-      <p:sp>
-        <p:nvSpPr>
-          <p:cNvPr id="17416" name="Oval 8"/>
-          <p:cNvSpPr>
-            <a:spLocks noChangeArrowheads="1"/>
-          </p:cNvSpPr>
-          <p:nvPr/>
-        </p:nvSpPr>
-        <p:spPr bwMode="auto">
-          <a:xfrm>
-            <a:off x="1881188" y="3260725"/>
-            <a:ext cx="534987" cy="493713"/>
-          </a:xfrm>
-          <a:prstGeom prst="ellipse">
-            <a:avLst/>
-          </a:prstGeom>
-          <a:solidFill>
-            <a:schemeClr val="accent1"/>
-          </a:solidFill>
-          <a:ln w="9525">
-            <a:solidFill>
-              <a:schemeClr val="tx1"/>
-            </a:solidFill>
-            <a:round/>
-            <a:headEnd/>
-            <a:tailEnd/>
-          </a:ln>
-          <a:effectLst/>
-          <a:extLst>
-            <a:ext uri="{AF507438-7753-43E0-B8FC-AC1667EBCBE1}">
-              <a14:hiddenEffects xmlns:a14="http://schemas.microsoft.com/office/drawing/2010/main">
-                <a:effectLst>
-                  <a:outerShdw dist="35921" dir="2700000" algn="ctr" rotWithShape="0">
-                    <a:schemeClr val="bg2"/>
-                  </a:outerShdw>
-                </a:effectLst>
-              </a14:hiddenEffects>
-            </a:ext>
-          </a:extLst>
-        </p:spPr>
-        <p:txBody>
-          <a:bodyPr wrap="none" anchor="ctr"/>
-          <a:lstStyle/>
-          <a:p>
-            <a:endParaRPr lang="en-US"/>
-          </a:p>
-        </p:txBody>
-      </p:sp>
-      <p:sp>
-        <p:nvSpPr>
-          <p:cNvPr id="17417" name="Oval 9"/>
-          <p:cNvSpPr>
-            <a:spLocks noChangeArrowheads="1"/>
-          </p:cNvSpPr>
-          <p:nvPr/>
-        </p:nvSpPr>
-        <p:spPr bwMode="auto">
-          <a:xfrm>
-            <a:off x="1938338" y="5076825"/>
-            <a:ext cx="534987" cy="493713"/>
-          </a:xfrm>
-          <a:prstGeom prst="ellipse">
-            <a:avLst/>
-          </a:prstGeom>
-          <a:solidFill>
-            <a:schemeClr val="accent1"/>
-          </a:solidFill>
-          <a:ln w="9525">
-            <a:solidFill>
-              <a:schemeClr val="tx1"/>
-            </a:solidFill>
-            <a:round/>
-            <a:headEnd/>
-            <a:tailEnd/>
-          </a:ln>
-          <a:effectLst/>
-          <a:extLst>
-            <a:ext uri="{AF507438-7753-43E0-B8FC-AC1667EBCBE1}">
-              <a14:hiddenEffects xmlns:a14="http://schemas.microsoft.com/office/drawing/2010/main">
-                <a:effectLst>
-                  <a:outerShdw dist="35921" dir="2700000" algn="ctr" rotWithShape="0">
-                    <a:schemeClr val="bg2"/>
-                  </a:outerShdw>
-                </a:effectLst>
-              </a14:hiddenEffects>
-            </a:ext>
-          </a:extLst>
-        </p:spPr>
-        <p:txBody>
-          <a:bodyPr wrap="none" anchor="ctr"/>
-          <a:lstStyle/>
-          <a:p>
-            <a:endParaRPr lang="en-US"/>
-          </a:p>
-        </p:txBody>
-      </p:sp>
-      <p:sp>
-        <p:nvSpPr>
-          <p:cNvPr id="17425" name="Text Box 17"/>
-          <p:cNvSpPr txBox="1">
-            <a:spLocks noChangeArrowheads="1"/>
-          </p:cNvSpPr>
-          <p:nvPr/>
-        </p:nvSpPr>
-        <p:spPr bwMode="auto">
-          <a:xfrm>
-            <a:off x="746125" y="1519238"/>
-            <a:ext cx="885825" cy="366712"/>
-          </a:xfrm>
-          <a:prstGeom prst="rect">
-            <a:avLst/>
-          </a:prstGeom>
-          <a:noFill/>
-          <a:ln>
-            <a:noFill/>
-          </a:ln>
-          <a:effectLst/>
-          <a:extLst>
-            <a:ext uri="{909E8E84-426E-40DD-AFC4-6F175D3DCCD1}">
-              <a14:hiddenFill xmlns:a14="http://schemas.microsoft.com/office/drawing/2010/main">
-                <a:solidFill>
-                  <a:schemeClr val="accent1"/>
-                </a:solidFill>
-              </a14:hiddenFill>
-            </a:ext>
-            <a:ext uri="{91240B29-F687-4F45-9708-019B960494DF}">
-              <a14:hiddenLine xmlns:a14="http://schemas.microsoft.com/office/drawing/2010/main" w="9525">
-                <a:solidFill>
-                  <a:schemeClr val="tx1"/>
-                </a:solidFill>
-                <a:miter lim="800000"/>
-                <a:headEnd/>
-                <a:tailEnd/>
-              </a14:hiddenLine>
-            </a:ext>
-            <a:ext uri="{AF507438-7753-43E0-B8FC-AC1667EBCBE1}">
-              <a14:hiddenEffects xmlns:a14="http://schemas.microsoft.com/office/drawing/2010/main">
-                <a:effectLst>
-                  <a:outerShdw dist="35921" dir="2700000" algn="ctr" rotWithShape="0">
-                    <a:schemeClr val="bg2"/>
-                  </a:outerShdw>
-                </a:effectLst>
-              </a14:hiddenEffects>
-            </a:ext>
-          </a:extLst>
-        </p:spPr>
-        <p:txBody>
-          <a:bodyPr>
-            <a:spAutoFit/>
-          </a:bodyPr>
-          <a:lstStyle/>
-          <a:p>
-            <a:pPr>
-              <a:spcBef>
-                <a:spcPct val="50000"/>
-              </a:spcBef>
-            </a:pPr>
-            <a:r>
-              <a:rPr lang="en-US" altLang="en-US" dirty="0"/>
-              <a:t>Alice</a:t>
-            </a:r>
-          </a:p>
-        </p:txBody>
-      </p:sp>
-      <p:sp>
-        <p:nvSpPr>
-          <p:cNvPr id="17426" name="Text Box 18"/>
-          <p:cNvSpPr txBox="1">
-            <a:spLocks noChangeArrowheads="1"/>
-          </p:cNvSpPr>
-          <p:nvPr/>
-        </p:nvSpPr>
-        <p:spPr bwMode="auto">
-          <a:xfrm>
-            <a:off x="758825" y="3386138"/>
-            <a:ext cx="885825" cy="366712"/>
-          </a:xfrm>
-          <a:prstGeom prst="rect">
-            <a:avLst/>
-          </a:prstGeom>
-          <a:noFill/>
-          <a:ln>
-            <a:noFill/>
-          </a:ln>
-          <a:effectLst/>
-          <a:extLst>
-            <a:ext uri="{909E8E84-426E-40DD-AFC4-6F175D3DCCD1}">
-              <a14:hiddenFill xmlns:a14="http://schemas.microsoft.com/office/drawing/2010/main">
-                <a:solidFill>
-                  <a:schemeClr val="accent1"/>
-                </a:solidFill>
-              </a14:hiddenFill>
-            </a:ext>
-            <a:ext uri="{91240B29-F687-4F45-9708-019B960494DF}">
-              <a14:hiddenLine xmlns:a14="http://schemas.microsoft.com/office/drawing/2010/main" w="9525">
-                <a:solidFill>
-                  <a:schemeClr val="tx1"/>
-                </a:solidFill>
-                <a:miter lim="800000"/>
-                <a:headEnd/>
-                <a:tailEnd/>
-              </a14:hiddenLine>
-            </a:ext>
-            <a:ext uri="{AF507438-7753-43E0-B8FC-AC1667EBCBE1}">
-              <a14:hiddenEffects xmlns:a14="http://schemas.microsoft.com/office/drawing/2010/main">
-                <a:effectLst>
-                  <a:outerShdw dist="35921" dir="2700000" algn="ctr" rotWithShape="0">
-                    <a:schemeClr val="bg2"/>
-                  </a:outerShdw>
-                </a:effectLst>
-              </a14:hiddenEffects>
-            </a:ext>
-          </a:extLst>
-        </p:spPr>
-        <p:txBody>
-          <a:bodyPr>
-            <a:spAutoFit/>
-          </a:bodyPr>
-          <a:lstStyle/>
-          <a:p>
-            <a:pPr>
-              <a:spcBef>
-                <a:spcPct val="50000"/>
-              </a:spcBef>
-            </a:pPr>
-            <a:r>
-              <a:rPr lang="en-US" altLang="en-US"/>
-              <a:t>Bob</a:t>
-            </a:r>
-          </a:p>
-        </p:txBody>
-      </p:sp>
-      <p:sp>
-        <p:nvSpPr>
-          <p:cNvPr id="17427" name="Text Box 19"/>
-          <p:cNvSpPr txBox="1">
-            <a:spLocks noChangeArrowheads="1"/>
-          </p:cNvSpPr>
-          <p:nvPr/>
-        </p:nvSpPr>
-        <p:spPr bwMode="auto">
-          <a:xfrm>
-            <a:off x="671513" y="5145088"/>
-            <a:ext cx="1084262" cy="366712"/>
-          </a:xfrm>
-          <a:prstGeom prst="rect">
-            <a:avLst/>
-          </a:prstGeom>
-          <a:noFill/>
-          <a:ln>
-            <a:noFill/>
-          </a:ln>
-          <a:effectLst/>
-          <a:extLst>
-            <a:ext uri="{909E8E84-426E-40DD-AFC4-6F175D3DCCD1}">
-              <a14:hiddenFill xmlns:a14="http://schemas.microsoft.com/office/drawing/2010/main">
-                <a:solidFill>
-                  <a:schemeClr val="accent1"/>
-                </a:solidFill>
-              </a14:hiddenFill>
-            </a:ext>
-            <a:ext uri="{91240B29-F687-4F45-9708-019B960494DF}">
-              <a14:hiddenLine xmlns:a14="http://schemas.microsoft.com/office/drawing/2010/main" w="9525">
-                <a:solidFill>
-                  <a:schemeClr val="tx1"/>
-                </a:solidFill>
-                <a:miter lim="800000"/>
-                <a:headEnd/>
-                <a:tailEnd/>
-              </a14:hiddenLine>
-            </a:ext>
-            <a:ext uri="{AF507438-7753-43E0-B8FC-AC1667EBCBE1}">
-              <a14:hiddenEffects xmlns:a14="http://schemas.microsoft.com/office/drawing/2010/main">
-                <a:effectLst>
-                  <a:outerShdw dist="35921" dir="2700000" algn="ctr" rotWithShape="0">
-                    <a:schemeClr val="bg2"/>
-                  </a:outerShdw>
-                </a:effectLst>
-              </a14:hiddenEffects>
-            </a:ext>
-          </a:extLst>
-        </p:spPr>
-        <p:txBody>
-          <a:bodyPr>
-            <a:spAutoFit/>
-          </a:bodyPr>
-          <a:lstStyle/>
-          <a:p>
-            <a:pPr>
-              <a:spcBef>
-                <a:spcPct val="50000"/>
-              </a:spcBef>
-            </a:pPr>
-            <a:r>
-              <a:rPr lang="en-US" altLang="en-US"/>
-              <a:t>Charlie</a:t>
-            </a:r>
-          </a:p>
-        </p:txBody>
-      </p:sp>
-      <p:pic>
-        <p:nvPicPr>
-          <p:cNvPr id="17428" name="Picture 20" descr="kill-bill"/>
-          <p:cNvPicPr>
-            <a:picLocks noChangeAspect="1" noChangeArrowheads="1"/>
-          </p:cNvPicPr>
-          <p:nvPr/>
-        </p:nvPicPr>
-        <p:blipFill>
-          <a:blip r:embed="rId4">
-            <a:extLst>
-              <a:ext uri="{28A0092B-C50C-407E-A947-70E740481C1C}">
-                <a14:useLocalDpi xmlns:a14="http://schemas.microsoft.com/office/drawing/2010/main" val="0"/>
-              </a:ext>
-            </a:extLst>
-          </a:blip>
-          <a:srcRect/>
-          <a:stretch>
-            <a:fillRect/>
-          </a:stretch>
-        </p:blipFill>
-        <p:spPr bwMode="auto">
-          <a:xfrm>
-            <a:off x="4608513" y="2100263"/>
-            <a:ext cx="639762" cy="893762"/>
-          </a:xfrm>
-          <a:prstGeom prst="rect">
-            <a:avLst/>
-          </a:prstGeom>
-          <a:noFill/>
-          <a:extLst>
-            <a:ext uri="{909E8E84-426E-40DD-AFC4-6F175D3DCCD1}">
-              <a14:hiddenFill xmlns:a14="http://schemas.microsoft.com/office/drawing/2010/main">
-                <a:solidFill>
-                  <a:srgbClr val="FFFFFF"/>
-                </a:solidFill>
-              </a14:hiddenFill>
-            </a:ext>
-          </a:extLst>
-        </p:spPr>
-      </p:pic>
-      <p:pic>
-        <p:nvPicPr>
-          <p:cNvPr id="17429" name="Picture 21" descr="flushed_away"/>
-          <p:cNvPicPr>
-            <a:picLocks noChangeAspect="1" noChangeArrowheads="1"/>
-          </p:cNvPicPr>
-          <p:nvPr/>
-        </p:nvPicPr>
-        <p:blipFill>
-          <a:blip r:embed="rId5" cstate="print">
-            <a:extLst>
-              <a:ext uri="{28A0092B-C50C-407E-A947-70E740481C1C}">
-                <a14:useLocalDpi xmlns:a14="http://schemas.microsoft.com/office/drawing/2010/main" val="0"/>
-              </a:ext>
-            </a:extLst>
-          </a:blip>
-          <a:srcRect/>
-          <a:stretch>
-            <a:fillRect/>
-          </a:stretch>
-        </p:blipFill>
-        <p:spPr bwMode="auto">
-          <a:xfrm>
-            <a:off x="4524375" y="962025"/>
-            <a:ext cx="706438" cy="936625"/>
-          </a:xfrm>
-          <a:prstGeom prst="rect">
-            <a:avLst/>
-          </a:prstGeom>
-          <a:noFill/>
-          <a:extLst>
-            <a:ext uri="{909E8E84-426E-40DD-AFC4-6F175D3DCCD1}">
-              <a14:hiddenFill xmlns:a14="http://schemas.microsoft.com/office/drawing/2010/main">
-                <a:solidFill>
-                  <a:srgbClr val="FFFFFF"/>
-                </a:solidFill>
-              </a14:hiddenFill>
-            </a:ext>
-          </a:extLst>
-        </p:spPr>
-      </p:pic>
-      <p:pic>
-        <p:nvPicPr>
-          <p:cNvPr id="17430" name="Picture 22" descr="departed-poster-1"/>
-          <p:cNvPicPr>
-            <a:picLocks noChangeAspect="1" noChangeArrowheads="1"/>
-          </p:cNvPicPr>
-          <p:nvPr/>
-        </p:nvPicPr>
-        <p:blipFill>
-          <a:blip r:embed="rId6" cstate="print">
-            <a:extLst>
-              <a:ext uri="{28A0092B-C50C-407E-A947-70E740481C1C}">
-                <a14:useLocalDpi xmlns:a14="http://schemas.microsoft.com/office/drawing/2010/main" val="0"/>
-              </a:ext>
-            </a:extLst>
-          </a:blip>
-          <a:srcRect/>
-          <a:stretch>
-            <a:fillRect/>
-          </a:stretch>
-        </p:blipFill>
-        <p:spPr bwMode="auto">
-          <a:xfrm>
-            <a:off x="4378325" y="5057775"/>
-            <a:ext cx="1203325" cy="912813"/>
-          </a:xfrm>
-          <a:prstGeom prst="rect">
-            <a:avLst/>
-          </a:prstGeom>
-          <a:noFill/>
-          <a:extLst>
-            <a:ext uri="{909E8E84-426E-40DD-AFC4-6F175D3DCCD1}">
-              <a14:hiddenFill xmlns:a14="http://schemas.microsoft.com/office/drawing/2010/main">
-                <a:solidFill>
-                  <a:srgbClr val="FFFFFF"/>
-                </a:solidFill>
-              </a14:hiddenFill>
-            </a:ext>
-          </a:extLst>
-        </p:spPr>
-      </p:pic>
-      <p:sp>
-        <p:nvSpPr>
-          <p:cNvPr id="17431" name="Line 23"/>
-          <p:cNvSpPr>
-            <a:spLocks noChangeShapeType="1"/>
-          </p:cNvSpPr>
-          <p:nvPr/>
-        </p:nvSpPr>
-        <p:spPr bwMode="auto">
-          <a:xfrm flipV="1">
-            <a:off x="2378075" y="1519238"/>
-            <a:ext cx="2209800" cy="280987"/>
-          </a:xfrm>
-          <a:prstGeom prst="line">
-            <a:avLst/>
-          </a:prstGeom>
-          <a:noFill/>
-          <a:ln w="9525">
-            <a:solidFill>
-              <a:schemeClr val="tx1"/>
-            </a:solidFill>
-            <a:round/>
-            <a:headEnd/>
-            <a:tailEnd/>
-          </a:ln>
-          <a:effectLst/>
-          <a:extLst>
-            <a:ext uri="{909E8E84-426E-40DD-AFC4-6F175D3DCCD1}">
-              <a14:hiddenFill xmlns:a14="http://schemas.microsoft.com/office/drawing/2010/main">
-                <a:noFill/>
-              </a14:hiddenFill>
-            </a:ext>
-            <a:ext uri="{AF507438-7753-43E0-B8FC-AC1667EBCBE1}">
-              <a14:hiddenEffects xmlns:a14="http://schemas.microsoft.com/office/drawing/2010/main">
-                <a:effectLst>
-                  <a:outerShdw dist="35921" dir="2700000" algn="ctr" rotWithShape="0">
-                    <a:schemeClr val="bg2"/>
-                  </a:outerShdw>
-                </a:effectLst>
-              </a14:hiddenEffects>
-            </a:ext>
-          </a:extLst>
-        </p:spPr>
-        <p:txBody>
-          <a:bodyPr/>
-          <a:lstStyle/>
-          <a:p>
-            <a:endParaRPr lang="en-US"/>
-          </a:p>
-        </p:txBody>
-      </p:sp>
-      <p:sp>
-        <p:nvSpPr>
-          <p:cNvPr id="17432" name="Line 24"/>
-          <p:cNvSpPr>
-            <a:spLocks noChangeShapeType="1"/>
-          </p:cNvSpPr>
-          <p:nvPr/>
-        </p:nvSpPr>
-        <p:spPr bwMode="auto">
-          <a:xfrm>
-            <a:off x="2363788" y="1800225"/>
-            <a:ext cx="2238375" cy="871538"/>
-          </a:xfrm>
-          <a:prstGeom prst="line">
-            <a:avLst/>
-          </a:prstGeom>
-          <a:noFill/>
-          <a:ln w="9525">
-            <a:solidFill>
-              <a:schemeClr val="tx1"/>
-            </a:solidFill>
-            <a:round/>
-            <a:headEnd/>
-            <a:tailEnd/>
-          </a:ln>
-          <a:effectLst/>
-          <a:extLst>
-            <a:ext uri="{909E8E84-426E-40DD-AFC4-6F175D3DCCD1}">
-              <a14:hiddenFill xmlns:a14="http://schemas.microsoft.com/office/drawing/2010/main">
-                <a:noFill/>
-              </a14:hiddenFill>
-            </a:ext>
-            <a:ext uri="{AF507438-7753-43E0-B8FC-AC1667EBCBE1}">
-              <a14:hiddenEffects xmlns:a14="http://schemas.microsoft.com/office/drawing/2010/main">
-                <a:effectLst>
-                  <a:outerShdw dist="35921" dir="2700000" algn="ctr" rotWithShape="0">
-                    <a:schemeClr val="bg2"/>
-                  </a:outerShdw>
-                </a:effectLst>
-              </a14:hiddenEffects>
-            </a:ext>
-          </a:extLst>
-        </p:spPr>
-        <p:txBody>
-          <a:bodyPr/>
-          <a:lstStyle/>
-          <a:p>
-            <a:endParaRPr lang="en-US"/>
-          </a:p>
-        </p:txBody>
-      </p:sp>
-      <p:sp>
-        <p:nvSpPr>
-          <p:cNvPr id="17433" name="Line 25"/>
-          <p:cNvSpPr>
-            <a:spLocks noChangeShapeType="1"/>
-          </p:cNvSpPr>
-          <p:nvPr/>
-        </p:nvSpPr>
-        <p:spPr bwMode="auto">
-          <a:xfrm flipV="1">
-            <a:off x="2405063" y="2686050"/>
-            <a:ext cx="2225675" cy="858838"/>
-          </a:xfrm>
-          <a:prstGeom prst="line">
-            <a:avLst/>
-          </a:prstGeom>
-          <a:noFill/>
-          <a:ln w="9525">
-            <a:solidFill>
-              <a:schemeClr val="tx1"/>
-            </a:solidFill>
-            <a:round/>
-            <a:headEnd/>
-            <a:tailEnd/>
-          </a:ln>
-          <a:effectLst/>
-          <a:extLst>
-            <a:ext uri="{909E8E84-426E-40DD-AFC4-6F175D3DCCD1}">
-              <a14:hiddenFill xmlns:a14="http://schemas.microsoft.com/office/drawing/2010/main">
-                <a:noFill/>
-              </a14:hiddenFill>
-            </a:ext>
-            <a:ext uri="{AF507438-7753-43E0-B8FC-AC1667EBCBE1}">
-              <a14:hiddenEffects xmlns:a14="http://schemas.microsoft.com/office/drawing/2010/main">
-                <a:effectLst>
-                  <a:outerShdw dist="35921" dir="2700000" algn="ctr" rotWithShape="0">
-                    <a:schemeClr val="bg2"/>
-                  </a:outerShdw>
-                </a:effectLst>
-              </a14:hiddenEffects>
-            </a:ext>
-          </a:extLst>
-        </p:spPr>
-        <p:txBody>
-          <a:bodyPr/>
-          <a:lstStyle/>
-          <a:p>
-            <a:endParaRPr lang="en-US"/>
-          </a:p>
-        </p:txBody>
-      </p:sp>
-      <p:sp>
-        <p:nvSpPr>
-          <p:cNvPr id="17434" name="Line 26"/>
-          <p:cNvSpPr>
-            <a:spLocks noChangeShapeType="1"/>
-          </p:cNvSpPr>
-          <p:nvPr/>
-        </p:nvSpPr>
-        <p:spPr bwMode="auto">
-          <a:xfrm>
-            <a:off x="2419350" y="3559175"/>
-            <a:ext cx="1955800" cy="1927225"/>
-          </a:xfrm>
-          <a:prstGeom prst="line">
-            <a:avLst/>
-          </a:prstGeom>
-          <a:noFill/>
-          <a:ln w="9525">
-            <a:solidFill>
-              <a:schemeClr val="tx1"/>
-            </a:solidFill>
-            <a:round/>
-            <a:headEnd/>
-            <a:tailEnd/>
-          </a:ln>
-          <a:effectLst/>
-          <a:extLst>
-            <a:ext uri="{909E8E84-426E-40DD-AFC4-6F175D3DCCD1}">
-              <a14:hiddenFill xmlns:a14="http://schemas.microsoft.com/office/drawing/2010/main">
-                <a:noFill/>
-              </a14:hiddenFill>
-            </a:ext>
-            <a:ext uri="{AF507438-7753-43E0-B8FC-AC1667EBCBE1}">
-              <a14:hiddenEffects xmlns:a14="http://schemas.microsoft.com/office/drawing/2010/main">
-                <a:effectLst>
-                  <a:outerShdw dist="35921" dir="2700000" algn="ctr" rotWithShape="0">
-                    <a:schemeClr val="bg2"/>
-                  </a:outerShdw>
-                </a:effectLst>
-              </a14:hiddenEffects>
-            </a:ext>
-          </a:extLst>
-        </p:spPr>
-        <p:txBody>
-          <a:bodyPr/>
-          <a:lstStyle/>
-          <a:p>
-            <a:endParaRPr lang="en-US"/>
-          </a:p>
-        </p:txBody>
-      </p:sp>
-      <p:sp>
-        <p:nvSpPr>
-          <p:cNvPr id="17435" name="Line 27"/>
-          <p:cNvSpPr>
-            <a:spLocks noChangeShapeType="1"/>
-          </p:cNvSpPr>
-          <p:nvPr/>
-        </p:nvSpPr>
-        <p:spPr bwMode="auto">
-          <a:xfrm>
-            <a:off x="2476500" y="5373688"/>
-            <a:ext cx="1927225" cy="112712"/>
-          </a:xfrm>
-          <a:prstGeom prst="line">
-            <a:avLst/>
-          </a:prstGeom>
-          <a:noFill/>
-          <a:ln w="9525">
-            <a:solidFill>
-              <a:schemeClr val="tx1"/>
-            </a:solidFill>
-            <a:round/>
-            <a:headEnd/>
-            <a:tailEnd/>
-          </a:ln>
-          <a:effectLst/>
-          <a:extLst>
-            <a:ext uri="{909E8E84-426E-40DD-AFC4-6F175D3DCCD1}">
-              <a14:hiddenFill xmlns:a14="http://schemas.microsoft.com/office/drawing/2010/main">
-                <a:noFill/>
-              </a14:hiddenFill>
-            </a:ext>
-            <a:ext uri="{AF507438-7753-43E0-B8FC-AC1667EBCBE1}">
-              <a14:hiddenEffects xmlns:a14="http://schemas.microsoft.com/office/drawing/2010/main">
-                <a:effectLst>
-                  <a:outerShdw dist="35921" dir="2700000" algn="ctr" rotWithShape="0">
-                    <a:schemeClr val="bg2"/>
-                  </a:outerShdw>
-                </a:effectLst>
-              </a14:hiddenEffects>
-            </a:ext>
-          </a:extLst>
-        </p:spPr>
-        <p:txBody>
-          <a:bodyPr/>
-          <a:lstStyle/>
-          <a:p>
-            <a:endParaRPr lang="en-US"/>
-          </a:p>
-        </p:txBody>
-      </p:sp>
-      <p:pic>
-        <p:nvPicPr>
-          <p:cNvPr id="17436" name="Picture 28" descr="million-dollar-baby"/>
-          <p:cNvPicPr>
-            <a:picLocks noChangeAspect="1" noChangeArrowheads="1"/>
-          </p:cNvPicPr>
-          <p:nvPr/>
-        </p:nvPicPr>
-        <p:blipFill>
-          <a:blip r:embed="rId7" cstate="print">
-            <a:extLst>
-              <a:ext uri="{28A0092B-C50C-407E-A947-70E740481C1C}">
-                <a14:useLocalDpi xmlns:a14="http://schemas.microsoft.com/office/drawing/2010/main" val="0"/>
-              </a:ext>
-            </a:extLst>
-          </a:blip>
-          <a:srcRect/>
-          <a:stretch>
-            <a:fillRect/>
-          </a:stretch>
-        </p:blipFill>
-        <p:spPr bwMode="auto">
-          <a:xfrm>
-            <a:off x="4575175" y="3208338"/>
-            <a:ext cx="819150" cy="1158875"/>
-          </a:xfrm>
-          <a:prstGeom prst="rect">
-            <a:avLst/>
-          </a:prstGeom>
-          <a:noFill/>
-          <a:extLst>
-            <a:ext uri="{909E8E84-426E-40DD-AFC4-6F175D3DCCD1}">
-              <a14:hiddenFill xmlns:a14="http://schemas.microsoft.com/office/drawing/2010/main">
-                <a:solidFill>
-                  <a:srgbClr val="FFFFFF"/>
-                </a:solidFill>
-              </a14:hiddenFill>
-            </a:ext>
-          </a:extLst>
-        </p:spPr>
-      </p:pic>
-      <p:sp>
-        <p:nvSpPr>
-          <p:cNvPr id="17437" name="Line 29"/>
-          <p:cNvSpPr>
-            <a:spLocks noChangeShapeType="1"/>
-          </p:cNvSpPr>
-          <p:nvPr/>
-        </p:nvSpPr>
-        <p:spPr bwMode="auto">
-          <a:xfrm flipV="1">
-            <a:off x="2489200" y="3797300"/>
-            <a:ext cx="2068513" cy="1562100"/>
-          </a:xfrm>
-          <a:prstGeom prst="line">
-            <a:avLst/>
-          </a:prstGeom>
-          <a:noFill/>
-          <a:ln w="9525">
-            <a:solidFill>
-              <a:schemeClr val="tx1"/>
-            </a:solidFill>
-            <a:round/>
-            <a:headEnd/>
-            <a:tailEnd/>
-          </a:ln>
-          <a:effectLst/>
-          <a:extLst>
-            <a:ext uri="{909E8E84-426E-40DD-AFC4-6F175D3DCCD1}">
-              <a14:hiddenFill xmlns:a14="http://schemas.microsoft.com/office/drawing/2010/main">
-                <a:noFill/>
-              </a14:hiddenFill>
-            </a:ext>
-            <a:ext uri="{AF507438-7753-43E0-B8FC-AC1667EBCBE1}">
-              <a14:hiddenEffects xmlns:a14="http://schemas.microsoft.com/office/drawing/2010/main">
-                <a:effectLst>
-                  <a:outerShdw dist="35921" dir="2700000" algn="ctr" rotWithShape="0">
-                    <a:schemeClr val="bg2"/>
-                  </a:outerShdw>
-                </a:effectLst>
-              </a14:hiddenEffects>
-            </a:ext>
-          </a:extLst>
-        </p:spPr>
-        <p:txBody>
-          <a:bodyPr/>
-          <a:lstStyle/>
-          <a:p>
-            <a:endParaRPr lang="en-US"/>
-          </a:p>
-        </p:txBody>
-      </p:sp>
-      <p:sp>
-        <p:nvSpPr>
-          <p:cNvPr id="17438" name="Line 30"/>
-          <p:cNvSpPr>
-            <a:spLocks noChangeShapeType="1"/>
-          </p:cNvSpPr>
-          <p:nvPr/>
-        </p:nvSpPr>
-        <p:spPr bwMode="auto">
-          <a:xfrm>
-            <a:off x="2433638" y="3544888"/>
-            <a:ext cx="2152650" cy="252412"/>
-          </a:xfrm>
-          <a:prstGeom prst="line">
-            <a:avLst/>
-          </a:prstGeom>
-          <a:noFill/>
-          <a:ln w="9525">
-            <a:solidFill>
-              <a:schemeClr val="tx1"/>
-            </a:solidFill>
-            <a:round/>
-            <a:headEnd/>
-            <a:tailEnd/>
-          </a:ln>
-          <a:effectLst/>
-          <a:extLst>
-            <a:ext uri="{909E8E84-426E-40DD-AFC4-6F175D3DCCD1}">
-              <a14:hiddenFill xmlns:a14="http://schemas.microsoft.com/office/drawing/2010/main">
-                <a:noFill/>
-              </a14:hiddenFill>
-            </a:ext>
-            <a:ext uri="{AF507438-7753-43E0-B8FC-AC1667EBCBE1}">
-              <a14:hiddenEffects xmlns:a14="http://schemas.microsoft.com/office/drawing/2010/main">
-                <a:effectLst>
-                  <a:outerShdw dist="35921" dir="2700000" algn="ctr" rotWithShape="0">
-                    <a:schemeClr val="bg2"/>
-                  </a:outerShdw>
-                </a:effectLst>
-              </a14:hiddenEffects>
-            </a:ext>
-          </a:extLst>
-        </p:spPr>
-        <p:txBody>
-          <a:bodyPr/>
-          <a:lstStyle/>
-          <a:p>
-            <a:endParaRPr lang="en-US"/>
-          </a:p>
-        </p:txBody>
-      </p:sp>
-      <p:sp>
-        <p:nvSpPr>
-          <p:cNvPr id="17439" name="Text Box 31"/>
-          <p:cNvSpPr txBox="1">
-            <a:spLocks noChangeArrowheads="1"/>
-          </p:cNvSpPr>
-          <p:nvPr/>
-        </p:nvSpPr>
-        <p:spPr bwMode="auto">
-          <a:xfrm>
-            <a:off x="5656263" y="2925763"/>
-            <a:ext cx="3262312" cy="1044575"/>
-          </a:xfrm>
-          <a:prstGeom prst="rect">
-            <a:avLst/>
-          </a:prstGeom>
-          <a:noFill/>
-          <a:ln w="38100">
-            <a:solidFill>
-              <a:srgbClr val="0066FF"/>
-            </a:solidFill>
-            <a:miter lim="800000"/>
-            <a:headEnd/>
-            <a:tailEnd/>
-          </a:ln>
-          <a:effectLst/>
-          <a:extLst>
-            <a:ext uri="{909E8E84-426E-40DD-AFC4-6F175D3DCCD1}">
-              <a14:hiddenFill xmlns:a14="http://schemas.microsoft.com/office/drawing/2010/main">
-                <a:solidFill>
-                  <a:srgbClr val="FF0000"/>
-                </a:solidFill>
-              </a14:hiddenFill>
-            </a:ext>
-            <a:ext uri="{AF507438-7753-43E0-B8FC-AC1667EBCBE1}">
-              <a14:hiddenEffects xmlns:a14="http://schemas.microsoft.com/office/drawing/2010/main">
-                <a:effectLst>
-                  <a:outerShdw dist="35921" dir="2700000" algn="ctr" rotWithShape="0">
-                    <a:schemeClr val="bg2"/>
-                  </a:outerShdw>
-                </a:effectLst>
-              </a14:hiddenEffects>
-            </a:ext>
-          </a:extLst>
-        </p:spPr>
-        <p:txBody>
-          <a:bodyPr>
-            <a:spAutoFit/>
-          </a:bodyPr>
-          <a:lstStyle/>
-          <a:p>
-            <a:pPr>
-              <a:spcBef>
-                <a:spcPct val="50000"/>
-              </a:spcBef>
-            </a:pPr>
-            <a:r>
-              <a:rPr lang="en-US" altLang="en-US" sz="2000" dirty="0">
-                <a:latin typeface="Open Sans" panose="020B0606030504020204" pitchFamily="34" charset="0"/>
-                <a:ea typeface="Open Sans" panose="020B0606030504020204" pitchFamily="34" charset="0"/>
-                <a:cs typeface="Open Sans" panose="020B0606030504020204" pitchFamily="34" charset="0"/>
-              </a:rPr>
-              <a:t>What are the top k movie recommendations for </a:t>
-            </a:r>
-            <a:r>
-              <a:rPr lang="en-US" altLang="en-US" sz="2000" dirty="0" smtClean="0">
-                <a:latin typeface="Open Sans" panose="020B0606030504020204" pitchFamily="34" charset="0"/>
-                <a:ea typeface="Open Sans" panose="020B0606030504020204" pitchFamily="34" charset="0"/>
-                <a:cs typeface="Open Sans" panose="020B0606030504020204" pitchFamily="34" charset="0"/>
-              </a:rPr>
-              <a:t>Alice in IMDB?</a:t>
-            </a:r>
-            <a:endParaRPr lang="en-US" altLang="en-US" sz="2000" dirty="0">
-              <a:latin typeface="Open Sans" panose="020B0606030504020204" pitchFamily="34" charset="0"/>
-              <a:ea typeface="Open Sans" panose="020B0606030504020204" pitchFamily="34" charset="0"/>
-              <a:cs typeface="Open Sans" panose="020B0606030504020204" pitchFamily="34" charset="0"/>
-            </a:endParaRPr>
-          </a:p>
-        </p:txBody>
-      </p:sp>
-      <p:sp>
-        <p:nvSpPr>
-          <p:cNvPr id="23" name="Rectangle 6"/>
-          <p:cNvSpPr>
-            <a:spLocks noChangeArrowheads="1"/>
-          </p:cNvSpPr>
-          <p:nvPr/>
-        </p:nvSpPr>
-        <p:spPr bwMode="auto">
-          <a:xfrm>
-            <a:off x="0" y="6188075"/>
-            <a:ext cx="8829675" cy="276999"/>
-          </a:xfrm>
-          <a:prstGeom prst="rect">
-            <a:avLst/>
-          </a:prstGeom>
-          <a:noFill/>
-          <a:ln>
-            <a:noFill/>
-          </a:ln>
-          <a:effectLst/>
-          <a:extLst>
-            <a:ext uri="{909E8E84-426E-40DD-AFC4-6F175D3DCCD1}">
-              <a14:hiddenFill xmlns:a14="http://schemas.microsoft.com/office/drawing/2010/main">
-                <a:solidFill>
-                  <a:schemeClr val="accent1"/>
-                </a:solidFill>
-              </a14:hiddenFill>
-            </a:ext>
-            <a:ext uri="{91240B29-F687-4F45-9708-019B960494DF}">
-              <a14:hiddenLine xmlns:a14="http://schemas.microsoft.com/office/drawing/2010/main" w="9525">
-                <a:solidFill>
-                  <a:schemeClr val="tx1"/>
-                </a:solidFill>
-                <a:miter lim="800000"/>
-                <a:headEnd/>
-                <a:tailEnd/>
-              </a14:hiddenLine>
-            </a:ext>
-            <a:ext uri="{AF507438-7753-43E0-B8FC-AC1667EBCBE1}">
-              <a14:hiddenEffects xmlns:a14="http://schemas.microsoft.com/office/drawing/2010/main">
-                <a:effectLst>
-                  <a:outerShdw dist="35921" dir="2700000" algn="ctr" rotWithShape="0">
-                    <a:schemeClr val="bg2"/>
-                  </a:outerShdw>
-                </a:effectLst>
-              </a14:hiddenEffects>
-            </a:ext>
-          </a:extLst>
-        </p:spPr>
-        <p:txBody>
-          <a:bodyPr>
-            <a:spAutoFit/>
-          </a:bodyPr>
-          <a:lstStyle/>
-          <a:p>
-            <a:pPr>
-              <a:spcBef>
-                <a:spcPct val="20000"/>
-              </a:spcBef>
-              <a:buClr>
-                <a:schemeClr val="accent1"/>
-              </a:buClr>
-              <a:buSzPct val="65000"/>
-              <a:buFont typeface="Wingdings" pitchFamily="2" charset="2"/>
-              <a:buNone/>
-            </a:pPr>
-            <a:r>
-              <a:rPr lang="en-US" altLang="en-US" sz="1200" b="1" dirty="0" smtClean="0">
-                <a:solidFill>
-                  <a:srgbClr val="3333CC"/>
-                </a:solidFill>
-                <a:latin typeface="Open Sans" panose="020B0606030504020204" pitchFamily="34" charset="0"/>
-                <a:ea typeface="Open Sans" panose="020B0606030504020204" pitchFamily="34" charset="0"/>
-                <a:cs typeface="Open Sans" panose="020B0606030504020204" pitchFamily="34" charset="0"/>
-              </a:rPr>
-              <a:t>1.  M. Brand. A random walks perspective on maximizing satisfaction and profit. </a:t>
-            </a:r>
-            <a:r>
-              <a:rPr lang="en-US" altLang="en-US" sz="1200" b="1" i="1" dirty="0" smtClean="0">
-                <a:solidFill>
-                  <a:srgbClr val="3333CC"/>
-                </a:solidFill>
-                <a:latin typeface="Open Sans" panose="020B0606030504020204" pitchFamily="34" charset="0"/>
-                <a:ea typeface="Open Sans" panose="020B0606030504020204" pitchFamily="34" charset="0"/>
-                <a:cs typeface="Open Sans" panose="020B0606030504020204" pitchFamily="34" charset="0"/>
-              </a:rPr>
-              <a:t>SIAM ‘05.</a:t>
-            </a:r>
-            <a:endParaRPr lang="en-US" altLang="en-US" sz="1200" b="1" i="1" dirty="0">
-              <a:solidFill>
-                <a:srgbClr val="3333CC"/>
-              </a:solidFill>
-              <a:latin typeface="Open Sans" panose="020B0606030504020204" pitchFamily="34" charset="0"/>
-              <a:ea typeface="Open Sans" panose="020B0606030504020204" pitchFamily="34" charset="0"/>
-              <a:cs typeface="Open Sans" panose="020B0606030504020204" pitchFamily="34" charset="0"/>
-            </a:endParaRPr>
-          </a:p>
-        </p:txBody>
-      </p:sp>
-    </p:spTree>
-    <p:custDataLst>
-      <p:tags r:id="rId1"/>
-    </p:custDataLst>
-    <p:extLst>
-      <p:ext uri="{BB962C8B-B14F-4D97-AF65-F5344CB8AC3E}">
-        <p14:creationId xmlns:p14="http://schemas.microsoft.com/office/powerpoint/2010/main" val="2749227589"/>
-      </p:ext>
-    </p:extLst>
-  </p:cSld>
-  <p:clrMapOvr>
-    <a:masterClrMapping/>
-  </p:clrMapOvr>
-  <p:transition/>
-  <p:timing>
-    <p:tnLst>
-      <p:par>
-        <p:cTn id="1" dur="indefinite" restart="never" nodeType="tmRoot"/>
-      </p:par>
-    </p:tnLst>
-  </p:timing>
-</p:sld>
-</file>
-
-<file path=ppt/slides/slide20.xml><?xml version="1.0" encoding="utf-8"?>
+<file path=ppt/slides/slide23.xml><?xml version="1.0" encoding="utf-8"?>
 <p:sld xmlns:a="http://schemas.openxmlformats.org/drawingml/2006/main" xmlns:r="http://schemas.openxmlformats.org/officeDocument/2006/relationships" xmlns:p="http://schemas.openxmlformats.org/presentationml/2006/main">
   <p:cSld>
     <p:spTree>
@@ -22464,7 +25974,7 @@
             <a:fld id="{6DBCEC19-E40B-474C-ACEF-DFDD24DF8AA9}" type="slidenum">
               <a:rPr lang="en-US" altLang="en-US" smtClean="0"/>
               <a:pPr/>
-              <a:t>20</a:t>
+              <a:t>23</a:t>
             </a:fld>
             <a:endParaRPr lang="en-US" altLang="en-US"/>
           </a:p>
@@ -22992,7 +26502,7 @@
 </p:sld>
 </file>
 
-<file path=ppt/slides/slide21.xml><?xml version="1.0" encoding="utf-8"?>
+<file path=ppt/slides/slide24.xml><?xml version="1.0" encoding="utf-8"?>
 <p:sld xmlns:a="http://schemas.openxmlformats.org/drawingml/2006/main" xmlns:r="http://schemas.openxmlformats.org/officeDocument/2006/relationships" xmlns:p="http://schemas.openxmlformats.org/presentationml/2006/main">
   <p:cSld>
     <p:spTree>
@@ -23589,7 +27099,7 @@
 </p:sld>
 </file>
 
-<file path=ppt/slides/slide22.xml><?xml version="1.0" encoding="utf-8"?>
+<file path=ppt/slides/slide25.xml><?xml version="1.0" encoding="utf-8"?>
 <p:sld xmlns:a="http://schemas.openxmlformats.org/drawingml/2006/main" xmlns:r="http://schemas.openxmlformats.org/officeDocument/2006/relationships" xmlns:p="http://schemas.openxmlformats.org/presentationml/2006/main">
   <p:cSld>
     <p:spTree>
@@ -24295,8 +27805,8 @@
 </p:sld>
 </file>
 
-<file path=ppt/slides/slide23.xml><?xml version="1.0" encoding="utf-8"?>
-<p:sld xmlns:a="http://schemas.openxmlformats.org/drawingml/2006/main" xmlns:r="http://schemas.openxmlformats.org/officeDocument/2006/relationships" xmlns:p="http://schemas.openxmlformats.org/presentationml/2006/main">
+<file path=ppt/slides/slide26.xml><?xml version="1.0" encoding="utf-8"?>
+<p:sld xmlns:a="http://schemas.openxmlformats.org/drawingml/2006/main" xmlns:r="http://schemas.openxmlformats.org/officeDocument/2006/relationships" xmlns:p="http://schemas.openxmlformats.org/presentationml/2006/main" show="0">
   <p:cSld>
     <p:spTree>
       <p:nvGrpSpPr>
@@ -25474,8 +28984,8 @@
 </p:sld>
 </file>
 
-<file path=ppt/slides/slide24.xml><?xml version="1.0" encoding="utf-8"?>
-<p:sld xmlns:a="http://schemas.openxmlformats.org/drawingml/2006/main" xmlns:r="http://schemas.openxmlformats.org/officeDocument/2006/relationships" xmlns:p="http://schemas.openxmlformats.org/presentationml/2006/main">
+<file path=ppt/slides/slide27.xml><?xml version="1.0" encoding="utf-8"?>
+<p:sld xmlns:a="http://schemas.openxmlformats.org/drawingml/2006/main" xmlns:r="http://schemas.openxmlformats.org/officeDocument/2006/relationships" xmlns:p="http://schemas.openxmlformats.org/presentationml/2006/main" show="0">
   <p:cSld>
     <p:spTree>
       <p:nvGrpSpPr>
@@ -26948,7 +30458,7 @@
 </p:sld>
 </file>
 
-<file path=ppt/slides/slide25.xml><?xml version="1.0" encoding="utf-8"?>
+<file path=ppt/slides/slide28.xml><?xml version="1.0" encoding="utf-8"?>
 <p:sld xmlns:a="http://schemas.openxmlformats.org/drawingml/2006/main" xmlns:r="http://schemas.openxmlformats.org/officeDocument/2006/relationships" xmlns:p="http://schemas.openxmlformats.org/presentationml/2006/main">
   <p:cSld>
     <p:spTree>
@@ -27782,7 +31292,7 @@
       </p:sp>
       <p:pic>
         <p:nvPicPr>
-          <p:cNvPr id="10" name="图片 9"/>
+          <p:cNvPr id="3" name="图片 2"/>
           <p:cNvPicPr>
             <a:picLocks noChangeAspect="1"/>
           </p:cNvPicPr>
@@ -27806,8 +31316,8 @@
         </p:blipFill>
         <p:spPr>
           <a:xfrm>
-            <a:off x="609600" y="1219200"/>
-            <a:ext cx="7822430" cy="1702383"/>
+            <a:off x="609600" y="1066801"/>
+            <a:ext cx="7822431" cy="1723707"/>
           </a:xfrm>
           <a:prstGeom prst="rect">
             <a:avLst/>
@@ -27838,7 +31348,7 @@
 </p:sld>
 </file>
 
-<file path=ppt/slides/slide26.xml><?xml version="1.0" encoding="utf-8"?>
+<file path=ppt/slides/slide29.xml><?xml version="1.0" encoding="utf-8"?>
 <p:sld xmlns:a="http://schemas.openxmlformats.org/drawingml/2006/main" xmlns:r="http://schemas.openxmlformats.org/officeDocument/2006/relationships" xmlns:p="http://schemas.openxmlformats.org/presentationml/2006/main">
   <p:cSld>
     <p:spTree>
@@ -29093,7 +32603,7 @@
         </p:nvSpPr>
         <p:spPr bwMode="auto">
           <a:xfrm>
-            <a:off x="4049713" y="3152775"/>
+            <a:off x="5389563" y="3290887"/>
             <a:ext cx="2306637" cy="366713"/>
           </a:xfrm>
           <a:prstGeom prst="rect">
@@ -29145,7 +32655,7 @@
               </a:spcBef>
             </a:pPr>
             <a:r>
-              <a:rPr lang="en-US" altLang="en-US">
+              <a:rPr lang="en-US" altLang="en-US" dirty="0">
                 <a:latin typeface="Open Sans" panose="020B0606030504020204" pitchFamily="34" charset="0"/>
                 <a:ea typeface="Open Sans" panose="020B0606030504020204" pitchFamily="34" charset="0"/>
                 <a:cs typeface="Open Sans" panose="020B0606030504020204" pitchFamily="34" charset="0"/>
@@ -30207,7 +33717,7 @@
 </file>
 
 <file path=ppt/slides/slide5.xml><?xml version="1.0" encoding="utf-8"?>
-<p:sld xmlns:a="http://schemas.openxmlformats.org/drawingml/2006/main" xmlns:r="http://schemas.openxmlformats.org/officeDocument/2006/relationships" xmlns:p="http://schemas.openxmlformats.org/presentationml/2006/main">
+<p:sld xmlns:a="http://schemas.openxmlformats.org/drawingml/2006/main" xmlns:r="http://schemas.openxmlformats.org/officeDocument/2006/relationships" xmlns:p="http://schemas.openxmlformats.org/presentationml/2006/main" show="0">
   <p:cSld>
     <p:spTree>
       <p:nvGrpSpPr>
@@ -37877,11 +41387,11 @@
 <file path=ppt/tags/tag36.xml><?xml version="1.0" encoding="utf-8"?>
 <p:tagLst xmlns:a="http://schemas.openxmlformats.org/drawingml/2006/main" xmlns:r="http://schemas.openxmlformats.org/officeDocument/2006/relationships" xmlns:p="http://schemas.openxmlformats.org/presentationml/2006/main">
   <p:tag name="OUTPUTDPI" val="1200"/>
-  <p:tag name="ORIGINALHEIGHT" val="455.943"/>
-  <p:tag name="ORIGINALWIDTH" val="2686.914"/>
-  <p:tag name="LATEXADDIN" val="\documentclass{article}&#10;\usepackage{amsmath}&#10;\usepackage{bm}&#10;\pagestyle{empty}&#10;\begin{document}&#10;&#10;$\bm{P} = \begin{pmatrix}&#10;\hat{\bm{P}} &amp; \bm{c(i)} &amp; \bm{c(j)} \\&#10;\bm{r(i)}^\top &amp; 0 &amp; p(i,j) \\&#10;\bm{r(j)}^\top &amp; p(j,i) &amp; 0&#10;\end{pmatrix},\ &#10;\bm{v} = \begin{pmatrix} \hat{\bm{v}} &amp; 0 &amp; 1 \end{pmatrix}^\top&#10;$&#10;&#10;&#10;\end{document}"/>
+  <p:tag name="ORIGINALHEIGHT" val="149.2313"/>
+  <p:tag name="ORIGINALWIDTH" val="2338.208"/>
+  <p:tag name="LATEXADDIN" val="\documentclass{article}&#10;\usepackage{amsmath}&#10;\usepackage{bm}&#10;\pagestyle{empty}&#10;\begin{document}&#10;&#10;$\mathrm{ep}(i\rightarrow j) = \bm{u(i)}^\top (\bm{I} - c\hat{\bm{P}})^{-1} \bm{v(j)} + p(i,j)$&#10;&#10;&#10;\end{document}"/>
   <p:tag name="IGUANATEXSIZE" val="20"/>
-  <p:tag name="IGUANATEXCURSOR" val="238"/>
+  <p:tag name="IGUANATEXCURSOR" val="154"/>
   <p:tag name="TRANSPARENCY" val="True"/>
   <p:tag name="FILENAME" val=""/>
   <p:tag name="LATEXENGINEID" val="0"/>
@@ -37896,17 +41406,17 @@
 <file path=ppt/tags/tag37.xml><?xml version="1.0" encoding="utf-8"?>
 <p:tagLst xmlns:a="http://schemas.openxmlformats.org/drawingml/2006/main" xmlns:r="http://schemas.openxmlformats.org/officeDocument/2006/relationships" xmlns:p="http://schemas.openxmlformats.org/presentationml/2006/main">
   <p:tag name="OUTPUTDPI" val="1200"/>
-  <p:tag name="ORIGINALHEIGHT" val="149.2313"/>
-  <p:tag name="ORIGINALWIDTH" val="2128.234"/>
-  <p:tag name="LATEXADDIN" val="\documentclass{article}&#10;\usepackage{amsmath}&#10;\usepackage{bm}&#10;\pagestyle{empty}&#10;\begin{document}&#10;&#10;&#10;$\hat{\bm{v}} = \hat{\bm{P}} \hat{\bm{v}} + \bm{c(j)} \ \Rightarrow\ \hat{\bm{v}} = (\bm{I} - \hat{\bm{P}})^{-1} \bm{c(j)}$&#10;&#10;\end{document}"/>
+  <p:tag name="ORIGINALHEIGHT" val="124.4844"/>
+  <p:tag name="ORIGINALWIDTH" val="229.4713"/>
+  <p:tag name="LATEXADDIN" val="\documentclass{article}&#10;\usepackage{amsmath}&#10;\pagestyle{empty}&#10;\usepackage{bm}&#10;\begin{document}&#10;&#10;$\bm{u(i)}$&#10;&#10;&#10;\end{document}"/>
   <p:tag name="IGUANATEXSIZE" val="20"/>
-  <p:tag name="IGUANATEXCURSOR" val="219"/>
+  <p:tag name="IGUANATEXCURSOR" val="103"/>
   <p:tag name="TRANSPARENCY" val="True"/>
   <p:tag name="FILENAME" val=""/>
   <p:tag name="LATEXENGINEID" val="0"/>
   <p:tag name="TEMPFOLDER" val="c:\temp\"/>
   <p:tag name="LATEXFORMHEIGHT" val="312"/>
-  <p:tag name="LATEXFORMWIDTH" val="384"/>
+  <p:tag name="LATEXFORMWIDTH" val="380"/>
   <p:tag name="LATEXFORMWRAP" val="True"/>
   <p:tag name="BITMAPVECTOR" val="0"/>
 </p:tagLst>
@@ -37915,17 +41425,17 @@
 <file path=ppt/tags/tag38.xml><?xml version="1.0" encoding="utf-8"?>
 <p:tagLst xmlns:a="http://schemas.openxmlformats.org/drawingml/2006/main" xmlns:r="http://schemas.openxmlformats.org/officeDocument/2006/relationships" xmlns:p="http://schemas.openxmlformats.org/presentationml/2006/main">
   <p:tag name="OUTPUTDPI" val="1200"/>
-  <p:tag name="ORIGINALHEIGHT" val="134.2332"/>
-  <p:tag name="ORIGINALWIDTH" val="305.2118"/>
-  <p:tag name="LATEXADDIN" val="\documentclass{article}&#10;\usepackage{amsmath}&#10;\pagestyle{empty}&#10;\begin{document}&#10;&#10;$\Theta(n^2)$&#10;&#10;&#10;\end{document}"/>
-  <p:tag name="IGUANATEXSIZE" val="18"/>
-  <p:tag name="IGUANATEXCURSOR" val="94"/>
+  <p:tag name="ORIGINALHEIGHT" val="124.4844"/>
+  <p:tag name="ORIGINALWIDTH" val="236.2205"/>
+  <p:tag name="LATEXADDIN" val="\documentclass{article}&#10;\usepackage{amsmath}&#10;\pagestyle{empty}&#10;\usepackage{bm}&#10;\begin{document}&#10;&#10;$\bm{v(j)}$&#10;&#10;&#10;\end{document}"/>
+  <p:tag name="IGUANATEXSIZE" val="20"/>
+  <p:tag name="IGUANATEXCURSOR" val="103"/>
   <p:tag name="TRANSPARENCY" val="True"/>
   <p:tag name="FILENAME" val=""/>
   <p:tag name="LATEXENGINEID" val="0"/>
   <p:tag name="TEMPFOLDER" val="c:\temp\"/>
   <p:tag name="LATEXFORMHEIGHT" val="312"/>
-  <p:tag name="LATEXFORMWIDTH" val="384"/>
+  <p:tag name="LATEXFORMWIDTH" val="380"/>
   <p:tag name="LATEXFORMWRAP" val="True"/>
   <p:tag name="BITMAPVECTOR" val="0"/>
 </p:tagLst>
@@ -37934,17 +41444,17 @@
 <file path=ppt/tags/tag39.xml><?xml version="1.0" encoding="utf-8"?>
 <p:tagLst xmlns:a="http://schemas.openxmlformats.org/drawingml/2006/main" xmlns:r="http://schemas.openxmlformats.org/officeDocument/2006/relationships" xmlns:p="http://schemas.openxmlformats.org/presentationml/2006/main">
   <p:tag name="OUTPUTDPI" val="1200"/>
-  <p:tag name="ORIGINALHEIGHT" val="179.9775"/>
-  <p:tag name="ORIGINALWIDTH" val="1646.044"/>
-  <p:tag name="LATEXADDIN" val="\documentclass{article}&#10;\usepackage{amsmath}&#10;\usepackage{amssymb}&#10;\usepackage{bm}&#10;\pagestyle{empty}&#10;\begin{document}&#10;&#10;$\bm{v} \triangleq \begin{pmatrix} v(1)&amp; v(2)&amp; \cdots&amp; v(n)\end{pmatrix}^\top$&#10;&#10;&#10;\end{document}"/>
-  <p:tag name="IGUANATEXSIZE" val="22"/>
-  <p:tag name="IGUANATEXCURSOR" val="190"/>
+  <p:tag name="ORIGINALHEIGHT" val="118.4852"/>
+  <p:tag name="ORIGINALWIDTH" val="100.4874"/>
+  <p:tag name="LATEXADDIN" val="&#10;\documentclass{article}&#10;\usepackage{amsmath}&#10;\usepackage{bm}&#10;\pagestyle{empty}&#10;\begin{document}&#10;&#10;$\hat{\bm{P}}$&#10;&#10;&#10;\end{document}"/>
+  <p:tag name="IGUANATEXSIZE" val="20"/>
+  <p:tag name="IGUANATEXCURSOR" val="129"/>
   <p:tag name="TRANSPARENCY" val="True"/>
   <p:tag name="FILENAME" val=""/>
   <p:tag name="LATEXENGINEID" val="0"/>
   <p:tag name="TEMPFOLDER" val="c:\temp\"/>
   <p:tag name="LATEXFORMHEIGHT" val="312"/>
-  <p:tag name="LATEXFORMWIDTH" val="384"/>
+  <p:tag name="LATEXFORMWIDTH" val="380"/>
   <p:tag name="LATEXFORMWRAP" val="True"/>
   <p:tag name="BITMAPVECTOR" val="0"/>
 </p:tagLst>
@@ -37973,6 +41483,145 @@
 <p:tagLst xmlns:a="http://schemas.openxmlformats.org/drawingml/2006/main" xmlns:r="http://schemas.openxmlformats.org/officeDocument/2006/relationships" xmlns:p="http://schemas.openxmlformats.org/presentationml/2006/main">
   <p:tag name="OUTPUTDPI" val="1200"/>
   <p:tag name="ORIGINALHEIGHT" val="123.7346"/>
+  <p:tag name="ORIGINALWIDTH" val="308.2115"/>
+  <p:tag name="LATEXADDIN" val="\documentclass{article}&#10;\usepackage{amsmath}&#10;\pagestyle{empty}&#10;\begin{document}&#10;&#10;$p(i,j)$&#10;&#10;&#10;\end{document}"/>
+  <p:tag name="IGUANATEXSIZE" val="20"/>
+  <p:tag name="IGUANATEXCURSOR" val="89"/>
+  <p:tag name="TRANSPARENCY" val="True"/>
+  <p:tag name="FILENAME" val=""/>
+  <p:tag name="LATEXENGINEID" val="0"/>
+  <p:tag name="TEMPFOLDER" val="c:\temp\"/>
+  <p:tag name="LATEXFORMHEIGHT" val="312"/>
+  <p:tag name="LATEXFORMWIDTH" val="380"/>
+  <p:tag name="LATEXFORMWRAP" val="True"/>
+  <p:tag name="BITMAPVECTOR" val="0"/>
+</p:tagLst>
+</file>
+
+<file path=ppt/tags/tag41.xml><?xml version="1.0" encoding="utf-8"?>
+<p:tagLst xmlns:a="http://schemas.openxmlformats.org/drawingml/2006/main" xmlns:r="http://schemas.openxmlformats.org/officeDocument/2006/relationships" xmlns:p="http://schemas.openxmlformats.org/presentationml/2006/main">
+  <p:tag name="OUTPUTDPI" val="1200"/>
+  <p:tag name="ORIGINALHEIGHT" val="134.2332"/>
+  <p:tag name="ORIGINALWIDTH" val="305.2118"/>
+  <p:tag name="LATEXADDIN" val="\documentclass{article}&#10;\usepackage{amsmath}&#10;\pagestyle{empty}&#10;\begin{document}&#10;&#10;$\Theta(n^2)$&#10;&#10;&#10;\end{document}"/>
+  <p:tag name="IGUANATEXSIZE" val="24"/>
+  <p:tag name="IGUANATEXCURSOR" val="93"/>
+  <p:tag name="TRANSPARENCY" val="True"/>
+  <p:tag name="FILENAME" val=""/>
+  <p:tag name="LATEXENGINEID" val="0"/>
+  <p:tag name="TEMPFOLDER" val="c:\temp\"/>
+  <p:tag name="LATEXFORMHEIGHT" val="312"/>
+  <p:tag name="LATEXFORMWIDTH" val="384"/>
+  <p:tag name="LATEXFORMWRAP" val="True"/>
+  <p:tag name="BITMAPVECTOR" val="0"/>
+</p:tagLst>
+</file>
+
+<file path=ppt/tags/tag42.xml><?xml version="1.0" encoding="utf-8"?>
+<p:tagLst xmlns:a="http://schemas.openxmlformats.org/drawingml/2006/main" xmlns:r="http://schemas.openxmlformats.org/officeDocument/2006/relationships" xmlns:p="http://schemas.openxmlformats.org/presentationml/2006/main">
+  <p:tag name="OUTPUTDPI" val="1200"/>
+  <p:tag name="ORIGINALHEIGHT" val="123.7346"/>
+  <p:tag name="ORIGINALWIDTH" val="461.9423"/>
+  <p:tag name="LATEXADDIN" val="\documentclass{article}&#10;\usepackage{amsmath}&#10;\pagestyle{empty}&#10;\usepackage{bm}&#10;\begin{document}&#10;&#10;$(\bm{I} - c\bm{P})$&#10;&#10;&#10;\end{document}"/>
+  <p:tag name="IGUANATEXSIZE" val="20"/>
+  <p:tag name="IGUANATEXCURSOR" val="109"/>
+  <p:tag name="TRANSPARENCY" val="True"/>
+  <p:tag name="FILENAME" val=""/>
+  <p:tag name="LATEXENGINEID" val="0"/>
+  <p:tag name="TEMPFOLDER" val="c:\temp\"/>
+  <p:tag name="LATEXFORMHEIGHT" val="312"/>
+  <p:tag name="LATEXFORMWIDTH" val="380"/>
+  <p:tag name="LATEXFORMWRAP" val="True"/>
+  <p:tag name="BITMAPVECTOR" val="0"/>
+</p:tagLst>
+</file>
+
+<file path=ppt/tags/tag43.xml><?xml version="1.0" encoding="utf-8"?>
+<p:tagLst xmlns:a="http://schemas.openxmlformats.org/drawingml/2006/main" xmlns:r="http://schemas.openxmlformats.org/officeDocument/2006/relationships" xmlns:p="http://schemas.openxmlformats.org/presentationml/2006/main">
+  <p:tag name="TIMING" val="|14.6"/>
+</p:tagLst>
+</file>
+
+<file path=ppt/tags/tag44.xml><?xml version="1.0" encoding="utf-8"?>
+<p:tagLst xmlns:a="http://schemas.openxmlformats.org/drawingml/2006/main" xmlns:r="http://schemas.openxmlformats.org/officeDocument/2006/relationships" xmlns:p="http://schemas.openxmlformats.org/presentationml/2006/main">
+  <p:tag name="OUTPUTDPI" val="1200"/>
+  <p:tag name="ORIGINALHEIGHT" val="455.943"/>
+  <p:tag name="ORIGINALWIDTH" val="2686.914"/>
+  <p:tag name="LATEXADDIN" val="\documentclass{article}&#10;\usepackage{amsmath}&#10;\usepackage{bm}&#10;\pagestyle{empty}&#10;\begin{document}&#10;&#10;$\bm{P} = \begin{pmatrix}&#10;\hat{\bm{P}} &amp; \bm{c(i)} &amp; \bm{c(j)} \\&#10;\bm{r(i)}^\top &amp; 0 &amp; p(i,j) \\&#10;\bm{r(j)}^\top &amp; p(j,i) &amp; 0&#10;\end{pmatrix},\ &#10;\bm{v} = \begin{pmatrix} \hat{\bm{v}} &amp; 0 &amp; 1 \end{pmatrix}^\top&#10;$&#10;&#10;&#10;\end{document}"/>
+  <p:tag name="IGUANATEXSIZE" val="20"/>
+  <p:tag name="IGUANATEXCURSOR" val="238"/>
+  <p:tag name="TRANSPARENCY" val="True"/>
+  <p:tag name="FILENAME" val=""/>
+  <p:tag name="LATEXENGINEID" val="0"/>
+  <p:tag name="TEMPFOLDER" val="c:\temp\"/>
+  <p:tag name="LATEXFORMHEIGHT" val="312"/>
+  <p:tag name="LATEXFORMWIDTH" val="384"/>
+  <p:tag name="LATEXFORMWRAP" val="True"/>
+  <p:tag name="BITMAPVECTOR" val="0"/>
+</p:tagLst>
+</file>
+
+<file path=ppt/tags/tag45.xml><?xml version="1.0" encoding="utf-8"?>
+<p:tagLst xmlns:a="http://schemas.openxmlformats.org/drawingml/2006/main" xmlns:r="http://schemas.openxmlformats.org/officeDocument/2006/relationships" xmlns:p="http://schemas.openxmlformats.org/presentationml/2006/main">
+  <p:tag name="OUTPUTDPI" val="1200"/>
+  <p:tag name="ORIGINALHEIGHT" val="149.2313"/>
+  <p:tag name="ORIGINALWIDTH" val="2128.234"/>
+  <p:tag name="LATEXADDIN" val="\documentclass{article}&#10;\usepackage{amsmath}&#10;\usepackage{bm}&#10;\pagestyle{empty}&#10;\begin{document}&#10;&#10;&#10;$\hat{\bm{v}} = \hat{\bm{P}} \hat{\bm{v}} + \bm{c(j)} \ \Rightarrow\ \hat{\bm{v}} = (\bm{I} - \hat{\bm{P}})^{-1} \bm{c(j)}$&#10;&#10;\end{document}"/>
+  <p:tag name="IGUANATEXSIZE" val="20"/>
+  <p:tag name="IGUANATEXCURSOR" val="219"/>
+  <p:tag name="TRANSPARENCY" val="True"/>
+  <p:tag name="FILENAME" val=""/>
+  <p:tag name="LATEXENGINEID" val="0"/>
+  <p:tag name="TEMPFOLDER" val="c:\temp\"/>
+  <p:tag name="LATEXFORMHEIGHT" val="312"/>
+  <p:tag name="LATEXFORMWIDTH" val="384"/>
+  <p:tag name="LATEXFORMWRAP" val="True"/>
+  <p:tag name="BITMAPVECTOR" val="0"/>
+</p:tagLst>
+</file>
+
+<file path=ppt/tags/tag46.xml><?xml version="1.0" encoding="utf-8"?>
+<p:tagLst xmlns:a="http://schemas.openxmlformats.org/drawingml/2006/main" xmlns:r="http://schemas.openxmlformats.org/officeDocument/2006/relationships" xmlns:p="http://schemas.openxmlformats.org/presentationml/2006/main">
+  <p:tag name="OUTPUTDPI" val="1200"/>
+  <p:tag name="ORIGINALHEIGHT" val="134.2332"/>
+  <p:tag name="ORIGINALWIDTH" val="305.2118"/>
+  <p:tag name="LATEXADDIN" val="\documentclass{article}&#10;\usepackage{amsmath}&#10;\pagestyle{empty}&#10;\begin{document}&#10;&#10;$\Theta(n^2)$&#10;&#10;&#10;\end{document}"/>
+  <p:tag name="IGUANATEXSIZE" val="18"/>
+  <p:tag name="IGUANATEXCURSOR" val="94"/>
+  <p:tag name="TRANSPARENCY" val="True"/>
+  <p:tag name="FILENAME" val=""/>
+  <p:tag name="LATEXENGINEID" val="0"/>
+  <p:tag name="TEMPFOLDER" val="c:\temp\"/>
+  <p:tag name="LATEXFORMHEIGHT" val="312"/>
+  <p:tag name="LATEXFORMWIDTH" val="384"/>
+  <p:tag name="LATEXFORMWRAP" val="True"/>
+  <p:tag name="BITMAPVECTOR" val="0"/>
+</p:tagLst>
+</file>
+
+<file path=ppt/tags/tag47.xml><?xml version="1.0" encoding="utf-8"?>
+<p:tagLst xmlns:a="http://schemas.openxmlformats.org/drawingml/2006/main" xmlns:r="http://schemas.openxmlformats.org/officeDocument/2006/relationships" xmlns:p="http://schemas.openxmlformats.org/presentationml/2006/main">
+  <p:tag name="OUTPUTDPI" val="1200"/>
+  <p:tag name="ORIGINALHEIGHT" val="179.9775"/>
+  <p:tag name="ORIGINALWIDTH" val="1646.044"/>
+  <p:tag name="LATEXADDIN" val="\documentclass{article}&#10;\usepackage{amsmath}&#10;\usepackage{amssymb}&#10;\usepackage{bm}&#10;\pagestyle{empty}&#10;\begin{document}&#10;&#10;$\bm{v} \triangleq \begin{pmatrix} v(1)&amp; v(2)&amp; \cdots&amp; v(n)\end{pmatrix}^\top$&#10;&#10;&#10;\end{document}"/>
+  <p:tag name="IGUANATEXSIZE" val="22"/>
+  <p:tag name="IGUANATEXCURSOR" val="190"/>
+  <p:tag name="TRANSPARENCY" val="True"/>
+  <p:tag name="FILENAME" val=""/>
+  <p:tag name="LATEXENGINEID" val="0"/>
+  <p:tag name="TEMPFOLDER" val="c:\temp\"/>
+  <p:tag name="LATEXFORMHEIGHT" val="312"/>
+  <p:tag name="LATEXFORMWIDTH" val="384"/>
+  <p:tag name="LATEXFORMWRAP" val="True"/>
+  <p:tag name="BITMAPVECTOR" val="0"/>
+</p:tagLst>
+</file>
+
+<file path=ppt/tags/tag48.xml><?xml version="1.0" encoding="utf-8"?>
+<p:tagLst xmlns:a="http://schemas.openxmlformats.org/drawingml/2006/main" xmlns:r="http://schemas.openxmlformats.org/officeDocument/2006/relationships" xmlns:p="http://schemas.openxmlformats.org/presentationml/2006/main">
+  <p:tag name="OUTPUTDPI" val="1200"/>
+  <p:tag name="ORIGINALHEIGHT" val="123.7346"/>
   <p:tag name="ORIGINALWIDTH" val="425.1968"/>
   <p:tag name="LATEXADDIN" val="\documentclass{article}&#10;\usepackage{amsmath}&#10;\pagestyle{empty}&#10;\begin{document}&#10;$v(i) = 0$&#10;&#10;&#10;&#10;\end{document}"/>
   <p:tag name="IGUANATEXSIZE" val="20"/>
@@ -37988,7 +41637,7 @@
 </p:tagLst>
 </file>
 
-<file path=ppt/tags/tag41.xml><?xml version="1.0" encoding="utf-8"?>
+<file path=ppt/tags/tag49.xml><?xml version="1.0" encoding="utf-8"?>
 <p:tagLst xmlns:a="http://schemas.openxmlformats.org/drawingml/2006/main" xmlns:r="http://schemas.openxmlformats.org/officeDocument/2006/relationships" xmlns:p="http://schemas.openxmlformats.org/presentationml/2006/main">
   <p:tag name="OUTPUTDPI" val="1200"/>
   <p:tag name="ORIGINALHEIGHT" val="123.7346"/>
@@ -37996,145 +41645,6 @@
   <p:tag name="LATEXADDIN" val="\documentclass{article}&#10;\usepackage{amsmath}&#10;\pagestyle{empty}&#10;\begin{document}&#10;$v(j) = 1$&#10;&#10;&#10;&#10;\end{document}"/>
   <p:tag name="IGUANATEXSIZE" val="20"/>
   <p:tag name="IGUANATEXCURSOR" val="85"/>
-  <p:tag name="TRANSPARENCY" val="True"/>
-  <p:tag name="FILENAME" val=""/>
-  <p:tag name="LATEXENGINEID" val="0"/>
-  <p:tag name="TEMPFOLDER" val="c:\temp\"/>
-  <p:tag name="LATEXFORMHEIGHT" val="312"/>
-  <p:tag name="LATEXFORMWIDTH" val="384"/>
-  <p:tag name="LATEXFORMWRAP" val="True"/>
-  <p:tag name="BITMAPVECTOR" val="0"/>
-</p:tagLst>
-</file>
-
-<file path=ppt/tags/tag42.xml><?xml version="1.0" encoding="utf-8"?>
-<p:tagLst xmlns:a="http://schemas.openxmlformats.org/drawingml/2006/main" xmlns:r="http://schemas.openxmlformats.org/officeDocument/2006/relationships" xmlns:p="http://schemas.openxmlformats.org/presentationml/2006/main">
-  <p:tag name="OUTPUTDPI" val="1200"/>
-  <p:tag name="ORIGINALHEIGHT" val="207.724"/>
-  <p:tag name="ORIGINALWIDTH" val="1687.289"/>
-  <p:tag name="LATEXADDIN" val="\documentclass{article}&#10;\usepackage{amsmath}&#10;\pagestyle{empty}&#10;\begin{document}&#10;&#10;$\forall k\neq i, j$, $v(k) = \sum\limits_l p(k,l) \cdot v(l)$&#10;&#10;&#10;\end{document}"/>
-  <p:tag name="IGUANATEXSIZE" val="20"/>
-  <p:tag name="IGUANATEXCURSOR" val="108"/>
-  <p:tag name="TRANSPARENCY" val="True"/>
-  <p:tag name="FILENAME" val=""/>
-  <p:tag name="LATEXENGINEID" val="0"/>
-  <p:tag name="TEMPFOLDER" val="c:\temp\"/>
-  <p:tag name="LATEXFORMHEIGHT" val="312"/>
-  <p:tag name="LATEXFORMWIDTH" val="384"/>
-  <p:tag name="LATEXFORMWRAP" val="True"/>
-  <p:tag name="BITMAPVECTOR" val="0"/>
-</p:tagLst>
-</file>
-
-<file path=ppt/tags/tag43.xml><?xml version="1.0" encoding="utf-8"?>
-<p:tagLst xmlns:a="http://schemas.openxmlformats.org/drawingml/2006/main" xmlns:r="http://schemas.openxmlformats.org/officeDocument/2006/relationships" xmlns:p="http://schemas.openxmlformats.org/presentationml/2006/main">
-  <p:tag name="OUTPUTDPI" val="1200"/>
-  <p:tag name="ORIGINALHEIGHT" val="231.721"/>
-  <p:tag name="ORIGINALWIDTH" val="3223.097"/>
-  <p:tag name="LATEXADDIN" val="\documentclass{article}&#10;\usepackage{amsmath}&#10;\usepackage{bm}&#10;\pagestyle{empty}&#10;\begin{document}&#10;&#10;$\mathrm{ep}(i\rightarrow j) = \sum\limits_k p(i,k) \cdot v(k) = \bm{r(i)}^\top (\bm{I} - \hat{\bm{P}})^{-1} \bm{c(j)} + p(i,j)$&#10;&#10;&#10;\end{document}"/>
-  <p:tag name="IGUANATEXSIZE" val="20"/>
-  <p:tag name="IGUANATEXCURSOR" val="215"/>
-  <p:tag name="TRANSPARENCY" val="True"/>
-  <p:tag name="FILENAME" val=""/>
-  <p:tag name="LATEXENGINEID" val="0"/>
-  <p:tag name="TEMPFOLDER" val="c:\temp\"/>
-  <p:tag name="LATEXFORMHEIGHT" val="312"/>
-  <p:tag name="LATEXFORMWIDTH" val="384"/>
-  <p:tag name="LATEXFORMWRAP" val="True"/>
-  <p:tag name="BITMAPVECTOR" val="0"/>
-</p:tagLst>
-</file>
-
-<file path=ppt/tags/tag44.xml><?xml version="1.0" encoding="utf-8"?>
-<p:tagLst xmlns:a="http://schemas.openxmlformats.org/drawingml/2006/main" xmlns:r="http://schemas.openxmlformats.org/officeDocument/2006/relationships" xmlns:p="http://schemas.openxmlformats.org/presentationml/2006/main">
-  <p:tag name="OUTPUTDPI" val="1200"/>
-  <p:tag name="ORIGINALHEIGHT" val="137.9828"/>
-  <p:tag name="ORIGINALWIDTH" val="2189.726"/>
-  <p:tag name="LATEXADDIN" val="\documentclass{article}&#10;\usepackage{amsmath}&#10;\usepackage{amssymb}&#10;\pagestyle{empty}&#10;\begin{document}&#10;&#10;$v(k) \triangleq $ Pr[starting at $k$, visits $j$ before $i$]&#10;&#10;&#10;\end{document}"/>
-  <p:tag name="IGUANATEXSIZE" val="20"/>
-  <p:tag name="IGUANATEXCURSOR" val="125"/>
-  <p:tag name="TRANSPARENCY" val="True"/>
-  <p:tag name="FILENAME" val=""/>
-  <p:tag name="LATEXENGINEID" val="0"/>
-  <p:tag name="TEMPFOLDER" val="c:\temp\"/>
-  <p:tag name="LATEXFORMHEIGHT" val="312"/>
-  <p:tag name="LATEXFORMWIDTH" val="384"/>
-  <p:tag name="LATEXFORMWRAP" val="True"/>
-  <p:tag name="BITMAPVECTOR" val="0"/>
-</p:tagLst>
-</file>
-
-<file path=ppt/tags/tag45.xml><?xml version="1.0" encoding="utf-8"?>
-<p:tagLst xmlns:a="http://schemas.openxmlformats.org/drawingml/2006/main" xmlns:r="http://schemas.openxmlformats.org/officeDocument/2006/relationships" xmlns:p="http://schemas.openxmlformats.org/presentationml/2006/main">
-  <p:tag name="TIMING" val="|14.6"/>
-</p:tagLst>
-</file>
-
-<file path=ppt/tags/tag46.xml><?xml version="1.0" encoding="utf-8"?>
-<p:tagLst xmlns:a="http://schemas.openxmlformats.org/drawingml/2006/main" xmlns:r="http://schemas.openxmlformats.org/officeDocument/2006/relationships" xmlns:p="http://schemas.openxmlformats.org/presentationml/2006/main">
-  <p:tag name="OUTPUTDPI" val="1200"/>
-  <p:tag name="ORIGINALHEIGHT" val="127.3152"/>
-  <p:tag name="ORIGINALWIDTH" val="719.3802"/>
-  <p:tag name="LATEXADDIN" val="\documentclass{article}&#10;\usepackage{amsmath}&#10;\pagestyle{empty}&#10;\usepackage{amssymb}&#10;\usepackage{amsthm}&#10;\usepackage{bm}&#10;&#10;\newtheorem*{mythm*}{Theorem}&#10;\newtheorem*{mylem*}{Lemma}&#10;\newtheorem*{mycor*}{Corollary}&#10;&#10;\begin{document}&#10;&#10;\begin{mythm*}&#10;Let&#10;$&#10;\bm{Q} = \left[ q(i,j) \right] \triangleq (\bm{I} - c\bm{P})^{-1}.&#10;$&#10;$\forall i\neq j$, there is&#10;\[&#10;\mathrm{ep}(i\rightarrow j) = \frac{q(i,j)}{q(i,i)q(j,j) - q(i,j)q(j,i)}.&#10;\]&#10;\end{mythm*}&#10;&#10;&#10;\end{document}"/>
-  <p:tag name="IGUANATEXSIZE" val="20"/>
-  <p:tag name="IGUANATEXCURSOR" val="319"/>
-  <p:tag name="TRANSPARENCY" val="True"/>
-  <p:tag name="FILENAME" val=""/>
-  <p:tag name="LATEXENGINEID" val="0"/>
-  <p:tag name="TEMPFOLDER" val="c:\temp\"/>
-  <p:tag name="LATEXFORMHEIGHT" val="312"/>
-  <p:tag name="LATEXFORMWIDTH" val="384"/>
-  <p:tag name="LATEXFORMWRAP" val="True"/>
-  <p:tag name="BITMAPVECTOR" val="0"/>
-</p:tagLst>
-</file>
-
-<file path=ppt/tags/tag47.xml><?xml version="1.0" encoding="utf-8"?>
-<p:tagLst xmlns:a="http://schemas.openxmlformats.org/drawingml/2006/main" xmlns:r="http://schemas.openxmlformats.org/officeDocument/2006/relationships" xmlns:p="http://schemas.openxmlformats.org/presentationml/2006/main">
-  <p:tag name="OUTPUTDPI" val="1200"/>
-  <p:tag name="ORIGINALHEIGHT" val="133.4833"/>
-  <p:tag name="ORIGINALWIDTH" val="873.6408"/>
-  <p:tag name="LATEXADDIN" val="\documentclass{article}&#10;\usepackage{amsmath}&#10;\pagestyle{empty}&#10;\usepackage{bm}&#10;\begin{document}&#10;&#10;$\bm{Q} = (\bm{I} - c\bm{P})^{-1}$&#10;&#10;&#10;\end{document}"/>
-  <p:tag name="IGUANATEXSIZE" val="20"/>
-  <p:tag name="IGUANATEXCURSOR" val="78"/>
-  <p:tag name="TRANSPARENCY" val="True"/>
-  <p:tag name="FILENAME" val=""/>
-  <p:tag name="LATEXENGINEID" val="0"/>
-  <p:tag name="TEMPFOLDER" val="c:\temp\"/>
-  <p:tag name="LATEXFORMHEIGHT" val="312"/>
-  <p:tag name="LATEXFORMWIDTH" val="384"/>
-  <p:tag name="LATEXFORMWRAP" val="True"/>
-  <p:tag name="BITMAPVECTOR" val="0"/>
-</p:tagLst>
-</file>
-
-<file path=ppt/tags/tag48.xml><?xml version="1.0" encoding="utf-8"?>
-<p:tagLst xmlns:a="http://schemas.openxmlformats.org/drawingml/2006/main" xmlns:r="http://schemas.openxmlformats.org/officeDocument/2006/relationships" xmlns:p="http://schemas.openxmlformats.org/presentationml/2006/main">
-  <p:tag name="OUTPUTDPI" val="1200"/>
-  <p:tag name="ORIGINALHEIGHT" val="191.2261"/>
-  <p:tag name="ORIGINALWIDTH" val="1706.037"/>
-  <p:tag name="LATEXADDIN" val="\documentclass{article}&#10;\usepackage{amsmath}&#10;\pagestyle{empty}&#10;\begin{document}&#10;&#10;$\mathrm{Prox}(i,j) = \frac{q(i,j)}{q(i,i)q(j,j) - q(i,j)q(j,i)}$&#10;&#10;&#10;\end{document}"/>
-  <p:tag name="IGUANATEXSIZE" val="20"/>
-  <p:tag name="IGUANATEXCURSOR" val="44"/>
-  <p:tag name="TRANSPARENCY" val="True"/>
-  <p:tag name="FILENAME" val=""/>
-  <p:tag name="LATEXENGINEID" val="0"/>
-  <p:tag name="TEMPFOLDER" val="c:\temp\"/>
-  <p:tag name="LATEXFORMHEIGHT" val="312"/>
-  <p:tag name="LATEXFORMWIDTH" val="384"/>
-  <p:tag name="LATEXFORMWRAP" val="True"/>
-  <p:tag name="BITMAPVECTOR" val="0"/>
-</p:tagLst>
-</file>
-
-<file path=ppt/tags/tag49.xml><?xml version="1.0" encoding="utf-8"?>
-<p:tagLst xmlns:a="http://schemas.openxmlformats.org/drawingml/2006/main" xmlns:r="http://schemas.openxmlformats.org/officeDocument/2006/relationships" xmlns:p="http://schemas.openxmlformats.org/presentationml/2006/main">
-  <p:tag name="OUTPUTDPI" val="1200"/>
-  <p:tag name="ORIGINALHEIGHT" val="134.2332"/>
-  <p:tag name="ORIGINALWIDTH" val="1641.545"/>
-  <p:tag name="LATEXADDIN" val="\documentclass{article}&#10;\usepackage{amsmath}&#10;\pagestyle{empty}&#10;\begin{document}&#10;&#10;$\Theta(\mathrm{1\ matrix\ inversion}) + \Theta(n^2)$&#10;&#10;&#10;\end{document}"/>
-  <p:tag name="IGUANATEXSIZE" val="24"/>
-  <p:tag name="IGUANATEXCURSOR" val="134"/>
   <p:tag name="TRANSPARENCY" val="True"/>
   <p:tag name="FILENAME" val=""/>
   <p:tag name="LATEXENGINEID" val="0"/>
@@ -38167,11 +41677,68 @@
 
 <file path=ppt/tags/tag50.xml><?xml version="1.0" encoding="utf-8"?>
 <p:tagLst xmlns:a="http://schemas.openxmlformats.org/drawingml/2006/main" xmlns:r="http://schemas.openxmlformats.org/officeDocument/2006/relationships" xmlns:p="http://schemas.openxmlformats.org/presentationml/2006/main">
+  <p:tag name="OUTPUTDPI" val="1200"/>
+  <p:tag name="ORIGINALHEIGHT" val="207.724"/>
+  <p:tag name="ORIGINALWIDTH" val="1687.289"/>
+  <p:tag name="LATEXADDIN" val="\documentclass{article}&#10;\usepackage{amsmath}&#10;\pagestyle{empty}&#10;\begin{document}&#10;&#10;$\forall k\neq i, j$, $v(k) = \sum\limits_l p(k,l) \cdot v(l)$&#10;&#10;&#10;\end{document}"/>
+  <p:tag name="IGUANATEXSIZE" val="20"/>
+  <p:tag name="IGUANATEXCURSOR" val="108"/>
+  <p:tag name="TRANSPARENCY" val="True"/>
+  <p:tag name="FILENAME" val=""/>
+  <p:tag name="LATEXENGINEID" val="0"/>
+  <p:tag name="TEMPFOLDER" val="c:\temp\"/>
+  <p:tag name="LATEXFORMHEIGHT" val="312"/>
+  <p:tag name="LATEXFORMWIDTH" val="384"/>
+  <p:tag name="LATEXFORMWRAP" val="True"/>
+  <p:tag name="BITMAPVECTOR" val="0"/>
+</p:tagLst>
+</file>
+
+<file path=ppt/tags/tag51.xml><?xml version="1.0" encoding="utf-8"?>
+<p:tagLst xmlns:a="http://schemas.openxmlformats.org/drawingml/2006/main" xmlns:r="http://schemas.openxmlformats.org/officeDocument/2006/relationships" xmlns:p="http://schemas.openxmlformats.org/presentationml/2006/main">
+  <p:tag name="OUTPUTDPI" val="1200"/>
+  <p:tag name="ORIGINALHEIGHT" val="231.721"/>
+  <p:tag name="ORIGINALWIDTH" val="3223.097"/>
+  <p:tag name="LATEXADDIN" val="\documentclass{article}&#10;\usepackage{amsmath}&#10;\usepackage{bm}&#10;\pagestyle{empty}&#10;\begin{document}&#10;&#10;$\mathrm{ep}(i\rightarrow j) = \sum\limits_k p(i,k) \cdot v(k) = \bm{r(i)}^\top (\bm{I} - \hat{\bm{P}})^{-1} \bm{c(j)} + p(i,j)$&#10;&#10;&#10;\end{document}"/>
+  <p:tag name="IGUANATEXSIZE" val="20"/>
+  <p:tag name="IGUANATEXCURSOR" val="215"/>
+  <p:tag name="TRANSPARENCY" val="True"/>
+  <p:tag name="FILENAME" val=""/>
+  <p:tag name="LATEXENGINEID" val="0"/>
+  <p:tag name="TEMPFOLDER" val="c:\temp\"/>
+  <p:tag name="LATEXFORMHEIGHT" val="312"/>
+  <p:tag name="LATEXFORMWIDTH" val="384"/>
+  <p:tag name="LATEXFORMWRAP" val="True"/>
+  <p:tag name="BITMAPVECTOR" val="0"/>
+</p:tagLst>
+</file>
+
+<file path=ppt/tags/tag52.xml><?xml version="1.0" encoding="utf-8"?>
+<p:tagLst xmlns:a="http://schemas.openxmlformats.org/drawingml/2006/main" xmlns:r="http://schemas.openxmlformats.org/officeDocument/2006/relationships" xmlns:p="http://schemas.openxmlformats.org/presentationml/2006/main">
+  <p:tag name="OUTPUTDPI" val="1200"/>
+  <p:tag name="ORIGINALHEIGHT" val="137.9828"/>
+  <p:tag name="ORIGINALWIDTH" val="2189.726"/>
+  <p:tag name="LATEXADDIN" val="\documentclass{article}&#10;\usepackage{amsmath}&#10;\usepackage{amssymb}&#10;\pagestyle{empty}&#10;\begin{document}&#10;&#10;$v(k) \triangleq $ Pr[starting at $k$, visits $j$ before $i$]&#10;&#10;&#10;\end{document}"/>
+  <p:tag name="IGUANATEXSIZE" val="20"/>
+  <p:tag name="IGUANATEXCURSOR" val="125"/>
+  <p:tag name="TRANSPARENCY" val="True"/>
+  <p:tag name="FILENAME" val=""/>
+  <p:tag name="LATEXENGINEID" val="0"/>
+  <p:tag name="TEMPFOLDER" val="c:\temp\"/>
+  <p:tag name="LATEXFORMHEIGHT" val="312"/>
+  <p:tag name="LATEXFORMWIDTH" val="384"/>
+  <p:tag name="LATEXFORMWRAP" val="True"/>
+  <p:tag name="BITMAPVECTOR" val="0"/>
+</p:tagLst>
+</file>
+
+<file path=ppt/tags/tag53.xml><?xml version="1.0" encoding="utf-8"?>
+<p:tagLst xmlns:a="http://schemas.openxmlformats.org/drawingml/2006/main" xmlns:r="http://schemas.openxmlformats.org/officeDocument/2006/relationships" xmlns:p="http://schemas.openxmlformats.org/presentationml/2006/main">
   <p:tag name="TIMING" val="|14.6"/>
 </p:tagLst>
 </file>
 
-<file path=ppt/tags/tag51.xml><?xml version="1.0" encoding="utf-8"?>
+<file path=ppt/tags/tag54.xml><?xml version="1.0" encoding="utf-8"?>
 <p:tagLst xmlns:a="http://schemas.openxmlformats.org/drawingml/2006/main" xmlns:r="http://schemas.openxmlformats.org/officeDocument/2006/relationships" xmlns:p="http://schemas.openxmlformats.org/presentationml/2006/main">
   <p:tag name="OUTPUTDPI" val="1200"/>
   <p:tag name="ORIGINALHEIGHT" val="127.3152"/>
@@ -38190,14 +41757,14 @@
 </p:tagLst>
 </file>
 
-<file path=ppt/tags/tag52.xml><?xml version="1.0" encoding="utf-8"?>
+<file path=ppt/tags/tag55.xml><?xml version="1.0" encoding="utf-8"?>
 <p:tagLst xmlns:a="http://schemas.openxmlformats.org/drawingml/2006/main" xmlns:r="http://schemas.openxmlformats.org/officeDocument/2006/relationships" xmlns:p="http://schemas.openxmlformats.org/presentationml/2006/main">
   <p:tag name="OUTPUTDPI" val="1200"/>
-  <p:tag name="ORIGINALHEIGHT" val="140.9824"/>
-  <p:tag name="ORIGINALWIDTH" val="1918.26"/>
-  <p:tag name="LATEXADDIN" val="\documentclass{article}&#10;\usepackage{amsmath}&#10;\usepackage{bm}&#10;\pagestyle{empty}&#10;\begin{document}&#10;&#10;\[(\bm{I} - c\bm{P})^{-1} = \bm{I} + c\bm{P} + (c\bm{P})^2 + \cdots\]&#10;&#10;&#10;\end{document}"/>
+  <p:tag name="ORIGINALHEIGHT" val="133.4833"/>
+  <p:tag name="ORIGINALWIDTH" val="873.6408"/>
+  <p:tag name="LATEXADDIN" val="\documentclass{article}&#10;\usepackage{amsmath}&#10;\pagestyle{empty}&#10;\usepackage{bm}&#10;\begin{document}&#10;&#10;$\bm{Q} = (\bm{I} - c\bm{P})^{-1}$&#10;&#10;&#10;\end{document}"/>
   <p:tag name="IGUANATEXSIZE" val="20"/>
-  <p:tag name="IGUANATEXCURSOR" val="60"/>
+  <p:tag name="IGUANATEXCURSOR" val="78"/>
   <p:tag name="TRANSPARENCY" val="True"/>
   <p:tag name="FILENAME" val=""/>
   <p:tag name="LATEXENGINEID" val="0"/>
@@ -38209,14 +41776,14 @@
 </p:tagLst>
 </file>
 
-<file path=ppt/tags/tag53.xml><?xml version="1.0" encoding="utf-8"?>
+<file path=ppt/tags/tag56.xml><?xml version="1.0" encoding="utf-8"?>
 <p:tagLst xmlns:a="http://schemas.openxmlformats.org/drawingml/2006/main" xmlns:r="http://schemas.openxmlformats.org/officeDocument/2006/relationships" xmlns:p="http://schemas.openxmlformats.org/presentationml/2006/main">
   <p:tag name="OUTPUTDPI" val="1200"/>
-  <p:tag name="ORIGINALHEIGHT" val="140.9824"/>
-  <p:tag name="ORIGINALWIDTH" val="2704.912"/>
-  <p:tag name="LATEXADDIN" val="\documentclass{article}&#10;\usepackage{amsmath}&#10;\pagestyle{empty}&#10;\usepackage{bm}&#10;\begin{document}&#10;&#10;\begin{align*}&#10;\bm{Q}\bm{e_i} &amp;= (\bm{I} - c\bm{P})^{-1} \bm{e_i} = \bm{e_i} + c\bm{P} \bm{e_i} + (c\bm{P})^2 \bm{e_i} + \cdots&#10;\end{align*}&#10;&#10;&#10;\end{document}"/>
+  <p:tag name="ORIGINALHEIGHT" val="191.2261"/>
+  <p:tag name="ORIGINALWIDTH" val="1706.037"/>
+  <p:tag name="LATEXADDIN" val="\documentclass{article}&#10;\usepackage{amsmath}&#10;\pagestyle{empty}&#10;\begin{document}&#10;&#10;$\mathrm{Prox}(i,j) = \frac{q(i,j)}{q(i,i)q(j,j) - q(i,j)q(j,i)}$&#10;&#10;&#10;\end{document}"/>
   <p:tag name="IGUANATEXSIZE" val="20"/>
-  <p:tag name="IGUANATEXCURSOR" val="216"/>
+  <p:tag name="IGUANATEXCURSOR" val="44"/>
   <p:tag name="TRANSPARENCY" val="True"/>
   <p:tag name="FILENAME" val=""/>
   <p:tag name="LATEXENGINEID" val="0"/>
@@ -38228,58 +41795,14 @@
 </p:tagLst>
 </file>
 
-<file path=ppt/tags/tag54.xml><?xml version="1.0" encoding="utf-8"?>
-<p:tagLst xmlns:a="http://schemas.openxmlformats.org/drawingml/2006/main" xmlns:r="http://schemas.openxmlformats.org/officeDocument/2006/relationships" xmlns:p="http://schemas.openxmlformats.org/presentationml/2006/main">
-  <p:tag name="OUTPUTDPI" val="1200"/>
-  <p:tag name="ORIGINALHEIGHT" val="123.7346"/>
-  <p:tag name="ORIGINALWIDTH" val="674.1658"/>
-  <p:tag name="LATEXADDIN" val="\documentclass{article}&#10;\usepackage{amsmath}&#10;\pagestyle{empty}&#10;\begin{document}&#10;&#10;$\Theta\left(t(n + m)\right)$&#10;&#10;&#10;\end{document}"/>
-  <p:tag name="IGUANATEXSIZE" val="18"/>
-  <p:tag name="IGUANATEXCURSOR" val="23"/>
-  <p:tag name="TRANSPARENCY" val="True"/>
-  <p:tag name="FILENAME" val=""/>
-  <p:tag name="LATEXENGINEID" val="0"/>
-  <p:tag name="TEMPFOLDER" val="c:\temp\"/>
-  <p:tag name="LATEXFORMHEIGHT" val="312"/>
-  <p:tag name="LATEXFORMWIDTH" val="384"/>
-  <p:tag name="LATEXFORMWRAP" val="True"/>
-  <p:tag name="BITMAPVECTOR" val="0"/>
-</p:tagLst>
-</file>
-
-<file path=ppt/tags/tag55.xml><?xml version="1.0" encoding="utf-8"?>
-<p:tagLst xmlns:a="http://schemas.openxmlformats.org/drawingml/2006/main" xmlns:r="http://schemas.openxmlformats.org/officeDocument/2006/relationships" xmlns:p="http://schemas.openxmlformats.org/presentationml/2006/main">
-  <p:tag name="OUTPUTDPI" val="1200"/>
-  <p:tag name="ORIGINALHEIGHT" val="123.7346"/>
-  <p:tag name="ORIGINALWIDTH" val="1103.862"/>
-  <p:tag name="LATEXADDIN" val="\documentclass{article}&#10;\usepackage{amsmath}&#10;\pagestyle{empty}&#10;\usepackage{bm}&#10;\begin{document}&#10;&#10;(as $ \rho(c\bm{P}) &lt; 1 $ holds)&#10;&#10;\end{document}"/>
-  <p:tag name="IGUANATEXSIZE" val="20"/>
-  <p:tag name="IGUANATEXCURSOR" val="128"/>
-  <p:tag name="TRANSPARENCY" val="True"/>
-  <p:tag name="FILENAME" val=""/>
-  <p:tag name="LATEXENGINEID" val="0"/>
-  <p:tag name="TEMPFOLDER" val="c:\temp\"/>
-  <p:tag name="LATEXFORMHEIGHT" val="312"/>
-  <p:tag name="LATEXFORMWIDTH" val="380"/>
-  <p:tag name="LATEXFORMWRAP" val="True"/>
-  <p:tag name="BITMAPVECTOR" val="0"/>
-</p:tagLst>
-</file>
-
-<file path=ppt/tags/tag56.xml><?xml version="1.0" encoding="utf-8"?>
-<p:tagLst xmlns:a="http://schemas.openxmlformats.org/drawingml/2006/main" xmlns:r="http://schemas.openxmlformats.org/officeDocument/2006/relationships" xmlns:p="http://schemas.openxmlformats.org/presentationml/2006/main">
-  <p:tag name="TIMING" val="|34.9"/>
-</p:tagLst>
-</file>
-
 <file path=ppt/tags/tag57.xml><?xml version="1.0" encoding="utf-8"?>
 <p:tagLst xmlns:a="http://schemas.openxmlformats.org/drawingml/2006/main" xmlns:r="http://schemas.openxmlformats.org/officeDocument/2006/relationships" xmlns:p="http://schemas.openxmlformats.org/presentationml/2006/main">
   <p:tag name="OUTPUTDPI" val="1200"/>
-  <p:tag name="ORIGINALHEIGHT" val="123.7346"/>
-  <p:tag name="ORIGINALWIDTH" val="1169.104"/>
-  <p:tag name="LATEXADDIN" val="\documentclass{article}&#10;\usepackage{amsmath}&#10;\pagestyle{empty}&#10;\begin{document}&#10;&#10;$\mathrm{ep}(i \rightarrow j) + \mathrm{ep}(j \rightarrow i)$&#10;&#10;&#10;\end{document}"/>
+  <p:tag name="ORIGINALHEIGHT" val="134.2332"/>
+  <p:tag name="ORIGINALWIDTH" val="1641.545"/>
+  <p:tag name="LATEXADDIN" val="\documentclass{article}&#10;\usepackage{amsmath}&#10;\pagestyle{empty}&#10;\begin{document}&#10;&#10;$\Theta(\mathrm{1\ matrix\ inversion}) + \Theta(n^2)$&#10;&#10;&#10;\end{document}"/>
   <p:tag name="IGUANATEXSIZE" val="24"/>
-  <p:tag name="IGUANATEXCURSOR" val="140"/>
+  <p:tag name="IGUANATEXCURSOR" val="134"/>
   <p:tag name="TRANSPARENCY" val="True"/>
   <p:tag name="FILENAME" val=""/>
   <p:tag name="LATEXENGINEID" val="0"/>
@@ -38293,31 +41816,18 @@
 
 <file path=ppt/tags/tag58.xml><?xml version="1.0" encoding="utf-8"?>
 <p:tagLst xmlns:a="http://schemas.openxmlformats.org/drawingml/2006/main" xmlns:r="http://schemas.openxmlformats.org/officeDocument/2006/relationships" xmlns:p="http://schemas.openxmlformats.org/presentationml/2006/main">
-  <p:tag name="OUTPUTDPI" val="1200"/>
-  <p:tag name="ORIGINALHEIGHT" val="123.7346"/>
-  <p:tag name="ORIGINALWIDTH" val="1169.104"/>
-  <p:tag name="LATEXADDIN" val="\documentclass{article}&#10;\usepackage{amsmath}&#10;\pagestyle{empty}&#10;\begin{document}&#10;&#10;$\mathrm{ep}(i \rightarrow j) + \mathrm{ep}(j \rightarrow i)$&#10;&#10;&#10;\end{document}"/>
-  <p:tag name="IGUANATEXSIZE" val="24"/>
-  <p:tag name="IGUANATEXCURSOR" val="140"/>
-  <p:tag name="TRANSPARENCY" val="True"/>
-  <p:tag name="FILENAME" val=""/>
-  <p:tag name="LATEXENGINEID" val="0"/>
-  <p:tag name="TEMPFOLDER" val="c:\temp\"/>
-  <p:tag name="LATEXFORMHEIGHT" val="312"/>
-  <p:tag name="LATEXFORMWIDTH" val="384"/>
-  <p:tag name="LATEXFORMWRAP" val="True"/>
-  <p:tag name="BITMAPVECTOR" val="0"/>
+  <p:tag name="TIMING" val="|14.6"/>
 </p:tagLst>
 </file>
 
 <file path=ppt/tags/tag59.xml><?xml version="1.0" encoding="utf-8"?>
 <p:tagLst xmlns:a="http://schemas.openxmlformats.org/drawingml/2006/main" xmlns:r="http://schemas.openxmlformats.org/officeDocument/2006/relationships" xmlns:p="http://schemas.openxmlformats.org/presentationml/2006/main">
   <p:tag name="OUTPUTDPI" val="1200"/>
-  <p:tag name="ORIGINALHEIGHT" val="123.7346"/>
-  <p:tag name="ORIGINALWIDTH" val="1169.104"/>
-  <p:tag name="LATEXADDIN" val="\documentclass{article}&#10;\usepackage{amsmath}&#10;\pagestyle{empty}&#10;\begin{document}&#10;&#10;$\mathrm{ep}(i \rightarrow j) + \mathrm{ep}(j \rightarrow i)$&#10;&#10;&#10;\end{document}"/>
-  <p:tag name="IGUANATEXSIZE" val="22"/>
-  <p:tag name="IGUANATEXCURSOR" val="140"/>
+  <p:tag name="ORIGINALHEIGHT" val="127.3152"/>
+  <p:tag name="ORIGINALWIDTH" val="719.3802"/>
+  <p:tag name="LATEXADDIN" val="\documentclass{article}&#10;\usepackage{amsmath}&#10;\pagestyle{empty}&#10;\usepackage{amssymb}&#10;\usepackage{amsthm}&#10;\usepackage{bm}&#10;&#10;\newtheorem*{mythm*}{Theorem}&#10;\newtheorem*{mylem*}{Lemma}&#10;\newtheorem*{mycor*}{Corollary}&#10;&#10;\begin{document}&#10;&#10;\begin{mythm*}&#10;Let&#10;$&#10;\bm{Q} = \left[ q(i,j) \right] \triangleq (\bm{I} - c\bm{P})^{-1}.&#10;$&#10;$\forall i\neq j$, there is&#10;\[&#10;\mathrm{ep}(i\rightarrow j) = \frac{q(i,j)}{q(i,i)q(j,j) - q(i,j)q(j,i)}.&#10;\]&#10;\end{mythm*}&#10;&#10;&#10;\end{document}"/>
+  <p:tag name="IGUANATEXSIZE" val="20"/>
+  <p:tag name="IGUANATEXCURSOR" val="319"/>
   <p:tag name="TRANSPARENCY" val="True"/>
   <p:tag name="FILENAME" val=""/>
   <p:tag name="LATEXENGINEID" val="0"/>
@@ -38350,24 +41860,37 @@
 
 <file path=ppt/tags/tag60.xml><?xml version="1.0" encoding="utf-8"?>
 <p:tagLst xmlns:a="http://schemas.openxmlformats.org/drawingml/2006/main" xmlns:r="http://schemas.openxmlformats.org/officeDocument/2006/relationships" xmlns:p="http://schemas.openxmlformats.org/presentationml/2006/main">
-  <p:tag name="TIMING" val="|36.8|20.5"/>
+  <p:tag name="OUTPUTDPI" val="1200"/>
+  <p:tag name="ORIGINALHEIGHT" val="140.9824"/>
+  <p:tag name="ORIGINALWIDTH" val="1918.26"/>
+  <p:tag name="LATEXADDIN" val="\documentclass{article}&#10;\usepackage{amsmath}&#10;\usepackage{bm}&#10;\pagestyle{empty}&#10;\begin{document}&#10;&#10;\[(\bm{I} - c\bm{P})^{-1} = \bm{I} + c\bm{P} + (c\bm{P})^2 + \cdots\]&#10;&#10;&#10;\end{document}"/>
+  <p:tag name="IGUANATEXSIZE" val="20"/>
+  <p:tag name="IGUANATEXCURSOR" val="60"/>
+  <p:tag name="TRANSPARENCY" val="True"/>
+  <p:tag name="FILENAME" val=""/>
+  <p:tag name="LATEXENGINEID" val="0"/>
+  <p:tag name="TEMPFOLDER" val="c:\temp\"/>
+  <p:tag name="LATEXFORMHEIGHT" val="312"/>
+  <p:tag name="LATEXFORMWIDTH" val="384"/>
+  <p:tag name="LATEXFORMWRAP" val="True"/>
+  <p:tag name="BITMAPVECTOR" val="0"/>
 </p:tagLst>
 </file>
 
 <file path=ppt/tags/tag61.xml><?xml version="1.0" encoding="utf-8"?>
 <p:tagLst xmlns:a="http://schemas.openxmlformats.org/drawingml/2006/main" xmlns:r="http://schemas.openxmlformats.org/officeDocument/2006/relationships" xmlns:p="http://schemas.openxmlformats.org/presentationml/2006/main">
   <p:tag name="OUTPUTDPI" val="1200"/>
-  <p:tag name="ORIGINALHEIGHT" val="123.7346"/>
-  <p:tag name="ORIGINALWIDTH" val="500.9374"/>
-  <p:tag name="LATEXADDIN" val="\documentclass{article}&#10;\usepackage{amsmath}&#10;\pagestyle{empty}&#10;\begin{document}&#10;&#10;&#10;$\mathrm{ep}(i\rightarrow j)$&#10;&#10;\end{document}"/>
-  <p:tag name="IGUANATEXSIZE" val="22"/>
-  <p:tag name="IGUANATEXCURSOR" val="111"/>
+  <p:tag name="ORIGINALHEIGHT" val="140.9824"/>
+  <p:tag name="ORIGINALWIDTH" val="2704.912"/>
+  <p:tag name="LATEXADDIN" val="\documentclass{article}&#10;\usepackage{amsmath}&#10;\pagestyle{empty}&#10;\usepackage{bm}&#10;\begin{document}&#10;&#10;\begin{align*}&#10;\bm{Q}\bm{e_i} &amp;= (\bm{I} - c\bm{P})^{-1} \bm{e_i} = \bm{e_i} + c\bm{P} \bm{e_i} + (c\bm{P})^2 \bm{e_i} + \cdots&#10;\end{align*}&#10;&#10;&#10;\end{document}"/>
+  <p:tag name="IGUANATEXSIZE" val="20"/>
+  <p:tag name="IGUANATEXCURSOR" val="216"/>
   <p:tag name="TRANSPARENCY" val="True"/>
   <p:tag name="FILENAME" val=""/>
   <p:tag name="LATEXENGINEID" val="0"/>
   <p:tag name="TEMPFOLDER" val="c:\temp\"/>
   <p:tag name="LATEXFORMHEIGHT" val="312"/>
-  <p:tag name="LATEXFORMWIDTH" val="380"/>
+  <p:tag name="LATEXFORMWIDTH" val="384"/>
   <p:tag name="LATEXFORMWRAP" val="True"/>
   <p:tag name="BITMAPVECTOR" val="0"/>
 </p:tagLst>
@@ -38377,10 +41900,10 @@
 <p:tagLst xmlns:a="http://schemas.openxmlformats.org/drawingml/2006/main" xmlns:r="http://schemas.openxmlformats.org/officeDocument/2006/relationships" xmlns:p="http://schemas.openxmlformats.org/presentationml/2006/main">
   <p:tag name="OUTPUTDPI" val="1200"/>
   <p:tag name="ORIGINALHEIGHT" val="123.7346"/>
-  <p:tag name="ORIGINALWIDTH" val="500.9374"/>
-  <p:tag name="LATEXADDIN" val="\documentclass{article}&#10;\usepackage{amsmath}&#10;\pagestyle{empty}&#10;\begin{document}&#10;&#10;$\mathrm{ep}(j\rightarrow i)$&#10;&#10;&#10;\end{document}"/>
-  <p:tag name="IGUANATEXSIZE" val="22"/>
-  <p:tag name="IGUANATEXCURSOR" val="110"/>
+  <p:tag name="ORIGINALWIDTH" val="1103.862"/>
+  <p:tag name="LATEXADDIN" val="\documentclass{article}&#10;\usepackage{amsmath}&#10;\pagestyle{empty}&#10;\usepackage{bm}&#10;\begin{document}&#10;&#10;(as $ \rho(c\bm{P}) &lt; 1 $ holds)&#10;&#10;\end{document}"/>
+  <p:tag name="IGUANATEXSIZE" val="20"/>
+  <p:tag name="IGUANATEXCURSOR" val="128"/>
   <p:tag name="TRANSPARENCY" val="True"/>
   <p:tag name="FILENAME" val=""/>
   <p:tag name="LATEXENGINEID" val="0"/>
@@ -38394,37 +41917,37 @@
 
 <file path=ppt/tags/tag63.xml><?xml version="1.0" encoding="utf-8"?>
 <p:tagLst xmlns:a="http://schemas.openxmlformats.org/drawingml/2006/main" xmlns:r="http://schemas.openxmlformats.org/officeDocument/2006/relationships" xmlns:p="http://schemas.openxmlformats.org/presentationml/2006/main">
+  <p:tag name="TIMING" val="|14.6"/>
+</p:tagLst>
+</file>
+
+<file path=ppt/tags/tag64.xml><?xml version="1.0" encoding="utf-8"?>
+<p:tagLst xmlns:a="http://schemas.openxmlformats.org/drawingml/2006/main" xmlns:r="http://schemas.openxmlformats.org/officeDocument/2006/relationships" xmlns:p="http://schemas.openxmlformats.org/presentationml/2006/main">
   <p:tag name="OUTPUTDPI" val="1200"/>
-  <p:tag name="ORIGINALHEIGHT" val="123.7346"/>
-  <p:tag name="ORIGINALWIDTH" val="1169.104"/>
-  <p:tag name="LATEXADDIN" val="\documentclass{article}&#10;\usepackage{amsmath}&#10;\usepackage{color}&#10;\pagestyle{empty}&#10;\begin{document}&#10;&#10;\definecolor{orange}{rgb}{0.5,0,0}&#10;&#10;{\color{orange}&#10;$\mathrm{ep}(i \rightarrow j) - \mathrm{ep}(j \rightarrow i)$&#10;}&#10;&#10;\end{document}"/>
-  <p:tag name="IGUANATEXSIZE" val="24"/>
-  <p:tag name="IGUANATEXCURSOR" val="231"/>
+  <p:tag name="ORIGINALHEIGHT" val="140.9824"/>
+  <p:tag name="ORIGINALWIDTH" val="1918.26"/>
+  <p:tag name="LATEXADDIN" val="\documentclass{article}&#10;\usepackage{amsmath}&#10;\usepackage{bm}&#10;\pagestyle{empty}&#10;\begin{document}&#10;&#10;\[(\bm{I} - c\bm{P})^{-1} = \bm{I} + c\bm{P} + (c\bm{P})^2 + \cdots\]&#10;&#10;&#10;\end{document}"/>
+  <p:tag name="IGUANATEXSIZE" val="20"/>
+  <p:tag name="IGUANATEXCURSOR" val="60"/>
   <p:tag name="TRANSPARENCY" val="True"/>
   <p:tag name="FILENAME" val=""/>
   <p:tag name="LATEXENGINEID" val="0"/>
   <p:tag name="TEMPFOLDER" val="c:\temp\"/>
   <p:tag name="LATEXFORMHEIGHT" val="312"/>
-  <p:tag name="LATEXFORMWIDTH" val="380"/>
+  <p:tag name="LATEXFORMWIDTH" val="384"/>
   <p:tag name="LATEXFORMWRAP" val="True"/>
   <p:tag name="BITMAPVECTOR" val="0"/>
-</p:tagLst>
-</file>
-
-<file path=ppt/tags/tag64.xml><?xml version="1.0" encoding="utf-8"?>
-<p:tagLst xmlns:a="http://schemas.openxmlformats.org/drawingml/2006/main" xmlns:r="http://schemas.openxmlformats.org/officeDocument/2006/relationships" xmlns:p="http://schemas.openxmlformats.org/presentationml/2006/main">
-  <p:tag name="TIMING" val="|14.6"/>
 </p:tagLst>
 </file>
 
 <file path=ppt/tags/tag65.xml><?xml version="1.0" encoding="utf-8"?>
 <p:tagLst xmlns:a="http://schemas.openxmlformats.org/drawingml/2006/main" xmlns:r="http://schemas.openxmlformats.org/officeDocument/2006/relationships" xmlns:p="http://schemas.openxmlformats.org/presentationml/2006/main">
   <p:tag name="OUTPUTDPI" val="1200"/>
-  <p:tag name="ORIGINALHEIGHT" val="111.9327"/>
-  <p:tag name="ORIGINALWIDTH" val="719.3802"/>
-  <p:tag name="LATEXADDIN" val="\documentclass{article}&#10;\usepackage{amsmath}&#10;\pagestyle{empty}&#10;\usepackage{amssymb}&#10;\usepackage{amsthm}&#10;\usepackage{bm}&#10;\usepackage{dsfont}&#10;&#10;\newtheorem*{mythm*}{Theorem}&#10;\newtheorem*{mylem*}{Lemma}&#10;\newtheorem*{mycor*}{Corollary}&#10;\begin{document}&#10;&#10;\begin{mylem*}&#10;The expected time $r_i$ for a random walk starting at node $i$ to return to $i$ is the reciprocal of the stationary probability of $i$.&#10;That is&#10;\[&#10;r_i = \frac{1}{\pi_i}.&#10;\]&#10;\end{mylem*}&#10;&#10;&#10;\end{document}"/>
+  <p:tag name="ORIGINALHEIGHT" val="140.9824"/>
+  <p:tag name="ORIGINALWIDTH" val="2704.912"/>
+  <p:tag name="LATEXADDIN" val="\documentclass{article}&#10;\usepackage{amsmath}&#10;\pagestyle{empty}&#10;\usepackage{bm}&#10;\begin{document}&#10;&#10;\begin{align*}&#10;\bm{Q}\bm{e_i} &amp;= (\bm{I} - c\bm{P})^{-1} \bm{e_i} = \bm{e_i} + c\bm{P} \bm{e_i} + (c\bm{P})^2 \bm{e_i} + \cdots&#10;\end{align*}&#10;&#10;&#10;\end{document}"/>
   <p:tag name="IGUANATEXSIZE" val="20"/>
-  <p:tag name="IGUANATEXCURSOR" val="230"/>
+  <p:tag name="IGUANATEXCURSOR" val="216"/>
   <p:tag name="TRANSPARENCY" val="True"/>
   <p:tag name="FILENAME" val=""/>
   <p:tag name="LATEXENGINEID" val="0"/>
@@ -38439,11 +41962,11 @@
 <file path=ppt/tags/tag66.xml><?xml version="1.0" encoding="utf-8"?>
 <p:tagLst xmlns:a="http://schemas.openxmlformats.org/drawingml/2006/main" xmlns:r="http://schemas.openxmlformats.org/officeDocument/2006/relationships" xmlns:p="http://schemas.openxmlformats.org/presentationml/2006/main">
   <p:tag name="OUTPUTDPI" val="1200"/>
-  <p:tag name="ORIGINALHEIGHT" val="56.24299"/>
-  <p:tag name="ORIGINALWIDTH" val="79.49008"/>
-  <p:tag name="LATEXADDIN" val="\documentclass{article}&#10;\usepackage{amsmath}&#10;\usepackage{bm}&#10;\pagestyle{empty}&#10;\begin{document}&#10;&#10;$\bm{\pi}$&#10;&#10;&#10;\end{document}"/>
-  <p:tag name="IGUANATEXSIZE" val="20"/>
-  <p:tag name="IGUANATEXCURSOR" val="107"/>
+  <p:tag name="ORIGINALHEIGHT" val="123.7346"/>
+  <p:tag name="ORIGINALWIDTH" val="674.1658"/>
+  <p:tag name="LATEXADDIN" val="\documentclass{article}&#10;\usepackage{amsmath}&#10;\pagestyle{empty}&#10;\begin{document}&#10;&#10;$\Theta\left(t(n + m)\right)$&#10;&#10;&#10;\end{document}"/>
+  <p:tag name="IGUANATEXSIZE" val="18"/>
+  <p:tag name="IGUANATEXCURSOR" val="23"/>
   <p:tag name="TRANSPARENCY" val="True"/>
   <p:tag name="FILENAME" val=""/>
   <p:tag name="LATEXENGINEID" val="0"/>
@@ -38458,11 +41981,36 @@
 <file path=ppt/tags/tag67.xml><?xml version="1.0" encoding="utf-8"?>
 <p:tagLst xmlns:a="http://schemas.openxmlformats.org/drawingml/2006/main" xmlns:r="http://schemas.openxmlformats.org/officeDocument/2006/relationships" xmlns:p="http://schemas.openxmlformats.org/presentationml/2006/main">
   <p:tag name="OUTPUTDPI" val="1200"/>
-  <p:tag name="ORIGINALHEIGHT" val="103.4871"/>
-  <p:tag name="ORIGINALWIDTH" val="197.2254"/>
-  <p:tag name="LATEXADDIN" val="\documentclass{article}&#10;\usepackage{amsmath}&#10;\pagestyle{empty}&#10;\begin{document}&#10;&#10;$\pi_i T$&#10;&#10;&#10;\end{document}"/>
+  <p:tag name="ORIGINALHEIGHT" val="123.7346"/>
+  <p:tag name="ORIGINALWIDTH" val="1103.862"/>
+  <p:tag name="LATEXADDIN" val="\documentclass{article}&#10;\usepackage{amsmath}&#10;\pagestyle{empty}&#10;\usepackage{bm}&#10;\begin{document}&#10;&#10;(as $ \rho(c\bm{P}) &lt; 1 $ holds)&#10;&#10;\end{document}"/>
   <p:tag name="IGUANATEXSIZE" val="20"/>
-  <p:tag name="IGUANATEXCURSOR" val="88"/>
+  <p:tag name="IGUANATEXCURSOR" val="128"/>
+  <p:tag name="TRANSPARENCY" val="True"/>
+  <p:tag name="FILENAME" val=""/>
+  <p:tag name="LATEXENGINEID" val="0"/>
+  <p:tag name="TEMPFOLDER" val="c:\temp\"/>
+  <p:tag name="LATEXFORMHEIGHT" val="312"/>
+  <p:tag name="LATEXFORMWIDTH" val="380"/>
+  <p:tag name="LATEXFORMWRAP" val="True"/>
+  <p:tag name="BITMAPVECTOR" val="0"/>
+</p:tagLst>
+</file>
+
+<file path=ppt/tags/tag68.xml><?xml version="1.0" encoding="utf-8"?>
+<p:tagLst xmlns:a="http://schemas.openxmlformats.org/drawingml/2006/main" xmlns:r="http://schemas.openxmlformats.org/officeDocument/2006/relationships" xmlns:p="http://schemas.openxmlformats.org/presentationml/2006/main">
+  <p:tag name="TIMING" val="|14.6"/>
+</p:tagLst>
+</file>
+
+<file path=ppt/tags/tag69.xml><?xml version="1.0" encoding="utf-8"?>
+<p:tagLst xmlns:a="http://schemas.openxmlformats.org/drawingml/2006/main" xmlns:r="http://schemas.openxmlformats.org/officeDocument/2006/relationships" xmlns:p="http://schemas.openxmlformats.org/presentationml/2006/main">
+  <p:tag name="OUTPUTDPI" val="1200"/>
+  <p:tag name="ORIGINALHEIGHT" val="127.3152"/>
+  <p:tag name="ORIGINALWIDTH" val="719.3802"/>
+  <p:tag name="LATEXADDIN" val="\documentclass{article}&#10;\usepackage{amsmath}&#10;\pagestyle{empty}&#10;\usepackage{amssymb}&#10;\usepackage{amsthm}&#10;\usepackage{bm}&#10;&#10;\newtheorem*{mythm*}{Theorem}&#10;\newtheorem*{mylem*}{Lemma}&#10;\newtheorem*{mycor*}{Corollary}&#10;&#10;\begin{document}&#10;&#10;\begin{mythm*}&#10;Let&#10;$&#10;\bm{Q} = \left[ q(i,j) \right] \triangleq (\bm{I} - c\bm{P})^{-1}.&#10;$&#10;$\forall i\neq j$, there is&#10;\[&#10;\mathrm{ep}(i\rightarrow j) = \frac{q(i,j)}{q(i,i)q(j,j) - q(i,j)q(j,i)}.&#10;\]&#10;\end{mythm*}&#10;&#10;&#10;\end{document}"/>
+  <p:tag name="IGUANATEXSIZE" val="20"/>
+  <p:tag name="IGUANATEXCURSOR" val="319"/>
   <p:tag name="TRANSPARENCY" val="True"/>
   <p:tag name="FILENAME" val=""/>
   <p:tag name="LATEXENGINEID" val="0"/>
@@ -38471,31 +42019,6 @@
   <p:tag name="LATEXFORMWIDTH" val="384"/>
   <p:tag name="LATEXFORMWRAP" val="True"/>
   <p:tag name="BITMAPVECTOR" val="0"/>
-</p:tagLst>
-</file>
-
-<file path=ppt/tags/tag68.xml><?xml version="1.0" encoding="utf-8"?>
-<p:tagLst xmlns:a="http://schemas.openxmlformats.org/drawingml/2006/main" xmlns:r="http://schemas.openxmlformats.org/officeDocument/2006/relationships" xmlns:p="http://schemas.openxmlformats.org/presentationml/2006/main">
-  <p:tag name="OUTPUTDPI" val="1200"/>
-  <p:tag name="ORIGINALHEIGHT" val="164.2294"/>
-  <p:tag name="ORIGINALWIDTH" val="493.4384"/>
-  <p:tag name="LATEXADDIN" val="\documentclass{article}&#10;\usepackage{amsmath}&#10;\pagestyle{empty}&#10;\begin{document}&#10;&#10;$\frac{T}{\pi_i \cdot T} = \frac{1}{\pi_i}$&#10;&#10;&#10;\end{document}"/>
-  <p:tag name="IGUANATEXSIZE" val="20"/>
-  <p:tag name="IGUANATEXCURSOR" val="124"/>
-  <p:tag name="TRANSPARENCY" val="True"/>
-  <p:tag name="FILENAME" val=""/>
-  <p:tag name="LATEXENGINEID" val="0"/>
-  <p:tag name="TEMPFOLDER" val="c:\temp\"/>
-  <p:tag name="LATEXFORMHEIGHT" val="312"/>
-  <p:tag name="LATEXFORMWIDTH" val="384"/>
-  <p:tag name="LATEXFORMWRAP" val="True"/>
-  <p:tag name="BITMAPVECTOR" val="0"/>
-</p:tagLst>
-</file>
-
-<file path=ppt/tags/tag69.xml><?xml version="1.0" encoding="utf-8"?>
-<p:tagLst xmlns:a="http://schemas.openxmlformats.org/drawingml/2006/main" xmlns:r="http://schemas.openxmlformats.org/officeDocument/2006/relationships" xmlns:p="http://schemas.openxmlformats.org/presentationml/2006/main">
-  <p:tag name="TIMING" val="|14.6"/>
 </p:tagLst>
 </file>
 
@@ -38521,11 +42044,11 @@
 <file path=ppt/tags/tag70.xml><?xml version="1.0" encoding="utf-8"?>
 <p:tagLst xmlns:a="http://schemas.openxmlformats.org/drawingml/2006/main" xmlns:r="http://schemas.openxmlformats.org/officeDocument/2006/relationships" xmlns:p="http://schemas.openxmlformats.org/presentationml/2006/main">
   <p:tag name="OUTPUTDPI" val="1200"/>
-  <p:tag name="ORIGINALHEIGHT" val="163.4795"/>
-  <p:tag name="ORIGINALWIDTH" val="583.4271"/>
-  <p:tag name="LATEXADDIN" val="\documentclass{article}&#10;\usepackage{amsmath}&#10;\pagestyle{empty}&#10;\begin{document}&#10;&#10;$E(X) = \frac{1}{\pi_i}$&#10;&#10;&#10;\end{document}"/>
+  <p:tag name="ORIGINALHEIGHT" val="140.9824"/>
+  <p:tag name="ORIGINALWIDTH" val="1918.26"/>
+  <p:tag name="LATEXADDIN" val="\documentclass{article}&#10;\usepackage{amsmath}&#10;\usepackage{bm}&#10;\pagestyle{empty}&#10;\begin{document}&#10;&#10;\[(\bm{I} - c\bm{P})^{-1} = \bm{I} + c\bm{P} + (c\bm{P})^2 + \cdots\]&#10;&#10;&#10;\end{document}"/>
   <p:tag name="IGUANATEXSIZE" val="20"/>
-  <p:tag name="IGUANATEXCURSOR" val="105"/>
+  <p:tag name="IGUANATEXCURSOR" val="60"/>
   <p:tag name="TRANSPARENCY" val="True"/>
   <p:tag name="FILENAME" val=""/>
   <p:tag name="LATEXENGINEID" val="0"/>
@@ -38540,11 +42063,11 @@
 <file path=ppt/tags/tag71.xml><?xml version="1.0" encoding="utf-8"?>
 <p:tagLst xmlns:a="http://schemas.openxmlformats.org/drawingml/2006/main" xmlns:r="http://schemas.openxmlformats.org/officeDocument/2006/relationships" xmlns:p="http://schemas.openxmlformats.org/presentationml/2006/main">
   <p:tag name="OUTPUTDPI" val="1200"/>
-  <p:tag name="ORIGINALHEIGHT" val="123.7346"/>
-  <p:tag name="ORIGINALWIDTH" val="752.156"/>
-  <p:tag name="LATEXADDIN" val="\documentclass{article}&#10;\usepackage{amsmath}&#10;\pagestyle{empty}&#10;\begin{document}&#10;&#10;&#10;$E(Y) = c(i,j)$&#10;&#10;\end{document}"/>
+  <p:tag name="ORIGINALHEIGHT" val="140.9824"/>
+  <p:tag name="ORIGINALWIDTH" val="2704.912"/>
+  <p:tag name="LATEXADDIN" val="\documentclass{article}&#10;\usepackage{amsmath}&#10;\pagestyle{empty}&#10;\usepackage{bm}&#10;\begin{document}&#10;&#10;\begin{align*}&#10;\bm{Q}\bm{e_i} &amp;= (\bm{I} - c\bm{P})^{-1} \bm{e_i} = \bm{e_i} + c\bm{P} \bm{e_i} + (c\bm{P})^2 \bm{e_i} + \cdots&#10;\end{align*}&#10;&#10;&#10;\end{document}"/>
   <p:tag name="IGUANATEXSIZE" val="20"/>
-  <p:tag name="IGUANATEXCURSOR" val="97"/>
+  <p:tag name="IGUANATEXCURSOR" val="216"/>
   <p:tag name="TRANSPARENCY" val="True"/>
   <p:tag name="FILENAME" val=""/>
   <p:tag name="LATEXENGINEID" val="0"/>
@@ -38559,11 +42082,11 @@
 <file path=ppt/tags/tag72.xml><?xml version="1.0" encoding="utf-8"?>
 <p:tagLst xmlns:a="http://schemas.openxmlformats.org/drawingml/2006/main" xmlns:r="http://schemas.openxmlformats.org/officeDocument/2006/relationships" xmlns:p="http://schemas.openxmlformats.org/presentationml/2006/main">
   <p:tag name="OUTPUTDPI" val="1200"/>
-  <p:tag name="ORIGINALHEIGHT" val="137.9828"/>
-  <p:tag name="ORIGINALWIDTH" val="1505.062"/>
-  <p:tag name="LATEXADDIN" val="\documentclass{article}&#10;\usepackage{amsmath}&#10;\usepackage{amssymb}&#10;\pagestyle{empty}&#10;\begin{document}&#10;&#10;$p \triangleq \Pr\left[X = Y\right] = \mathrm{ep}(i\rightarrow j)$&#10;&#10;&#10;\end{document}"/>
-  <p:tag name="IGUANATEXSIZE" val="20"/>
-  <p:tag name="IGUANATEXCURSOR" val="116"/>
+  <p:tag name="ORIGINALHEIGHT" val="123.7346"/>
+  <p:tag name="ORIGINALWIDTH" val="674.1658"/>
+  <p:tag name="LATEXADDIN" val="\documentclass{article}&#10;\usepackage{amsmath}&#10;\pagestyle{empty}&#10;\begin{document}&#10;&#10;$\Theta\left(t(n + m)\right)$&#10;&#10;&#10;\end{document}"/>
+  <p:tag name="IGUANATEXSIZE" val="18"/>
+  <p:tag name="IGUANATEXCURSOR" val="23"/>
   <p:tag name="TRANSPARENCY" val="True"/>
   <p:tag name="FILENAME" val=""/>
   <p:tag name="LATEXENGINEID" val="0"/>
@@ -38579,16 +42102,16 @@
 <p:tagLst xmlns:a="http://schemas.openxmlformats.org/drawingml/2006/main" xmlns:r="http://schemas.openxmlformats.org/officeDocument/2006/relationships" xmlns:p="http://schemas.openxmlformats.org/presentationml/2006/main">
   <p:tag name="OUTPUTDPI" val="1200"/>
   <p:tag name="ORIGINALHEIGHT" val="123.7346"/>
-  <p:tag name="ORIGINALWIDTH" val="2683.915"/>
-  <p:tag name="LATEXADDIN" val="\documentclass{article}&#10;\usepackage{amsmath}&#10;\pagestyle{empty}&#10;\begin{document}&#10;&#10;$E(Y - X) = p\cdot 0 + (1 - p)\cdot E(Y) = (1-p) c(i,j)$&#10;&#10;&#10;\end{document}"/>
-  <p:tag name="IGUANATEXSIZE" val="18"/>
-  <p:tag name="IGUANATEXCURSOR" val="137"/>
+  <p:tag name="ORIGINALWIDTH" val="1103.862"/>
+  <p:tag name="LATEXADDIN" val="\documentclass{article}&#10;\usepackage{amsmath}&#10;\pagestyle{empty}&#10;\usepackage{bm}&#10;\begin{document}&#10;&#10;(as $ \rho(c\bm{P}) &lt; 1 $ holds)&#10;&#10;\end{document}"/>
+  <p:tag name="IGUANATEXSIZE" val="20"/>
+  <p:tag name="IGUANATEXCURSOR" val="128"/>
   <p:tag name="TRANSPARENCY" val="True"/>
   <p:tag name="FILENAME" val=""/>
   <p:tag name="LATEXENGINEID" val="0"/>
   <p:tag name="TEMPFOLDER" val="c:\temp\"/>
   <p:tag name="LATEXFORMHEIGHT" val="312"/>
-  <p:tag name="LATEXFORMWIDTH" val="384"/>
+  <p:tag name="LATEXFORMWIDTH" val="380"/>
   <p:tag name="LATEXFORMWRAP" val="True"/>
   <p:tag name="BITMAPVECTOR" val="0"/>
 </p:tagLst>
@@ -38596,31 +42119,18 @@
 
 <file path=ppt/tags/tag74.xml><?xml version="1.0" encoding="utf-8"?>
 <p:tagLst xmlns:a="http://schemas.openxmlformats.org/drawingml/2006/main" xmlns:r="http://schemas.openxmlformats.org/officeDocument/2006/relationships" xmlns:p="http://schemas.openxmlformats.org/presentationml/2006/main">
-  <p:tag name="OUTPUTDPI" val="1200"/>
-  <p:tag name="ORIGINALHEIGHT" val="163.4795"/>
-  <p:tag name="ORIGINALWIDTH" val="2217.473"/>
-  <p:tag name="LATEXADDIN" val="\documentclass{article}&#10;\usepackage{amsmath}&#10;\pagestyle{empty}&#10;\begin{document}&#10;&#10;&#10;$E(Y - X) = E(Y) - E(X) = c(i,j) - \frac{1}{\pi_i}$&#10;&#10;\end{document}"/>
-  <p:tag name="IGUANATEXSIZE" val="20"/>
-  <p:tag name="IGUANATEXCURSOR" val="133"/>
-  <p:tag name="TRANSPARENCY" val="True"/>
-  <p:tag name="FILENAME" val=""/>
-  <p:tag name="LATEXENGINEID" val="0"/>
-  <p:tag name="TEMPFOLDER" val="c:\temp\"/>
-  <p:tag name="LATEXFORMHEIGHT" val="312"/>
-  <p:tag name="LATEXFORMWIDTH" val="384"/>
-  <p:tag name="LATEXFORMWRAP" val="True"/>
-  <p:tag name="BITMAPVECTOR" val="0"/>
+  <p:tag name="TIMING" val="|34.9"/>
 </p:tagLst>
 </file>
 
 <file path=ppt/tags/tag75.xml><?xml version="1.0" encoding="utf-8"?>
 <p:tagLst xmlns:a="http://schemas.openxmlformats.org/drawingml/2006/main" xmlns:r="http://schemas.openxmlformats.org/officeDocument/2006/relationships" xmlns:p="http://schemas.openxmlformats.org/presentationml/2006/main">
   <p:tag name="OUTPUTDPI" val="1200"/>
-  <p:tag name="ORIGINALHEIGHT" val="156.7712"/>
-  <p:tag name="ORIGINALWIDTH" val="720.3619"/>
-  <p:tag name="LATEXADDIN" val="\documentclass{article}&#10;\usepackage{amsmath}&#10;\pagestyle{empty}&#10;\usepackage{amssymb}&#10;\usepackage{amsthm}&#10;\usepackage{bm}&#10;\usepackage{dsfont}&#10;\newtheorem*{mythm*}{Theorem}&#10;\newtheorem*{mylem*}{Lemma}&#10;\newtheorem*{mycor*}{Corollary}&#10;\begin{document}&#10;&#10;\begin{mythm*}&#10;The probability that a random walk starting at node $i$ visits $j$ before returning to $i$, which is precisely $\mathrm{ep}(i\rightarrow j)$, satisfies&#10;\[&#10;\mathrm{ep}(i\rightarrow j)c(i,j) = \frac{1}{\pi_i},&#10;\]&#10;where $c(i,j)$ is the commute time between $i$ and $j$.&#10;\end{mythm*}&#10;&#10;&#10;\end{document}"/>
-  <p:tag name="IGUANATEXSIZE" val="20"/>
-  <p:tag name="IGUANATEXCURSOR" val="373"/>
+  <p:tag name="ORIGINALHEIGHT" val="123.7346"/>
+  <p:tag name="ORIGINALWIDTH" val="1169.104"/>
+  <p:tag name="LATEXADDIN" val="\documentclass{article}&#10;\usepackage{amsmath}&#10;\pagestyle{empty}&#10;\begin{document}&#10;&#10;$\mathrm{ep}(i \rightarrow j) + \mathrm{ep}(j \rightarrow i)$&#10;&#10;&#10;\end{document}"/>
+  <p:tag name="IGUANATEXSIZE" val="24"/>
+  <p:tag name="IGUANATEXCURSOR" val="140"/>
   <p:tag name="TRANSPARENCY" val="True"/>
   <p:tag name="FILENAME" val=""/>
   <p:tag name="LATEXENGINEID" val="0"/>
@@ -38634,18 +42144,31 @@
 
 <file path=ppt/tags/tag76.xml><?xml version="1.0" encoding="utf-8"?>
 <p:tagLst xmlns:a="http://schemas.openxmlformats.org/drawingml/2006/main" xmlns:r="http://schemas.openxmlformats.org/officeDocument/2006/relationships" xmlns:p="http://schemas.openxmlformats.org/presentationml/2006/main">
-  <p:tag name="TIMING" val="|14.6"/>
+  <p:tag name="OUTPUTDPI" val="1200"/>
+  <p:tag name="ORIGINALHEIGHT" val="123.7346"/>
+  <p:tag name="ORIGINALWIDTH" val="1169.104"/>
+  <p:tag name="LATEXADDIN" val="\documentclass{article}&#10;\usepackage{amsmath}&#10;\pagestyle{empty}&#10;\begin{document}&#10;&#10;$\mathrm{ep}(i \rightarrow j) + \mathrm{ep}(j \rightarrow i)$&#10;&#10;&#10;\end{document}"/>
+  <p:tag name="IGUANATEXSIZE" val="24"/>
+  <p:tag name="IGUANATEXCURSOR" val="140"/>
+  <p:tag name="TRANSPARENCY" val="True"/>
+  <p:tag name="FILENAME" val=""/>
+  <p:tag name="LATEXENGINEID" val="0"/>
+  <p:tag name="TEMPFOLDER" val="c:\temp\"/>
+  <p:tag name="LATEXFORMHEIGHT" val="312"/>
+  <p:tag name="LATEXFORMWIDTH" val="384"/>
+  <p:tag name="LATEXFORMWRAP" val="True"/>
+  <p:tag name="BITMAPVECTOR" val="0"/>
 </p:tagLst>
 </file>
 
 <file path=ppt/tags/tag77.xml><?xml version="1.0" encoding="utf-8"?>
 <p:tagLst xmlns:a="http://schemas.openxmlformats.org/drawingml/2006/main" xmlns:r="http://schemas.openxmlformats.org/officeDocument/2006/relationships" xmlns:p="http://schemas.openxmlformats.org/presentationml/2006/main">
   <p:tag name="OUTPUTDPI" val="1200"/>
-  <p:tag name="ORIGINALHEIGHT" val="224.222"/>
-  <p:tag name="ORIGINALWIDTH" val="2172.479"/>
-  <p:tag name="LATEXADDIN" val="\documentclass{article}&#10;\usepackage{amsmath}&#10;\pagestyle{empty}&#10;\begin{document}&#10;&#10;$\mathrm{ep}(i\rightarrow j) + \mathrm{ep}(j\rightarrow i) = \frac{1}{c(i,j)}\left(\frac{1}{\pi_i} + \frac{1}{\pi_j}\right)$&#10;&#10;&#10;\end{document}"/>
+  <p:tag name="ORIGINALHEIGHT" val="123.7346"/>
+  <p:tag name="ORIGINALWIDTH" val="1169.104"/>
+  <p:tag name="LATEXADDIN" val="\documentclass{article}&#10;\usepackage{amsmath}&#10;\pagestyle{empty}&#10;\begin{document}&#10;&#10;$\mathrm{ep}(i \rightarrow j) + \mathrm{ep}(j \rightarrow i)$&#10;&#10;&#10;\end{document}"/>
   <p:tag name="IGUANATEXSIZE" val="22"/>
-  <p:tag name="IGUANATEXCURSOR" val="205"/>
+  <p:tag name="IGUANATEXCURSOR" val="140"/>
   <p:tag name="TRANSPARENCY" val="True"/>
   <p:tag name="FILENAME" val=""/>
   <p:tag name="LATEXENGINEID" val="0"/>
@@ -38659,37 +42182,24 @@
 
 <file path=ppt/tags/tag78.xml><?xml version="1.0" encoding="utf-8"?>
 <p:tagLst xmlns:a="http://schemas.openxmlformats.org/drawingml/2006/main" xmlns:r="http://schemas.openxmlformats.org/officeDocument/2006/relationships" xmlns:p="http://schemas.openxmlformats.org/presentationml/2006/main">
-  <p:tag name="OUTPUTDPI" val="1200"/>
-  <p:tag name="ORIGINALHEIGHT" val="123.7346"/>
-  <p:tag name="ORIGINALWIDTH" val="305.9617"/>
-  <p:tag name="LATEXADDIN" val="\documentclass{article}&#10;\usepackage{amsmath}&#10;\pagestyle{empty}&#10;\begin{document}&#10;&#10;$h(i,j)$&#10;&#10;&#10;\end{document}"/>
-  <p:tag name="IGUANATEXSIZE" val="22"/>
-  <p:tag name="IGUANATEXCURSOR" val="89"/>
-  <p:tag name="TRANSPARENCY" val="True"/>
-  <p:tag name="FILENAME" val=""/>
-  <p:tag name="LATEXENGINEID" val="0"/>
-  <p:tag name="TEMPFOLDER" val="c:\temp\"/>
-  <p:tag name="LATEXFORMHEIGHT" val="312"/>
-  <p:tag name="LATEXFORMWIDTH" val="384"/>
-  <p:tag name="LATEXFORMWRAP" val="True"/>
-  <p:tag name="BITMAPVECTOR" val="0"/>
+  <p:tag name="TIMING" val="|36.8|20.5"/>
 </p:tagLst>
 </file>
 
 <file path=ppt/tags/tag79.xml><?xml version="1.0" encoding="utf-8"?>
 <p:tagLst xmlns:a="http://schemas.openxmlformats.org/drawingml/2006/main" xmlns:r="http://schemas.openxmlformats.org/officeDocument/2006/relationships" xmlns:p="http://schemas.openxmlformats.org/presentationml/2006/main">
   <p:tag name="OUTPUTDPI" val="1200"/>
-  <p:tag name="ORIGINALHEIGHT" val="89.98874"/>
-  <p:tag name="ORIGINALWIDTH" val="106.4867"/>
-  <p:tag name="LATEXADDIN" val="\documentclass{article}&#10;\usepackage{amsmath}&#10;\pagestyle{empty}&#10;\begin{document}&#10;&#10;$\pi_j$&#10;&#10;&#10;\end{document}"/>
+  <p:tag name="ORIGINALHEIGHT" val="123.7346"/>
+  <p:tag name="ORIGINALWIDTH" val="500.9374"/>
+  <p:tag name="LATEXADDIN" val="\documentclass{article}&#10;\usepackage{amsmath}&#10;\pagestyle{empty}&#10;\begin{document}&#10;&#10;&#10;$\mathrm{ep}(i\rightarrow j)$&#10;&#10;\end{document}"/>
   <p:tag name="IGUANATEXSIZE" val="22"/>
-  <p:tag name="IGUANATEXCURSOR" val="88"/>
+  <p:tag name="IGUANATEXCURSOR" val="111"/>
   <p:tag name="TRANSPARENCY" val="True"/>
   <p:tag name="FILENAME" val=""/>
   <p:tag name="LATEXENGINEID" val="0"/>
   <p:tag name="TEMPFOLDER" val="c:\temp\"/>
   <p:tag name="LATEXFORMHEIGHT" val="312"/>
-  <p:tag name="LATEXFORMWIDTH" val="384"/>
+  <p:tag name="LATEXFORMWIDTH" val="380"/>
   <p:tag name="LATEXFORMWRAP" val="True"/>
   <p:tag name="BITMAPVECTOR" val="0"/>
 </p:tagLst>
@@ -38717,6 +42227,233 @@
 <file path=ppt/tags/tag80.xml><?xml version="1.0" encoding="utf-8"?>
 <p:tagLst xmlns:a="http://schemas.openxmlformats.org/drawingml/2006/main" xmlns:r="http://schemas.openxmlformats.org/officeDocument/2006/relationships" xmlns:p="http://schemas.openxmlformats.org/presentationml/2006/main">
   <p:tag name="OUTPUTDPI" val="1200"/>
+  <p:tag name="ORIGINALHEIGHT" val="123.7346"/>
+  <p:tag name="ORIGINALWIDTH" val="500.9374"/>
+  <p:tag name="LATEXADDIN" val="\documentclass{article}&#10;\usepackage{amsmath}&#10;\pagestyle{empty}&#10;\begin{document}&#10;&#10;$\mathrm{ep}(j\rightarrow i)$&#10;&#10;&#10;\end{document}"/>
+  <p:tag name="IGUANATEXSIZE" val="22"/>
+  <p:tag name="IGUANATEXCURSOR" val="110"/>
+  <p:tag name="TRANSPARENCY" val="True"/>
+  <p:tag name="FILENAME" val=""/>
+  <p:tag name="LATEXENGINEID" val="0"/>
+  <p:tag name="TEMPFOLDER" val="c:\temp\"/>
+  <p:tag name="LATEXFORMHEIGHT" val="312"/>
+  <p:tag name="LATEXFORMWIDTH" val="380"/>
+  <p:tag name="LATEXFORMWRAP" val="True"/>
+  <p:tag name="BITMAPVECTOR" val="0"/>
+</p:tagLst>
+</file>
+
+<file path=ppt/tags/tag81.xml><?xml version="1.0" encoding="utf-8"?>
+<p:tagLst xmlns:a="http://schemas.openxmlformats.org/drawingml/2006/main" xmlns:r="http://schemas.openxmlformats.org/officeDocument/2006/relationships" xmlns:p="http://schemas.openxmlformats.org/presentationml/2006/main">
+  <p:tag name="OUTPUTDPI" val="1200"/>
+  <p:tag name="ORIGINALHEIGHT" val="123.7346"/>
+  <p:tag name="ORIGINALWIDTH" val="1169.104"/>
+  <p:tag name="LATEXADDIN" val="\documentclass{article}&#10;\usepackage{amsmath}&#10;\usepackage{color}&#10;\pagestyle{empty}&#10;\begin{document}&#10;&#10;\definecolor{orange}{rgb}{0.5,0,0}&#10;&#10;{\color{orange}&#10;$\mathrm{ep}(i \rightarrow j) - \mathrm{ep}(j \rightarrow i)$&#10;}&#10;&#10;\end{document}"/>
+  <p:tag name="IGUANATEXSIZE" val="24"/>
+  <p:tag name="IGUANATEXCURSOR" val="231"/>
+  <p:tag name="TRANSPARENCY" val="True"/>
+  <p:tag name="FILENAME" val=""/>
+  <p:tag name="LATEXENGINEID" val="0"/>
+  <p:tag name="TEMPFOLDER" val="c:\temp\"/>
+  <p:tag name="LATEXFORMHEIGHT" val="312"/>
+  <p:tag name="LATEXFORMWIDTH" val="380"/>
+  <p:tag name="LATEXFORMWRAP" val="True"/>
+  <p:tag name="BITMAPVECTOR" val="0"/>
+</p:tagLst>
+</file>
+
+<file path=ppt/tags/tag82.xml><?xml version="1.0" encoding="utf-8"?>
+<p:tagLst xmlns:a="http://schemas.openxmlformats.org/drawingml/2006/main" xmlns:r="http://schemas.openxmlformats.org/officeDocument/2006/relationships" xmlns:p="http://schemas.openxmlformats.org/presentationml/2006/main">
+  <p:tag name="TIMING" val="|14.6"/>
+</p:tagLst>
+</file>
+
+<file path=ppt/tags/tag83.xml><?xml version="1.0" encoding="utf-8"?>
+<p:tagLst xmlns:a="http://schemas.openxmlformats.org/drawingml/2006/main" xmlns:r="http://schemas.openxmlformats.org/officeDocument/2006/relationships" xmlns:p="http://schemas.openxmlformats.org/presentationml/2006/main">
+  <p:tag name="OUTPUTDPI" val="1200"/>
+  <p:tag name="ORIGINALHEIGHT" val="111.9327"/>
+  <p:tag name="ORIGINALWIDTH" val="719.3802"/>
+  <p:tag name="LATEXADDIN" val="\documentclass{article}&#10;\usepackage{amsmath}&#10;\pagestyle{empty}&#10;\usepackage{amssymb}&#10;\usepackage{amsthm}&#10;\usepackage{bm}&#10;\usepackage{dsfont}&#10;&#10;\newtheorem*{mythm*}{Theorem}&#10;\newtheorem*{mylem*}{Lemma}&#10;\newtheorem*{mycor*}{Corollary}&#10;\begin{document}&#10;&#10;\begin{mylem*}&#10;The expected time $r_i$ for a random walk starting at node $i$ to return to $i$ is the reciprocal of the stationary probability of $i$.&#10;That is&#10;\[&#10;r_i = \frac{1}{\pi_i}.&#10;\]&#10;\end{mylem*}&#10;&#10;&#10;\end{document}"/>
+  <p:tag name="IGUANATEXSIZE" val="20"/>
+  <p:tag name="IGUANATEXCURSOR" val="230"/>
+  <p:tag name="TRANSPARENCY" val="True"/>
+  <p:tag name="FILENAME" val=""/>
+  <p:tag name="LATEXENGINEID" val="0"/>
+  <p:tag name="TEMPFOLDER" val="c:\temp\"/>
+  <p:tag name="LATEXFORMHEIGHT" val="312"/>
+  <p:tag name="LATEXFORMWIDTH" val="384"/>
+  <p:tag name="LATEXFORMWRAP" val="True"/>
+  <p:tag name="BITMAPVECTOR" val="0"/>
+</p:tagLst>
+</file>
+
+<file path=ppt/tags/tag84.xml><?xml version="1.0" encoding="utf-8"?>
+<p:tagLst xmlns:a="http://schemas.openxmlformats.org/drawingml/2006/main" xmlns:r="http://schemas.openxmlformats.org/officeDocument/2006/relationships" xmlns:p="http://schemas.openxmlformats.org/presentationml/2006/main">
+  <p:tag name="OUTPUTDPI" val="1200"/>
+  <p:tag name="ORIGINALHEIGHT" val="56.24299"/>
+  <p:tag name="ORIGINALWIDTH" val="79.49008"/>
+  <p:tag name="LATEXADDIN" val="\documentclass{article}&#10;\usepackage{amsmath}&#10;\usepackage{bm}&#10;\pagestyle{empty}&#10;\begin{document}&#10;&#10;$\bm{\pi}$&#10;&#10;&#10;\end{document}"/>
+  <p:tag name="IGUANATEXSIZE" val="20"/>
+  <p:tag name="IGUANATEXCURSOR" val="107"/>
+  <p:tag name="TRANSPARENCY" val="True"/>
+  <p:tag name="FILENAME" val=""/>
+  <p:tag name="LATEXENGINEID" val="0"/>
+  <p:tag name="TEMPFOLDER" val="c:\temp\"/>
+  <p:tag name="LATEXFORMHEIGHT" val="312"/>
+  <p:tag name="LATEXFORMWIDTH" val="384"/>
+  <p:tag name="LATEXFORMWRAP" val="True"/>
+  <p:tag name="BITMAPVECTOR" val="0"/>
+</p:tagLst>
+</file>
+
+<file path=ppt/tags/tag85.xml><?xml version="1.0" encoding="utf-8"?>
+<p:tagLst xmlns:a="http://schemas.openxmlformats.org/drawingml/2006/main" xmlns:r="http://schemas.openxmlformats.org/officeDocument/2006/relationships" xmlns:p="http://schemas.openxmlformats.org/presentationml/2006/main">
+  <p:tag name="OUTPUTDPI" val="1200"/>
+  <p:tag name="ORIGINALHEIGHT" val="103.4871"/>
+  <p:tag name="ORIGINALWIDTH" val="197.2254"/>
+  <p:tag name="LATEXADDIN" val="\documentclass{article}&#10;\usepackage{amsmath}&#10;\pagestyle{empty}&#10;\begin{document}&#10;&#10;$\pi_i T$&#10;&#10;&#10;\end{document}"/>
+  <p:tag name="IGUANATEXSIZE" val="20"/>
+  <p:tag name="IGUANATEXCURSOR" val="88"/>
+  <p:tag name="TRANSPARENCY" val="True"/>
+  <p:tag name="FILENAME" val=""/>
+  <p:tag name="LATEXENGINEID" val="0"/>
+  <p:tag name="TEMPFOLDER" val="c:\temp\"/>
+  <p:tag name="LATEXFORMHEIGHT" val="312"/>
+  <p:tag name="LATEXFORMWIDTH" val="384"/>
+  <p:tag name="LATEXFORMWRAP" val="True"/>
+  <p:tag name="BITMAPVECTOR" val="0"/>
+</p:tagLst>
+</file>
+
+<file path=ppt/tags/tag86.xml><?xml version="1.0" encoding="utf-8"?>
+<p:tagLst xmlns:a="http://schemas.openxmlformats.org/drawingml/2006/main" xmlns:r="http://schemas.openxmlformats.org/officeDocument/2006/relationships" xmlns:p="http://schemas.openxmlformats.org/presentationml/2006/main">
+  <p:tag name="OUTPUTDPI" val="1200"/>
+  <p:tag name="ORIGINALHEIGHT" val="164.2294"/>
+  <p:tag name="ORIGINALWIDTH" val="493.4384"/>
+  <p:tag name="LATEXADDIN" val="\documentclass{article}&#10;\usepackage{amsmath}&#10;\pagestyle{empty}&#10;\begin{document}&#10;&#10;$\frac{T}{\pi_i \cdot T} = \frac{1}{\pi_i}$&#10;&#10;&#10;\end{document}"/>
+  <p:tag name="IGUANATEXSIZE" val="20"/>
+  <p:tag name="IGUANATEXCURSOR" val="124"/>
+  <p:tag name="TRANSPARENCY" val="True"/>
+  <p:tag name="FILENAME" val=""/>
+  <p:tag name="LATEXENGINEID" val="0"/>
+  <p:tag name="TEMPFOLDER" val="c:\temp\"/>
+  <p:tag name="LATEXFORMHEIGHT" val="312"/>
+  <p:tag name="LATEXFORMWIDTH" val="384"/>
+  <p:tag name="LATEXFORMWRAP" val="True"/>
+  <p:tag name="BITMAPVECTOR" val="0"/>
+</p:tagLst>
+</file>
+
+<file path=ppt/tags/tag87.xml><?xml version="1.0" encoding="utf-8"?>
+<p:tagLst xmlns:a="http://schemas.openxmlformats.org/drawingml/2006/main" xmlns:r="http://schemas.openxmlformats.org/officeDocument/2006/relationships" xmlns:p="http://schemas.openxmlformats.org/presentationml/2006/main">
+  <p:tag name="TIMING" val="|14.6"/>
+</p:tagLst>
+</file>
+
+<file path=ppt/tags/tag88.xml><?xml version="1.0" encoding="utf-8"?>
+<p:tagLst xmlns:a="http://schemas.openxmlformats.org/drawingml/2006/main" xmlns:r="http://schemas.openxmlformats.org/officeDocument/2006/relationships" xmlns:p="http://schemas.openxmlformats.org/presentationml/2006/main">
+  <p:tag name="OUTPUTDPI" val="1200"/>
+  <p:tag name="ORIGINALHEIGHT" val="163.4795"/>
+  <p:tag name="ORIGINALWIDTH" val="583.4271"/>
+  <p:tag name="LATEXADDIN" val="\documentclass{article}&#10;\usepackage{amsmath}&#10;\pagestyle{empty}&#10;\begin{document}&#10;&#10;$E(X) = \frac{1}{\pi_i}$&#10;&#10;&#10;\end{document}"/>
+  <p:tag name="IGUANATEXSIZE" val="20"/>
+  <p:tag name="IGUANATEXCURSOR" val="105"/>
+  <p:tag name="TRANSPARENCY" val="True"/>
+  <p:tag name="FILENAME" val=""/>
+  <p:tag name="LATEXENGINEID" val="0"/>
+  <p:tag name="TEMPFOLDER" val="c:\temp\"/>
+  <p:tag name="LATEXFORMHEIGHT" val="312"/>
+  <p:tag name="LATEXFORMWIDTH" val="384"/>
+  <p:tag name="LATEXFORMWRAP" val="True"/>
+  <p:tag name="BITMAPVECTOR" val="0"/>
+</p:tagLst>
+</file>
+
+<file path=ppt/tags/tag89.xml><?xml version="1.0" encoding="utf-8"?>
+<p:tagLst xmlns:a="http://schemas.openxmlformats.org/drawingml/2006/main" xmlns:r="http://schemas.openxmlformats.org/officeDocument/2006/relationships" xmlns:p="http://schemas.openxmlformats.org/presentationml/2006/main">
+  <p:tag name="OUTPUTDPI" val="1200"/>
+  <p:tag name="ORIGINALHEIGHT" val="123.7346"/>
+  <p:tag name="ORIGINALWIDTH" val="752.156"/>
+  <p:tag name="LATEXADDIN" val="\documentclass{article}&#10;\usepackage{amsmath}&#10;\pagestyle{empty}&#10;\begin{document}&#10;&#10;&#10;$E(Y) = c(i,j)$&#10;&#10;\end{document}"/>
+  <p:tag name="IGUANATEXSIZE" val="20"/>
+  <p:tag name="IGUANATEXCURSOR" val="97"/>
+  <p:tag name="TRANSPARENCY" val="True"/>
+  <p:tag name="FILENAME" val=""/>
+  <p:tag name="LATEXENGINEID" val="0"/>
+  <p:tag name="TEMPFOLDER" val="c:\temp\"/>
+  <p:tag name="LATEXFORMHEIGHT" val="312"/>
+  <p:tag name="LATEXFORMWIDTH" val="384"/>
+  <p:tag name="LATEXFORMWRAP" val="True"/>
+  <p:tag name="BITMAPVECTOR" val="0"/>
+</p:tagLst>
+</file>
+
+<file path=ppt/tags/tag9.xml><?xml version="1.0" encoding="utf-8"?>
+<p:tagLst xmlns:a="http://schemas.openxmlformats.org/drawingml/2006/main" xmlns:r="http://schemas.openxmlformats.org/officeDocument/2006/relationships" xmlns:p="http://schemas.openxmlformats.org/presentationml/2006/main">
+  <p:tag name="TIMING" val="|14.6"/>
+</p:tagLst>
+</file>
+
+<file path=ppt/tags/tag90.xml><?xml version="1.0" encoding="utf-8"?>
+<p:tagLst xmlns:a="http://schemas.openxmlformats.org/drawingml/2006/main" xmlns:r="http://schemas.openxmlformats.org/officeDocument/2006/relationships" xmlns:p="http://schemas.openxmlformats.org/presentationml/2006/main">
+  <p:tag name="OUTPUTDPI" val="1200"/>
+  <p:tag name="ORIGINALHEIGHT" val="137.9828"/>
+  <p:tag name="ORIGINALWIDTH" val="1505.062"/>
+  <p:tag name="LATEXADDIN" val="\documentclass{article}&#10;\usepackage{amsmath}&#10;\usepackage{amssymb}&#10;\pagestyle{empty}&#10;\begin{document}&#10;&#10;$p \triangleq \Pr\left[X = Y\right] = \mathrm{ep}(i\rightarrow j)$&#10;&#10;&#10;\end{document}"/>
+  <p:tag name="IGUANATEXSIZE" val="20"/>
+  <p:tag name="IGUANATEXCURSOR" val="116"/>
+  <p:tag name="TRANSPARENCY" val="True"/>
+  <p:tag name="FILENAME" val=""/>
+  <p:tag name="LATEXENGINEID" val="0"/>
+  <p:tag name="TEMPFOLDER" val="c:\temp\"/>
+  <p:tag name="LATEXFORMHEIGHT" val="312"/>
+  <p:tag name="LATEXFORMWIDTH" val="384"/>
+  <p:tag name="LATEXFORMWRAP" val="True"/>
+  <p:tag name="BITMAPVECTOR" val="0"/>
+</p:tagLst>
+</file>
+
+<file path=ppt/tags/tag91.xml><?xml version="1.0" encoding="utf-8"?>
+<p:tagLst xmlns:a="http://schemas.openxmlformats.org/drawingml/2006/main" xmlns:r="http://schemas.openxmlformats.org/officeDocument/2006/relationships" xmlns:p="http://schemas.openxmlformats.org/presentationml/2006/main">
+  <p:tag name="OUTPUTDPI" val="1200"/>
+  <p:tag name="ORIGINALHEIGHT" val="123.7346"/>
+  <p:tag name="ORIGINALWIDTH" val="2683.915"/>
+  <p:tag name="LATEXADDIN" val="\documentclass{article}&#10;\usepackage{amsmath}&#10;\pagestyle{empty}&#10;\begin{document}&#10;&#10;$E(Y - X) = p\cdot 0 + (1 - p)\cdot E(Y) = (1-p) c(i,j)$&#10;&#10;&#10;\end{document}"/>
+  <p:tag name="IGUANATEXSIZE" val="18"/>
+  <p:tag name="IGUANATEXCURSOR" val="137"/>
+  <p:tag name="TRANSPARENCY" val="True"/>
+  <p:tag name="FILENAME" val=""/>
+  <p:tag name="LATEXENGINEID" val="0"/>
+  <p:tag name="TEMPFOLDER" val="c:\temp\"/>
+  <p:tag name="LATEXFORMHEIGHT" val="312"/>
+  <p:tag name="LATEXFORMWIDTH" val="384"/>
+  <p:tag name="LATEXFORMWRAP" val="True"/>
+  <p:tag name="BITMAPVECTOR" val="0"/>
+</p:tagLst>
+</file>
+
+<file path=ppt/tags/tag92.xml><?xml version="1.0" encoding="utf-8"?>
+<p:tagLst xmlns:a="http://schemas.openxmlformats.org/drawingml/2006/main" xmlns:r="http://schemas.openxmlformats.org/officeDocument/2006/relationships" xmlns:p="http://schemas.openxmlformats.org/presentationml/2006/main">
+  <p:tag name="OUTPUTDPI" val="1200"/>
+  <p:tag name="ORIGINALHEIGHT" val="163.4795"/>
+  <p:tag name="ORIGINALWIDTH" val="2217.473"/>
+  <p:tag name="LATEXADDIN" val="\documentclass{article}&#10;\usepackage{amsmath}&#10;\pagestyle{empty}&#10;\begin{document}&#10;&#10;&#10;$E(Y - X) = E(Y) - E(X) = c(i,j) - \frac{1}{\pi_i}$&#10;&#10;\end{document}"/>
+  <p:tag name="IGUANATEXSIZE" val="20"/>
+  <p:tag name="IGUANATEXCURSOR" val="133"/>
+  <p:tag name="TRANSPARENCY" val="True"/>
+  <p:tag name="FILENAME" val=""/>
+  <p:tag name="LATEXENGINEID" val="0"/>
+  <p:tag name="TEMPFOLDER" val="c:\temp\"/>
+  <p:tag name="LATEXFORMHEIGHT" val="312"/>
+  <p:tag name="LATEXFORMWIDTH" val="384"/>
+  <p:tag name="LATEXFORMWRAP" val="True"/>
+  <p:tag name="BITMAPVECTOR" val="0"/>
+</p:tagLst>
+</file>
+
+<file path=ppt/tags/tag93.xml><?xml version="1.0" encoding="utf-8"?>
+<p:tagLst xmlns:a="http://schemas.openxmlformats.org/drawingml/2006/main" xmlns:r="http://schemas.openxmlformats.org/officeDocument/2006/relationships" xmlns:p="http://schemas.openxmlformats.org/presentationml/2006/main">
+  <p:tag name="OUTPUTDPI" val="1200"/>
   <p:tag name="ORIGINALHEIGHT" val="156.7712"/>
   <p:tag name="ORIGINALWIDTH" val="720.3619"/>
   <p:tag name="LATEXADDIN" val="\documentclass{article}&#10;\usepackage{amsmath}&#10;\pagestyle{empty}&#10;\usepackage{amssymb}&#10;\usepackage{amsthm}&#10;\usepackage{bm}&#10;\usepackage{dsfont}&#10;\newtheorem*{mythm*}{Theorem}&#10;\newtheorem*{mylem*}{Lemma}&#10;\newtheorem*{mycor*}{Corollary}&#10;\begin{document}&#10;&#10;\begin{mythm*}&#10;The probability that a random walk starting at node $i$ visits $j$ before returning to $i$, which is precisely $\mathrm{ep}(i\rightarrow j)$, satisfies&#10;\[&#10;\mathrm{ep}(i\rightarrow j)c(i,j) = \frac{1}{\pi_i},&#10;\]&#10;where $c(i,j)$ is the commute time between $i$ and $j$.&#10;\end{mythm*}&#10;&#10;&#10;\end{document}"/>
@@ -38733,9 +42470,85 @@
 </p:tagLst>
 </file>
 
-<file path=ppt/tags/tag9.xml><?xml version="1.0" encoding="utf-8"?>
+<file path=ppt/tags/tag94.xml><?xml version="1.0" encoding="utf-8"?>
 <p:tagLst xmlns:a="http://schemas.openxmlformats.org/drawingml/2006/main" xmlns:r="http://schemas.openxmlformats.org/officeDocument/2006/relationships" xmlns:p="http://schemas.openxmlformats.org/presentationml/2006/main">
   <p:tag name="TIMING" val="|14.6"/>
+</p:tagLst>
+</file>
+
+<file path=ppt/tags/tag95.xml><?xml version="1.0" encoding="utf-8"?>
+<p:tagLst xmlns:a="http://schemas.openxmlformats.org/drawingml/2006/main" xmlns:r="http://schemas.openxmlformats.org/officeDocument/2006/relationships" xmlns:p="http://schemas.openxmlformats.org/presentationml/2006/main">
+  <p:tag name="OUTPUTDPI" val="1200"/>
+  <p:tag name="ORIGINALHEIGHT" val="224.222"/>
+  <p:tag name="ORIGINALWIDTH" val="2172.479"/>
+  <p:tag name="LATEXADDIN" val="\documentclass{article}&#10;\usepackage{amsmath}&#10;\pagestyle{empty}&#10;\begin{document}&#10;&#10;$\mathrm{ep}(i\rightarrow j) + \mathrm{ep}(j\rightarrow i) = \frac{1}{c(i,j)}\left(\frac{1}{\pi_i} + \frac{1}{\pi_j}\right)$&#10;&#10;&#10;\end{document}"/>
+  <p:tag name="IGUANATEXSIZE" val="22"/>
+  <p:tag name="IGUANATEXCURSOR" val="205"/>
+  <p:tag name="TRANSPARENCY" val="True"/>
+  <p:tag name="FILENAME" val=""/>
+  <p:tag name="LATEXENGINEID" val="0"/>
+  <p:tag name="TEMPFOLDER" val="c:\temp\"/>
+  <p:tag name="LATEXFORMHEIGHT" val="312"/>
+  <p:tag name="LATEXFORMWIDTH" val="384"/>
+  <p:tag name="LATEXFORMWRAP" val="True"/>
+  <p:tag name="BITMAPVECTOR" val="0"/>
+</p:tagLst>
+</file>
+
+<file path=ppt/tags/tag96.xml><?xml version="1.0" encoding="utf-8"?>
+<p:tagLst xmlns:a="http://schemas.openxmlformats.org/drawingml/2006/main" xmlns:r="http://schemas.openxmlformats.org/officeDocument/2006/relationships" xmlns:p="http://schemas.openxmlformats.org/presentationml/2006/main">
+  <p:tag name="OUTPUTDPI" val="1200"/>
+  <p:tag name="ORIGINALHEIGHT" val="123.7346"/>
+  <p:tag name="ORIGINALWIDTH" val="305.9617"/>
+  <p:tag name="LATEXADDIN" val="\documentclass{article}&#10;\usepackage{amsmath}&#10;\pagestyle{empty}&#10;\begin{document}&#10;&#10;$h(i,j)$&#10;&#10;&#10;\end{document}"/>
+  <p:tag name="IGUANATEXSIZE" val="22"/>
+  <p:tag name="IGUANATEXCURSOR" val="89"/>
+  <p:tag name="TRANSPARENCY" val="True"/>
+  <p:tag name="FILENAME" val=""/>
+  <p:tag name="LATEXENGINEID" val="0"/>
+  <p:tag name="TEMPFOLDER" val="c:\temp\"/>
+  <p:tag name="LATEXFORMHEIGHT" val="312"/>
+  <p:tag name="LATEXFORMWIDTH" val="384"/>
+  <p:tag name="LATEXFORMWRAP" val="True"/>
+  <p:tag name="BITMAPVECTOR" val="0"/>
+</p:tagLst>
+</file>
+
+<file path=ppt/tags/tag97.xml><?xml version="1.0" encoding="utf-8"?>
+<p:tagLst xmlns:a="http://schemas.openxmlformats.org/drawingml/2006/main" xmlns:r="http://schemas.openxmlformats.org/officeDocument/2006/relationships" xmlns:p="http://schemas.openxmlformats.org/presentationml/2006/main">
+  <p:tag name="OUTPUTDPI" val="1200"/>
+  <p:tag name="ORIGINALHEIGHT" val="89.98874"/>
+  <p:tag name="ORIGINALWIDTH" val="106.4867"/>
+  <p:tag name="LATEXADDIN" val="\documentclass{article}&#10;\usepackage{amsmath}&#10;\pagestyle{empty}&#10;\begin{document}&#10;&#10;$\pi_j$&#10;&#10;&#10;\end{document}"/>
+  <p:tag name="IGUANATEXSIZE" val="22"/>
+  <p:tag name="IGUANATEXCURSOR" val="88"/>
+  <p:tag name="TRANSPARENCY" val="True"/>
+  <p:tag name="FILENAME" val=""/>
+  <p:tag name="LATEXENGINEID" val="0"/>
+  <p:tag name="TEMPFOLDER" val="c:\temp\"/>
+  <p:tag name="LATEXFORMHEIGHT" val="312"/>
+  <p:tag name="LATEXFORMWIDTH" val="384"/>
+  <p:tag name="LATEXFORMWRAP" val="True"/>
+  <p:tag name="BITMAPVECTOR" val="0"/>
+</p:tagLst>
+</file>
+
+<file path=ppt/tags/tag98.xml><?xml version="1.0" encoding="utf-8"?>
+<p:tagLst xmlns:a="http://schemas.openxmlformats.org/drawingml/2006/main" xmlns:r="http://schemas.openxmlformats.org/officeDocument/2006/relationships" xmlns:p="http://schemas.openxmlformats.org/presentationml/2006/main">
+  <p:tag name="OUTPUTDPI" val="1200"/>
+  <p:tag name="ORIGINALHEIGHT" val="158.735"/>
+  <p:tag name="ORIGINALWIDTH" val="720.3619"/>
+  <p:tag name="LATEXADDIN" val="\documentclass{article}&#10;\usepackage{amsmath}&#10;\pagestyle{empty}&#10;\usepackage{amssymb}&#10;\usepackage{amsthm}&#10;\usepackage{bm}&#10;\usepackage{dsfont}&#10;\newtheorem*{mythm*}{Theorem}&#10;\newtheorem*{mylem*}{Lemma}&#10;\newtheorem*{mycor*}{Corollary}&#10;\begin{document}&#10;&#10;\begin{mythm*}&#10;The probability that a random walk starting at node $i$ visits $j$ before returning to $i$, which is precisely $\mathrm{ep}(i\rightarrow j)$, satisfies&#10;\[&#10;\mathrm{ep}(i\rightarrow j) = \frac{1}{c(i,j)} \cdot \frac{1}{\pi_i},&#10;\]&#10;where $c(i,j)$ is the commute time between $i$ and $j$.&#10;\end{mythm*}&#10;&#10;&#10;\end{document}"/>
+  <p:tag name="IGUANATEXSIZE" val="20"/>
+  <p:tag name="IGUANATEXCURSOR" val="471"/>
+  <p:tag name="TRANSPARENCY" val="True"/>
+  <p:tag name="FILENAME" val=""/>
+  <p:tag name="LATEXENGINEID" val="0"/>
+  <p:tag name="TEMPFOLDER" val="c:\temp\"/>
+  <p:tag name="LATEXFORMHEIGHT" val="312"/>
+  <p:tag name="LATEXFORMWIDTH" val="384"/>
+  <p:tag name="LATEXFORMWRAP" val="True"/>
+  <p:tag name="BITMAPVECTOR" val="0"/>
 </p:tagLst>
 </file>
 

--- a/rw.pptx
+++ b/rw.pptx
@@ -7163,56 +7163,6 @@
           </a:p>
         </p:txBody>
       </p:sp>
-      <p:sp>
-        <p:nvSpPr>
-          <p:cNvPr id="2051" name="Rectangle 3"/>
-          <p:cNvSpPr>
-            <a:spLocks noGrp="1" noChangeArrowheads="1"/>
-          </p:cNvSpPr>
-          <p:nvPr>
-            <p:ph type="subTitle" idx="1"/>
-          </p:nvPr>
-        </p:nvSpPr>
-        <p:spPr>
-          <a:xfrm>
-            <a:off x="2019300" y="4167188"/>
-            <a:ext cx="7124700" cy="1752600"/>
-          </a:xfrm>
-        </p:spPr>
-        <p:txBody>
-          <a:bodyPr/>
-          <a:lstStyle/>
-          <a:p>
-            <a:r>
-              <a:rPr lang="en-US" altLang="en-US" b="1" dirty="0" smtClean="0">
-                <a:latin typeface="Open Sans" panose="020B0606030504020204" pitchFamily="34" charset="0"/>
-                <a:ea typeface="Open Sans" panose="020B0606030504020204" pitchFamily="34" charset="0"/>
-                <a:cs typeface="Open Sans" panose="020B0606030504020204" pitchFamily="34" charset="0"/>
-              </a:rPr>
-              <a:t>Speaker:</a:t>
-            </a:r>
-            <a:r>
-              <a:rPr lang="en-US" altLang="en-US" b="1" dirty="0" smtClean="0">
-                <a:latin typeface="Garamond" pitchFamily="18" charset="0"/>
-              </a:rPr>
-              <a:t>   </a:t>
-            </a:r>
-            <a:r>
-              <a:rPr lang="zh-CN" altLang="en-US" b="1" dirty="0" smtClean="0">
-                <a:latin typeface="Microsoft YaHei" panose="020B0503020204020204" pitchFamily="34" charset="-122"/>
-                <a:ea typeface="Microsoft YaHei" panose="020B0503020204020204" pitchFamily="34" charset="-122"/>
-                <a:cs typeface="WenQuanYi Micro Hei" panose="020B0606030804020204" pitchFamily="34" charset="-128"/>
-              </a:rPr>
-              <a:t>李 寰</a:t>
-            </a:r>
-            <a:endParaRPr lang="en-US" altLang="en-US" b="1" dirty="0">
-              <a:latin typeface="Microsoft YaHei" panose="020B0503020204020204" pitchFamily="34" charset="-122"/>
-              <a:ea typeface="Microsoft YaHei" panose="020B0503020204020204" pitchFamily="34" charset="-122"/>
-              <a:cs typeface="WenQuanYi Micro Hei" panose="020B0606030804020204" pitchFamily="34" charset="-128"/>
-            </a:endParaRPr>
-          </a:p>
-        </p:txBody>
-      </p:sp>
     </p:spTree>
     <p:extLst>
       <p:ext uri="{BB962C8B-B14F-4D97-AF65-F5344CB8AC3E}">
@@ -7572,7 +7522,7 @@
           <a:graphicData uri="http://schemas.openxmlformats.org/presentationml/2006/ole">
             <mc:AlternateContent xmlns:mc="http://schemas.openxmlformats.org/markup-compatibility/2006">
               <mc:Choice xmlns:v="urn:schemas-microsoft-com:vml" Requires="v">
-                <p:oleObj spid="_x0000_s28949" name="Visio" r:id="rId6" imgW="5289194" imgH="2914802" progId="Visio.Drawing.11">
+                <p:oleObj spid="_x0000_s28951" name="Visio" r:id="rId6" imgW="5289194" imgH="2914802" progId="Visio.Drawing.11">
                   <p:embed/>
                 </p:oleObj>
               </mc:Choice>
@@ -7776,7 +7726,7 @@
           <a:graphicData uri="http://schemas.openxmlformats.org/presentationml/2006/ole">
             <mc:AlternateContent xmlns:mc="http://schemas.openxmlformats.org/markup-compatibility/2006">
               <mc:Choice xmlns:v="urn:schemas-microsoft-com:vml" Requires="v">
-                <p:oleObj spid="_x0000_s31758" name="Visio" r:id="rId9" imgW="5289194" imgH="1988515" progId="Visio.Drawing.11">
+                <p:oleObj spid="_x0000_s31766" name="Visio" r:id="rId9" imgW="5289194" imgH="1988515" progId="Visio.Drawing.11">
                   <p:embed/>
                 </p:oleObj>
               </mc:Choice>
@@ -7878,7 +7828,7 @@
           <a:graphicData uri="http://schemas.openxmlformats.org/presentationml/2006/ole">
             <mc:AlternateContent xmlns:mc="http://schemas.openxmlformats.org/markup-compatibility/2006">
               <mc:Choice xmlns:v="urn:schemas-microsoft-com:vml" Requires="v">
-                <p:oleObj spid="_x0000_s31759" name="Visio" r:id="rId11" imgW="5289194" imgH="2888590" progId="Visio.Drawing.11">
+                <p:oleObj spid="_x0000_s31767" name="Visio" r:id="rId11" imgW="5289194" imgH="2888590" progId="Visio.Drawing.11">
                   <p:embed/>
                 </p:oleObj>
               </mc:Choice>
@@ -7979,7 +7929,7 @@
           <a:graphicData uri="http://schemas.openxmlformats.org/presentationml/2006/ole">
             <mc:AlternateContent xmlns:mc="http://schemas.openxmlformats.org/markup-compatibility/2006">
               <mc:Choice xmlns:v="urn:schemas-microsoft-com:vml" Requires="v">
-                <p:oleObj spid="_x0000_s31760" name="Visio" r:id="rId13" imgW="5186172" imgH="754685" progId="Visio.Drawing.11">
+                <p:oleObj spid="_x0000_s31768" name="Visio" r:id="rId13" imgW="5186172" imgH="754685" progId="Visio.Drawing.11">
                   <p:embed/>
                 </p:oleObj>
               </mc:Choice>
@@ -8080,7 +8030,7 @@
           <a:graphicData uri="http://schemas.openxmlformats.org/presentationml/2006/ole">
             <mc:AlternateContent xmlns:mc="http://schemas.openxmlformats.org/markup-compatibility/2006">
               <mc:Choice xmlns:v="urn:schemas-microsoft-com:vml" Requires="v">
-                <p:oleObj spid="_x0000_s31761" name="Visio" r:id="rId15" imgW="5186172" imgH="1870558" progId="Visio.Drawing.11">
+                <p:oleObj spid="_x0000_s31769" name="Visio" r:id="rId15" imgW="5186172" imgH="1870558" progId="Visio.Drawing.11">
                   <p:embed/>
                 </p:oleObj>
               </mc:Choice>
@@ -9082,7 +9032,7 @@
           <a:graphicData uri="http://schemas.openxmlformats.org/presentationml/2006/ole">
             <mc:AlternateContent xmlns:mc="http://schemas.openxmlformats.org/markup-compatibility/2006">
               <mc:Choice xmlns:v="urn:schemas-microsoft-com:vml" Requires="v">
-                <p:oleObj spid="_x0000_s31122" name="Visio" r:id="rId7" imgW="5038954" imgH="751637" progId="Visio.Drawing.11">
+                <p:oleObj spid="_x0000_s31126" name="Visio" r:id="rId7" imgW="5038954" imgH="751637" progId="Visio.Drawing.11">
                   <p:embed/>
                 </p:oleObj>
               </mc:Choice>
@@ -9237,7 +9187,7 @@
           <a:graphicData uri="http://schemas.openxmlformats.org/presentationml/2006/ole">
             <mc:AlternateContent xmlns:mc="http://schemas.openxmlformats.org/markup-compatibility/2006">
               <mc:Choice xmlns:v="urn:schemas-microsoft-com:vml" Requires="v">
-                <p:oleObj spid="_x0000_s31123" name="Visio" r:id="rId9" imgW="5038954" imgH="1130503" progId="Visio.Drawing.11">
+                <p:oleObj spid="_x0000_s31127" name="Visio" r:id="rId9" imgW="5038954" imgH="1130503" progId="Visio.Drawing.11">
                   <p:embed/>
                 </p:oleObj>
               </mc:Choice>
